--- a/SOLID-präsi.pptx
+++ b/SOLID-präsi.pptx
@@ -5,7 +5,7 @@
     <p:sldMasterId id="2147483648" r:id="rId1"/>
   </p:sldMasterIdLst>
   <p:notesMasterIdLst>
-    <p:notesMasterId r:id="rId14"/>
+    <p:notesMasterId r:id="rId22"/>
   </p:notesMasterIdLst>
   <p:sldIdLst>
     <p:sldId id="256" r:id="rId2"/>
@@ -13,13 +13,21 @@
     <p:sldId id="267" r:id="rId4"/>
     <p:sldId id="268" r:id="rId5"/>
     <p:sldId id="257" r:id="rId6"/>
-    <p:sldId id="258" r:id="rId7"/>
-    <p:sldId id="259" r:id="rId8"/>
-    <p:sldId id="261" r:id="rId9"/>
-    <p:sldId id="262" r:id="rId10"/>
-    <p:sldId id="265" r:id="rId11"/>
-    <p:sldId id="263" r:id="rId12"/>
-    <p:sldId id="264" r:id="rId13"/>
+    <p:sldId id="273" r:id="rId7"/>
+    <p:sldId id="274" r:id="rId8"/>
+    <p:sldId id="275" r:id="rId9"/>
+    <p:sldId id="276" r:id="rId10"/>
+    <p:sldId id="258" r:id="rId11"/>
+    <p:sldId id="259" r:id="rId12"/>
+    <p:sldId id="261" r:id="rId13"/>
+    <p:sldId id="262" r:id="rId14"/>
+    <p:sldId id="265" r:id="rId15"/>
+    <p:sldId id="263" r:id="rId16"/>
+    <p:sldId id="264" r:id="rId17"/>
+    <p:sldId id="269" r:id="rId18"/>
+    <p:sldId id="270" r:id="rId19"/>
+    <p:sldId id="271" r:id="rId20"/>
+    <p:sldId id="272" r:id="rId21"/>
   </p:sldIdLst>
   <p:sldSz cx="12192000" cy="6858000"/>
   <p:notesSz cx="6858000" cy="9144000"/>
@@ -4063,6 +4071,2214 @@
       </p:grpSpPr>
       <p:sp>
         <p:nvSpPr>
+          <p:cNvPr id="2" name="Titel 1">
+            <a:extLst>
+              <a:ext uri="{FF2B5EF4-FFF2-40B4-BE49-F238E27FC236}">
+                <a16:creationId xmlns:a16="http://schemas.microsoft.com/office/drawing/2014/main" id="{AC920A8C-5833-37D5-EE95-F0FB3D2E81D4}"/>
+              </a:ext>
+            </a:extLst>
+          </p:cNvPr>
+          <p:cNvSpPr>
+            <a:spLocks noGrp="1"/>
+          </p:cNvSpPr>
+          <p:nvPr>
+            <p:ph type="title"/>
+          </p:nvPr>
+        </p:nvSpPr>
+        <p:spPr>
+          <a:xfrm>
+            <a:off x="7869678" y="63280"/>
+            <a:ext cx="4145603" cy="6731439"/>
+          </a:xfrm>
+        </p:spPr>
+        <p:txBody>
+          <a:bodyPr>
+            <a:normAutofit fontScale="90000"/>
+          </a:bodyPr>
+          <a:lstStyle/>
+          <a:p>
+            <a:pPr>
+              <a:lnSpc>
+                <a:spcPct val="107000"/>
+              </a:lnSpc>
+              <a:spcAft>
+                <a:spcPts val="800"/>
+              </a:spcAft>
+            </a:pPr>
+            <a:r>
+              <a:rPr lang="en-US" sz="1800" kern="100" dirty="0">
+                <a:effectLst/>
+                <a:latin typeface="Calibri" panose="020F0502020204030204" pitchFamily="34" charset="0"/>
+                <a:ea typeface="Calibri" panose="020F0502020204030204" pitchFamily="34" charset="0"/>
+                <a:cs typeface="Arial" panose="020B0604020202020204" pitchFamily="34" charset="0"/>
+              </a:rPr>
+              <a:t>public abstract class </a:t>
+            </a:r>
+            <a:r>
+              <a:rPr lang="en-US" sz="1800" kern="100" dirty="0" err="1">
+                <a:effectLst/>
+                <a:latin typeface="Calibri" panose="020F0502020204030204" pitchFamily="34" charset="0"/>
+                <a:ea typeface="Calibri" panose="020F0502020204030204" pitchFamily="34" charset="0"/>
+                <a:cs typeface="Arial" panose="020B0604020202020204" pitchFamily="34" charset="0"/>
+              </a:rPr>
+              <a:t>GeometrischeFigur</a:t>
+            </a:r>
+            <a:br>
+              <a:rPr lang="en-US" sz="1800" kern="100" dirty="0">
+                <a:effectLst/>
+                <a:latin typeface="Calibri" panose="020F0502020204030204" pitchFamily="34" charset="0"/>
+                <a:ea typeface="Calibri" panose="020F0502020204030204" pitchFamily="34" charset="0"/>
+                <a:cs typeface="Arial" panose="020B0604020202020204" pitchFamily="34" charset="0"/>
+              </a:rPr>
+            </a:br>
+            <a:r>
+              <a:rPr lang="en-US" sz="1800" kern="100" dirty="0">
+                <a:effectLst/>
+                <a:latin typeface="Calibri" panose="020F0502020204030204" pitchFamily="34" charset="0"/>
+                <a:ea typeface="Calibri" panose="020F0502020204030204" pitchFamily="34" charset="0"/>
+                <a:cs typeface="Arial" panose="020B0604020202020204" pitchFamily="34" charset="0"/>
+              </a:rPr>
+              <a:t>{</a:t>
+            </a:r>
+            <a:br>
+              <a:rPr lang="en-US" sz="1800" kern="100" dirty="0">
+                <a:effectLst/>
+                <a:latin typeface="Calibri" panose="020F0502020204030204" pitchFamily="34" charset="0"/>
+                <a:ea typeface="Calibri" panose="020F0502020204030204" pitchFamily="34" charset="0"/>
+                <a:cs typeface="Arial" panose="020B0604020202020204" pitchFamily="34" charset="0"/>
+              </a:rPr>
+            </a:br>
+            <a:r>
+              <a:rPr lang="en-US" sz="1800" kern="100" dirty="0">
+                <a:effectLst/>
+                <a:latin typeface="Calibri" panose="020F0502020204030204" pitchFamily="34" charset="0"/>
+                <a:ea typeface="Calibri" panose="020F0502020204030204" pitchFamily="34" charset="0"/>
+                <a:cs typeface="Arial" panose="020B0604020202020204" pitchFamily="34" charset="0"/>
+              </a:rPr>
+              <a:t>    public abstract double </a:t>
+            </a:r>
+            <a:r>
+              <a:rPr lang="en-US" sz="1800" kern="100" dirty="0" err="1">
+                <a:effectLst/>
+                <a:latin typeface="Calibri" panose="020F0502020204030204" pitchFamily="34" charset="0"/>
+                <a:ea typeface="Calibri" panose="020F0502020204030204" pitchFamily="34" charset="0"/>
+                <a:cs typeface="Arial" panose="020B0604020202020204" pitchFamily="34" charset="0"/>
+              </a:rPr>
+              <a:t>BerechneFlaeche</a:t>
+            </a:r>
+            <a:r>
+              <a:rPr lang="en-US" sz="1800" kern="100" dirty="0">
+                <a:effectLst/>
+                <a:latin typeface="Calibri" panose="020F0502020204030204" pitchFamily="34" charset="0"/>
+                <a:ea typeface="Calibri" panose="020F0502020204030204" pitchFamily="34" charset="0"/>
+                <a:cs typeface="Arial" panose="020B0604020202020204" pitchFamily="34" charset="0"/>
+              </a:rPr>
+              <a:t>();</a:t>
+            </a:r>
+            <a:br>
+              <a:rPr lang="en-US" sz="1800" kern="100" dirty="0">
+                <a:effectLst/>
+                <a:latin typeface="Calibri" panose="020F0502020204030204" pitchFamily="34" charset="0"/>
+                <a:ea typeface="Calibri" panose="020F0502020204030204" pitchFamily="34" charset="0"/>
+                <a:cs typeface="Arial" panose="020B0604020202020204" pitchFamily="34" charset="0"/>
+              </a:rPr>
+            </a:br>
+            <a:r>
+              <a:rPr lang="en-US" sz="1800" kern="100" dirty="0">
+                <a:effectLst/>
+                <a:latin typeface="Calibri" panose="020F0502020204030204" pitchFamily="34" charset="0"/>
+                <a:ea typeface="Calibri" panose="020F0502020204030204" pitchFamily="34" charset="0"/>
+                <a:cs typeface="Arial" panose="020B0604020202020204" pitchFamily="34" charset="0"/>
+              </a:rPr>
+              <a:t>}</a:t>
+            </a:r>
+            <a:br>
+              <a:rPr lang="en-US" sz="1800" kern="100" dirty="0">
+                <a:effectLst/>
+                <a:latin typeface="Calibri" panose="020F0502020204030204" pitchFamily="34" charset="0"/>
+                <a:ea typeface="Calibri" panose="020F0502020204030204" pitchFamily="34" charset="0"/>
+                <a:cs typeface="Arial" panose="020B0604020202020204" pitchFamily="34" charset="0"/>
+              </a:rPr>
+            </a:br>
+            <a:r>
+              <a:rPr lang="en-US" sz="1800" kern="100" dirty="0">
+                <a:effectLst/>
+                <a:latin typeface="Calibri" panose="020F0502020204030204" pitchFamily="34" charset="0"/>
+                <a:ea typeface="Calibri" panose="020F0502020204030204" pitchFamily="34" charset="0"/>
+                <a:cs typeface="Arial" panose="020B0604020202020204" pitchFamily="34" charset="0"/>
+              </a:rPr>
+              <a:t> </a:t>
+            </a:r>
+            <a:br>
+              <a:rPr lang="en-US" sz="1800" kern="100" dirty="0">
+                <a:effectLst/>
+                <a:latin typeface="Calibri" panose="020F0502020204030204" pitchFamily="34" charset="0"/>
+                <a:ea typeface="Calibri" panose="020F0502020204030204" pitchFamily="34" charset="0"/>
+                <a:cs typeface="Arial" panose="020B0604020202020204" pitchFamily="34" charset="0"/>
+              </a:rPr>
+            </a:br>
+            <a:r>
+              <a:rPr lang="en-US" sz="1800" kern="100" dirty="0">
+                <a:effectLst/>
+                <a:latin typeface="Calibri" panose="020F0502020204030204" pitchFamily="34" charset="0"/>
+                <a:ea typeface="Calibri" panose="020F0502020204030204" pitchFamily="34" charset="0"/>
+                <a:cs typeface="Arial" panose="020B0604020202020204" pitchFamily="34" charset="0"/>
+              </a:rPr>
+              <a:t>public class </a:t>
+            </a:r>
+            <a:r>
+              <a:rPr lang="en-US" sz="1800" kern="100" dirty="0" err="1">
+                <a:effectLst/>
+                <a:latin typeface="Calibri" panose="020F0502020204030204" pitchFamily="34" charset="0"/>
+                <a:ea typeface="Calibri" panose="020F0502020204030204" pitchFamily="34" charset="0"/>
+                <a:cs typeface="Arial" panose="020B0604020202020204" pitchFamily="34" charset="0"/>
+              </a:rPr>
+              <a:t>Rechteck</a:t>
+            </a:r>
+            <a:r>
+              <a:rPr lang="en-US" sz="1800" kern="100" dirty="0">
+                <a:effectLst/>
+                <a:latin typeface="Calibri" panose="020F0502020204030204" pitchFamily="34" charset="0"/>
+                <a:ea typeface="Calibri" panose="020F0502020204030204" pitchFamily="34" charset="0"/>
+                <a:cs typeface="Arial" panose="020B0604020202020204" pitchFamily="34" charset="0"/>
+              </a:rPr>
+              <a:t> : </a:t>
+            </a:r>
+            <a:r>
+              <a:rPr lang="en-US" sz="1800" kern="100" dirty="0" err="1">
+                <a:effectLst/>
+                <a:latin typeface="Calibri" panose="020F0502020204030204" pitchFamily="34" charset="0"/>
+                <a:ea typeface="Calibri" panose="020F0502020204030204" pitchFamily="34" charset="0"/>
+                <a:cs typeface="Arial" panose="020B0604020202020204" pitchFamily="34" charset="0"/>
+              </a:rPr>
+              <a:t>GeometrischeFigur</a:t>
+            </a:r>
+            <a:br>
+              <a:rPr lang="en-US" sz="1800" kern="100" dirty="0">
+                <a:effectLst/>
+                <a:latin typeface="Calibri" panose="020F0502020204030204" pitchFamily="34" charset="0"/>
+                <a:ea typeface="Calibri" panose="020F0502020204030204" pitchFamily="34" charset="0"/>
+                <a:cs typeface="Arial" panose="020B0604020202020204" pitchFamily="34" charset="0"/>
+              </a:rPr>
+            </a:br>
+            <a:r>
+              <a:rPr lang="en-US" sz="1800" kern="100" dirty="0">
+                <a:effectLst/>
+                <a:latin typeface="Calibri" panose="020F0502020204030204" pitchFamily="34" charset="0"/>
+                <a:ea typeface="Calibri" panose="020F0502020204030204" pitchFamily="34" charset="0"/>
+                <a:cs typeface="Arial" panose="020B0604020202020204" pitchFamily="34" charset="0"/>
+              </a:rPr>
+              <a:t>{</a:t>
+            </a:r>
+            <a:br>
+              <a:rPr lang="en-US" sz="1800" kern="100" dirty="0">
+                <a:effectLst/>
+                <a:latin typeface="Calibri" panose="020F0502020204030204" pitchFamily="34" charset="0"/>
+                <a:ea typeface="Calibri" panose="020F0502020204030204" pitchFamily="34" charset="0"/>
+                <a:cs typeface="Arial" panose="020B0604020202020204" pitchFamily="34" charset="0"/>
+              </a:rPr>
+            </a:br>
+            <a:r>
+              <a:rPr lang="en-US" sz="1800" kern="100" dirty="0">
+                <a:effectLst/>
+                <a:latin typeface="Calibri" panose="020F0502020204030204" pitchFamily="34" charset="0"/>
+                <a:ea typeface="Calibri" panose="020F0502020204030204" pitchFamily="34" charset="0"/>
+                <a:cs typeface="Arial" panose="020B0604020202020204" pitchFamily="34" charset="0"/>
+              </a:rPr>
+              <a:t>    public double </a:t>
+            </a:r>
+            <a:r>
+              <a:rPr lang="en-US" sz="1800" kern="100" dirty="0" err="1">
+                <a:effectLst/>
+                <a:latin typeface="Calibri" panose="020F0502020204030204" pitchFamily="34" charset="0"/>
+                <a:ea typeface="Calibri" panose="020F0502020204030204" pitchFamily="34" charset="0"/>
+                <a:cs typeface="Arial" panose="020B0604020202020204" pitchFamily="34" charset="0"/>
+              </a:rPr>
+              <a:t>Laenge</a:t>
+            </a:r>
+            <a:r>
+              <a:rPr lang="en-US" sz="1800" kern="100" dirty="0">
+                <a:effectLst/>
+                <a:latin typeface="Calibri" panose="020F0502020204030204" pitchFamily="34" charset="0"/>
+                <a:ea typeface="Calibri" panose="020F0502020204030204" pitchFamily="34" charset="0"/>
+                <a:cs typeface="Arial" panose="020B0604020202020204" pitchFamily="34" charset="0"/>
+              </a:rPr>
+              <a:t> { get; set; }</a:t>
+            </a:r>
+            <a:br>
+              <a:rPr lang="en-US" sz="1800" kern="100" dirty="0">
+                <a:effectLst/>
+                <a:latin typeface="Calibri" panose="020F0502020204030204" pitchFamily="34" charset="0"/>
+                <a:ea typeface="Calibri" panose="020F0502020204030204" pitchFamily="34" charset="0"/>
+                <a:cs typeface="Arial" panose="020B0604020202020204" pitchFamily="34" charset="0"/>
+              </a:rPr>
+            </a:br>
+            <a:r>
+              <a:rPr lang="en-US" sz="1800" kern="100" dirty="0">
+                <a:effectLst/>
+                <a:latin typeface="Calibri" panose="020F0502020204030204" pitchFamily="34" charset="0"/>
+                <a:ea typeface="Calibri" panose="020F0502020204030204" pitchFamily="34" charset="0"/>
+                <a:cs typeface="Arial" panose="020B0604020202020204" pitchFamily="34" charset="0"/>
+              </a:rPr>
+              <a:t>    public double </a:t>
+            </a:r>
+            <a:r>
+              <a:rPr lang="en-US" sz="1800" kern="100" dirty="0" err="1">
+                <a:effectLst/>
+                <a:latin typeface="Calibri" panose="020F0502020204030204" pitchFamily="34" charset="0"/>
+                <a:ea typeface="Calibri" panose="020F0502020204030204" pitchFamily="34" charset="0"/>
+                <a:cs typeface="Arial" panose="020B0604020202020204" pitchFamily="34" charset="0"/>
+              </a:rPr>
+              <a:t>Breite</a:t>
+            </a:r>
+            <a:r>
+              <a:rPr lang="en-US" sz="1800" kern="100" dirty="0">
+                <a:effectLst/>
+                <a:latin typeface="Calibri" panose="020F0502020204030204" pitchFamily="34" charset="0"/>
+                <a:ea typeface="Calibri" panose="020F0502020204030204" pitchFamily="34" charset="0"/>
+                <a:cs typeface="Arial" panose="020B0604020202020204" pitchFamily="34" charset="0"/>
+              </a:rPr>
+              <a:t> { get; set; }</a:t>
+            </a:r>
+            <a:br>
+              <a:rPr lang="en-US" sz="1800" kern="100" dirty="0">
+                <a:effectLst/>
+                <a:latin typeface="Calibri" panose="020F0502020204030204" pitchFamily="34" charset="0"/>
+                <a:ea typeface="Calibri" panose="020F0502020204030204" pitchFamily="34" charset="0"/>
+                <a:cs typeface="Arial" panose="020B0604020202020204" pitchFamily="34" charset="0"/>
+              </a:rPr>
+            </a:br>
+            <a:r>
+              <a:rPr lang="en-US" sz="1800" kern="100" dirty="0">
+                <a:effectLst/>
+                <a:latin typeface="Calibri" panose="020F0502020204030204" pitchFamily="34" charset="0"/>
+                <a:ea typeface="Calibri" panose="020F0502020204030204" pitchFamily="34" charset="0"/>
+                <a:cs typeface="Arial" panose="020B0604020202020204" pitchFamily="34" charset="0"/>
+              </a:rPr>
+              <a:t> </a:t>
+            </a:r>
+            <a:br>
+              <a:rPr lang="en-US" sz="1800" kern="100" dirty="0">
+                <a:effectLst/>
+                <a:latin typeface="Calibri" panose="020F0502020204030204" pitchFamily="34" charset="0"/>
+                <a:ea typeface="Calibri" panose="020F0502020204030204" pitchFamily="34" charset="0"/>
+                <a:cs typeface="Arial" panose="020B0604020202020204" pitchFamily="34" charset="0"/>
+              </a:rPr>
+            </a:br>
+            <a:r>
+              <a:rPr lang="en-US" sz="1800" kern="100" dirty="0">
+                <a:effectLst/>
+                <a:latin typeface="Calibri" panose="020F0502020204030204" pitchFamily="34" charset="0"/>
+                <a:ea typeface="Calibri" panose="020F0502020204030204" pitchFamily="34" charset="0"/>
+                <a:cs typeface="Arial" panose="020B0604020202020204" pitchFamily="34" charset="0"/>
+              </a:rPr>
+              <a:t>    public override double </a:t>
+            </a:r>
+            <a:r>
+              <a:rPr lang="en-US" sz="1800" kern="100" dirty="0" err="1">
+                <a:effectLst/>
+                <a:latin typeface="Calibri" panose="020F0502020204030204" pitchFamily="34" charset="0"/>
+                <a:ea typeface="Calibri" panose="020F0502020204030204" pitchFamily="34" charset="0"/>
+                <a:cs typeface="Arial" panose="020B0604020202020204" pitchFamily="34" charset="0"/>
+              </a:rPr>
+              <a:t>BerechneFlaeche</a:t>
+            </a:r>
+            <a:r>
+              <a:rPr lang="en-US" sz="1800" kern="100" dirty="0">
+                <a:effectLst/>
+                <a:latin typeface="Calibri" panose="020F0502020204030204" pitchFamily="34" charset="0"/>
+                <a:ea typeface="Calibri" panose="020F0502020204030204" pitchFamily="34" charset="0"/>
+                <a:cs typeface="Arial" panose="020B0604020202020204" pitchFamily="34" charset="0"/>
+              </a:rPr>
+              <a:t>()</a:t>
+            </a:r>
+            <a:br>
+              <a:rPr lang="en-US" sz="1800" kern="100" dirty="0">
+                <a:effectLst/>
+                <a:latin typeface="Calibri" panose="020F0502020204030204" pitchFamily="34" charset="0"/>
+                <a:ea typeface="Calibri" panose="020F0502020204030204" pitchFamily="34" charset="0"/>
+                <a:cs typeface="Arial" panose="020B0604020202020204" pitchFamily="34" charset="0"/>
+              </a:rPr>
+            </a:br>
+            <a:r>
+              <a:rPr lang="en-US" sz="1800" kern="100" dirty="0">
+                <a:effectLst/>
+                <a:latin typeface="Calibri" panose="020F0502020204030204" pitchFamily="34" charset="0"/>
+                <a:ea typeface="Calibri" panose="020F0502020204030204" pitchFamily="34" charset="0"/>
+                <a:cs typeface="Arial" panose="020B0604020202020204" pitchFamily="34" charset="0"/>
+              </a:rPr>
+              <a:t>    {</a:t>
+            </a:r>
+            <a:br>
+              <a:rPr lang="en-US" sz="1800" kern="100" dirty="0">
+                <a:effectLst/>
+                <a:latin typeface="Calibri" panose="020F0502020204030204" pitchFamily="34" charset="0"/>
+                <a:ea typeface="Calibri" panose="020F0502020204030204" pitchFamily="34" charset="0"/>
+                <a:cs typeface="Arial" panose="020B0604020202020204" pitchFamily="34" charset="0"/>
+              </a:rPr>
+            </a:br>
+            <a:r>
+              <a:rPr lang="en-US" sz="1800" kern="100" dirty="0">
+                <a:effectLst/>
+                <a:latin typeface="Calibri" panose="020F0502020204030204" pitchFamily="34" charset="0"/>
+                <a:ea typeface="Calibri" panose="020F0502020204030204" pitchFamily="34" charset="0"/>
+                <a:cs typeface="Arial" panose="020B0604020202020204" pitchFamily="34" charset="0"/>
+              </a:rPr>
+              <a:t>        return </a:t>
+            </a:r>
+            <a:r>
+              <a:rPr lang="en-US" sz="1800" kern="100" dirty="0" err="1">
+                <a:effectLst/>
+                <a:latin typeface="Calibri" panose="020F0502020204030204" pitchFamily="34" charset="0"/>
+                <a:ea typeface="Calibri" panose="020F0502020204030204" pitchFamily="34" charset="0"/>
+                <a:cs typeface="Arial" panose="020B0604020202020204" pitchFamily="34" charset="0"/>
+              </a:rPr>
+              <a:t>Laenge</a:t>
+            </a:r>
+            <a:r>
+              <a:rPr lang="en-US" sz="1800" kern="100" dirty="0">
+                <a:effectLst/>
+                <a:latin typeface="Calibri" panose="020F0502020204030204" pitchFamily="34" charset="0"/>
+                <a:ea typeface="Calibri" panose="020F0502020204030204" pitchFamily="34" charset="0"/>
+                <a:cs typeface="Arial" panose="020B0604020202020204" pitchFamily="34" charset="0"/>
+              </a:rPr>
+              <a:t> * </a:t>
+            </a:r>
+            <a:r>
+              <a:rPr lang="en-US" sz="1800" kern="100" dirty="0" err="1">
+                <a:effectLst/>
+                <a:latin typeface="Calibri" panose="020F0502020204030204" pitchFamily="34" charset="0"/>
+                <a:ea typeface="Calibri" panose="020F0502020204030204" pitchFamily="34" charset="0"/>
+                <a:cs typeface="Arial" panose="020B0604020202020204" pitchFamily="34" charset="0"/>
+              </a:rPr>
+              <a:t>Breite</a:t>
+            </a:r>
+            <a:r>
+              <a:rPr lang="en-US" sz="1800" kern="100" dirty="0">
+                <a:effectLst/>
+                <a:latin typeface="Calibri" panose="020F0502020204030204" pitchFamily="34" charset="0"/>
+                <a:ea typeface="Calibri" panose="020F0502020204030204" pitchFamily="34" charset="0"/>
+                <a:cs typeface="Arial" panose="020B0604020202020204" pitchFamily="34" charset="0"/>
+              </a:rPr>
+              <a:t>;</a:t>
+            </a:r>
+            <a:br>
+              <a:rPr lang="en-US" sz="1800" kern="100" dirty="0">
+                <a:effectLst/>
+                <a:latin typeface="Calibri" panose="020F0502020204030204" pitchFamily="34" charset="0"/>
+                <a:ea typeface="Calibri" panose="020F0502020204030204" pitchFamily="34" charset="0"/>
+                <a:cs typeface="Arial" panose="020B0604020202020204" pitchFamily="34" charset="0"/>
+              </a:rPr>
+            </a:br>
+            <a:r>
+              <a:rPr lang="en-US" sz="1800" kern="100" dirty="0">
+                <a:effectLst/>
+                <a:latin typeface="Calibri" panose="020F0502020204030204" pitchFamily="34" charset="0"/>
+                <a:ea typeface="Calibri" panose="020F0502020204030204" pitchFamily="34" charset="0"/>
+                <a:cs typeface="Arial" panose="020B0604020202020204" pitchFamily="34" charset="0"/>
+              </a:rPr>
+              <a:t>    }</a:t>
+            </a:r>
+            <a:br>
+              <a:rPr lang="en-US" sz="1800" kern="100" dirty="0">
+                <a:effectLst/>
+                <a:latin typeface="Calibri" panose="020F0502020204030204" pitchFamily="34" charset="0"/>
+                <a:ea typeface="Calibri" panose="020F0502020204030204" pitchFamily="34" charset="0"/>
+                <a:cs typeface="Arial" panose="020B0604020202020204" pitchFamily="34" charset="0"/>
+              </a:rPr>
+            </a:br>
+            <a:r>
+              <a:rPr lang="en-US" sz="1800" kern="100" dirty="0">
+                <a:effectLst/>
+                <a:latin typeface="Calibri" panose="020F0502020204030204" pitchFamily="34" charset="0"/>
+                <a:ea typeface="Calibri" panose="020F0502020204030204" pitchFamily="34" charset="0"/>
+                <a:cs typeface="Arial" panose="020B0604020202020204" pitchFamily="34" charset="0"/>
+              </a:rPr>
+              <a:t>}</a:t>
+            </a:r>
+            <a:br>
+              <a:rPr lang="en-US" sz="1800" kern="100" dirty="0">
+                <a:effectLst/>
+                <a:latin typeface="Calibri" panose="020F0502020204030204" pitchFamily="34" charset="0"/>
+                <a:ea typeface="Calibri" panose="020F0502020204030204" pitchFamily="34" charset="0"/>
+                <a:cs typeface="Arial" panose="020B0604020202020204" pitchFamily="34" charset="0"/>
+              </a:rPr>
+            </a:br>
+            <a:r>
+              <a:rPr lang="en-US" sz="1800" kern="100" dirty="0">
+                <a:effectLst/>
+                <a:latin typeface="Calibri" panose="020F0502020204030204" pitchFamily="34" charset="0"/>
+                <a:ea typeface="Calibri" panose="020F0502020204030204" pitchFamily="34" charset="0"/>
+                <a:cs typeface="Arial" panose="020B0604020202020204" pitchFamily="34" charset="0"/>
+              </a:rPr>
+              <a:t>public class Quadrat : </a:t>
+            </a:r>
+            <a:r>
+              <a:rPr lang="en-US" sz="1800" kern="100" dirty="0" err="1">
+                <a:effectLst/>
+                <a:latin typeface="Calibri" panose="020F0502020204030204" pitchFamily="34" charset="0"/>
+                <a:ea typeface="Calibri" panose="020F0502020204030204" pitchFamily="34" charset="0"/>
+                <a:cs typeface="Arial" panose="020B0604020202020204" pitchFamily="34" charset="0"/>
+              </a:rPr>
+              <a:t>GeometrischeFigur</a:t>
+            </a:r>
+            <a:br>
+              <a:rPr lang="en-US" sz="1800" kern="100" dirty="0">
+                <a:effectLst/>
+                <a:latin typeface="Calibri" panose="020F0502020204030204" pitchFamily="34" charset="0"/>
+                <a:ea typeface="Calibri" panose="020F0502020204030204" pitchFamily="34" charset="0"/>
+                <a:cs typeface="Arial" panose="020B0604020202020204" pitchFamily="34" charset="0"/>
+              </a:rPr>
+            </a:br>
+            <a:r>
+              <a:rPr lang="en-US" sz="1800" kern="100" dirty="0">
+                <a:effectLst/>
+                <a:latin typeface="Calibri" panose="020F0502020204030204" pitchFamily="34" charset="0"/>
+                <a:ea typeface="Calibri" panose="020F0502020204030204" pitchFamily="34" charset="0"/>
+                <a:cs typeface="Arial" panose="020B0604020202020204" pitchFamily="34" charset="0"/>
+              </a:rPr>
+              <a:t>{</a:t>
+            </a:r>
+            <a:br>
+              <a:rPr lang="en-US" sz="1800" kern="100" dirty="0">
+                <a:effectLst/>
+                <a:latin typeface="Calibri" panose="020F0502020204030204" pitchFamily="34" charset="0"/>
+                <a:ea typeface="Calibri" panose="020F0502020204030204" pitchFamily="34" charset="0"/>
+                <a:cs typeface="Arial" panose="020B0604020202020204" pitchFamily="34" charset="0"/>
+              </a:rPr>
+            </a:br>
+            <a:r>
+              <a:rPr lang="en-US" sz="1800" kern="100" dirty="0">
+                <a:effectLst/>
+                <a:latin typeface="Calibri" panose="020F0502020204030204" pitchFamily="34" charset="0"/>
+                <a:ea typeface="Calibri" panose="020F0502020204030204" pitchFamily="34" charset="0"/>
+                <a:cs typeface="Arial" panose="020B0604020202020204" pitchFamily="34" charset="0"/>
+              </a:rPr>
+              <a:t>    public double </a:t>
+            </a:r>
+            <a:r>
+              <a:rPr lang="en-US" sz="1800" kern="100" dirty="0" err="1">
+                <a:effectLst/>
+                <a:latin typeface="Calibri" panose="020F0502020204030204" pitchFamily="34" charset="0"/>
+                <a:ea typeface="Calibri" panose="020F0502020204030204" pitchFamily="34" charset="0"/>
+                <a:cs typeface="Arial" panose="020B0604020202020204" pitchFamily="34" charset="0"/>
+              </a:rPr>
+              <a:t>Seitenlaenge</a:t>
+            </a:r>
+            <a:r>
+              <a:rPr lang="en-US" sz="1800" kern="100" dirty="0">
+                <a:effectLst/>
+                <a:latin typeface="Calibri" panose="020F0502020204030204" pitchFamily="34" charset="0"/>
+                <a:ea typeface="Calibri" panose="020F0502020204030204" pitchFamily="34" charset="0"/>
+                <a:cs typeface="Arial" panose="020B0604020202020204" pitchFamily="34" charset="0"/>
+              </a:rPr>
+              <a:t> { get; set; }</a:t>
+            </a:r>
+            <a:br>
+              <a:rPr lang="en-US" sz="1800" kern="100" dirty="0">
+                <a:effectLst/>
+                <a:latin typeface="Calibri" panose="020F0502020204030204" pitchFamily="34" charset="0"/>
+                <a:ea typeface="Calibri" panose="020F0502020204030204" pitchFamily="34" charset="0"/>
+                <a:cs typeface="Arial" panose="020B0604020202020204" pitchFamily="34" charset="0"/>
+              </a:rPr>
+            </a:br>
+            <a:r>
+              <a:rPr lang="en-US" sz="1800" kern="100" dirty="0">
+                <a:effectLst/>
+                <a:latin typeface="Calibri" panose="020F0502020204030204" pitchFamily="34" charset="0"/>
+                <a:ea typeface="Calibri" panose="020F0502020204030204" pitchFamily="34" charset="0"/>
+                <a:cs typeface="Arial" panose="020B0604020202020204" pitchFamily="34" charset="0"/>
+              </a:rPr>
+              <a:t> </a:t>
+            </a:r>
+            <a:br>
+              <a:rPr lang="en-US" sz="1800" kern="100" dirty="0">
+                <a:effectLst/>
+                <a:latin typeface="Calibri" panose="020F0502020204030204" pitchFamily="34" charset="0"/>
+                <a:ea typeface="Calibri" panose="020F0502020204030204" pitchFamily="34" charset="0"/>
+                <a:cs typeface="Arial" panose="020B0604020202020204" pitchFamily="34" charset="0"/>
+              </a:rPr>
+            </a:br>
+            <a:r>
+              <a:rPr lang="en-US" sz="1800" kern="100" dirty="0">
+                <a:effectLst/>
+                <a:latin typeface="Calibri" panose="020F0502020204030204" pitchFamily="34" charset="0"/>
+                <a:ea typeface="Calibri" panose="020F0502020204030204" pitchFamily="34" charset="0"/>
+                <a:cs typeface="Arial" panose="020B0604020202020204" pitchFamily="34" charset="0"/>
+              </a:rPr>
+              <a:t>    public override double </a:t>
+            </a:r>
+            <a:r>
+              <a:rPr lang="en-US" sz="1800" kern="100" dirty="0" err="1">
+                <a:effectLst/>
+                <a:latin typeface="Calibri" panose="020F0502020204030204" pitchFamily="34" charset="0"/>
+                <a:ea typeface="Calibri" panose="020F0502020204030204" pitchFamily="34" charset="0"/>
+                <a:cs typeface="Arial" panose="020B0604020202020204" pitchFamily="34" charset="0"/>
+              </a:rPr>
+              <a:t>BerechneFlaeche</a:t>
+            </a:r>
+            <a:r>
+              <a:rPr lang="en-US" sz="1800" kern="100" dirty="0">
+                <a:effectLst/>
+                <a:latin typeface="Calibri" panose="020F0502020204030204" pitchFamily="34" charset="0"/>
+                <a:ea typeface="Calibri" panose="020F0502020204030204" pitchFamily="34" charset="0"/>
+                <a:cs typeface="Arial" panose="020B0604020202020204" pitchFamily="34" charset="0"/>
+              </a:rPr>
+              <a:t>()</a:t>
+            </a:r>
+            <a:br>
+              <a:rPr lang="en-US" sz="1800" kern="100" dirty="0">
+                <a:effectLst/>
+                <a:latin typeface="Calibri" panose="020F0502020204030204" pitchFamily="34" charset="0"/>
+                <a:ea typeface="Calibri" panose="020F0502020204030204" pitchFamily="34" charset="0"/>
+                <a:cs typeface="Arial" panose="020B0604020202020204" pitchFamily="34" charset="0"/>
+              </a:rPr>
+            </a:br>
+            <a:r>
+              <a:rPr lang="en-US" sz="1800" kern="100" dirty="0">
+                <a:effectLst/>
+                <a:latin typeface="Calibri" panose="020F0502020204030204" pitchFamily="34" charset="0"/>
+                <a:ea typeface="Calibri" panose="020F0502020204030204" pitchFamily="34" charset="0"/>
+                <a:cs typeface="Arial" panose="020B0604020202020204" pitchFamily="34" charset="0"/>
+              </a:rPr>
+              <a:t>    {</a:t>
+            </a:r>
+            <a:br>
+              <a:rPr lang="en-US" sz="1800" kern="100" dirty="0">
+                <a:effectLst/>
+                <a:latin typeface="Calibri" panose="020F0502020204030204" pitchFamily="34" charset="0"/>
+                <a:ea typeface="Calibri" panose="020F0502020204030204" pitchFamily="34" charset="0"/>
+                <a:cs typeface="Arial" panose="020B0604020202020204" pitchFamily="34" charset="0"/>
+              </a:rPr>
+            </a:br>
+            <a:r>
+              <a:rPr lang="en-US" sz="1800" kern="100" dirty="0">
+                <a:effectLst/>
+                <a:latin typeface="Calibri" panose="020F0502020204030204" pitchFamily="34" charset="0"/>
+                <a:ea typeface="Calibri" panose="020F0502020204030204" pitchFamily="34" charset="0"/>
+                <a:cs typeface="Arial" panose="020B0604020202020204" pitchFamily="34" charset="0"/>
+              </a:rPr>
+              <a:t>        return </a:t>
+            </a:r>
+            <a:r>
+              <a:rPr lang="en-US" sz="1800" kern="100" dirty="0" err="1">
+                <a:effectLst/>
+                <a:latin typeface="Calibri" panose="020F0502020204030204" pitchFamily="34" charset="0"/>
+                <a:ea typeface="Calibri" panose="020F0502020204030204" pitchFamily="34" charset="0"/>
+                <a:cs typeface="Arial" panose="020B0604020202020204" pitchFamily="34" charset="0"/>
+              </a:rPr>
+              <a:t>Math.Pow</a:t>
+            </a:r>
+            <a:r>
+              <a:rPr lang="en-US" sz="1800" kern="100" dirty="0">
+                <a:effectLst/>
+                <a:latin typeface="Calibri" panose="020F0502020204030204" pitchFamily="34" charset="0"/>
+                <a:ea typeface="Calibri" panose="020F0502020204030204" pitchFamily="34" charset="0"/>
+                <a:cs typeface="Arial" panose="020B0604020202020204" pitchFamily="34" charset="0"/>
+              </a:rPr>
+              <a:t>(</a:t>
+            </a:r>
+            <a:r>
+              <a:rPr lang="en-US" sz="1800" kern="100" dirty="0" err="1">
+                <a:effectLst/>
+                <a:latin typeface="Calibri" panose="020F0502020204030204" pitchFamily="34" charset="0"/>
+                <a:ea typeface="Calibri" panose="020F0502020204030204" pitchFamily="34" charset="0"/>
+                <a:cs typeface="Arial" panose="020B0604020202020204" pitchFamily="34" charset="0"/>
+              </a:rPr>
+              <a:t>Seitenlaenge</a:t>
+            </a:r>
+            <a:r>
+              <a:rPr lang="en-US" sz="1800" kern="100" dirty="0">
+                <a:effectLst/>
+                <a:latin typeface="Calibri" panose="020F0502020204030204" pitchFamily="34" charset="0"/>
+                <a:ea typeface="Calibri" panose="020F0502020204030204" pitchFamily="34" charset="0"/>
+                <a:cs typeface="Arial" panose="020B0604020202020204" pitchFamily="34" charset="0"/>
+              </a:rPr>
+              <a:t>, 2);</a:t>
+            </a:r>
+            <a:br>
+              <a:rPr lang="en-US" sz="1800" kern="100" dirty="0">
+                <a:effectLst/>
+                <a:latin typeface="Calibri" panose="020F0502020204030204" pitchFamily="34" charset="0"/>
+                <a:ea typeface="Calibri" panose="020F0502020204030204" pitchFamily="34" charset="0"/>
+                <a:cs typeface="Arial" panose="020B0604020202020204" pitchFamily="34" charset="0"/>
+              </a:rPr>
+            </a:br>
+            <a:r>
+              <a:rPr lang="en-US" sz="1800" kern="100" dirty="0">
+                <a:effectLst/>
+                <a:latin typeface="Calibri" panose="020F0502020204030204" pitchFamily="34" charset="0"/>
+                <a:ea typeface="Calibri" panose="020F0502020204030204" pitchFamily="34" charset="0"/>
+                <a:cs typeface="Arial" panose="020B0604020202020204" pitchFamily="34" charset="0"/>
+              </a:rPr>
+              <a:t>    }</a:t>
+            </a:r>
+            <a:br>
+              <a:rPr lang="en-US" sz="1800" kern="100" dirty="0">
+                <a:effectLst/>
+                <a:latin typeface="Calibri" panose="020F0502020204030204" pitchFamily="34" charset="0"/>
+                <a:ea typeface="Calibri" panose="020F0502020204030204" pitchFamily="34" charset="0"/>
+                <a:cs typeface="Arial" panose="020B0604020202020204" pitchFamily="34" charset="0"/>
+              </a:rPr>
+            </a:br>
+            <a:r>
+              <a:rPr lang="en-US" sz="1800" kern="100" dirty="0">
+                <a:effectLst/>
+                <a:latin typeface="Calibri" panose="020F0502020204030204" pitchFamily="34" charset="0"/>
+                <a:ea typeface="Calibri" panose="020F0502020204030204" pitchFamily="34" charset="0"/>
+                <a:cs typeface="Arial" panose="020B0604020202020204" pitchFamily="34" charset="0"/>
+              </a:rPr>
+              <a:t>}</a:t>
+            </a:r>
+            <a:endParaRPr lang="en-US" dirty="0"/>
+          </a:p>
+        </p:txBody>
+      </p:sp>
+      <p:sp>
+        <p:nvSpPr>
+          <p:cNvPr id="3" name="Inhaltsplatzhalter 2">
+            <a:extLst>
+              <a:ext uri="{FF2B5EF4-FFF2-40B4-BE49-F238E27FC236}">
+                <a16:creationId xmlns:a16="http://schemas.microsoft.com/office/drawing/2014/main" id="{D69670C8-5A75-4E56-72C3-57DD3187F54B}"/>
+              </a:ext>
+            </a:extLst>
+          </p:cNvPr>
+          <p:cNvSpPr>
+            <a:spLocks noGrp="1"/>
+          </p:cNvSpPr>
+          <p:nvPr>
+            <p:ph idx="1"/>
+          </p:nvPr>
+        </p:nvSpPr>
+        <p:spPr>
+          <a:xfrm>
+            <a:off x="176719" y="523080"/>
+            <a:ext cx="7508132" cy="5811838"/>
+          </a:xfrm>
+        </p:spPr>
+        <p:txBody>
+          <a:bodyPr>
+            <a:noAutofit/>
+          </a:bodyPr>
+          <a:lstStyle/>
+          <a:p>
+            <a:pPr marL="0" indent="0">
+              <a:lnSpc>
+                <a:spcPct val="107000"/>
+              </a:lnSpc>
+              <a:spcAft>
+                <a:spcPts val="800"/>
+              </a:spcAft>
+              <a:buNone/>
+            </a:pPr>
+            <a:r>
+              <a:rPr lang="en-US" sz="1800" b="1" i="1" u="sng" dirty="0">
+                <a:solidFill>
+                  <a:srgbClr val="000000"/>
+                </a:solidFill>
+                <a:effectLst/>
+                <a:ea typeface="Times New Roman" panose="02020603050405020304" pitchFamily="18" charset="0"/>
+              </a:rPr>
+              <a:t>L: </a:t>
+            </a:r>
+            <a:r>
+              <a:rPr lang="en-US" sz="1800" b="1" i="1" u="sng" dirty="0" err="1">
+                <a:solidFill>
+                  <a:srgbClr val="000000"/>
+                </a:solidFill>
+                <a:effectLst/>
+                <a:ea typeface="Times New Roman" panose="02020603050405020304" pitchFamily="18" charset="0"/>
+              </a:rPr>
+              <a:t>Liskovsches</a:t>
+            </a:r>
+            <a:r>
+              <a:rPr lang="en-US" sz="1800" b="1" i="1" u="sng" dirty="0">
+                <a:solidFill>
+                  <a:srgbClr val="000000"/>
+                </a:solidFill>
+                <a:effectLst/>
+                <a:ea typeface="Times New Roman" panose="02020603050405020304" pitchFamily="18" charset="0"/>
+              </a:rPr>
+              <a:t> </a:t>
+            </a:r>
+            <a:r>
+              <a:rPr lang="en-US" sz="1800" b="1" i="1" u="sng" dirty="0" err="1">
+                <a:solidFill>
+                  <a:srgbClr val="000000"/>
+                </a:solidFill>
+                <a:effectLst/>
+                <a:ea typeface="Times New Roman" panose="02020603050405020304" pitchFamily="18" charset="0"/>
+              </a:rPr>
+              <a:t>Substitutionsprinzip</a:t>
+            </a:r>
+            <a:r>
+              <a:rPr lang="en-US" sz="1800" b="1" i="1" u="sng" dirty="0">
+                <a:solidFill>
+                  <a:srgbClr val="000000"/>
+                </a:solidFill>
+                <a:effectLst/>
+                <a:ea typeface="Times New Roman" panose="02020603050405020304" pitchFamily="18" charset="0"/>
+              </a:rPr>
+              <a:t> – (</a:t>
+            </a:r>
+            <a:r>
+              <a:rPr lang="en-US" sz="1800" b="1" i="1" u="sng" dirty="0" err="1">
+                <a:solidFill>
+                  <a:srgbClr val="202122"/>
+                </a:solidFill>
+                <a:effectLst/>
+                <a:ea typeface="Times New Roman" panose="02020603050405020304" pitchFamily="18" charset="0"/>
+              </a:rPr>
+              <a:t>Ersetzbarkeitsprinzip</a:t>
+            </a:r>
+            <a:r>
+              <a:rPr lang="en-US" sz="1800" b="1" i="1" u="sng" dirty="0">
+                <a:solidFill>
+                  <a:srgbClr val="202122"/>
+                </a:solidFill>
+                <a:effectLst/>
+                <a:ea typeface="Times New Roman" panose="02020603050405020304" pitchFamily="18" charset="0"/>
+              </a:rPr>
+              <a:t>) </a:t>
+            </a:r>
+            <a:endParaRPr lang="de-DE" sz="1800" b="1" i="1" u="sng" kern="100" dirty="0">
+              <a:solidFill>
+                <a:srgbClr val="2A2A2A"/>
+              </a:solidFill>
+              <a:effectLst/>
+              <a:ea typeface="Calibri" panose="020F0502020204030204" pitchFamily="34" charset="0"/>
+              <a:cs typeface="Arial" panose="020B0604020202020204" pitchFamily="34" charset="0"/>
+            </a:endParaRPr>
+          </a:p>
+          <a:p>
+            <a:pPr marL="0" indent="0">
+              <a:lnSpc>
+                <a:spcPct val="107000"/>
+              </a:lnSpc>
+              <a:spcAft>
+                <a:spcPts val="800"/>
+              </a:spcAft>
+              <a:buNone/>
+            </a:pPr>
+            <a:r>
+              <a:rPr lang="de-DE" sz="1800" i="1" kern="100" dirty="0">
+                <a:solidFill>
+                  <a:srgbClr val="2A2A2A"/>
+                </a:solidFill>
+                <a:effectLst/>
+                <a:ea typeface="Calibri" panose="020F0502020204030204" pitchFamily="34" charset="0"/>
+                <a:cs typeface="Arial" panose="020B0604020202020204" pitchFamily="34" charset="0"/>
+              </a:rPr>
+              <a:t>„Sei q(x) eine Eigenschaft des Objektes x vom Typ T, dann sollte q(y) für alle Objekte y des Typs S gelten, wobei S ein Subtyp von T ist.“ </a:t>
+            </a:r>
+            <a:r>
+              <a:rPr lang="de-DE" sz="1800" i="1" kern="100" dirty="0">
+                <a:solidFill>
+                  <a:srgbClr val="2A2A2A"/>
+                </a:solidFill>
+                <a:effectLst/>
+                <a:ea typeface="Calibri" panose="020F0502020204030204" pitchFamily="34" charset="0"/>
+                <a:cs typeface="Calibri" panose="020F0502020204030204" pitchFamily="34" charset="0"/>
+              </a:rPr>
+              <a:t>Barbara </a:t>
+            </a:r>
+            <a:r>
+              <a:rPr lang="de-DE" sz="1800" i="1" kern="100" dirty="0" err="1">
+                <a:solidFill>
+                  <a:srgbClr val="2A2A2A"/>
+                </a:solidFill>
+                <a:effectLst/>
+                <a:ea typeface="Calibri" panose="020F0502020204030204" pitchFamily="34" charset="0"/>
+                <a:cs typeface="Calibri" panose="020F0502020204030204" pitchFamily="34" charset="0"/>
+              </a:rPr>
+              <a:t>Liskov</a:t>
+            </a:r>
+            <a:endParaRPr lang="en-US" sz="1800" kern="100" dirty="0">
+              <a:effectLst/>
+              <a:ea typeface="Calibri" panose="020F0502020204030204" pitchFamily="34" charset="0"/>
+              <a:cs typeface="Arial" panose="020B0604020202020204" pitchFamily="34" charset="0"/>
+            </a:endParaRPr>
+          </a:p>
+          <a:p>
+            <a:pPr marL="0" indent="0">
+              <a:lnSpc>
+                <a:spcPct val="107000"/>
+              </a:lnSpc>
+              <a:spcAft>
+                <a:spcPts val="800"/>
+              </a:spcAft>
+              <a:buNone/>
+            </a:pPr>
+            <a:r>
+              <a:rPr lang="de-DE" sz="1800" kern="100" dirty="0">
+                <a:solidFill>
+                  <a:srgbClr val="2A2A2A"/>
+                </a:solidFill>
+                <a:effectLst/>
+                <a:ea typeface="Calibri" panose="020F0502020204030204" pitchFamily="34" charset="0"/>
+                <a:cs typeface="Arial" panose="020B0604020202020204" pitchFamily="34" charset="0"/>
+              </a:rPr>
+              <a:t>Es besagt das eine Objekt einer abgeleiteten Instanz (</a:t>
+            </a:r>
+            <a:r>
+              <a:rPr lang="de-DE" sz="1800" kern="100" dirty="0" err="1">
+                <a:solidFill>
+                  <a:srgbClr val="2A2A2A"/>
+                </a:solidFill>
+                <a:effectLst/>
+                <a:ea typeface="Calibri" panose="020F0502020204030204" pitchFamily="34" charset="0"/>
+                <a:cs typeface="Arial" panose="020B0604020202020204" pitchFamily="34" charset="0"/>
+              </a:rPr>
+              <a:t>zB</a:t>
+            </a:r>
+            <a:r>
+              <a:rPr lang="de-DE" sz="1800" kern="100" dirty="0">
+                <a:solidFill>
+                  <a:srgbClr val="2A2A2A"/>
+                </a:solidFill>
+                <a:effectLst/>
+                <a:ea typeface="Calibri" panose="020F0502020204030204" pitchFamily="34" charset="0"/>
+                <a:cs typeface="Arial" panose="020B0604020202020204" pitchFamily="34" charset="0"/>
+              </a:rPr>
+              <a:t>. S) durch eine Instanz der Basisklasse (</a:t>
+            </a:r>
+            <a:r>
+              <a:rPr lang="de-DE" sz="1800" kern="100" dirty="0" err="1">
+                <a:solidFill>
+                  <a:srgbClr val="2A2A2A"/>
+                </a:solidFill>
+                <a:effectLst/>
+                <a:ea typeface="Calibri" panose="020F0502020204030204" pitchFamily="34" charset="0"/>
+                <a:cs typeface="Arial" panose="020B0604020202020204" pitchFamily="34" charset="0"/>
+              </a:rPr>
+              <a:t>zB</a:t>
+            </a:r>
+            <a:r>
+              <a:rPr lang="de-DE" sz="1800" kern="100" dirty="0">
+                <a:solidFill>
+                  <a:srgbClr val="2A2A2A"/>
+                </a:solidFill>
+                <a:effectLst/>
+                <a:ea typeface="Calibri" panose="020F0502020204030204" pitchFamily="34" charset="0"/>
+                <a:cs typeface="Arial" panose="020B0604020202020204" pitchFamily="34" charset="0"/>
+              </a:rPr>
+              <a:t> T) ersetz werden kann. Die Korrektheit des Programms wird jedoch nicht beeinträchtigt oder das Programm verändert. Die Verwender können nicht identifizieren ob S oder T Verwendet wird</a:t>
+            </a:r>
+            <a:endParaRPr lang="en-US" sz="1800" kern="100" dirty="0">
+              <a:effectLst/>
+              <a:ea typeface="Calibri" panose="020F0502020204030204" pitchFamily="34" charset="0"/>
+              <a:cs typeface="Arial" panose="020B0604020202020204" pitchFamily="34" charset="0"/>
+            </a:endParaRPr>
+          </a:p>
+          <a:p>
+            <a:pPr marL="0" indent="0">
+              <a:lnSpc>
+                <a:spcPct val="107000"/>
+              </a:lnSpc>
+              <a:spcAft>
+                <a:spcPts val="800"/>
+              </a:spcAft>
+              <a:buNone/>
+            </a:pPr>
+            <a:r>
+              <a:rPr lang="de-DE" sz="1800" kern="100" dirty="0">
+                <a:solidFill>
+                  <a:srgbClr val="000000"/>
+                </a:solidFill>
+                <a:effectLst/>
+                <a:ea typeface="Calibri" panose="020F0502020204030204" pitchFamily="34" charset="0"/>
+                <a:cs typeface="Arial" panose="020B0604020202020204" pitchFamily="34" charset="0"/>
+              </a:rPr>
+              <a:t>Ein Beispiel:</a:t>
+            </a:r>
+            <a:endParaRPr lang="en-US" sz="1800" kern="100" dirty="0">
+              <a:effectLst/>
+              <a:ea typeface="Calibri" panose="020F0502020204030204" pitchFamily="34" charset="0"/>
+              <a:cs typeface="Arial" panose="020B0604020202020204" pitchFamily="34" charset="0"/>
+            </a:endParaRPr>
+          </a:p>
+          <a:p>
+            <a:pPr marL="0" indent="0">
+              <a:lnSpc>
+                <a:spcPct val="107000"/>
+              </a:lnSpc>
+              <a:spcAft>
+                <a:spcPts val="800"/>
+              </a:spcAft>
+              <a:buNone/>
+            </a:pPr>
+            <a:r>
+              <a:rPr lang="de-DE" sz="1800" kern="100" dirty="0">
+                <a:solidFill>
+                  <a:srgbClr val="000000"/>
+                </a:solidFill>
+                <a:effectLst/>
+                <a:ea typeface="Calibri" panose="020F0502020204030204" pitchFamily="34" charset="0"/>
+                <a:cs typeface="Arial" panose="020B0604020202020204" pitchFamily="34" charset="0"/>
+              </a:rPr>
+              <a:t>Die Basisklasse ist </a:t>
+            </a:r>
+            <a:r>
+              <a:rPr lang="de-DE" sz="1800" kern="100" dirty="0">
+                <a:effectLst/>
+                <a:ea typeface="Calibri" panose="020F0502020204030204" pitchFamily="34" charset="0"/>
+                <a:cs typeface="Arial" panose="020B0604020202020204" pitchFamily="34" charset="0"/>
+              </a:rPr>
+              <a:t>"</a:t>
+            </a:r>
+            <a:r>
+              <a:rPr lang="de-DE" sz="1800" kern="100" dirty="0" err="1">
+                <a:effectLst/>
+                <a:ea typeface="Calibri" panose="020F0502020204030204" pitchFamily="34" charset="0"/>
+                <a:cs typeface="Arial" panose="020B0604020202020204" pitchFamily="34" charset="0"/>
+              </a:rPr>
+              <a:t>GeometrischeFigur</a:t>
+            </a:r>
+            <a:r>
+              <a:rPr lang="de-DE" sz="1800" kern="100" dirty="0">
+                <a:effectLst/>
+                <a:ea typeface="Calibri" panose="020F0502020204030204" pitchFamily="34" charset="0"/>
+                <a:cs typeface="Arial" panose="020B0604020202020204" pitchFamily="34" charset="0"/>
+              </a:rPr>
+              <a:t>" und es gibt 2 Abgeleitete Klassen „</a:t>
+            </a:r>
+            <a:r>
+              <a:rPr lang="de-DE" sz="1800" kern="100" dirty="0" err="1">
+                <a:effectLst/>
+                <a:ea typeface="Calibri" panose="020F0502020204030204" pitchFamily="34" charset="0"/>
+                <a:cs typeface="Arial" panose="020B0604020202020204" pitchFamily="34" charset="0"/>
+              </a:rPr>
+              <a:t>Reckteck</a:t>
+            </a:r>
+            <a:r>
+              <a:rPr lang="de-DE" sz="1800" kern="100" dirty="0">
+                <a:effectLst/>
+                <a:ea typeface="Calibri" panose="020F0502020204030204" pitchFamily="34" charset="0"/>
+                <a:cs typeface="Arial" panose="020B0604020202020204" pitchFamily="34" charset="0"/>
+              </a:rPr>
+              <a:t>“ und „Quadrat“. Diese Erben von der Basisklasse.</a:t>
+            </a:r>
+            <a:endParaRPr lang="de-DE" sz="1800" kern="100" dirty="0">
+              <a:solidFill>
+                <a:srgbClr val="2A2A2A"/>
+              </a:solidFill>
+              <a:ea typeface="Calibri" panose="020F0502020204030204" pitchFamily="34" charset="0"/>
+              <a:cs typeface="Arial" panose="020B0604020202020204" pitchFamily="34" charset="0"/>
+            </a:endParaRPr>
+          </a:p>
+          <a:p>
+            <a:pPr marL="0" indent="0">
+              <a:lnSpc>
+                <a:spcPct val="107000"/>
+              </a:lnSpc>
+              <a:spcAft>
+                <a:spcPts val="800"/>
+              </a:spcAft>
+              <a:buNone/>
+            </a:pPr>
+            <a:r>
+              <a:rPr lang="de-DE" sz="1800" kern="100" dirty="0">
+                <a:solidFill>
+                  <a:srgbClr val="2A2A2A"/>
+                </a:solidFill>
+                <a:effectLst/>
+                <a:ea typeface="Calibri" panose="020F0502020204030204" pitchFamily="34" charset="0"/>
+                <a:cs typeface="Arial" panose="020B0604020202020204" pitchFamily="34" charset="0"/>
+              </a:rPr>
+              <a:t>In einem speziellen Fall kann ein Quadrat ein Rechteck sein (wenn alle Seiten gleichlang sind).</a:t>
+            </a:r>
+            <a:endParaRPr lang="en-US" sz="1800" kern="100" dirty="0">
+              <a:effectLst/>
+              <a:ea typeface="Calibri" panose="020F0502020204030204" pitchFamily="34" charset="0"/>
+              <a:cs typeface="Arial" panose="020B0604020202020204" pitchFamily="34" charset="0"/>
+            </a:endParaRPr>
+          </a:p>
+          <a:p>
+            <a:pPr marL="0" indent="0">
+              <a:lnSpc>
+                <a:spcPct val="107000"/>
+              </a:lnSpc>
+              <a:spcAft>
+                <a:spcPts val="800"/>
+              </a:spcAft>
+              <a:buNone/>
+            </a:pPr>
+            <a:r>
+              <a:rPr lang="de-DE" sz="1800" kern="100" dirty="0">
+                <a:solidFill>
+                  <a:srgbClr val="2A2A2A"/>
+                </a:solidFill>
+                <a:effectLst/>
+                <a:ea typeface="Calibri" panose="020F0502020204030204" pitchFamily="34" charset="0"/>
+                <a:cs typeface="Arial" panose="020B0604020202020204" pitchFamily="34" charset="0"/>
+              </a:rPr>
+              <a:t>Das heißt das man laut dem </a:t>
+            </a:r>
+            <a:r>
+              <a:rPr lang="de-DE" sz="1800" kern="100" dirty="0" err="1">
+                <a:solidFill>
+                  <a:srgbClr val="2A2A2A"/>
+                </a:solidFill>
+                <a:effectLst/>
+                <a:ea typeface="Calibri" panose="020F0502020204030204" pitchFamily="34" charset="0"/>
+                <a:cs typeface="Arial" panose="020B0604020202020204" pitchFamily="34" charset="0"/>
+              </a:rPr>
+              <a:t>Liskovischen</a:t>
+            </a:r>
+            <a:r>
+              <a:rPr lang="de-DE" sz="1800" kern="100" dirty="0">
+                <a:solidFill>
+                  <a:srgbClr val="2A2A2A"/>
+                </a:solidFill>
+                <a:effectLst/>
+                <a:ea typeface="Calibri" panose="020F0502020204030204" pitchFamily="34" charset="0"/>
+                <a:cs typeface="Arial" panose="020B0604020202020204" pitchFamily="34" charset="0"/>
+              </a:rPr>
+              <a:t> Subprinzip die Klasse „Quadrat“ mit der Klasse „Rechteck“ ersetzen kann ohne das das Programm seine Funktion verliert.</a:t>
+            </a:r>
+            <a:endParaRPr lang="en-US" sz="1800" kern="100" dirty="0">
+              <a:effectLst/>
+              <a:ea typeface="Calibri" panose="020F0502020204030204" pitchFamily="34" charset="0"/>
+              <a:cs typeface="Arial" panose="020B0604020202020204" pitchFamily="34" charset="0"/>
+            </a:endParaRPr>
+          </a:p>
+          <a:p>
+            <a:pPr marL="0" indent="0">
+              <a:buNone/>
+            </a:pPr>
+            <a:endParaRPr lang="en-US" sz="1800" dirty="0"/>
+          </a:p>
+        </p:txBody>
+      </p:sp>
+    </p:spTree>
+    <p:extLst>
+      <p:ext uri="{BB962C8B-B14F-4D97-AF65-F5344CB8AC3E}">
+        <p14:creationId xmlns:p14="http://schemas.microsoft.com/office/powerpoint/2010/main" val="4234776750"/>
+      </p:ext>
+    </p:extLst>
+  </p:cSld>
+  <p:clrMapOvr>
+    <a:masterClrMapping/>
+  </p:clrMapOvr>
+</p:sld>
+</file>
+
+<file path=ppt/slides/slide11.xml><?xml version="1.0" encoding="utf-8"?>
+<p:sld xmlns:a="http://schemas.openxmlformats.org/drawingml/2006/main" xmlns:r="http://schemas.openxmlformats.org/officeDocument/2006/relationships" xmlns:p="http://schemas.openxmlformats.org/presentationml/2006/main">
+  <p:cSld>
+    <p:spTree>
+      <p:nvGrpSpPr>
+        <p:cNvPr id="1" name=""/>
+        <p:cNvGrpSpPr/>
+        <p:nvPr/>
+      </p:nvGrpSpPr>
+      <p:grpSpPr>
+        <a:xfrm>
+          <a:off x="0" y="0"/>
+          <a:ext cx="0" cy="0"/>
+          <a:chOff x="0" y="0"/>
+          <a:chExt cx="0" cy="0"/>
+        </a:xfrm>
+      </p:grpSpPr>
+      <p:sp>
+        <p:nvSpPr>
+          <p:cNvPr id="2" name="Titel 1">
+            <a:extLst>
+              <a:ext uri="{FF2B5EF4-FFF2-40B4-BE49-F238E27FC236}">
+                <a16:creationId xmlns:a16="http://schemas.microsoft.com/office/drawing/2014/main" id="{AC920A8C-5833-37D5-EE95-F0FB3D2E81D4}"/>
+              </a:ext>
+            </a:extLst>
+          </p:cNvPr>
+          <p:cNvSpPr>
+            <a:spLocks noGrp="1"/>
+          </p:cNvSpPr>
+          <p:nvPr>
+            <p:ph type="title"/>
+          </p:nvPr>
+        </p:nvSpPr>
+        <p:spPr>
+          <a:xfrm>
+            <a:off x="7140104" y="63280"/>
+            <a:ext cx="4844373" cy="6731439"/>
+          </a:xfrm>
+        </p:spPr>
+        <p:txBody>
+          <a:bodyPr>
+            <a:normAutofit/>
+          </a:bodyPr>
+          <a:lstStyle/>
+          <a:p>
+            <a:pPr>
+              <a:lnSpc>
+                <a:spcPct val="107000"/>
+              </a:lnSpc>
+              <a:spcAft>
+                <a:spcPts val="800"/>
+              </a:spcAft>
+            </a:pPr>
+            <a:r>
+              <a:rPr lang="en-US" sz="1800" kern="100" dirty="0">
+                <a:effectLst/>
+                <a:latin typeface="Calibri" panose="020F0502020204030204" pitchFamily="34" charset="0"/>
+                <a:ea typeface="Calibri" panose="020F0502020204030204" pitchFamily="34" charset="0"/>
+                <a:cs typeface="Arial" panose="020B0604020202020204" pitchFamily="34" charset="0"/>
+              </a:rPr>
+              <a:t>class Program</a:t>
+            </a:r>
+            <a:br>
+              <a:rPr lang="en-US" sz="1800" kern="100" dirty="0">
+                <a:effectLst/>
+                <a:latin typeface="Calibri" panose="020F0502020204030204" pitchFamily="34" charset="0"/>
+                <a:ea typeface="Calibri" panose="020F0502020204030204" pitchFamily="34" charset="0"/>
+                <a:cs typeface="Arial" panose="020B0604020202020204" pitchFamily="34" charset="0"/>
+              </a:rPr>
+            </a:br>
+            <a:r>
+              <a:rPr lang="en-US" sz="1800" kern="100" dirty="0">
+                <a:effectLst/>
+                <a:latin typeface="Calibri" panose="020F0502020204030204" pitchFamily="34" charset="0"/>
+                <a:ea typeface="Calibri" panose="020F0502020204030204" pitchFamily="34" charset="0"/>
+                <a:cs typeface="Arial" panose="020B0604020202020204" pitchFamily="34" charset="0"/>
+              </a:rPr>
+              <a:t>{</a:t>
+            </a:r>
+            <a:br>
+              <a:rPr lang="en-US" sz="1800" kern="100" dirty="0">
+                <a:effectLst/>
+                <a:latin typeface="Calibri" panose="020F0502020204030204" pitchFamily="34" charset="0"/>
+                <a:ea typeface="Calibri" panose="020F0502020204030204" pitchFamily="34" charset="0"/>
+                <a:cs typeface="Arial" panose="020B0604020202020204" pitchFamily="34" charset="0"/>
+              </a:rPr>
+            </a:br>
+            <a:r>
+              <a:rPr lang="en-US" sz="1800" kern="100" dirty="0">
+                <a:effectLst/>
+                <a:latin typeface="Calibri" panose="020F0502020204030204" pitchFamily="34" charset="0"/>
+                <a:ea typeface="Calibri" panose="020F0502020204030204" pitchFamily="34" charset="0"/>
+                <a:cs typeface="Arial" panose="020B0604020202020204" pitchFamily="34" charset="0"/>
+              </a:rPr>
+              <a:t>    static void Main(string[] </a:t>
+            </a:r>
+            <a:r>
+              <a:rPr lang="en-US" sz="1800" kern="100" dirty="0" err="1">
+                <a:effectLst/>
+                <a:latin typeface="Calibri" panose="020F0502020204030204" pitchFamily="34" charset="0"/>
+                <a:ea typeface="Calibri" panose="020F0502020204030204" pitchFamily="34" charset="0"/>
+                <a:cs typeface="Arial" panose="020B0604020202020204" pitchFamily="34" charset="0"/>
+              </a:rPr>
+              <a:t>args</a:t>
+            </a:r>
+            <a:r>
+              <a:rPr lang="en-US" sz="1800" kern="100" dirty="0">
+                <a:effectLst/>
+                <a:latin typeface="Calibri" panose="020F0502020204030204" pitchFamily="34" charset="0"/>
+                <a:ea typeface="Calibri" panose="020F0502020204030204" pitchFamily="34" charset="0"/>
+                <a:cs typeface="Arial" panose="020B0604020202020204" pitchFamily="34" charset="0"/>
+              </a:rPr>
+              <a:t>)</a:t>
+            </a:r>
+            <a:br>
+              <a:rPr lang="en-US" sz="1800" kern="100" dirty="0">
+                <a:effectLst/>
+                <a:latin typeface="Calibri" panose="020F0502020204030204" pitchFamily="34" charset="0"/>
+                <a:ea typeface="Calibri" panose="020F0502020204030204" pitchFamily="34" charset="0"/>
+                <a:cs typeface="Arial" panose="020B0604020202020204" pitchFamily="34" charset="0"/>
+              </a:rPr>
+            </a:br>
+            <a:r>
+              <a:rPr lang="en-US" sz="1800" kern="100" dirty="0">
+                <a:effectLst/>
+                <a:latin typeface="Calibri" panose="020F0502020204030204" pitchFamily="34" charset="0"/>
+                <a:ea typeface="Calibri" panose="020F0502020204030204" pitchFamily="34" charset="0"/>
+                <a:cs typeface="Arial" panose="020B0604020202020204" pitchFamily="34" charset="0"/>
+              </a:rPr>
+              <a:t>    </a:t>
+            </a:r>
+            <a:r>
+              <a:rPr lang="de-DE" sz="1800" kern="100" dirty="0">
+                <a:effectLst/>
+                <a:latin typeface="Calibri" panose="020F0502020204030204" pitchFamily="34" charset="0"/>
+                <a:ea typeface="Calibri" panose="020F0502020204030204" pitchFamily="34" charset="0"/>
+                <a:cs typeface="Arial" panose="020B0604020202020204" pitchFamily="34" charset="0"/>
+              </a:rPr>
+              <a:t>{</a:t>
+            </a:r>
+            <a:br>
+              <a:rPr lang="en-US" sz="1800" kern="100" dirty="0">
+                <a:effectLst/>
+                <a:latin typeface="Calibri" panose="020F0502020204030204" pitchFamily="34" charset="0"/>
+                <a:ea typeface="Calibri" panose="020F0502020204030204" pitchFamily="34" charset="0"/>
+                <a:cs typeface="Arial" panose="020B0604020202020204" pitchFamily="34" charset="0"/>
+              </a:rPr>
+            </a:br>
+            <a:r>
+              <a:rPr lang="de-DE" sz="1800" kern="100" dirty="0">
+                <a:effectLst/>
+                <a:latin typeface="Calibri" panose="020F0502020204030204" pitchFamily="34" charset="0"/>
+                <a:ea typeface="Calibri" panose="020F0502020204030204" pitchFamily="34" charset="0"/>
+                <a:cs typeface="Arial" panose="020B0604020202020204" pitchFamily="34" charset="0"/>
+              </a:rPr>
+              <a:t>        </a:t>
+            </a:r>
+            <a:r>
+              <a:rPr lang="de-DE" sz="1800" kern="100" dirty="0" err="1">
+                <a:effectLst/>
+                <a:latin typeface="Calibri" panose="020F0502020204030204" pitchFamily="34" charset="0"/>
+                <a:ea typeface="Calibri" panose="020F0502020204030204" pitchFamily="34" charset="0"/>
+                <a:cs typeface="Arial" panose="020B0604020202020204" pitchFamily="34" charset="0"/>
+              </a:rPr>
+              <a:t>GeometrischeFigur</a:t>
+            </a:r>
+            <a:r>
+              <a:rPr lang="de-DE" sz="1800" kern="100" dirty="0">
+                <a:effectLst/>
+                <a:latin typeface="Calibri" panose="020F0502020204030204" pitchFamily="34" charset="0"/>
+                <a:ea typeface="Calibri" panose="020F0502020204030204" pitchFamily="34" charset="0"/>
+                <a:cs typeface="Arial" panose="020B0604020202020204" pitchFamily="34" charset="0"/>
+              </a:rPr>
+              <a:t>[] </a:t>
+            </a:r>
+            <a:r>
+              <a:rPr lang="de-DE" sz="1800" kern="100" dirty="0" err="1">
+                <a:effectLst/>
+                <a:latin typeface="Calibri" panose="020F0502020204030204" pitchFamily="34" charset="0"/>
+                <a:ea typeface="Calibri" panose="020F0502020204030204" pitchFamily="34" charset="0"/>
+                <a:cs typeface="Arial" panose="020B0604020202020204" pitchFamily="34" charset="0"/>
+              </a:rPr>
+              <a:t>figuren</a:t>
+            </a:r>
+            <a:r>
+              <a:rPr lang="de-DE" sz="1800" kern="100" dirty="0">
+                <a:effectLst/>
+                <a:latin typeface="Calibri" panose="020F0502020204030204" pitchFamily="34" charset="0"/>
+                <a:ea typeface="Calibri" panose="020F0502020204030204" pitchFamily="34" charset="0"/>
+                <a:cs typeface="Arial" panose="020B0604020202020204" pitchFamily="34" charset="0"/>
+              </a:rPr>
+              <a:t> = </a:t>
+            </a:r>
+            <a:r>
+              <a:rPr lang="de-DE" sz="1800" kern="100" dirty="0" err="1">
+                <a:effectLst/>
+                <a:latin typeface="Calibri" panose="020F0502020204030204" pitchFamily="34" charset="0"/>
+                <a:ea typeface="Calibri" panose="020F0502020204030204" pitchFamily="34" charset="0"/>
+                <a:cs typeface="Arial" panose="020B0604020202020204" pitchFamily="34" charset="0"/>
+              </a:rPr>
+              <a:t>new</a:t>
+            </a:r>
+            <a:r>
+              <a:rPr lang="de-DE" sz="1800" kern="100" dirty="0">
+                <a:effectLst/>
+                <a:latin typeface="Calibri" panose="020F0502020204030204" pitchFamily="34" charset="0"/>
+                <a:ea typeface="Calibri" panose="020F0502020204030204" pitchFamily="34" charset="0"/>
+                <a:cs typeface="Arial" panose="020B0604020202020204" pitchFamily="34" charset="0"/>
+              </a:rPr>
+              <a:t> </a:t>
+            </a:r>
+            <a:r>
+              <a:rPr lang="de-DE" sz="1800" kern="100" dirty="0" err="1">
+                <a:effectLst/>
+                <a:latin typeface="Calibri" panose="020F0502020204030204" pitchFamily="34" charset="0"/>
+                <a:ea typeface="Calibri" panose="020F0502020204030204" pitchFamily="34" charset="0"/>
+                <a:cs typeface="Arial" panose="020B0604020202020204" pitchFamily="34" charset="0"/>
+              </a:rPr>
+              <a:t>GeometrischeFigur</a:t>
+            </a:r>
+            <a:r>
+              <a:rPr lang="de-DE" sz="1800" kern="100" dirty="0">
+                <a:effectLst/>
+                <a:latin typeface="Calibri" panose="020F0502020204030204" pitchFamily="34" charset="0"/>
+                <a:ea typeface="Calibri" panose="020F0502020204030204" pitchFamily="34" charset="0"/>
+                <a:cs typeface="Arial" panose="020B0604020202020204" pitchFamily="34" charset="0"/>
+              </a:rPr>
+              <a:t>[2];</a:t>
+            </a:r>
+            <a:br>
+              <a:rPr lang="en-US" sz="1800" kern="100" dirty="0">
+                <a:effectLst/>
+                <a:latin typeface="Calibri" panose="020F0502020204030204" pitchFamily="34" charset="0"/>
+                <a:ea typeface="Calibri" panose="020F0502020204030204" pitchFamily="34" charset="0"/>
+                <a:cs typeface="Arial" panose="020B0604020202020204" pitchFamily="34" charset="0"/>
+              </a:rPr>
+            </a:br>
+            <a:r>
+              <a:rPr lang="de-DE" sz="1800" kern="100" dirty="0">
+                <a:effectLst/>
+                <a:latin typeface="Calibri" panose="020F0502020204030204" pitchFamily="34" charset="0"/>
+                <a:ea typeface="Calibri" panose="020F0502020204030204" pitchFamily="34" charset="0"/>
+                <a:cs typeface="Arial" panose="020B0604020202020204" pitchFamily="34" charset="0"/>
+              </a:rPr>
+              <a:t>        </a:t>
+            </a:r>
+            <a:r>
+              <a:rPr lang="de-DE" sz="1800" kern="100" dirty="0" err="1">
+                <a:effectLst/>
+                <a:latin typeface="Calibri" panose="020F0502020204030204" pitchFamily="34" charset="0"/>
+                <a:ea typeface="Calibri" panose="020F0502020204030204" pitchFamily="34" charset="0"/>
+                <a:cs typeface="Arial" panose="020B0604020202020204" pitchFamily="34" charset="0"/>
+              </a:rPr>
+              <a:t>figuren</a:t>
+            </a:r>
+            <a:r>
+              <a:rPr lang="de-DE" sz="1800" kern="100" dirty="0">
+                <a:effectLst/>
+                <a:latin typeface="Calibri" panose="020F0502020204030204" pitchFamily="34" charset="0"/>
+                <a:ea typeface="Calibri" panose="020F0502020204030204" pitchFamily="34" charset="0"/>
+                <a:cs typeface="Arial" panose="020B0604020202020204" pitchFamily="34" charset="0"/>
+              </a:rPr>
+              <a:t>[0] = </a:t>
+            </a:r>
+            <a:r>
+              <a:rPr lang="de-DE" sz="1800" kern="100" dirty="0" err="1">
+                <a:effectLst/>
+                <a:latin typeface="Calibri" panose="020F0502020204030204" pitchFamily="34" charset="0"/>
+                <a:ea typeface="Calibri" panose="020F0502020204030204" pitchFamily="34" charset="0"/>
+                <a:cs typeface="Arial" panose="020B0604020202020204" pitchFamily="34" charset="0"/>
+              </a:rPr>
+              <a:t>new</a:t>
+            </a:r>
+            <a:r>
+              <a:rPr lang="de-DE" sz="1800" kern="100" dirty="0">
+                <a:effectLst/>
+                <a:latin typeface="Calibri" panose="020F0502020204030204" pitchFamily="34" charset="0"/>
+                <a:ea typeface="Calibri" panose="020F0502020204030204" pitchFamily="34" charset="0"/>
+                <a:cs typeface="Arial" panose="020B0604020202020204" pitchFamily="34" charset="0"/>
+              </a:rPr>
+              <a:t> Rechteck { </a:t>
+            </a:r>
+            <a:r>
+              <a:rPr lang="de-DE" sz="1800" kern="100" dirty="0" err="1">
+                <a:effectLst/>
+                <a:latin typeface="Calibri" panose="020F0502020204030204" pitchFamily="34" charset="0"/>
+                <a:ea typeface="Calibri" panose="020F0502020204030204" pitchFamily="34" charset="0"/>
+                <a:cs typeface="Arial" panose="020B0604020202020204" pitchFamily="34" charset="0"/>
+              </a:rPr>
+              <a:t>Laenge</a:t>
+            </a:r>
+            <a:r>
+              <a:rPr lang="de-DE" sz="1800" kern="100" dirty="0">
+                <a:effectLst/>
+                <a:latin typeface="Calibri" panose="020F0502020204030204" pitchFamily="34" charset="0"/>
+                <a:ea typeface="Calibri" panose="020F0502020204030204" pitchFamily="34" charset="0"/>
+                <a:cs typeface="Arial" panose="020B0604020202020204" pitchFamily="34" charset="0"/>
+              </a:rPr>
+              <a:t> = 2, Breite = 4 };</a:t>
+            </a:r>
+            <a:br>
+              <a:rPr lang="en-US" sz="1800" kern="100" dirty="0">
+                <a:effectLst/>
+                <a:latin typeface="Calibri" panose="020F0502020204030204" pitchFamily="34" charset="0"/>
+                <a:ea typeface="Calibri" panose="020F0502020204030204" pitchFamily="34" charset="0"/>
+                <a:cs typeface="Arial" panose="020B0604020202020204" pitchFamily="34" charset="0"/>
+              </a:rPr>
+            </a:br>
+            <a:r>
+              <a:rPr lang="de-DE" sz="1800" kern="100" dirty="0">
+                <a:effectLst/>
+                <a:latin typeface="Calibri" panose="020F0502020204030204" pitchFamily="34" charset="0"/>
+                <a:ea typeface="Calibri" panose="020F0502020204030204" pitchFamily="34" charset="0"/>
+                <a:cs typeface="Arial" panose="020B0604020202020204" pitchFamily="34" charset="0"/>
+              </a:rPr>
+              <a:t>        </a:t>
+            </a:r>
+            <a:r>
+              <a:rPr lang="de-DE" sz="1800" kern="100" dirty="0" err="1">
+                <a:effectLst/>
+                <a:latin typeface="Calibri" panose="020F0502020204030204" pitchFamily="34" charset="0"/>
+                <a:ea typeface="Calibri" panose="020F0502020204030204" pitchFamily="34" charset="0"/>
+                <a:cs typeface="Arial" panose="020B0604020202020204" pitchFamily="34" charset="0"/>
+              </a:rPr>
+              <a:t>figuren</a:t>
+            </a:r>
+            <a:r>
+              <a:rPr lang="de-DE" sz="1800" kern="100" dirty="0">
+                <a:effectLst/>
+                <a:latin typeface="Calibri" panose="020F0502020204030204" pitchFamily="34" charset="0"/>
+                <a:ea typeface="Calibri" panose="020F0502020204030204" pitchFamily="34" charset="0"/>
+                <a:cs typeface="Arial" panose="020B0604020202020204" pitchFamily="34" charset="0"/>
+              </a:rPr>
+              <a:t>[1] = </a:t>
+            </a:r>
+            <a:r>
+              <a:rPr lang="de-DE" sz="1800" kern="100" dirty="0" err="1">
+                <a:effectLst/>
+                <a:latin typeface="Calibri" panose="020F0502020204030204" pitchFamily="34" charset="0"/>
+                <a:ea typeface="Calibri" panose="020F0502020204030204" pitchFamily="34" charset="0"/>
+                <a:cs typeface="Arial" panose="020B0604020202020204" pitchFamily="34" charset="0"/>
+              </a:rPr>
+              <a:t>new</a:t>
+            </a:r>
+            <a:r>
+              <a:rPr lang="de-DE" sz="1800" kern="100" dirty="0">
+                <a:effectLst/>
+                <a:latin typeface="Calibri" panose="020F0502020204030204" pitchFamily="34" charset="0"/>
+                <a:ea typeface="Calibri" panose="020F0502020204030204" pitchFamily="34" charset="0"/>
+                <a:cs typeface="Arial" panose="020B0604020202020204" pitchFamily="34" charset="0"/>
+              </a:rPr>
+              <a:t> Quadrat { </a:t>
+            </a:r>
+            <a:r>
+              <a:rPr lang="de-DE" sz="1800" kern="100" dirty="0" err="1">
+                <a:effectLst/>
+                <a:latin typeface="Calibri" panose="020F0502020204030204" pitchFamily="34" charset="0"/>
+                <a:ea typeface="Calibri" panose="020F0502020204030204" pitchFamily="34" charset="0"/>
+                <a:cs typeface="Arial" panose="020B0604020202020204" pitchFamily="34" charset="0"/>
+              </a:rPr>
+              <a:t>Seitenlaenge</a:t>
+            </a:r>
+            <a:r>
+              <a:rPr lang="de-DE" sz="1800" kern="100" dirty="0">
+                <a:effectLst/>
+                <a:latin typeface="Calibri" panose="020F0502020204030204" pitchFamily="34" charset="0"/>
+                <a:ea typeface="Calibri" panose="020F0502020204030204" pitchFamily="34" charset="0"/>
+                <a:cs typeface="Arial" panose="020B0604020202020204" pitchFamily="34" charset="0"/>
+              </a:rPr>
+              <a:t> = 2 };</a:t>
+            </a:r>
+            <a:br>
+              <a:rPr lang="en-US" sz="1800" kern="100" dirty="0">
+                <a:effectLst/>
+                <a:latin typeface="Calibri" panose="020F0502020204030204" pitchFamily="34" charset="0"/>
+                <a:ea typeface="Calibri" panose="020F0502020204030204" pitchFamily="34" charset="0"/>
+                <a:cs typeface="Arial" panose="020B0604020202020204" pitchFamily="34" charset="0"/>
+              </a:rPr>
+            </a:br>
+            <a:r>
+              <a:rPr lang="de-DE" sz="1800" kern="100" dirty="0">
+                <a:effectLst/>
+                <a:latin typeface="Calibri" panose="020F0502020204030204" pitchFamily="34" charset="0"/>
+                <a:ea typeface="Calibri" panose="020F0502020204030204" pitchFamily="34" charset="0"/>
+                <a:cs typeface="Arial" panose="020B0604020202020204" pitchFamily="34" charset="0"/>
+              </a:rPr>
+              <a:t> </a:t>
+            </a:r>
+            <a:br>
+              <a:rPr lang="en-US" sz="1800" kern="100" dirty="0">
+                <a:effectLst/>
+                <a:latin typeface="Calibri" panose="020F0502020204030204" pitchFamily="34" charset="0"/>
+                <a:ea typeface="Calibri" panose="020F0502020204030204" pitchFamily="34" charset="0"/>
+                <a:cs typeface="Arial" panose="020B0604020202020204" pitchFamily="34" charset="0"/>
+              </a:rPr>
+            </a:br>
+            <a:r>
+              <a:rPr lang="de-DE" sz="1800" kern="100" dirty="0">
+                <a:effectLst/>
+                <a:latin typeface="Calibri" panose="020F0502020204030204" pitchFamily="34" charset="0"/>
+                <a:ea typeface="Calibri" panose="020F0502020204030204" pitchFamily="34" charset="0"/>
+                <a:cs typeface="Arial" panose="020B0604020202020204" pitchFamily="34" charset="0"/>
+              </a:rPr>
+              <a:t>        double </a:t>
+            </a:r>
+            <a:r>
+              <a:rPr lang="de-DE" sz="1800" kern="100" dirty="0" err="1">
+                <a:effectLst/>
+                <a:latin typeface="Calibri" panose="020F0502020204030204" pitchFamily="34" charset="0"/>
+                <a:ea typeface="Calibri" panose="020F0502020204030204" pitchFamily="34" charset="0"/>
+                <a:cs typeface="Arial" panose="020B0604020202020204" pitchFamily="34" charset="0"/>
+              </a:rPr>
+              <a:t>gesamtflaeche</a:t>
+            </a:r>
+            <a:r>
+              <a:rPr lang="de-DE" sz="1800" kern="100" dirty="0">
+                <a:effectLst/>
+                <a:latin typeface="Calibri" panose="020F0502020204030204" pitchFamily="34" charset="0"/>
+                <a:ea typeface="Calibri" panose="020F0502020204030204" pitchFamily="34" charset="0"/>
+                <a:cs typeface="Arial" panose="020B0604020202020204" pitchFamily="34" charset="0"/>
+              </a:rPr>
+              <a:t> = 0;</a:t>
+            </a:r>
+            <a:br>
+              <a:rPr lang="en-US" sz="1800" kern="100" dirty="0">
+                <a:effectLst/>
+                <a:latin typeface="Calibri" panose="020F0502020204030204" pitchFamily="34" charset="0"/>
+                <a:ea typeface="Calibri" panose="020F0502020204030204" pitchFamily="34" charset="0"/>
+                <a:cs typeface="Arial" panose="020B0604020202020204" pitchFamily="34" charset="0"/>
+              </a:rPr>
+            </a:br>
+            <a:r>
+              <a:rPr lang="de-DE" sz="1800" kern="100" dirty="0">
+                <a:effectLst/>
+                <a:latin typeface="Calibri" panose="020F0502020204030204" pitchFamily="34" charset="0"/>
+                <a:ea typeface="Calibri" panose="020F0502020204030204" pitchFamily="34" charset="0"/>
+                <a:cs typeface="Arial" panose="020B0604020202020204" pitchFamily="34" charset="0"/>
+              </a:rPr>
+              <a:t>        </a:t>
+            </a:r>
+            <a:r>
+              <a:rPr lang="de-DE" sz="1800" kern="100" dirty="0" err="1">
+                <a:effectLst/>
+                <a:latin typeface="Calibri" panose="020F0502020204030204" pitchFamily="34" charset="0"/>
+                <a:ea typeface="Calibri" panose="020F0502020204030204" pitchFamily="34" charset="0"/>
+                <a:cs typeface="Arial" panose="020B0604020202020204" pitchFamily="34" charset="0"/>
+              </a:rPr>
+              <a:t>foreach</a:t>
+            </a:r>
+            <a:r>
+              <a:rPr lang="de-DE" sz="1800" kern="100" dirty="0">
+                <a:effectLst/>
+                <a:latin typeface="Calibri" panose="020F0502020204030204" pitchFamily="34" charset="0"/>
+                <a:ea typeface="Calibri" panose="020F0502020204030204" pitchFamily="34" charset="0"/>
+                <a:cs typeface="Arial" panose="020B0604020202020204" pitchFamily="34" charset="0"/>
+              </a:rPr>
+              <a:t> (</a:t>
+            </a:r>
+            <a:r>
+              <a:rPr lang="de-DE" sz="1800" kern="100" dirty="0" err="1">
+                <a:effectLst/>
+                <a:latin typeface="Calibri" panose="020F0502020204030204" pitchFamily="34" charset="0"/>
+                <a:ea typeface="Calibri" panose="020F0502020204030204" pitchFamily="34" charset="0"/>
+                <a:cs typeface="Arial" panose="020B0604020202020204" pitchFamily="34" charset="0"/>
+              </a:rPr>
+              <a:t>GeometrischeFigur</a:t>
+            </a:r>
+            <a:r>
+              <a:rPr lang="de-DE" sz="1800" kern="100" dirty="0">
+                <a:effectLst/>
+                <a:latin typeface="Calibri" panose="020F0502020204030204" pitchFamily="34" charset="0"/>
+                <a:ea typeface="Calibri" panose="020F0502020204030204" pitchFamily="34" charset="0"/>
+                <a:cs typeface="Arial" panose="020B0604020202020204" pitchFamily="34" charset="0"/>
+              </a:rPr>
+              <a:t> </a:t>
+            </a:r>
+            <a:r>
+              <a:rPr lang="de-DE" sz="1800" kern="100" dirty="0" err="1">
+                <a:effectLst/>
+                <a:latin typeface="Calibri" panose="020F0502020204030204" pitchFamily="34" charset="0"/>
+                <a:ea typeface="Calibri" panose="020F0502020204030204" pitchFamily="34" charset="0"/>
+                <a:cs typeface="Arial" panose="020B0604020202020204" pitchFamily="34" charset="0"/>
+              </a:rPr>
+              <a:t>figur</a:t>
+            </a:r>
+            <a:r>
+              <a:rPr lang="de-DE" sz="1800" kern="100" dirty="0">
+                <a:effectLst/>
+                <a:latin typeface="Calibri" panose="020F0502020204030204" pitchFamily="34" charset="0"/>
+                <a:ea typeface="Calibri" panose="020F0502020204030204" pitchFamily="34" charset="0"/>
+                <a:cs typeface="Arial" panose="020B0604020202020204" pitchFamily="34" charset="0"/>
+              </a:rPr>
+              <a:t> in </a:t>
+            </a:r>
+            <a:r>
+              <a:rPr lang="de-DE" sz="1800" kern="100" dirty="0" err="1">
+                <a:effectLst/>
+                <a:latin typeface="Calibri" panose="020F0502020204030204" pitchFamily="34" charset="0"/>
+                <a:ea typeface="Calibri" panose="020F0502020204030204" pitchFamily="34" charset="0"/>
+                <a:cs typeface="Arial" panose="020B0604020202020204" pitchFamily="34" charset="0"/>
+              </a:rPr>
+              <a:t>figuren</a:t>
+            </a:r>
+            <a:r>
+              <a:rPr lang="de-DE" sz="1800" kern="100" dirty="0">
+                <a:effectLst/>
+                <a:latin typeface="Calibri" panose="020F0502020204030204" pitchFamily="34" charset="0"/>
+                <a:ea typeface="Calibri" panose="020F0502020204030204" pitchFamily="34" charset="0"/>
+                <a:cs typeface="Arial" panose="020B0604020202020204" pitchFamily="34" charset="0"/>
+              </a:rPr>
+              <a:t>)</a:t>
+            </a:r>
+            <a:br>
+              <a:rPr lang="en-US" sz="1800" kern="100" dirty="0">
+                <a:effectLst/>
+                <a:latin typeface="Calibri" panose="020F0502020204030204" pitchFamily="34" charset="0"/>
+                <a:ea typeface="Calibri" panose="020F0502020204030204" pitchFamily="34" charset="0"/>
+                <a:cs typeface="Arial" panose="020B0604020202020204" pitchFamily="34" charset="0"/>
+              </a:rPr>
+            </a:br>
+            <a:r>
+              <a:rPr lang="de-DE" sz="1800" kern="100" dirty="0">
+                <a:effectLst/>
+                <a:latin typeface="Calibri" panose="020F0502020204030204" pitchFamily="34" charset="0"/>
+                <a:ea typeface="Calibri" panose="020F0502020204030204" pitchFamily="34" charset="0"/>
+                <a:cs typeface="Arial" panose="020B0604020202020204" pitchFamily="34" charset="0"/>
+              </a:rPr>
+              <a:t>        {</a:t>
+            </a:r>
+            <a:br>
+              <a:rPr lang="en-US" sz="1800" kern="100" dirty="0">
+                <a:effectLst/>
+                <a:latin typeface="Calibri" panose="020F0502020204030204" pitchFamily="34" charset="0"/>
+                <a:ea typeface="Calibri" panose="020F0502020204030204" pitchFamily="34" charset="0"/>
+                <a:cs typeface="Arial" panose="020B0604020202020204" pitchFamily="34" charset="0"/>
+              </a:rPr>
+            </a:br>
+            <a:r>
+              <a:rPr lang="de-DE" sz="1800" kern="100" dirty="0">
+                <a:effectLst/>
+                <a:latin typeface="Calibri" panose="020F0502020204030204" pitchFamily="34" charset="0"/>
+                <a:ea typeface="Calibri" panose="020F0502020204030204" pitchFamily="34" charset="0"/>
+                <a:cs typeface="Arial" panose="020B0604020202020204" pitchFamily="34" charset="0"/>
+              </a:rPr>
+              <a:t>            </a:t>
+            </a:r>
+            <a:r>
+              <a:rPr lang="de-DE" sz="1800" kern="100" dirty="0" err="1">
+                <a:effectLst/>
+                <a:latin typeface="Calibri" panose="020F0502020204030204" pitchFamily="34" charset="0"/>
+                <a:ea typeface="Calibri" panose="020F0502020204030204" pitchFamily="34" charset="0"/>
+                <a:cs typeface="Arial" panose="020B0604020202020204" pitchFamily="34" charset="0"/>
+              </a:rPr>
+              <a:t>gesamtflaeche</a:t>
+            </a:r>
+            <a:r>
+              <a:rPr lang="de-DE" sz="1800" kern="100" dirty="0">
+                <a:effectLst/>
+                <a:latin typeface="Calibri" panose="020F0502020204030204" pitchFamily="34" charset="0"/>
+                <a:ea typeface="Calibri" panose="020F0502020204030204" pitchFamily="34" charset="0"/>
+                <a:cs typeface="Arial" panose="020B0604020202020204" pitchFamily="34" charset="0"/>
+              </a:rPr>
+              <a:t> += </a:t>
+            </a:r>
+            <a:r>
+              <a:rPr lang="de-DE" sz="1800" kern="100" dirty="0" err="1">
+                <a:effectLst/>
+                <a:latin typeface="Calibri" panose="020F0502020204030204" pitchFamily="34" charset="0"/>
+                <a:ea typeface="Calibri" panose="020F0502020204030204" pitchFamily="34" charset="0"/>
+                <a:cs typeface="Arial" panose="020B0604020202020204" pitchFamily="34" charset="0"/>
+              </a:rPr>
+              <a:t>figur.BerechneFlaeche</a:t>
+            </a:r>
+            <a:r>
+              <a:rPr lang="de-DE" sz="1800" kern="100" dirty="0">
+                <a:effectLst/>
+                <a:latin typeface="Calibri" panose="020F0502020204030204" pitchFamily="34" charset="0"/>
+                <a:ea typeface="Calibri" panose="020F0502020204030204" pitchFamily="34" charset="0"/>
+                <a:cs typeface="Arial" panose="020B0604020202020204" pitchFamily="34" charset="0"/>
+              </a:rPr>
+              <a:t>();</a:t>
+            </a:r>
+            <a:br>
+              <a:rPr lang="en-US" sz="1800" kern="100" dirty="0">
+                <a:effectLst/>
+                <a:latin typeface="Calibri" panose="020F0502020204030204" pitchFamily="34" charset="0"/>
+                <a:ea typeface="Calibri" panose="020F0502020204030204" pitchFamily="34" charset="0"/>
+                <a:cs typeface="Arial" panose="020B0604020202020204" pitchFamily="34" charset="0"/>
+              </a:rPr>
+            </a:br>
+            <a:r>
+              <a:rPr lang="de-DE" sz="1800" kern="100" dirty="0">
+                <a:effectLst/>
+                <a:latin typeface="Calibri" panose="020F0502020204030204" pitchFamily="34" charset="0"/>
+                <a:ea typeface="Calibri" panose="020F0502020204030204" pitchFamily="34" charset="0"/>
+                <a:cs typeface="Arial" panose="020B0604020202020204" pitchFamily="34" charset="0"/>
+              </a:rPr>
+              <a:t>        }</a:t>
+            </a:r>
+            <a:br>
+              <a:rPr lang="en-US" sz="1800" kern="100" dirty="0">
+                <a:effectLst/>
+                <a:latin typeface="Calibri" panose="020F0502020204030204" pitchFamily="34" charset="0"/>
+                <a:ea typeface="Calibri" panose="020F0502020204030204" pitchFamily="34" charset="0"/>
+                <a:cs typeface="Arial" panose="020B0604020202020204" pitchFamily="34" charset="0"/>
+              </a:rPr>
+            </a:br>
+            <a:r>
+              <a:rPr lang="de-DE" sz="1800" kern="100" dirty="0">
+                <a:effectLst/>
+                <a:latin typeface="Calibri" panose="020F0502020204030204" pitchFamily="34" charset="0"/>
+                <a:ea typeface="Calibri" panose="020F0502020204030204" pitchFamily="34" charset="0"/>
+                <a:cs typeface="Arial" panose="020B0604020202020204" pitchFamily="34" charset="0"/>
+              </a:rPr>
+              <a:t> </a:t>
+            </a:r>
+            <a:br>
+              <a:rPr lang="en-US" sz="1800" kern="100" dirty="0">
+                <a:effectLst/>
+                <a:latin typeface="Calibri" panose="020F0502020204030204" pitchFamily="34" charset="0"/>
+                <a:ea typeface="Calibri" panose="020F0502020204030204" pitchFamily="34" charset="0"/>
+                <a:cs typeface="Arial" panose="020B0604020202020204" pitchFamily="34" charset="0"/>
+              </a:rPr>
+            </a:br>
+            <a:r>
+              <a:rPr lang="de-DE" sz="1800" kern="100" dirty="0">
+                <a:effectLst/>
+                <a:latin typeface="Calibri" panose="020F0502020204030204" pitchFamily="34" charset="0"/>
+                <a:ea typeface="Calibri" panose="020F0502020204030204" pitchFamily="34" charset="0"/>
+                <a:cs typeface="Arial" panose="020B0604020202020204" pitchFamily="34" charset="0"/>
+              </a:rPr>
+              <a:t>        </a:t>
+            </a:r>
+            <a:r>
+              <a:rPr lang="de-DE" sz="1800" kern="100" dirty="0" err="1">
+                <a:effectLst/>
+                <a:latin typeface="Calibri" panose="020F0502020204030204" pitchFamily="34" charset="0"/>
+                <a:ea typeface="Calibri" panose="020F0502020204030204" pitchFamily="34" charset="0"/>
+                <a:cs typeface="Arial" panose="020B0604020202020204" pitchFamily="34" charset="0"/>
+              </a:rPr>
+              <a:t>Console.WriteLine</a:t>
+            </a:r>
+            <a:r>
+              <a:rPr lang="de-DE" sz="1800" kern="100" dirty="0">
+                <a:effectLst/>
+                <a:latin typeface="Calibri" panose="020F0502020204030204" pitchFamily="34" charset="0"/>
+                <a:ea typeface="Calibri" panose="020F0502020204030204" pitchFamily="34" charset="0"/>
+                <a:cs typeface="Arial" panose="020B0604020202020204" pitchFamily="34" charset="0"/>
+              </a:rPr>
+              <a:t>($"Die Gesamtfläche beträgt {</a:t>
+            </a:r>
+            <a:r>
+              <a:rPr lang="de-DE" sz="1800" kern="100" dirty="0" err="1">
+                <a:effectLst/>
+                <a:latin typeface="Calibri" panose="020F0502020204030204" pitchFamily="34" charset="0"/>
+                <a:ea typeface="Calibri" panose="020F0502020204030204" pitchFamily="34" charset="0"/>
+                <a:cs typeface="Arial" panose="020B0604020202020204" pitchFamily="34" charset="0"/>
+              </a:rPr>
+              <a:t>gesamtflaeche</a:t>
+            </a:r>
+            <a:r>
+              <a:rPr lang="de-DE" sz="1800" kern="100" dirty="0">
+                <a:effectLst/>
+                <a:latin typeface="Calibri" panose="020F0502020204030204" pitchFamily="34" charset="0"/>
+                <a:ea typeface="Calibri" panose="020F0502020204030204" pitchFamily="34" charset="0"/>
+                <a:cs typeface="Arial" panose="020B0604020202020204" pitchFamily="34" charset="0"/>
+              </a:rPr>
+              <a:t>}.");</a:t>
+            </a:r>
+            <a:br>
+              <a:rPr lang="en-US" sz="1800" kern="100" dirty="0">
+                <a:effectLst/>
+                <a:latin typeface="Calibri" panose="020F0502020204030204" pitchFamily="34" charset="0"/>
+                <a:ea typeface="Calibri" panose="020F0502020204030204" pitchFamily="34" charset="0"/>
+                <a:cs typeface="Arial" panose="020B0604020202020204" pitchFamily="34" charset="0"/>
+              </a:rPr>
+            </a:br>
+            <a:r>
+              <a:rPr lang="de-DE" sz="1800" kern="100" dirty="0">
+                <a:effectLst/>
+                <a:latin typeface="Calibri" panose="020F0502020204030204" pitchFamily="34" charset="0"/>
+                <a:ea typeface="Calibri" panose="020F0502020204030204" pitchFamily="34" charset="0"/>
+                <a:cs typeface="Arial" panose="020B0604020202020204" pitchFamily="34" charset="0"/>
+              </a:rPr>
+              <a:t>    }</a:t>
+            </a:r>
+            <a:br>
+              <a:rPr lang="en-US" sz="1800" kern="100" dirty="0">
+                <a:effectLst/>
+                <a:latin typeface="Calibri" panose="020F0502020204030204" pitchFamily="34" charset="0"/>
+                <a:ea typeface="Calibri" panose="020F0502020204030204" pitchFamily="34" charset="0"/>
+                <a:cs typeface="Arial" panose="020B0604020202020204" pitchFamily="34" charset="0"/>
+              </a:rPr>
+            </a:br>
+            <a:r>
+              <a:rPr lang="de-DE" sz="1800" kern="100" dirty="0">
+                <a:effectLst/>
+                <a:latin typeface="Calibri" panose="020F0502020204030204" pitchFamily="34" charset="0"/>
+                <a:ea typeface="Calibri" panose="020F0502020204030204" pitchFamily="34" charset="0"/>
+                <a:cs typeface="Arial" panose="020B0604020202020204" pitchFamily="34" charset="0"/>
+              </a:rPr>
+              <a:t>}</a:t>
+            </a:r>
+            <a:endParaRPr lang="en-US" sz="1800" kern="100" dirty="0">
+              <a:effectLst/>
+              <a:latin typeface="Calibri" panose="020F0502020204030204" pitchFamily="34" charset="0"/>
+              <a:ea typeface="Calibri" panose="020F0502020204030204" pitchFamily="34" charset="0"/>
+              <a:cs typeface="Arial" panose="020B0604020202020204" pitchFamily="34" charset="0"/>
+            </a:endParaRPr>
+          </a:p>
+        </p:txBody>
+      </p:sp>
+      <p:sp>
+        <p:nvSpPr>
+          <p:cNvPr id="3" name="Inhaltsplatzhalter 2">
+            <a:extLst>
+              <a:ext uri="{FF2B5EF4-FFF2-40B4-BE49-F238E27FC236}">
+                <a16:creationId xmlns:a16="http://schemas.microsoft.com/office/drawing/2014/main" id="{D69670C8-5A75-4E56-72C3-57DD3187F54B}"/>
+              </a:ext>
+            </a:extLst>
+          </p:cNvPr>
+          <p:cNvSpPr>
+            <a:spLocks noGrp="1"/>
+          </p:cNvSpPr>
+          <p:nvPr>
+            <p:ph idx="1"/>
+          </p:nvPr>
+        </p:nvSpPr>
+        <p:spPr>
+          <a:xfrm>
+            <a:off x="207523" y="523081"/>
+            <a:ext cx="6613187" cy="5811838"/>
+          </a:xfrm>
+        </p:spPr>
+        <p:txBody>
+          <a:bodyPr>
+            <a:normAutofit/>
+          </a:bodyPr>
+          <a:lstStyle/>
+          <a:p>
+            <a:pPr marL="0" indent="0">
+              <a:lnSpc>
+                <a:spcPct val="107000"/>
+              </a:lnSpc>
+              <a:spcAft>
+                <a:spcPts val="800"/>
+              </a:spcAft>
+              <a:buNone/>
+            </a:pPr>
+            <a:endParaRPr lang="de-DE" sz="1800" kern="100" dirty="0">
+              <a:solidFill>
+                <a:srgbClr val="2A2A2A"/>
+              </a:solidFill>
+              <a:ea typeface="Calibri" panose="020F0502020204030204" pitchFamily="34" charset="0"/>
+              <a:cs typeface="Arial" panose="020B0604020202020204" pitchFamily="34" charset="0"/>
+            </a:endParaRPr>
+          </a:p>
+          <a:p>
+            <a:pPr marL="0" indent="0">
+              <a:lnSpc>
+                <a:spcPct val="107000"/>
+              </a:lnSpc>
+              <a:spcAft>
+                <a:spcPts val="800"/>
+              </a:spcAft>
+              <a:buNone/>
+            </a:pPr>
+            <a:r>
+              <a:rPr lang="de-DE" sz="1800" kern="100" dirty="0">
+                <a:solidFill>
+                  <a:srgbClr val="2A2A2A"/>
+                </a:solidFill>
+                <a:effectLst/>
+                <a:ea typeface="Calibri" panose="020F0502020204030204" pitchFamily="34" charset="0"/>
+                <a:cs typeface="Arial" panose="020B0604020202020204" pitchFamily="34" charset="0"/>
+              </a:rPr>
+              <a:t>In diesem Beispiel erben die Klassen "Rechteck" und "Quadrat" von der Basisklasse "</a:t>
+            </a:r>
+            <a:r>
+              <a:rPr lang="de-DE" sz="1800" kern="100" dirty="0" err="1">
+                <a:solidFill>
+                  <a:srgbClr val="2A2A2A"/>
+                </a:solidFill>
+                <a:effectLst/>
+                <a:ea typeface="Calibri" panose="020F0502020204030204" pitchFamily="34" charset="0"/>
+                <a:cs typeface="Arial" panose="020B0604020202020204" pitchFamily="34" charset="0"/>
+              </a:rPr>
+              <a:t>GeometrischeFigur</a:t>
+            </a:r>
+            <a:r>
+              <a:rPr lang="de-DE" sz="1800" kern="100" dirty="0">
+                <a:solidFill>
+                  <a:srgbClr val="2A2A2A"/>
+                </a:solidFill>
+                <a:effectLst/>
+                <a:ea typeface="Calibri" panose="020F0502020204030204" pitchFamily="34" charset="0"/>
+                <a:cs typeface="Arial" panose="020B0604020202020204" pitchFamily="34" charset="0"/>
+              </a:rPr>
+              <a:t>" und implementieren beide die Methode "</a:t>
+            </a:r>
+            <a:r>
+              <a:rPr lang="de-DE" sz="1800" kern="100" dirty="0" err="1">
+                <a:solidFill>
+                  <a:srgbClr val="2A2A2A"/>
+                </a:solidFill>
+                <a:effectLst/>
+                <a:ea typeface="Calibri" panose="020F0502020204030204" pitchFamily="34" charset="0"/>
+                <a:cs typeface="Arial" panose="020B0604020202020204" pitchFamily="34" charset="0"/>
+              </a:rPr>
+              <a:t>berechne_Flaeche</a:t>
+            </a:r>
+            <a:r>
+              <a:rPr lang="de-DE" sz="1800" kern="100" dirty="0">
+                <a:solidFill>
+                  <a:srgbClr val="2A2A2A"/>
+                </a:solidFill>
+                <a:effectLst/>
+                <a:ea typeface="Calibri" panose="020F0502020204030204" pitchFamily="34" charset="0"/>
+                <a:cs typeface="Arial" panose="020B0604020202020204" pitchFamily="34" charset="0"/>
+              </a:rPr>
+              <a:t>". Da das Quadrat ein spezieller Fall eines Rechtecks ist, kann man eine Instanz der Klasse "Quadrat" jederzeit durch eine Instanz der Klasse "Rechteck" ersetzen, ohne dass das Programm dadurch in seiner Korrektheit beeinträchtigt wird. Das bedeutet, dass man zum Beispiel folgenden Code schreiben kann:</a:t>
+            </a:r>
+            <a:endParaRPr lang="en-US" sz="1800" kern="100" dirty="0">
+              <a:effectLst/>
+              <a:ea typeface="Calibri" panose="020F0502020204030204" pitchFamily="34" charset="0"/>
+              <a:cs typeface="Arial" panose="020B0604020202020204" pitchFamily="34" charset="0"/>
+            </a:endParaRPr>
+          </a:p>
+          <a:p>
+            <a:pPr marL="0" indent="0">
+              <a:buNone/>
+            </a:pPr>
+            <a:endParaRPr lang="en-US" sz="1800" dirty="0"/>
+          </a:p>
+          <a:p>
+            <a:pPr marL="0" indent="0">
+              <a:lnSpc>
+                <a:spcPct val="107000"/>
+              </a:lnSpc>
+              <a:spcAft>
+                <a:spcPts val="800"/>
+              </a:spcAft>
+              <a:buNone/>
+            </a:pPr>
+            <a:r>
+              <a:rPr lang="de-DE" sz="1800" kern="100" dirty="0">
+                <a:effectLst/>
+                <a:ea typeface="Calibri" panose="020F0502020204030204" pitchFamily="34" charset="0"/>
+                <a:cs typeface="Arial" panose="020B0604020202020204" pitchFamily="34" charset="0"/>
+              </a:rPr>
+              <a:t>Das Programm berechnet die Gesamtfläche von zwei Figuren, einem Rechteck mit der Länge 2 und der Breite 4 und einem Quadrat mit der Seitenlänge 2. Die Gesamtfläche von beiden ist 12. Das zeigt das die Instanzen miteinander ersetz werden können</a:t>
+            </a:r>
+            <a:endParaRPr lang="en-US" sz="1800" kern="100" dirty="0">
+              <a:effectLst/>
+              <a:ea typeface="Calibri" panose="020F0502020204030204" pitchFamily="34" charset="0"/>
+              <a:cs typeface="Arial" panose="020B0604020202020204" pitchFamily="34" charset="0"/>
+            </a:endParaRPr>
+          </a:p>
+        </p:txBody>
+      </p:sp>
+    </p:spTree>
+    <p:extLst>
+      <p:ext uri="{BB962C8B-B14F-4D97-AF65-F5344CB8AC3E}">
+        <p14:creationId xmlns:p14="http://schemas.microsoft.com/office/powerpoint/2010/main" val="1576329022"/>
+      </p:ext>
+    </p:extLst>
+  </p:cSld>
+  <p:clrMapOvr>
+    <a:masterClrMapping/>
+  </p:clrMapOvr>
+</p:sld>
+</file>
+
+<file path=ppt/slides/slide12.xml><?xml version="1.0" encoding="utf-8"?>
+<p:sld xmlns:a="http://schemas.openxmlformats.org/drawingml/2006/main" xmlns:r="http://schemas.openxmlformats.org/officeDocument/2006/relationships" xmlns:p="http://schemas.openxmlformats.org/presentationml/2006/main">
+  <p:cSld>
+    <p:spTree>
+      <p:nvGrpSpPr>
+        <p:cNvPr id="1" name=""/>
+        <p:cNvGrpSpPr/>
+        <p:nvPr/>
+      </p:nvGrpSpPr>
+      <p:grpSpPr>
+        <a:xfrm>
+          <a:off x="0" y="0"/>
+          <a:ext cx="0" cy="0"/>
+          <a:chOff x="0" y="0"/>
+          <a:chExt cx="0" cy="0"/>
+        </a:xfrm>
+      </p:grpSpPr>
+      <p:sp>
+        <p:nvSpPr>
+          <p:cNvPr id="2" name="Titel 1">
+            <a:extLst>
+              <a:ext uri="{FF2B5EF4-FFF2-40B4-BE49-F238E27FC236}">
+                <a16:creationId xmlns:a16="http://schemas.microsoft.com/office/drawing/2014/main" id="{649B1892-672A-4FC2-96AC-ADA0B512F925}"/>
+              </a:ext>
+            </a:extLst>
+          </p:cNvPr>
+          <p:cNvSpPr>
+            <a:spLocks noGrp="1"/>
+          </p:cNvSpPr>
+          <p:nvPr>
+            <p:ph type="title"/>
+          </p:nvPr>
+        </p:nvSpPr>
+        <p:spPr/>
+        <p:txBody>
+          <a:bodyPr/>
+          <a:lstStyle/>
+          <a:p>
+            <a:r>
+              <a:rPr lang="de-DE" dirty="0"/>
+              <a:t>Das "I" im SOLID-Prinzip</a:t>
+            </a:r>
+          </a:p>
+        </p:txBody>
+      </p:sp>
+      <p:sp>
+        <p:nvSpPr>
+          <p:cNvPr id="3" name="Inhaltsplatzhalter 2">
+            <a:extLst>
+              <a:ext uri="{FF2B5EF4-FFF2-40B4-BE49-F238E27FC236}">
+                <a16:creationId xmlns:a16="http://schemas.microsoft.com/office/drawing/2014/main" id="{AE187A44-4DEF-4967-8713-C0E4CAB34B5A}"/>
+              </a:ext>
+            </a:extLst>
+          </p:cNvPr>
+          <p:cNvSpPr>
+            <a:spLocks noGrp="1"/>
+          </p:cNvSpPr>
+          <p:nvPr>
+            <p:ph idx="1"/>
+          </p:nvPr>
+        </p:nvSpPr>
+        <p:spPr/>
+        <p:txBody>
+          <a:bodyPr/>
+          <a:lstStyle/>
+          <a:p>
+            <a:r>
+              <a:rPr lang="de-DE" dirty="0"/>
+              <a:t>Das "I" steht für "Interface Segregation </a:t>
+            </a:r>
+            <a:r>
+              <a:rPr lang="de-DE" dirty="0" err="1"/>
+              <a:t>Principle</a:t>
+            </a:r>
+            <a:r>
+              <a:rPr lang="de-DE" dirty="0"/>
+              <a:t>" (Prinzip der Schnittstellentrennung)</a:t>
+            </a:r>
+          </a:p>
+          <a:p>
+            <a:r>
+              <a:rPr lang="de-DE" dirty="0"/>
+              <a:t>Ziel: Reduktion von Abhängigkeiten zwischen Modulen und Erhöhung der Kohäsion</a:t>
+            </a:r>
+          </a:p>
+          <a:p>
+            <a:r>
+              <a:rPr lang="de-DE" dirty="0"/>
+              <a:t>Vermeidung von "fetten" Schnittstellen, die viele Methoden enthalten, die nicht immer benötigt werden</a:t>
+            </a:r>
+          </a:p>
+          <a:p>
+            <a:r>
+              <a:rPr lang="de-DE" dirty="0"/>
+              <a:t>Aufteilung der Schnittstellen in kleinere und spezifischere Schnittstellen, um eine bessere Wiederverwendbarkeit zu ermöglichen</a:t>
+            </a:r>
+          </a:p>
+          <a:p>
+            <a:endParaRPr lang="de-DE" dirty="0"/>
+          </a:p>
+        </p:txBody>
+      </p:sp>
+    </p:spTree>
+    <p:extLst>
+      <p:ext uri="{BB962C8B-B14F-4D97-AF65-F5344CB8AC3E}">
+        <p14:creationId xmlns:p14="http://schemas.microsoft.com/office/powerpoint/2010/main" val="589988933"/>
+      </p:ext>
+    </p:extLst>
+  </p:cSld>
+  <p:clrMapOvr>
+    <a:masterClrMapping/>
+  </p:clrMapOvr>
+</p:sld>
+</file>
+
+<file path=ppt/slides/slide13.xml><?xml version="1.0" encoding="utf-8"?>
+<p:sld xmlns:a="http://schemas.openxmlformats.org/drawingml/2006/main" xmlns:r="http://schemas.openxmlformats.org/officeDocument/2006/relationships" xmlns:p="http://schemas.openxmlformats.org/presentationml/2006/main">
+  <p:cSld>
+    <p:spTree>
+      <p:nvGrpSpPr>
+        <p:cNvPr id="1" name=""/>
+        <p:cNvGrpSpPr/>
+        <p:nvPr/>
+      </p:nvGrpSpPr>
+      <p:grpSpPr>
+        <a:xfrm>
+          <a:off x="0" y="0"/>
+          <a:ext cx="0" cy="0"/>
+          <a:chOff x="0" y="0"/>
+          <a:chExt cx="0" cy="0"/>
+        </a:xfrm>
+      </p:grpSpPr>
+      <p:sp>
+        <p:nvSpPr>
+          <p:cNvPr id="2" name="Titel 1">
+            <a:extLst>
+              <a:ext uri="{FF2B5EF4-FFF2-40B4-BE49-F238E27FC236}">
+                <a16:creationId xmlns:a16="http://schemas.microsoft.com/office/drawing/2014/main" id="{A68F056E-468D-4A61-BDEB-E6278411AEAC}"/>
+              </a:ext>
+            </a:extLst>
+          </p:cNvPr>
+          <p:cNvSpPr>
+            <a:spLocks noGrp="1"/>
+          </p:cNvSpPr>
+          <p:nvPr>
+            <p:ph type="title"/>
+          </p:nvPr>
+        </p:nvSpPr>
+        <p:spPr/>
+        <p:txBody>
+          <a:bodyPr/>
+          <a:lstStyle/>
+          <a:p>
+            <a:r>
+              <a:rPr lang="de-DE" dirty="0"/>
+              <a:t>Beispiel für das "I" im SOLID-Prinzip</a:t>
+            </a:r>
+          </a:p>
+        </p:txBody>
+      </p:sp>
+      <p:sp>
+        <p:nvSpPr>
+          <p:cNvPr id="3" name="Inhaltsplatzhalter 2">
+            <a:extLst>
+              <a:ext uri="{FF2B5EF4-FFF2-40B4-BE49-F238E27FC236}">
+                <a16:creationId xmlns:a16="http://schemas.microsoft.com/office/drawing/2014/main" id="{A7053182-A416-418D-9FF4-4EF80A9A95F5}"/>
+              </a:ext>
+            </a:extLst>
+          </p:cNvPr>
+          <p:cNvSpPr>
+            <a:spLocks noGrp="1"/>
+          </p:cNvSpPr>
+          <p:nvPr>
+            <p:ph idx="1"/>
+          </p:nvPr>
+        </p:nvSpPr>
+        <p:spPr/>
+        <p:txBody>
+          <a:bodyPr>
+            <a:normAutofit fontScale="92500"/>
+          </a:bodyPr>
+          <a:lstStyle/>
+          <a:p>
+            <a:r>
+              <a:rPr lang="de-DE" dirty="0"/>
+              <a:t>Annahme: Wir haben ein Modul, das eine Benutzeroberfläche bereitstellt und auf Datenbanken zugreift</a:t>
+            </a:r>
+          </a:p>
+          <a:p>
+            <a:r>
+              <a:rPr lang="de-DE" dirty="0"/>
+              <a:t>Wenn wir eine Schnittstelle mit allen benötigten Methoden definieren, würde sie sowohl Methoden zur Datenbankkommunikation als auch Methoden zur GUI-Steuerung enthalten</a:t>
+            </a:r>
+          </a:p>
+          <a:p>
+            <a:r>
+              <a:rPr lang="de-DE" dirty="0"/>
+              <a:t>Wenn ein anderes Modul nur die GUI-Steuerung benötigt, müsste es trotzdem Abhängigkeiten zur Datenbank haben, was zu einer geringeren Kohäsion führt</a:t>
+            </a:r>
+          </a:p>
+          <a:p>
+            <a:r>
+              <a:rPr lang="de-DE" dirty="0"/>
+              <a:t>Lösung: Trennung der Schnittstelle in eine Schnittstelle für die Datenbankkommunikation und eine Schnittstelle für die GUI-Steuerung</a:t>
+            </a:r>
+          </a:p>
+          <a:p>
+            <a:endParaRPr lang="de-DE" dirty="0"/>
+          </a:p>
+        </p:txBody>
+      </p:sp>
+    </p:spTree>
+    <p:extLst>
+      <p:ext uri="{BB962C8B-B14F-4D97-AF65-F5344CB8AC3E}">
+        <p14:creationId xmlns:p14="http://schemas.microsoft.com/office/powerpoint/2010/main" val="4100777447"/>
+      </p:ext>
+    </p:extLst>
+  </p:cSld>
+  <p:clrMapOvr>
+    <a:masterClrMapping/>
+  </p:clrMapOvr>
+</p:sld>
+</file>
+
+<file path=ppt/slides/slide14.xml><?xml version="1.0" encoding="utf-8"?>
+<p:sld xmlns:a="http://schemas.openxmlformats.org/drawingml/2006/main" xmlns:r="http://schemas.openxmlformats.org/officeDocument/2006/relationships" xmlns:p="http://schemas.openxmlformats.org/presentationml/2006/main">
+  <p:cSld>
+    <p:spTree>
+      <p:nvGrpSpPr>
+        <p:cNvPr id="1" name=""/>
+        <p:cNvGrpSpPr/>
+        <p:nvPr/>
+      </p:nvGrpSpPr>
+      <p:grpSpPr>
+        <a:xfrm>
+          <a:off x="0" y="0"/>
+          <a:ext cx="0" cy="0"/>
+          <a:chOff x="0" y="0"/>
+          <a:chExt cx="0" cy="0"/>
+        </a:xfrm>
+      </p:grpSpPr>
+      <p:sp>
+        <p:nvSpPr>
           <p:cNvPr id="4" name="Titel 3">
             <a:extLst>
               <a:ext uri="{FF2B5EF4-FFF2-40B4-BE49-F238E27FC236}">
@@ -4172,7 +6388,7 @@
 </p:sld>
 </file>
 
-<file path=ppt/slides/slide11.xml><?xml version="1.0" encoding="utf-8"?>
+<file path=ppt/slides/slide15.xml><?xml version="1.0" encoding="utf-8"?>
 <p:sld xmlns:a="http://schemas.openxmlformats.org/drawingml/2006/main" xmlns:r="http://schemas.openxmlformats.org/officeDocument/2006/relationships" xmlns:p="http://schemas.openxmlformats.org/presentationml/2006/main">
   <p:cSld>
     <p:spTree>
@@ -4276,7 +6492,7 @@
 </p:sld>
 </file>
 
-<file path=ppt/slides/slide12.xml><?xml version="1.0" encoding="utf-8"?>
+<file path=ppt/slides/slide16.xml><?xml version="1.0" encoding="utf-8"?>
 <p:sld xmlns:a="http://schemas.openxmlformats.org/drawingml/2006/main" xmlns:r="http://schemas.openxmlformats.org/officeDocument/2006/relationships" xmlns:p="http://schemas.openxmlformats.org/presentationml/2006/main">
   <p:cSld>
     <p:spTree>
@@ -4374,6 +6590,354 @@
     <p:extLst>
       <p:ext uri="{BB962C8B-B14F-4D97-AF65-F5344CB8AC3E}">
         <p14:creationId xmlns:p14="http://schemas.microsoft.com/office/powerpoint/2010/main" val="1289604431"/>
+      </p:ext>
+    </p:extLst>
+  </p:cSld>
+  <p:clrMapOvr>
+    <a:masterClrMapping/>
+  </p:clrMapOvr>
+</p:sld>
+</file>
+
+<file path=ppt/slides/slide17.xml><?xml version="1.0" encoding="utf-8"?>
+<p:sld xmlns:a="http://schemas.openxmlformats.org/drawingml/2006/main" xmlns:r="http://schemas.openxmlformats.org/officeDocument/2006/relationships" xmlns:p="http://schemas.openxmlformats.org/presentationml/2006/main">
+  <p:cSld>
+    <p:spTree>
+      <p:nvGrpSpPr>
+        <p:cNvPr id="1" name=""/>
+        <p:cNvGrpSpPr/>
+        <p:nvPr/>
+      </p:nvGrpSpPr>
+      <p:grpSpPr>
+        <a:xfrm>
+          <a:off x="0" y="0"/>
+          <a:ext cx="0" cy="0"/>
+          <a:chOff x="0" y="0"/>
+          <a:chExt cx="0" cy="0"/>
+        </a:xfrm>
+      </p:grpSpPr>
+      <p:sp>
+        <p:nvSpPr>
+          <p:cNvPr id="2" name="Titel 1">
+            <a:extLst>
+              <a:ext uri="{FF2B5EF4-FFF2-40B4-BE49-F238E27FC236}">
+                <a16:creationId xmlns:a16="http://schemas.microsoft.com/office/drawing/2014/main" id="{21B19924-528C-C0C8-5AB8-8E8B59F8BCAB}"/>
+              </a:ext>
+            </a:extLst>
+          </p:cNvPr>
+          <p:cNvSpPr>
+            <a:spLocks noGrp="1"/>
+          </p:cNvSpPr>
+          <p:nvPr>
+            <p:ph type="ctrTitle"/>
+          </p:nvPr>
+        </p:nvSpPr>
+        <p:spPr/>
+        <p:txBody>
+          <a:bodyPr>
+            <a:normAutofit/>
+          </a:bodyPr>
+          <a:lstStyle/>
+          <a:p>
+            <a:r>
+              <a:rPr lang="de-DE" dirty="0">
+                <a:latin typeface="+mn-lt"/>
+              </a:rPr>
+              <a:t>DIP (</a:t>
+            </a:r>
+            <a:r>
+              <a:rPr lang="de-DE" i="0" dirty="0">
+                <a:solidFill>
+                  <a:srgbClr val="333333"/>
+                </a:solidFill>
+                <a:effectLst/>
+                <a:latin typeface="+mn-lt"/>
+              </a:rPr>
+              <a:t>Dependency-Inversion-Prinzip)</a:t>
+            </a:r>
+            <a:endParaRPr lang="de-DE" dirty="0">
+              <a:latin typeface="+mn-lt"/>
+            </a:endParaRPr>
+          </a:p>
+        </p:txBody>
+      </p:sp>
+      <p:sp>
+        <p:nvSpPr>
+          <p:cNvPr id="3" name="Untertitel 2">
+            <a:extLst>
+              <a:ext uri="{FF2B5EF4-FFF2-40B4-BE49-F238E27FC236}">
+                <a16:creationId xmlns:a16="http://schemas.microsoft.com/office/drawing/2014/main" id="{4045AF65-6D4F-0698-4DB8-613DF6C415C9}"/>
+              </a:ext>
+            </a:extLst>
+          </p:cNvPr>
+          <p:cNvSpPr>
+            <a:spLocks noGrp="1"/>
+          </p:cNvSpPr>
+          <p:nvPr>
+            <p:ph type="subTitle" idx="1"/>
+          </p:nvPr>
+        </p:nvSpPr>
+        <p:spPr/>
+        <p:txBody>
+          <a:bodyPr/>
+          <a:lstStyle/>
+          <a:p>
+            <a:endParaRPr lang="de-DE" dirty="0"/>
+          </a:p>
+        </p:txBody>
+      </p:sp>
+    </p:spTree>
+    <p:extLst>
+      <p:ext uri="{BB962C8B-B14F-4D97-AF65-F5344CB8AC3E}">
+        <p14:creationId xmlns:p14="http://schemas.microsoft.com/office/powerpoint/2010/main" val="2433431477"/>
+      </p:ext>
+    </p:extLst>
+  </p:cSld>
+  <p:clrMapOvr>
+    <a:masterClrMapping/>
+  </p:clrMapOvr>
+</p:sld>
+</file>
+
+<file path=ppt/slides/slide18.xml><?xml version="1.0" encoding="utf-8"?>
+<p:sld xmlns:a="http://schemas.openxmlformats.org/drawingml/2006/main" xmlns:r="http://schemas.openxmlformats.org/officeDocument/2006/relationships" xmlns:p="http://schemas.openxmlformats.org/presentationml/2006/main">
+  <p:cSld>
+    <p:spTree>
+      <p:nvGrpSpPr>
+        <p:cNvPr id="1" name=""/>
+        <p:cNvGrpSpPr/>
+        <p:nvPr/>
+      </p:nvGrpSpPr>
+      <p:grpSpPr>
+        <a:xfrm>
+          <a:off x="0" y="0"/>
+          <a:ext cx="0" cy="0"/>
+          <a:chOff x="0" y="0"/>
+          <a:chExt cx="0" cy="0"/>
+        </a:xfrm>
+      </p:grpSpPr>
+      <p:sp>
+        <p:nvSpPr>
+          <p:cNvPr id="2" name="Titel 1">
+            <a:extLst>
+              <a:ext uri="{FF2B5EF4-FFF2-40B4-BE49-F238E27FC236}">
+                <a16:creationId xmlns:a16="http://schemas.microsoft.com/office/drawing/2014/main" id="{072BAC08-9670-2581-6699-E32D60A5B6BF}"/>
+              </a:ext>
+            </a:extLst>
+          </p:cNvPr>
+          <p:cNvSpPr>
+            <a:spLocks noGrp="1"/>
+          </p:cNvSpPr>
+          <p:nvPr>
+            <p:ph type="title"/>
+          </p:nvPr>
+        </p:nvSpPr>
+        <p:spPr/>
+        <p:txBody>
+          <a:bodyPr/>
+          <a:lstStyle/>
+          <a:p>
+            <a:r>
+              <a:rPr lang="de-DE" sz="1800" dirty="0">
+                <a:effectLst/>
+                <a:latin typeface="Calibri" panose="020F0502020204030204" pitchFamily="34" charset="0"/>
+                <a:ea typeface="Calibri" panose="020F0502020204030204" pitchFamily="34" charset="0"/>
+                <a:cs typeface="Times New Roman" panose="02020603050405020304" pitchFamily="18" charset="0"/>
+              </a:rPr>
+              <a:t>Direkte Abhängigkeit zwischen Komponenten</a:t>
+            </a:r>
+            <a:endParaRPr lang="de-DE" dirty="0"/>
+          </a:p>
+        </p:txBody>
+      </p:sp>
+      <p:pic>
+        <p:nvPicPr>
+          <p:cNvPr id="5" name="Inhaltsplatzhalter 4">
+            <a:extLst>
+              <a:ext uri="{FF2B5EF4-FFF2-40B4-BE49-F238E27FC236}">
+                <a16:creationId xmlns:a16="http://schemas.microsoft.com/office/drawing/2014/main" id="{EA43DA8F-E5BE-AC23-BFE4-27BE5E23835B}"/>
+              </a:ext>
+            </a:extLst>
+          </p:cNvPr>
+          <p:cNvPicPr>
+            <a:picLocks noGrp="1" noChangeAspect="1"/>
+          </p:cNvPicPr>
+          <p:nvPr>
+            <p:ph idx="1"/>
+          </p:nvPr>
+        </p:nvPicPr>
+        <p:blipFill>
+          <a:blip r:embed="rId2"/>
+          <a:stretch>
+            <a:fillRect/>
+          </a:stretch>
+        </p:blipFill>
+        <p:spPr>
+          <a:xfrm>
+            <a:off x="694266" y="1523420"/>
+            <a:ext cx="5091669" cy="4351338"/>
+          </a:xfrm>
+        </p:spPr>
+      </p:pic>
+    </p:spTree>
+    <p:extLst>
+      <p:ext uri="{BB962C8B-B14F-4D97-AF65-F5344CB8AC3E}">
+        <p14:creationId xmlns:p14="http://schemas.microsoft.com/office/powerpoint/2010/main" val="2807208367"/>
+      </p:ext>
+    </p:extLst>
+  </p:cSld>
+  <p:clrMapOvr>
+    <a:masterClrMapping/>
+  </p:clrMapOvr>
+</p:sld>
+</file>
+
+<file path=ppt/slides/slide19.xml><?xml version="1.0" encoding="utf-8"?>
+<p:sld xmlns:a="http://schemas.openxmlformats.org/drawingml/2006/main" xmlns:r="http://schemas.openxmlformats.org/officeDocument/2006/relationships" xmlns:p="http://schemas.openxmlformats.org/presentationml/2006/main">
+  <p:cSld>
+    <p:spTree>
+      <p:nvGrpSpPr>
+        <p:cNvPr id="1" name=""/>
+        <p:cNvGrpSpPr/>
+        <p:nvPr/>
+      </p:nvGrpSpPr>
+      <p:grpSpPr>
+        <a:xfrm>
+          <a:off x="0" y="0"/>
+          <a:ext cx="0" cy="0"/>
+          <a:chOff x="0" y="0"/>
+          <a:chExt cx="0" cy="0"/>
+        </a:xfrm>
+      </p:grpSpPr>
+      <p:sp>
+        <p:nvSpPr>
+          <p:cNvPr id="2" name="Titel 1">
+            <a:extLst>
+              <a:ext uri="{FF2B5EF4-FFF2-40B4-BE49-F238E27FC236}">
+                <a16:creationId xmlns:a16="http://schemas.microsoft.com/office/drawing/2014/main" id="{C938895E-A8F0-0BA8-A3EE-8C7CB241D71B}"/>
+              </a:ext>
+            </a:extLst>
+          </p:cNvPr>
+          <p:cNvSpPr>
+            <a:spLocks noGrp="1"/>
+          </p:cNvSpPr>
+          <p:nvPr>
+            <p:ph type="title"/>
+          </p:nvPr>
+        </p:nvSpPr>
+        <p:spPr/>
+        <p:txBody>
+          <a:bodyPr/>
+          <a:lstStyle/>
+          <a:p>
+            <a:r>
+              <a:rPr lang="de-DE" sz="1800" dirty="0">
+                <a:effectLst/>
+                <a:latin typeface="Calibri" panose="020F0502020204030204" pitchFamily="34" charset="0"/>
+                <a:ea typeface="Calibri" panose="020F0502020204030204" pitchFamily="34" charset="0"/>
+                <a:cs typeface="Times New Roman" panose="02020603050405020304" pitchFamily="18" charset="0"/>
+              </a:rPr>
+              <a:t>Abstrakte Schnittstellen</a:t>
+            </a:r>
+            <a:endParaRPr lang="de-DE" dirty="0"/>
+          </a:p>
+        </p:txBody>
+      </p:sp>
+      <p:sp>
+        <p:nvSpPr>
+          <p:cNvPr id="3" name="Inhaltsplatzhalter 2">
+            <a:extLst>
+              <a:ext uri="{FF2B5EF4-FFF2-40B4-BE49-F238E27FC236}">
+                <a16:creationId xmlns:a16="http://schemas.microsoft.com/office/drawing/2014/main" id="{9A2522E9-93A5-86AD-0D92-5F929DA3FBBC}"/>
+              </a:ext>
+            </a:extLst>
+          </p:cNvPr>
+          <p:cNvSpPr>
+            <a:spLocks noGrp="1"/>
+          </p:cNvSpPr>
+          <p:nvPr>
+            <p:ph idx="1"/>
+          </p:nvPr>
+        </p:nvSpPr>
+        <p:spPr/>
+        <p:txBody>
+          <a:bodyPr/>
+          <a:lstStyle/>
+          <a:p>
+            <a:r>
+              <a:rPr lang="de-DE" dirty="0"/>
+              <a:t>Eine abstrakte Schnittstelle in C# ist eine Art von Vertrag, der festlegt, welche Methoden eine Klasse implementieren muss, um den Anforderungen der Schnittstelle zu entsprechen.</a:t>
+            </a:r>
+          </a:p>
+          <a:p>
+            <a:endParaRPr lang="de-DE" dirty="0"/>
+          </a:p>
+        </p:txBody>
+      </p:sp>
+      <p:pic>
+        <p:nvPicPr>
+          <p:cNvPr id="5" name="Grafik 4">
+            <a:extLst>
+              <a:ext uri="{FF2B5EF4-FFF2-40B4-BE49-F238E27FC236}">
+                <a16:creationId xmlns:a16="http://schemas.microsoft.com/office/drawing/2014/main" id="{E6982E5E-A238-25C9-4235-4FA93B596E1E}"/>
+              </a:ext>
+            </a:extLst>
+          </p:cNvPr>
+          <p:cNvPicPr>
+            <a:picLocks noChangeAspect="1"/>
+          </p:cNvPicPr>
+          <p:nvPr/>
+        </p:nvPicPr>
+        <p:blipFill>
+          <a:blip r:embed="rId2"/>
+          <a:stretch>
+            <a:fillRect/>
+          </a:stretch>
+        </p:blipFill>
+        <p:spPr>
+          <a:xfrm>
+            <a:off x="695684" y="3989430"/>
+            <a:ext cx="2962275" cy="1238250"/>
+          </a:xfrm>
+          <a:prstGeom prst="rect">
+            <a:avLst/>
+          </a:prstGeom>
+        </p:spPr>
+      </p:pic>
+      <p:pic>
+        <p:nvPicPr>
+          <p:cNvPr id="7" name="Grafik 6">
+            <a:extLst>
+              <a:ext uri="{FF2B5EF4-FFF2-40B4-BE49-F238E27FC236}">
+                <a16:creationId xmlns:a16="http://schemas.microsoft.com/office/drawing/2014/main" id="{ED2CB1BF-2B84-B7C5-FDFC-89CDCF07F384}"/>
+              </a:ext>
+            </a:extLst>
+          </p:cNvPr>
+          <p:cNvPicPr>
+            <a:picLocks noChangeAspect="1"/>
+          </p:cNvPicPr>
+          <p:nvPr/>
+        </p:nvPicPr>
+        <p:blipFill>
+          <a:blip r:embed="rId3"/>
+          <a:stretch>
+            <a:fillRect/>
+          </a:stretch>
+        </p:blipFill>
+        <p:spPr>
+          <a:xfrm>
+            <a:off x="4115560" y="3435350"/>
+            <a:ext cx="6657975" cy="2876550"/>
+          </a:xfrm>
+          <a:prstGeom prst="rect">
+            <a:avLst/>
+          </a:prstGeom>
+        </p:spPr>
+      </p:pic>
+    </p:spTree>
+    <p:extLst>
+      <p:ext uri="{BB962C8B-B14F-4D97-AF65-F5344CB8AC3E}">
+        <p14:creationId xmlns:p14="http://schemas.microsoft.com/office/powerpoint/2010/main" val="3117356516"/>
       </p:ext>
     </p:extLst>
   </p:cSld>
@@ -4491,6 +7055,129 @@
     <p:extLst>
       <p:ext uri="{BB962C8B-B14F-4D97-AF65-F5344CB8AC3E}">
         <p14:creationId xmlns:p14="http://schemas.microsoft.com/office/powerpoint/2010/main" val="4246594273"/>
+      </p:ext>
+    </p:extLst>
+  </p:cSld>
+  <p:clrMapOvr>
+    <a:masterClrMapping/>
+  </p:clrMapOvr>
+</p:sld>
+</file>
+
+<file path=ppt/slides/slide20.xml><?xml version="1.0" encoding="utf-8"?>
+<p:sld xmlns:a="http://schemas.openxmlformats.org/drawingml/2006/main" xmlns:r="http://schemas.openxmlformats.org/officeDocument/2006/relationships" xmlns:p="http://schemas.openxmlformats.org/presentationml/2006/main">
+  <p:cSld>
+    <p:spTree>
+      <p:nvGrpSpPr>
+        <p:cNvPr id="1" name=""/>
+        <p:cNvGrpSpPr/>
+        <p:nvPr/>
+      </p:nvGrpSpPr>
+      <p:grpSpPr>
+        <a:xfrm>
+          <a:off x="0" y="0"/>
+          <a:ext cx="0" cy="0"/>
+          <a:chOff x="0" y="0"/>
+          <a:chExt cx="0" cy="0"/>
+        </a:xfrm>
+      </p:grpSpPr>
+      <p:sp>
+        <p:nvSpPr>
+          <p:cNvPr id="2" name="Titel 1">
+            <a:extLst>
+              <a:ext uri="{FF2B5EF4-FFF2-40B4-BE49-F238E27FC236}">
+                <a16:creationId xmlns:a16="http://schemas.microsoft.com/office/drawing/2014/main" id="{C3BB99A6-7B23-9EF3-54AE-B13C879620FF}"/>
+              </a:ext>
+            </a:extLst>
+          </p:cNvPr>
+          <p:cNvSpPr>
+            <a:spLocks noGrp="1"/>
+          </p:cNvSpPr>
+          <p:nvPr>
+            <p:ph type="title"/>
+          </p:nvPr>
+        </p:nvSpPr>
+        <p:spPr/>
+        <p:txBody>
+          <a:bodyPr/>
+          <a:lstStyle/>
+          <a:p>
+            <a:r>
+              <a:rPr lang="de-DE" sz="1800" dirty="0">
+                <a:effectLst/>
+                <a:latin typeface="Calibri" panose="020F0502020204030204" pitchFamily="34" charset="0"/>
+                <a:ea typeface="Calibri" panose="020F0502020204030204" pitchFamily="34" charset="0"/>
+                <a:cs typeface="Times New Roman" panose="02020603050405020304" pitchFamily="18" charset="0"/>
+              </a:rPr>
+              <a:t>Einbindung von DIP in ein Softwareprojekt</a:t>
+            </a:r>
+            <a:endParaRPr lang="de-DE" dirty="0"/>
+          </a:p>
+        </p:txBody>
+      </p:sp>
+      <p:pic>
+        <p:nvPicPr>
+          <p:cNvPr id="5" name="Inhaltsplatzhalter 4">
+            <a:extLst>
+              <a:ext uri="{FF2B5EF4-FFF2-40B4-BE49-F238E27FC236}">
+                <a16:creationId xmlns:a16="http://schemas.microsoft.com/office/drawing/2014/main" id="{F28A7B19-6757-0F42-33A6-FC28A3896582}"/>
+              </a:ext>
+            </a:extLst>
+          </p:cNvPr>
+          <p:cNvPicPr>
+            <a:picLocks noGrp="1" noChangeAspect="1"/>
+          </p:cNvPicPr>
+          <p:nvPr>
+            <p:ph idx="1"/>
+          </p:nvPr>
+        </p:nvPicPr>
+        <p:blipFill>
+          <a:blip r:embed="rId2"/>
+          <a:stretch>
+            <a:fillRect/>
+          </a:stretch>
+        </p:blipFill>
+        <p:spPr>
+          <a:xfrm>
+            <a:off x="465812" y="2387516"/>
+            <a:ext cx="3857625" cy="2838450"/>
+          </a:xfrm>
+        </p:spPr>
+      </p:pic>
+      <p:pic>
+        <p:nvPicPr>
+          <p:cNvPr id="7" name="Grafik 6">
+            <a:extLst>
+              <a:ext uri="{FF2B5EF4-FFF2-40B4-BE49-F238E27FC236}">
+                <a16:creationId xmlns:a16="http://schemas.microsoft.com/office/drawing/2014/main" id="{A8D5084B-DA9C-1EFC-E8F1-6DF9507C4644}"/>
+              </a:ext>
+            </a:extLst>
+          </p:cNvPr>
+          <p:cNvPicPr>
+            <a:picLocks noChangeAspect="1"/>
+          </p:cNvPicPr>
+          <p:nvPr/>
+        </p:nvPicPr>
+        <p:blipFill>
+          <a:blip r:embed="rId3"/>
+          <a:stretch>
+            <a:fillRect/>
+          </a:stretch>
+        </p:blipFill>
+        <p:spPr>
+          <a:xfrm>
+            <a:off x="5511127" y="2125578"/>
+            <a:ext cx="4714875" cy="3362325"/>
+          </a:xfrm>
+          <a:prstGeom prst="rect">
+            <a:avLst/>
+          </a:prstGeom>
+        </p:spPr>
+      </p:pic>
+    </p:spTree>
+    <p:extLst>
+      <p:ext uri="{BB962C8B-B14F-4D97-AF65-F5344CB8AC3E}">
+        <p14:creationId xmlns:p14="http://schemas.microsoft.com/office/powerpoint/2010/main" val="3637455060"/>
       </p:ext>
     </p:extLst>
   </p:cSld>
@@ -4909,7 +7596,7 @@
           <p:cNvPr id="2" name="Titel 1">
             <a:extLst>
               <a:ext uri="{FF2B5EF4-FFF2-40B4-BE49-F238E27FC236}">
-                <a16:creationId xmlns:a16="http://schemas.microsoft.com/office/drawing/2014/main" id="{AC920A8C-5833-37D5-EE95-F0FB3D2E81D4}"/>
+                <a16:creationId xmlns:a16="http://schemas.microsoft.com/office/drawing/2014/main" id="{133CA9F2-84FC-48F1-BDD1-8E3C82A202F3}"/>
               </a:ext>
             </a:extLst>
           </p:cNvPr>
@@ -4920,1075 +7607,1185 @@
             <p:ph type="title"/>
           </p:nvPr>
         </p:nvSpPr>
-        <p:spPr>
-          <a:xfrm>
-            <a:off x="7869678" y="63280"/>
-            <a:ext cx="4145603" cy="6731439"/>
-          </a:xfrm>
-        </p:spPr>
+        <p:spPr/>
         <p:txBody>
-          <a:bodyPr>
-            <a:normAutofit fontScale="90000"/>
-          </a:bodyPr>
+          <a:bodyPr/>
           <a:lstStyle/>
           <a:p>
-            <a:pPr>
-              <a:lnSpc>
-                <a:spcPct val="107000"/>
-              </a:lnSpc>
-              <a:spcAft>
-                <a:spcPts val="800"/>
-              </a:spcAft>
-            </a:pPr>
-            <a:r>
-              <a:rPr lang="en-US" sz="1800" kern="100" dirty="0">
-                <a:effectLst/>
-                <a:latin typeface="Calibri" panose="020F0502020204030204" pitchFamily="34" charset="0"/>
-                <a:ea typeface="Calibri" panose="020F0502020204030204" pitchFamily="34" charset="0"/>
-                <a:cs typeface="Arial" panose="020B0604020202020204" pitchFamily="34" charset="0"/>
-              </a:rPr>
-              <a:t>public abstract class </a:t>
-            </a:r>
-            <a:r>
-              <a:rPr lang="en-US" sz="1800" kern="100" dirty="0" err="1">
-                <a:effectLst/>
-                <a:latin typeface="Calibri" panose="020F0502020204030204" pitchFamily="34" charset="0"/>
-                <a:ea typeface="Calibri" panose="020F0502020204030204" pitchFamily="34" charset="0"/>
-                <a:cs typeface="Arial" panose="020B0604020202020204" pitchFamily="34" charset="0"/>
-              </a:rPr>
-              <a:t>GeometrischeFigur</a:t>
-            </a:r>
-            <a:br>
-              <a:rPr lang="en-US" sz="1800" kern="100" dirty="0">
-                <a:effectLst/>
-                <a:latin typeface="Calibri" panose="020F0502020204030204" pitchFamily="34" charset="0"/>
-                <a:ea typeface="Calibri" panose="020F0502020204030204" pitchFamily="34" charset="0"/>
-                <a:cs typeface="Arial" panose="020B0604020202020204" pitchFamily="34" charset="0"/>
-              </a:rPr>
-            </a:br>
-            <a:r>
-              <a:rPr lang="en-US" sz="1800" kern="100" dirty="0">
-                <a:effectLst/>
-                <a:latin typeface="Calibri" panose="020F0502020204030204" pitchFamily="34" charset="0"/>
-                <a:ea typeface="Calibri" panose="020F0502020204030204" pitchFamily="34" charset="0"/>
-                <a:cs typeface="Arial" panose="020B0604020202020204" pitchFamily="34" charset="0"/>
-              </a:rPr>
-              <a:t>{</a:t>
-            </a:r>
-            <a:br>
-              <a:rPr lang="en-US" sz="1800" kern="100" dirty="0">
-                <a:effectLst/>
-                <a:latin typeface="Calibri" panose="020F0502020204030204" pitchFamily="34" charset="0"/>
-                <a:ea typeface="Calibri" panose="020F0502020204030204" pitchFamily="34" charset="0"/>
-                <a:cs typeface="Arial" panose="020B0604020202020204" pitchFamily="34" charset="0"/>
-              </a:rPr>
-            </a:br>
-            <a:r>
-              <a:rPr lang="en-US" sz="1800" kern="100" dirty="0">
-                <a:effectLst/>
-                <a:latin typeface="Calibri" panose="020F0502020204030204" pitchFamily="34" charset="0"/>
-                <a:ea typeface="Calibri" panose="020F0502020204030204" pitchFamily="34" charset="0"/>
-                <a:cs typeface="Arial" panose="020B0604020202020204" pitchFamily="34" charset="0"/>
-              </a:rPr>
-              <a:t>    public abstract double </a:t>
-            </a:r>
-            <a:r>
-              <a:rPr lang="en-US" sz="1800" kern="100" dirty="0" err="1">
-                <a:effectLst/>
-                <a:latin typeface="Calibri" panose="020F0502020204030204" pitchFamily="34" charset="0"/>
-                <a:ea typeface="Calibri" panose="020F0502020204030204" pitchFamily="34" charset="0"/>
-                <a:cs typeface="Arial" panose="020B0604020202020204" pitchFamily="34" charset="0"/>
-              </a:rPr>
-              <a:t>BerechneFlaeche</a:t>
-            </a:r>
-            <a:r>
-              <a:rPr lang="en-US" sz="1800" kern="100" dirty="0">
-                <a:effectLst/>
-                <a:latin typeface="Calibri" panose="020F0502020204030204" pitchFamily="34" charset="0"/>
-                <a:ea typeface="Calibri" panose="020F0502020204030204" pitchFamily="34" charset="0"/>
-                <a:cs typeface="Arial" panose="020B0604020202020204" pitchFamily="34" charset="0"/>
-              </a:rPr>
-              <a:t>();</a:t>
-            </a:r>
-            <a:br>
-              <a:rPr lang="en-US" sz="1800" kern="100" dirty="0">
-                <a:effectLst/>
-                <a:latin typeface="Calibri" panose="020F0502020204030204" pitchFamily="34" charset="0"/>
-                <a:ea typeface="Calibri" panose="020F0502020204030204" pitchFamily="34" charset="0"/>
-                <a:cs typeface="Arial" panose="020B0604020202020204" pitchFamily="34" charset="0"/>
-              </a:rPr>
-            </a:br>
-            <a:r>
-              <a:rPr lang="en-US" sz="1800" kern="100" dirty="0">
-                <a:effectLst/>
-                <a:latin typeface="Calibri" panose="020F0502020204030204" pitchFamily="34" charset="0"/>
-                <a:ea typeface="Calibri" panose="020F0502020204030204" pitchFamily="34" charset="0"/>
-                <a:cs typeface="Arial" panose="020B0604020202020204" pitchFamily="34" charset="0"/>
-              </a:rPr>
-              <a:t>}</a:t>
-            </a:r>
-            <a:br>
-              <a:rPr lang="en-US" sz="1800" kern="100" dirty="0">
-                <a:effectLst/>
-                <a:latin typeface="Calibri" panose="020F0502020204030204" pitchFamily="34" charset="0"/>
-                <a:ea typeface="Calibri" panose="020F0502020204030204" pitchFamily="34" charset="0"/>
-                <a:cs typeface="Arial" panose="020B0604020202020204" pitchFamily="34" charset="0"/>
-              </a:rPr>
-            </a:br>
-            <a:r>
-              <a:rPr lang="en-US" sz="1800" kern="100" dirty="0">
-                <a:effectLst/>
-                <a:latin typeface="Calibri" panose="020F0502020204030204" pitchFamily="34" charset="0"/>
-                <a:ea typeface="Calibri" panose="020F0502020204030204" pitchFamily="34" charset="0"/>
-                <a:cs typeface="Arial" panose="020B0604020202020204" pitchFamily="34" charset="0"/>
-              </a:rPr>
-              <a:t> </a:t>
-            </a:r>
-            <a:br>
-              <a:rPr lang="en-US" sz="1800" kern="100" dirty="0">
-                <a:effectLst/>
-                <a:latin typeface="Calibri" panose="020F0502020204030204" pitchFamily="34" charset="0"/>
-                <a:ea typeface="Calibri" panose="020F0502020204030204" pitchFamily="34" charset="0"/>
-                <a:cs typeface="Arial" panose="020B0604020202020204" pitchFamily="34" charset="0"/>
-              </a:rPr>
-            </a:br>
-            <a:r>
-              <a:rPr lang="en-US" sz="1800" kern="100" dirty="0">
-                <a:effectLst/>
-                <a:latin typeface="Calibri" panose="020F0502020204030204" pitchFamily="34" charset="0"/>
-                <a:ea typeface="Calibri" panose="020F0502020204030204" pitchFamily="34" charset="0"/>
-                <a:cs typeface="Arial" panose="020B0604020202020204" pitchFamily="34" charset="0"/>
-              </a:rPr>
-              <a:t>public class </a:t>
-            </a:r>
-            <a:r>
-              <a:rPr lang="en-US" sz="1800" kern="100" dirty="0" err="1">
-                <a:effectLst/>
-                <a:latin typeface="Calibri" panose="020F0502020204030204" pitchFamily="34" charset="0"/>
-                <a:ea typeface="Calibri" panose="020F0502020204030204" pitchFamily="34" charset="0"/>
-                <a:cs typeface="Arial" panose="020B0604020202020204" pitchFamily="34" charset="0"/>
-              </a:rPr>
-              <a:t>Rechteck</a:t>
-            </a:r>
-            <a:r>
-              <a:rPr lang="en-US" sz="1800" kern="100" dirty="0">
-                <a:effectLst/>
-                <a:latin typeface="Calibri" panose="020F0502020204030204" pitchFamily="34" charset="0"/>
-                <a:ea typeface="Calibri" panose="020F0502020204030204" pitchFamily="34" charset="0"/>
-                <a:cs typeface="Arial" panose="020B0604020202020204" pitchFamily="34" charset="0"/>
-              </a:rPr>
-              <a:t> : </a:t>
-            </a:r>
-            <a:r>
-              <a:rPr lang="en-US" sz="1800" kern="100" dirty="0" err="1">
-                <a:effectLst/>
-                <a:latin typeface="Calibri" panose="020F0502020204030204" pitchFamily="34" charset="0"/>
-                <a:ea typeface="Calibri" panose="020F0502020204030204" pitchFamily="34" charset="0"/>
-                <a:cs typeface="Arial" panose="020B0604020202020204" pitchFamily="34" charset="0"/>
-              </a:rPr>
-              <a:t>GeometrischeFigur</a:t>
-            </a:r>
-            <a:br>
-              <a:rPr lang="en-US" sz="1800" kern="100" dirty="0">
-                <a:effectLst/>
-                <a:latin typeface="Calibri" panose="020F0502020204030204" pitchFamily="34" charset="0"/>
-                <a:ea typeface="Calibri" panose="020F0502020204030204" pitchFamily="34" charset="0"/>
-                <a:cs typeface="Arial" panose="020B0604020202020204" pitchFamily="34" charset="0"/>
-              </a:rPr>
-            </a:br>
-            <a:r>
-              <a:rPr lang="en-US" sz="1800" kern="100" dirty="0">
-                <a:effectLst/>
-                <a:latin typeface="Calibri" panose="020F0502020204030204" pitchFamily="34" charset="0"/>
-                <a:ea typeface="Calibri" panose="020F0502020204030204" pitchFamily="34" charset="0"/>
-                <a:cs typeface="Arial" panose="020B0604020202020204" pitchFamily="34" charset="0"/>
-              </a:rPr>
-              <a:t>{</a:t>
-            </a:r>
-            <a:br>
-              <a:rPr lang="en-US" sz="1800" kern="100" dirty="0">
-                <a:effectLst/>
-                <a:latin typeface="Calibri" panose="020F0502020204030204" pitchFamily="34" charset="0"/>
-                <a:ea typeface="Calibri" panose="020F0502020204030204" pitchFamily="34" charset="0"/>
-                <a:cs typeface="Arial" panose="020B0604020202020204" pitchFamily="34" charset="0"/>
-              </a:rPr>
-            </a:br>
-            <a:r>
-              <a:rPr lang="en-US" sz="1800" kern="100" dirty="0">
-                <a:effectLst/>
-                <a:latin typeface="Calibri" panose="020F0502020204030204" pitchFamily="34" charset="0"/>
-                <a:ea typeface="Calibri" panose="020F0502020204030204" pitchFamily="34" charset="0"/>
-                <a:cs typeface="Arial" panose="020B0604020202020204" pitchFamily="34" charset="0"/>
-              </a:rPr>
-              <a:t>    public double </a:t>
-            </a:r>
-            <a:r>
-              <a:rPr lang="en-US" sz="1800" kern="100" dirty="0" err="1">
-                <a:effectLst/>
-                <a:latin typeface="Calibri" panose="020F0502020204030204" pitchFamily="34" charset="0"/>
-                <a:ea typeface="Calibri" panose="020F0502020204030204" pitchFamily="34" charset="0"/>
-                <a:cs typeface="Arial" panose="020B0604020202020204" pitchFamily="34" charset="0"/>
-              </a:rPr>
-              <a:t>Laenge</a:t>
-            </a:r>
-            <a:r>
-              <a:rPr lang="en-US" sz="1800" kern="100" dirty="0">
-                <a:effectLst/>
-                <a:latin typeface="Calibri" panose="020F0502020204030204" pitchFamily="34" charset="0"/>
-                <a:ea typeface="Calibri" panose="020F0502020204030204" pitchFamily="34" charset="0"/>
-                <a:cs typeface="Arial" panose="020B0604020202020204" pitchFamily="34" charset="0"/>
-              </a:rPr>
-              <a:t> { get; set; }</a:t>
-            </a:r>
-            <a:br>
-              <a:rPr lang="en-US" sz="1800" kern="100" dirty="0">
-                <a:effectLst/>
-                <a:latin typeface="Calibri" panose="020F0502020204030204" pitchFamily="34" charset="0"/>
-                <a:ea typeface="Calibri" panose="020F0502020204030204" pitchFamily="34" charset="0"/>
-                <a:cs typeface="Arial" panose="020B0604020202020204" pitchFamily="34" charset="0"/>
-              </a:rPr>
-            </a:br>
-            <a:r>
-              <a:rPr lang="en-US" sz="1800" kern="100" dirty="0">
-                <a:effectLst/>
-                <a:latin typeface="Calibri" panose="020F0502020204030204" pitchFamily="34" charset="0"/>
-                <a:ea typeface="Calibri" panose="020F0502020204030204" pitchFamily="34" charset="0"/>
-                <a:cs typeface="Arial" panose="020B0604020202020204" pitchFamily="34" charset="0"/>
-              </a:rPr>
-              <a:t>    public double </a:t>
-            </a:r>
-            <a:r>
-              <a:rPr lang="en-US" sz="1800" kern="100" dirty="0" err="1">
-                <a:effectLst/>
-                <a:latin typeface="Calibri" panose="020F0502020204030204" pitchFamily="34" charset="0"/>
-                <a:ea typeface="Calibri" panose="020F0502020204030204" pitchFamily="34" charset="0"/>
-                <a:cs typeface="Arial" panose="020B0604020202020204" pitchFamily="34" charset="0"/>
-              </a:rPr>
-              <a:t>Breite</a:t>
-            </a:r>
-            <a:r>
-              <a:rPr lang="en-US" sz="1800" kern="100" dirty="0">
-                <a:effectLst/>
-                <a:latin typeface="Calibri" panose="020F0502020204030204" pitchFamily="34" charset="0"/>
-                <a:ea typeface="Calibri" panose="020F0502020204030204" pitchFamily="34" charset="0"/>
-                <a:cs typeface="Arial" panose="020B0604020202020204" pitchFamily="34" charset="0"/>
-              </a:rPr>
-              <a:t> { get; set; }</a:t>
-            </a:r>
-            <a:br>
-              <a:rPr lang="en-US" sz="1800" kern="100" dirty="0">
-                <a:effectLst/>
-                <a:latin typeface="Calibri" panose="020F0502020204030204" pitchFamily="34" charset="0"/>
-                <a:ea typeface="Calibri" panose="020F0502020204030204" pitchFamily="34" charset="0"/>
-                <a:cs typeface="Arial" panose="020B0604020202020204" pitchFamily="34" charset="0"/>
-              </a:rPr>
-            </a:br>
-            <a:r>
-              <a:rPr lang="en-US" sz="1800" kern="100" dirty="0">
-                <a:effectLst/>
-                <a:latin typeface="Calibri" panose="020F0502020204030204" pitchFamily="34" charset="0"/>
-                <a:ea typeface="Calibri" panose="020F0502020204030204" pitchFamily="34" charset="0"/>
-                <a:cs typeface="Arial" panose="020B0604020202020204" pitchFamily="34" charset="0"/>
-              </a:rPr>
-              <a:t> </a:t>
-            </a:r>
-            <a:br>
-              <a:rPr lang="en-US" sz="1800" kern="100" dirty="0">
-                <a:effectLst/>
-                <a:latin typeface="Calibri" panose="020F0502020204030204" pitchFamily="34" charset="0"/>
-                <a:ea typeface="Calibri" panose="020F0502020204030204" pitchFamily="34" charset="0"/>
-                <a:cs typeface="Arial" panose="020B0604020202020204" pitchFamily="34" charset="0"/>
-              </a:rPr>
-            </a:br>
-            <a:r>
-              <a:rPr lang="en-US" sz="1800" kern="100" dirty="0">
-                <a:effectLst/>
-                <a:latin typeface="Calibri" panose="020F0502020204030204" pitchFamily="34" charset="0"/>
-                <a:ea typeface="Calibri" panose="020F0502020204030204" pitchFamily="34" charset="0"/>
-                <a:cs typeface="Arial" panose="020B0604020202020204" pitchFamily="34" charset="0"/>
-              </a:rPr>
-              <a:t>    public override double </a:t>
-            </a:r>
-            <a:r>
-              <a:rPr lang="en-US" sz="1800" kern="100" dirty="0" err="1">
-                <a:effectLst/>
-                <a:latin typeface="Calibri" panose="020F0502020204030204" pitchFamily="34" charset="0"/>
-                <a:ea typeface="Calibri" panose="020F0502020204030204" pitchFamily="34" charset="0"/>
-                <a:cs typeface="Arial" panose="020B0604020202020204" pitchFamily="34" charset="0"/>
-              </a:rPr>
-              <a:t>BerechneFlaeche</a:t>
-            </a:r>
-            <a:r>
-              <a:rPr lang="en-US" sz="1800" kern="100" dirty="0">
-                <a:effectLst/>
-                <a:latin typeface="Calibri" panose="020F0502020204030204" pitchFamily="34" charset="0"/>
-                <a:ea typeface="Calibri" panose="020F0502020204030204" pitchFamily="34" charset="0"/>
-                <a:cs typeface="Arial" panose="020B0604020202020204" pitchFamily="34" charset="0"/>
-              </a:rPr>
-              <a:t>()</a:t>
-            </a:r>
-            <a:br>
-              <a:rPr lang="en-US" sz="1800" kern="100" dirty="0">
-                <a:effectLst/>
-                <a:latin typeface="Calibri" panose="020F0502020204030204" pitchFamily="34" charset="0"/>
-                <a:ea typeface="Calibri" panose="020F0502020204030204" pitchFamily="34" charset="0"/>
-                <a:cs typeface="Arial" panose="020B0604020202020204" pitchFamily="34" charset="0"/>
-              </a:rPr>
-            </a:br>
-            <a:r>
-              <a:rPr lang="en-US" sz="1800" kern="100" dirty="0">
-                <a:effectLst/>
-                <a:latin typeface="Calibri" panose="020F0502020204030204" pitchFamily="34" charset="0"/>
-                <a:ea typeface="Calibri" panose="020F0502020204030204" pitchFamily="34" charset="0"/>
-                <a:cs typeface="Arial" panose="020B0604020202020204" pitchFamily="34" charset="0"/>
-              </a:rPr>
-              <a:t>    {</a:t>
-            </a:r>
-            <a:br>
-              <a:rPr lang="en-US" sz="1800" kern="100" dirty="0">
-                <a:effectLst/>
-                <a:latin typeface="Calibri" panose="020F0502020204030204" pitchFamily="34" charset="0"/>
-                <a:ea typeface="Calibri" panose="020F0502020204030204" pitchFamily="34" charset="0"/>
-                <a:cs typeface="Arial" panose="020B0604020202020204" pitchFamily="34" charset="0"/>
-              </a:rPr>
-            </a:br>
-            <a:r>
-              <a:rPr lang="en-US" sz="1800" kern="100" dirty="0">
-                <a:effectLst/>
-                <a:latin typeface="Calibri" panose="020F0502020204030204" pitchFamily="34" charset="0"/>
-                <a:ea typeface="Calibri" panose="020F0502020204030204" pitchFamily="34" charset="0"/>
-                <a:cs typeface="Arial" panose="020B0604020202020204" pitchFamily="34" charset="0"/>
-              </a:rPr>
-              <a:t>        return </a:t>
-            </a:r>
-            <a:r>
-              <a:rPr lang="en-US" sz="1800" kern="100" dirty="0" err="1">
-                <a:effectLst/>
-                <a:latin typeface="Calibri" panose="020F0502020204030204" pitchFamily="34" charset="0"/>
-                <a:ea typeface="Calibri" panose="020F0502020204030204" pitchFamily="34" charset="0"/>
-                <a:cs typeface="Arial" panose="020B0604020202020204" pitchFamily="34" charset="0"/>
-              </a:rPr>
-              <a:t>Laenge</a:t>
-            </a:r>
-            <a:r>
-              <a:rPr lang="en-US" sz="1800" kern="100" dirty="0">
-                <a:effectLst/>
-                <a:latin typeface="Calibri" panose="020F0502020204030204" pitchFamily="34" charset="0"/>
-                <a:ea typeface="Calibri" panose="020F0502020204030204" pitchFamily="34" charset="0"/>
-                <a:cs typeface="Arial" panose="020B0604020202020204" pitchFamily="34" charset="0"/>
-              </a:rPr>
-              <a:t> * </a:t>
-            </a:r>
-            <a:r>
-              <a:rPr lang="en-US" sz="1800" kern="100" dirty="0" err="1">
-                <a:effectLst/>
-                <a:latin typeface="Calibri" panose="020F0502020204030204" pitchFamily="34" charset="0"/>
-                <a:ea typeface="Calibri" panose="020F0502020204030204" pitchFamily="34" charset="0"/>
-                <a:cs typeface="Arial" panose="020B0604020202020204" pitchFamily="34" charset="0"/>
-              </a:rPr>
-              <a:t>Breite</a:t>
-            </a:r>
-            <a:r>
-              <a:rPr lang="en-US" sz="1800" kern="100" dirty="0">
-                <a:effectLst/>
-                <a:latin typeface="Calibri" panose="020F0502020204030204" pitchFamily="34" charset="0"/>
-                <a:ea typeface="Calibri" panose="020F0502020204030204" pitchFamily="34" charset="0"/>
-                <a:cs typeface="Arial" panose="020B0604020202020204" pitchFamily="34" charset="0"/>
-              </a:rPr>
-              <a:t>;</a:t>
-            </a:r>
-            <a:br>
-              <a:rPr lang="en-US" sz="1800" kern="100" dirty="0">
-                <a:effectLst/>
-                <a:latin typeface="Calibri" panose="020F0502020204030204" pitchFamily="34" charset="0"/>
-                <a:ea typeface="Calibri" panose="020F0502020204030204" pitchFamily="34" charset="0"/>
-                <a:cs typeface="Arial" panose="020B0604020202020204" pitchFamily="34" charset="0"/>
-              </a:rPr>
-            </a:br>
-            <a:r>
-              <a:rPr lang="en-US" sz="1800" kern="100" dirty="0">
-                <a:effectLst/>
-                <a:latin typeface="Calibri" panose="020F0502020204030204" pitchFamily="34" charset="0"/>
-                <a:ea typeface="Calibri" panose="020F0502020204030204" pitchFamily="34" charset="0"/>
-                <a:cs typeface="Arial" panose="020B0604020202020204" pitchFamily="34" charset="0"/>
-              </a:rPr>
-              <a:t>    }</a:t>
-            </a:r>
-            <a:br>
-              <a:rPr lang="en-US" sz="1800" kern="100" dirty="0">
-                <a:effectLst/>
-                <a:latin typeface="Calibri" panose="020F0502020204030204" pitchFamily="34" charset="0"/>
-                <a:ea typeface="Calibri" panose="020F0502020204030204" pitchFamily="34" charset="0"/>
-                <a:cs typeface="Arial" panose="020B0604020202020204" pitchFamily="34" charset="0"/>
-              </a:rPr>
-            </a:br>
-            <a:r>
-              <a:rPr lang="en-US" sz="1800" kern="100" dirty="0">
-                <a:effectLst/>
-                <a:latin typeface="Calibri" panose="020F0502020204030204" pitchFamily="34" charset="0"/>
-                <a:ea typeface="Calibri" panose="020F0502020204030204" pitchFamily="34" charset="0"/>
-                <a:cs typeface="Arial" panose="020B0604020202020204" pitchFamily="34" charset="0"/>
-              </a:rPr>
-              <a:t>}</a:t>
-            </a:r>
-            <a:br>
-              <a:rPr lang="en-US" sz="1800" kern="100" dirty="0">
-                <a:effectLst/>
-                <a:latin typeface="Calibri" panose="020F0502020204030204" pitchFamily="34" charset="0"/>
-                <a:ea typeface="Calibri" panose="020F0502020204030204" pitchFamily="34" charset="0"/>
-                <a:cs typeface="Arial" panose="020B0604020202020204" pitchFamily="34" charset="0"/>
-              </a:rPr>
-            </a:br>
-            <a:r>
-              <a:rPr lang="en-US" sz="1800" kern="100" dirty="0">
-                <a:effectLst/>
-                <a:latin typeface="Calibri" panose="020F0502020204030204" pitchFamily="34" charset="0"/>
-                <a:ea typeface="Calibri" panose="020F0502020204030204" pitchFamily="34" charset="0"/>
-                <a:cs typeface="Arial" panose="020B0604020202020204" pitchFamily="34" charset="0"/>
-              </a:rPr>
-              <a:t>public class Quadrat : </a:t>
-            </a:r>
-            <a:r>
-              <a:rPr lang="en-US" sz="1800" kern="100" dirty="0" err="1">
-                <a:effectLst/>
-                <a:latin typeface="Calibri" panose="020F0502020204030204" pitchFamily="34" charset="0"/>
-                <a:ea typeface="Calibri" panose="020F0502020204030204" pitchFamily="34" charset="0"/>
-                <a:cs typeface="Arial" panose="020B0604020202020204" pitchFamily="34" charset="0"/>
-              </a:rPr>
-              <a:t>GeometrischeFigur</a:t>
-            </a:r>
-            <a:br>
-              <a:rPr lang="en-US" sz="1800" kern="100" dirty="0">
-                <a:effectLst/>
-                <a:latin typeface="Calibri" panose="020F0502020204030204" pitchFamily="34" charset="0"/>
-                <a:ea typeface="Calibri" panose="020F0502020204030204" pitchFamily="34" charset="0"/>
-                <a:cs typeface="Arial" panose="020B0604020202020204" pitchFamily="34" charset="0"/>
-              </a:rPr>
-            </a:br>
-            <a:r>
-              <a:rPr lang="en-US" sz="1800" kern="100" dirty="0">
-                <a:effectLst/>
-                <a:latin typeface="Calibri" panose="020F0502020204030204" pitchFamily="34" charset="0"/>
-                <a:ea typeface="Calibri" panose="020F0502020204030204" pitchFamily="34" charset="0"/>
-                <a:cs typeface="Arial" panose="020B0604020202020204" pitchFamily="34" charset="0"/>
-              </a:rPr>
-              <a:t>{</a:t>
-            </a:r>
-            <a:br>
-              <a:rPr lang="en-US" sz="1800" kern="100" dirty="0">
-                <a:effectLst/>
-                <a:latin typeface="Calibri" panose="020F0502020204030204" pitchFamily="34" charset="0"/>
-                <a:ea typeface="Calibri" panose="020F0502020204030204" pitchFamily="34" charset="0"/>
-                <a:cs typeface="Arial" panose="020B0604020202020204" pitchFamily="34" charset="0"/>
-              </a:rPr>
-            </a:br>
-            <a:r>
-              <a:rPr lang="en-US" sz="1800" kern="100" dirty="0">
-                <a:effectLst/>
-                <a:latin typeface="Calibri" panose="020F0502020204030204" pitchFamily="34" charset="0"/>
-                <a:ea typeface="Calibri" panose="020F0502020204030204" pitchFamily="34" charset="0"/>
-                <a:cs typeface="Arial" panose="020B0604020202020204" pitchFamily="34" charset="0"/>
-              </a:rPr>
-              <a:t>    public double </a:t>
-            </a:r>
-            <a:r>
-              <a:rPr lang="en-US" sz="1800" kern="100" dirty="0" err="1">
-                <a:effectLst/>
-                <a:latin typeface="Calibri" panose="020F0502020204030204" pitchFamily="34" charset="0"/>
-                <a:ea typeface="Calibri" panose="020F0502020204030204" pitchFamily="34" charset="0"/>
-                <a:cs typeface="Arial" panose="020B0604020202020204" pitchFamily="34" charset="0"/>
-              </a:rPr>
-              <a:t>Seitenlaenge</a:t>
-            </a:r>
-            <a:r>
-              <a:rPr lang="en-US" sz="1800" kern="100" dirty="0">
-                <a:effectLst/>
-                <a:latin typeface="Calibri" panose="020F0502020204030204" pitchFamily="34" charset="0"/>
-                <a:ea typeface="Calibri" panose="020F0502020204030204" pitchFamily="34" charset="0"/>
-                <a:cs typeface="Arial" panose="020B0604020202020204" pitchFamily="34" charset="0"/>
-              </a:rPr>
-              <a:t> { get; set; }</a:t>
-            </a:r>
-            <a:br>
-              <a:rPr lang="en-US" sz="1800" kern="100" dirty="0">
-                <a:effectLst/>
-                <a:latin typeface="Calibri" panose="020F0502020204030204" pitchFamily="34" charset="0"/>
-                <a:ea typeface="Calibri" panose="020F0502020204030204" pitchFamily="34" charset="0"/>
-                <a:cs typeface="Arial" panose="020B0604020202020204" pitchFamily="34" charset="0"/>
-              </a:rPr>
-            </a:br>
-            <a:r>
-              <a:rPr lang="en-US" sz="1800" kern="100" dirty="0">
-                <a:effectLst/>
-                <a:latin typeface="Calibri" panose="020F0502020204030204" pitchFamily="34" charset="0"/>
-                <a:ea typeface="Calibri" panose="020F0502020204030204" pitchFamily="34" charset="0"/>
-                <a:cs typeface="Arial" panose="020B0604020202020204" pitchFamily="34" charset="0"/>
-              </a:rPr>
-              <a:t> </a:t>
-            </a:r>
-            <a:br>
-              <a:rPr lang="en-US" sz="1800" kern="100" dirty="0">
-                <a:effectLst/>
-                <a:latin typeface="Calibri" panose="020F0502020204030204" pitchFamily="34" charset="0"/>
-                <a:ea typeface="Calibri" panose="020F0502020204030204" pitchFamily="34" charset="0"/>
-                <a:cs typeface="Arial" panose="020B0604020202020204" pitchFamily="34" charset="0"/>
-              </a:rPr>
-            </a:br>
-            <a:r>
-              <a:rPr lang="en-US" sz="1800" kern="100" dirty="0">
-                <a:effectLst/>
-                <a:latin typeface="Calibri" panose="020F0502020204030204" pitchFamily="34" charset="0"/>
-                <a:ea typeface="Calibri" panose="020F0502020204030204" pitchFamily="34" charset="0"/>
-                <a:cs typeface="Arial" panose="020B0604020202020204" pitchFamily="34" charset="0"/>
-              </a:rPr>
-              <a:t>    public override double </a:t>
-            </a:r>
-            <a:r>
-              <a:rPr lang="en-US" sz="1800" kern="100" dirty="0" err="1">
-                <a:effectLst/>
-                <a:latin typeface="Calibri" panose="020F0502020204030204" pitchFamily="34" charset="0"/>
-                <a:ea typeface="Calibri" panose="020F0502020204030204" pitchFamily="34" charset="0"/>
-                <a:cs typeface="Arial" panose="020B0604020202020204" pitchFamily="34" charset="0"/>
-              </a:rPr>
-              <a:t>BerechneFlaeche</a:t>
-            </a:r>
-            <a:r>
-              <a:rPr lang="en-US" sz="1800" kern="100" dirty="0">
-                <a:effectLst/>
-                <a:latin typeface="Calibri" panose="020F0502020204030204" pitchFamily="34" charset="0"/>
-                <a:ea typeface="Calibri" panose="020F0502020204030204" pitchFamily="34" charset="0"/>
-                <a:cs typeface="Arial" panose="020B0604020202020204" pitchFamily="34" charset="0"/>
-              </a:rPr>
-              <a:t>()</a:t>
-            </a:r>
-            <a:br>
-              <a:rPr lang="en-US" sz="1800" kern="100" dirty="0">
-                <a:effectLst/>
-                <a:latin typeface="Calibri" panose="020F0502020204030204" pitchFamily="34" charset="0"/>
-                <a:ea typeface="Calibri" panose="020F0502020204030204" pitchFamily="34" charset="0"/>
-                <a:cs typeface="Arial" panose="020B0604020202020204" pitchFamily="34" charset="0"/>
-              </a:rPr>
-            </a:br>
-            <a:r>
-              <a:rPr lang="en-US" sz="1800" kern="100" dirty="0">
-                <a:effectLst/>
-                <a:latin typeface="Calibri" panose="020F0502020204030204" pitchFamily="34" charset="0"/>
-                <a:ea typeface="Calibri" panose="020F0502020204030204" pitchFamily="34" charset="0"/>
-                <a:cs typeface="Arial" panose="020B0604020202020204" pitchFamily="34" charset="0"/>
-              </a:rPr>
-              <a:t>    {</a:t>
-            </a:r>
-            <a:br>
-              <a:rPr lang="en-US" sz="1800" kern="100" dirty="0">
-                <a:effectLst/>
-                <a:latin typeface="Calibri" panose="020F0502020204030204" pitchFamily="34" charset="0"/>
-                <a:ea typeface="Calibri" panose="020F0502020204030204" pitchFamily="34" charset="0"/>
-                <a:cs typeface="Arial" panose="020B0604020202020204" pitchFamily="34" charset="0"/>
-              </a:rPr>
-            </a:br>
-            <a:r>
-              <a:rPr lang="en-US" sz="1800" kern="100" dirty="0">
-                <a:effectLst/>
-                <a:latin typeface="Calibri" panose="020F0502020204030204" pitchFamily="34" charset="0"/>
-                <a:ea typeface="Calibri" panose="020F0502020204030204" pitchFamily="34" charset="0"/>
-                <a:cs typeface="Arial" panose="020B0604020202020204" pitchFamily="34" charset="0"/>
-              </a:rPr>
-              <a:t>        return </a:t>
-            </a:r>
-            <a:r>
-              <a:rPr lang="en-US" sz="1800" kern="100" dirty="0" err="1">
-                <a:effectLst/>
-                <a:latin typeface="Calibri" panose="020F0502020204030204" pitchFamily="34" charset="0"/>
-                <a:ea typeface="Calibri" panose="020F0502020204030204" pitchFamily="34" charset="0"/>
-                <a:cs typeface="Arial" panose="020B0604020202020204" pitchFamily="34" charset="0"/>
-              </a:rPr>
-              <a:t>Math.Pow</a:t>
-            </a:r>
-            <a:r>
-              <a:rPr lang="en-US" sz="1800" kern="100" dirty="0">
-                <a:effectLst/>
-                <a:latin typeface="Calibri" panose="020F0502020204030204" pitchFamily="34" charset="0"/>
-                <a:ea typeface="Calibri" panose="020F0502020204030204" pitchFamily="34" charset="0"/>
-                <a:cs typeface="Arial" panose="020B0604020202020204" pitchFamily="34" charset="0"/>
-              </a:rPr>
-              <a:t>(</a:t>
-            </a:r>
-            <a:r>
-              <a:rPr lang="en-US" sz="1800" kern="100" dirty="0" err="1">
-                <a:effectLst/>
-                <a:latin typeface="Calibri" panose="020F0502020204030204" pitchFamily="34" charset="0"/>
-                <a:ea typeface="Calibri" panose="020F0502020204030204" pitchFamily="34" charset="0"/>
-                <a:cs typeface="Arial" panose="020B0604020202020204" pitchFamily="34" charset="0"/>
-              </a:rPr>
-              <a:t>Seitenlaenge</a:t>
-            </a:r>
-            <a:r>
-              <a:rPr lang="en-US" sz="1800" kern="100" dirty="0">
-                <a:effectLst/>
-                <a:latin typeface="Calibri" panose="020F0502020204030204" pitchFamily="34" charset="0"/>
-                <a:ea typeface="Calibri" panose="020F0502020204030204" pitchFamily="34" charset="0"/>
-                <a:cs typeface="Arial" panose="020B0604020202020204" pitchFamily="34" charset="0"/>
-              </a:rPr>
-              <a:t>, 2);</a:t>
-            </a:r>
-            <a:br>
-              <a:rPr lang="en-US" sz="1800" kern="100" dirty="0">
-                <a:effectLst/>
-                <a:latin typeface="Calibri" panose="020F0502020204030204" pitchFamily="34" charset="0"/>
-                <a:ea typeface="Calibri" panose="020F0502020204030204" pitchFamily="34" charset="0"/>
-                <a:cs typeface="Arial" panose="020B0604020202020204" pitchFamily="34" charset="0"/>
-              </a:rPr>
-            </a:br>
-            <a:r>
-              <a:rPr lang="en-US" sz="1800" kern="100" dirty="0">
-                <a:effectLst/>
-                <a:latin typeface="Calibri" panose="020F0502020204030204" pitchFamily="34" charset="0"/>
-                <a:ea typeface="Calibri" panose="020F0502020204030204" pitchFamily="34" charset="0"/>
-                <a:cs typeface="Arial" panose="020B0604020202020204" pitchFamily="34" charset="0"/>
-              </a:rPr>
-              <a:t>    }</a:t>
-            </a:r>
-            <a:br>
-              <a:rPr lang="en-US" sz="1800" kern="100" dirty="0">
-                <a:effectLst/>
-                <a:latin typeface="Calibri" panose="020F0502020204030204" pitchFamily="34" charset="0"/>
-                <a:ea typeface="Calibri" panose="020F0502020204030204" pitchFamily="34" charset="0"/>
-                <a:cs typeface="Arial" panose="020B0604020202020204" pitchFamily="34" charset="0"/>
-              </a:rPr>
-            </a:br>
-            <a:r>
-              <a:rPr lang="en-US" sz="1800" kern="100" dirty="0">
-                <a:effectLst/>
-                <a:latin typeface="Calibri" panose="020F0502020204030204" pitchFamily="34" charset="0"/>
-                <a:ea typeface="Calibri" panose="020F0502020204030204" pitchFamily="34" charset="0"/>
-                <a:cs typeface="Arial" panose="020B0604020202020204" pitchFamily="34" charset="0"/>
-              </a:rPr>
-              <a:t>}</a:t>
-            </a:r>
-            <a:endParaRPr lang="en-US" dirty="0"/>
+            <a:r>
+              <a:rPr lang="de-DE" dirty="0"/>
+              <a:t>Beispiel Open/</a:t>
+            </a:r>
+            <a:r>
+              <a:rPr lang="de-DE" dirty="0" err="1"/>
+              <a:t>Closed</a:t>
+            </a:r>
+            <a:endParaRPr lang="de-DE" dirty="0"/>
           </a:p>
         </p:txBody>
       </p:sp>
       <p:sp>
         <p:nvSpPr>
-          <p:cNvPr id="3" name="Inhaltsplatzhalter 2">
+          <p:cNvPr id="10" name="Rectangle 5">
             <a:extLst>
               <a:ext uri="{FF2B5EF4-FFF2-40B4-BE49-F238E27FC236}">
-                <a16:creationId xmlns:a16="http://schemas.microsoft.com/office/drawing/2014/main" id="{D69670C8-5A75-4E56-72C3-57DD3187F54B}"/>
+                <a16:creationId xmlns:a16="http://schemas.microsoft.com/office/drawing/2014/main" id="{E728AD70-23E8-4EBD-B851-68E4762E2288}"/>
               </a:ext>
             </a:extLst>
           </p:cNvPr>
           <p:cNvSpPr>
-            <a:spLocks noGrp="1"/>
+            <a:spLocks noGrp="1" noChangeArrowheads="1"/>
           </p:cNvSpPr>
           <p:nvPr>
             <p:ph idx="1"/>
           </p:nvPr>
         </p:nvSpPr>
-        <p:spPr>
+        <p:spPr bwMode="auto">
           <a:xfrm>
-            <a:off x="176719" y="523080"/>
-            <a:ext cx="7508132" cy="5811838"/>
+            <a:off x="838200" y="1871276"/>
+            <a:ext cx="11458201" cy="4260040"/>
           </a:xfrm>
+          <a:prstGeom prst="rect">
+            <a:avLst/>
+          </a:prstGeom>
+          <a:solidFill>
+            <a:srgbClr val="000000"/>
+          </a:solidFill>
+          <a:ln>
+            <a:noFill/>
+          </a:ln>
+          <a:effectLst/>
+          <a:extLst>
+            <a:ext uri="{91240B29-F687-4F45-9708-019B960494DF}">
+              <a14:hiddenLine xmlns:a14="http://schemas.microsoft.com/office/drawing/2010/main" w="9525">
+                <a:solidFill>
+                  <a:schemeClr val="tx1"/>
+                </a:solidFill>
+                <a:miter lim="800000"/>
+                <a:headEnd/>
+                <a:tailEnd/>
+              </a14:hiddenLine>
+            </a:ext>
+            <a:ext uri="{AF507438-7753-43E0-B8FC-AC1667EBCBE1}">
+              <a14:hiddenEffects xmlns:a14="http://schemas.microsoft.com/office/drawing/2010/main">
+                <a:effectLst>
+                  <a:outerShdw dist="35921" dir="2700000" algn="ctr" rotWithShape="0">
+                    <a:schemeClr val="bg2"/>
+                  </a:outerShdw>
+                </a:effectLst>
+              </a14:hiddenEffects>
+            </a:ext>
+          </a:extLst>
         </p:spPr>
         <p:txBody>
-          <a:bodyPr>
-            <a:noAutofit/>
+          <a:bodyPr vert="horz" wrap="none" lIns="91440" tIns="158700" rIns="91440" bIns="158700" numCol="1" anchor="ctr" anchorCtr="0" compatLnSpc="1">
+            <a:prstTxWarp prst="textNoShape">
+              <a:avLst/>
+            </a:prstTxWarp>
+            <a:spAutoFit/>
           </a:bodyPr>
           <a:lstStyle/>
           <a:p>
-            <a:pPr marL="0" indent="0">
+            <a:pPr marL="0" marR="0" lvl="0" indent="0" algn="l" defTabSz="914400" rtl="0" eaLnBrk="0" fontAlgn="base" latinLnBrk="0" hangingPunct="0">
               <a:lnSpc>
-                <a:spcPct val="107000"/>
+                <a:spcPct val="100000"/>
               </a:lnSpc>
+              <a:spcBef>
+                <a:spcPct val="0"/>
+              </a:spcBef>
               <a:spcAft>
-                <a:spcPts val="800"/>
+                <a:spcPct val="0"/>
+              </a:spcAft>
+              <a:buClrTx/>
+              <a:buSzTx/>
+              <a:buFontTx/>
+              <a:buNone/>
+              <a:tabLst/>
+            </a:pPr>
+            <a:r>
+              <a:rPr kumimoji="0" lang="de-DE" altLang="de-DE" sz="3200" b="0" i="0" u="none" strike="noStrike" cap="none" normalizeH="0" baseline="0" dirty="0" err="1">
+                <a:ln>
+                  <a:noFill/>
+                </a:ln>
+                <a:solidFill>
+                  <a:srgbClr val="E28964"/>
+                </a:solidFill>
+                <a:effectLst/>
+                <a:latin typeface="source-code-pro"/>
+              </a:rPr>
+              <a:t>public</a:t>
+            </a:r>
+            <a:r>
+              <a:rPr kumimoji="0" lang="de-DE" altLang="de-DE" sz="3200" b="0" i="0" u="none" strike="noStrike" cap="none" normalizeH="0" baseline="0" dirty="0">
+                <a:ln>
+                  <a:noFill/>
+                </a:ln>
+                <a:solidFill>
+                  <a:srgbClr val="FFFFFF"/>
+                </a:solidFill>
+                <a:effectLst/>
+                <a:latin typeface="source-code-pro"/>
+              </a:rPr>
+              <a:t> </a:t>
+            </a:r>
+            <a:r>
+              <a:rPr kumimoji="0" lang="de-DE" altLang="de-DE" sz="3200" b="0" i="0" u="none" strike="noStrike" cap="none" normalizeH="0" baseline="0" dirty="0" err="1">
+                <a:ln>
+                  <a:noFill/>
+                </a:ln>
+                <a:solidFill>
+                  <a:srgbClr val="E28964"/>
+                </a:solidFill>
+                <a:effectLst/>
+                <a:latin typeface="source-code-pro"/>
+              </a:rPr>
+              <a:t>class</a:t>
+            </a:r>
+            <a:r>
+              <a:rPr kumimoji="0" lang="de-DE" altLang="de-DE" sz="3200" b="0" i="0" u="none" strike="noStrike" cap="none" normalizeH="0" baseline="0" dirty="0">
+                <a:ln>
+                  <a:noFill/>
+                </a:ln>
+                <a:solidFill>
+                  <a:srgbClr val="FFFFFF"/>
+                </a:solidFill>
+                <a:effectLst/>
+                <a:latin typeface="source-code-pro"/>
+              </a:rPr>
+              <a:t> </a:t>
+            </a:r>
+            <a:r>
+              <a:rPr kumimoji="0" lang="de-DE" altLang="de-DE" sz="3200" b="0" i="0" u="none" strike="noStrike" cap="none" normalizeH="0" baseline="0" dirty="0" err="1">
+                <a:ln>
+                  <a:noFill/>
+                </a:ln>
+                <a:solidFill>
+                  <a:srgbClr val="89BDFF"/>
+                </a:solidFill>
+                <a:effectLst/>
+                <a:latin typeface="source-code-pro"/>
+              </a:rPr>
+              <a:t>Rectangle</a:t>
+            </a:r>
+            <a:r>
+              <a:rPr kumimoji="0" lang="de-DE" altLang="de-DE" sz="3200" b="0" i="0" u="none" strike="noStrike" cap="none" normalizeH="0" baseline="0" dirty="0">
+                <a:ln>
+                  <a:noFill/>
+                </a:ln>
+                <a:solidFill>
+                  <a:srgbClr val="FFFFFF"/>
+                </a:solidFill>
+                <a:effectLst/>
+                <a:latin typeface="source-code-pro"/>
+              </a:rPr>
+              <a:t> { </a:t>
+            </a:r>
+          </a:p>
+          <a:p>
+            <a:pPr marL="0" marR="0" lvl="0" indent="0" algn="l" defTabSz="914400" rtl="0" eaLnBrk="0" fontAlgn="base" latinLnBrk="0" hangingPunct="0">
+              <a:lnSpc>
+                <a:spcPct val="100000"/>
+              </a:lnSpc>
+              <a:spcBef>
+                <a:spcPct val="0"/>
+              </a:spcBef>
+              <a:spcAft>
+                <a:spcPct val="0"/>
+              </a:spcAft>
+              <a:buClrTx/>
+              <a:buSzTx/>
+              <a:buFontTx/>
+              <a:buNone/>
+              <a:tabLst/>
+            </a:pPr>
+            <a:r>
+              <a:rPr kumimoji="0" lang="de-DE" altLang="de-DE" sz="3200" b="0" i="0" u="none" strike="noStrike" cap="none" normalizeH="0" baseline="0" dirty="0" err="1">
+                <a:ln>
+                  <a:noFill/>
+                </a:ln>
+                <a:solidFill>
+                  <a:srgbClr val="E28964"/>
+                </a:solidFill>
+                <a:effectLst/>
+                <a:latin typeface="source-code-pro"/>
+              </a:rPr>
+              <a:t>public</a:t>
+            </a:r>
+            <a:r>
+              <a:rPr kumimoji="0" lang="de-DE" altLang="de-DE" sz="3200" b="0" i="0" u="none" strike="noStrike" cap="none" normalizeH="0" baseline="0" dirty="0">
+                <a:ln>
+                  <a:noFill/>
+                </a:ln>
+                <a:solidFill>
+                  <a:srgbClr val="FFFFFF"/>
+                </a:solidFill>
+                <a:effectLst/>
+                <a:latin typeface="source-code-pro"/>
+              </a:rPr>
+              <a:t> </a:t>
+            </a:r>
+            <a:r>
+              <a:rPr kumimoji="0" lang="de-DE" altLang="de-DE" sz="3200" b="0" i="0" u="none" strike="noStrike" cap="none" normalizeH="0" baseline="0" dirty="0">
+                <a:ln>
+                  <a:noFill/>
+                </a:ln>
+                <a:solidFill>
+                  <a:srgbClr val="E28964"/>
+                </a:solidFill>
+                <a:effectLst/>
+                <a:latin typeface="source-code-pro"/>
+              </a:rPr>
+              <a:t>double</a:t>
+            </a:r>
+            <a:r>
+              <a:rPr kumimoji="0" lang="de-DE" altLang="de-DE" sz="3200" b="0" i="0" u="none" strike="noStrike" cap="none" normalizeH="0" baseline="0" dirty="0">
+                <a:ln>
+                  <a:noFill/>
+                </a:ln>
+                <a:solidFill>
+                  <a:srgbClr val="FFFFFF"/>
+                </a:solidFill>
+                <a:effectLst/>
+                <a:latin typeface="source-code-pro"/>
+              </a:rPr>
+              <a:t> </a:t>
+            </a:r>
+            <a:r>
+              <a:rPr kumimoji="0" lang="de-DE" altLang="de-DE" sz="3200" b="0" i="0" u="none" strike="noStrike" cap="none" normalizeH="0" baseline="0" dirty="0">
+                <a:ln>
+                  <a:noFill/>
+                </a:ln>
+                <a:solidFill>
+                  <a:srgbClr val="89BDFF"/>
+                </a:solidFill>
+                <a:effectLst/>
+                <a:latin typeface="source-code-pro"/>
+              </a:rPr>
+              <a:t>Width</a:t>
+            </a:r>
+            <a:r>
+              <a:rPr kumimoji="0" lang="de-DE" altLang="de-DE" sz="3200" b="0" i="0" u="none" strike="noStrike" cap="none" normalizeH="0" baseline="0" dirty="0">
+                <a:ln>
+                  <a:noFill/>
+                </a:ln>
+                <a:solidFill>
+                  <a:srgbClr val="FFFFFF"/>
+                </a:solidFill>
+                <a:effectLst/>
+                <a:latin typeface="source-code-pro"/>
+              </a:rPr>
+              <a:t> { </a:t>
+            </a:r>
+            <a:r>
+              <a:rPr kumimoji="0" lang="de-DE" altLang="de-DE" sz="3200" b="0" i="0" u="none" strike="noStrike" cap="none" normalizeH="0" baseline="0" dirty="0" err="1">
+                <a:ln>
+                  <a:noFill/>
+                </a:ln>
+                <a:solidFill>
+                  <a:srgbClr val="E28964"/>
+                </a:solidFill>
+                <a:effectLst/>
+                <a:latin typeface="source-code-pro"/>
+              </a:rPr>
+              <a:t>get</a:t>
+            </a:r>
+            <a:r>
+              <a:rPr kumimoji="0" lang="de-DE" altLang="de-DE" sz="3200" b="0" i="0" u="none" strike="noStrike" cap="none" normalizeH="0" baseline="0" dirty="0">
+                <a:ln>
+                  <a:noFill/>
+                </a:ln>
+                <a:solidFill>
+                  <a:srgbClr val="FFFFFF"/>
+                </a:solidFill>
+                <a:effectLst/>
+                <a:latin typeface="source-code-pro"/>
+              </a:rPr>
+              <a:t>; </a:t>
+            </a:r>
+            <a:r>
+              <a:rPr kumimoji="0" lang="de-DE" altLang="de-DE" sz="3200" b="0" i="0" u="none" strike="noStrike" cap="none" normalizeH="0" baseline="0" dirty="0" err="1">
+                <a:ln>
+                  <a:noFill/>
+                </a:ln>
+                <a:solidFill>
+                  <a:srgbClr val="E28964"/>
+                </a:solidFill>
+                <a:effectLst/>
+                <a:latin typeface="source-code-pro"/>
+              </a:rPr>
+              <a:t>set</a:t>
+            </a:r>
+            <a:r>
+              <a:rPr kumimoji="0" lang="de-DE" altLang="de-DE" sz="3200" b="0" i="0" u="none" strike="noStrike" cap="none" normalizeH="0" baseline="0" dirty="0">
+                <a:ln>
+                  <a:noFill/>
+                </a:ln>
+                <a:solidFill>
+                  <a:srgbClr val="FFFFFF"/>
+                </a:solidFill>
+                <a:effectLst/>
+                <a:latin typeface="source-code-pro"/>
+              </a:rPr>
+              <a:t>; } </a:t>
+            </a:r>
+          </a:p>
+          <a:p>
+            <a:pPr marL="0" marR="0" lvl="0" indent="0" algn="l" defTabSz="914400" rtl="0" eaLnBrk="0" fontAlgn="base" latinLnBrk="0" hangingPunct="0">
+              <a:lnSpc>
+                <a:spcPct val="100000"/>
+              </a:lnSpc>
+              <a:spcBef>
+                <a:spcPct val="0"/>
+              </a:spcBef>
+              <a:spcAft>
+                <a:spcPct val="0"/>
+              </a:spcAft>
+              <a:buClrTx/>
+              <a:buSzTx/>
+              <a:buFontTx/>
+              <a:buNone/>
+              <a:tabLst/>
+            </a:pPr>
+            <a:r>
+              <a:rPr kumimoji="0" lang="de-DE" altLang="de-DE" sz="3200" b="0" i="0" u="none" strike="noStrike" cap="none" normalizeH="0" baseline="0" dirty="0" err="1">
+                <a:ln>
+                  <a:noFill/>
+                </a:ln>
+                <a:solidFill>
+                  <a:srgbClr val="E28964"/>
+                </a:solidFill>
+                <a:effectLst/>
+                <a:latin typeface="source-code-pro"/>
+              </a:rPr>
+              <a:t>public</a:t>
+            </a:r>
+            <a:r>
+              <a:rPr kumimoji="0" lang="de-DE" altLang="de-DE" sz="3200" b="0" i="0" u="none" strike="noStrike" cap="none" normalizeH="0" baseline="0" dirty="0">
+                <a:ln>
+                  <a:noFill/>
+                </a:ln>
+                <a:solidFill>
+                  <a:srgbClr val="FFFFFF"/>
+                </a:solidFill>
+                <a:effectLst/>
+                <a:latin typeface="source-code-pro"/>
+              </a:rPr>
+              <a:t> </a:t>
+            </a:r>
+            <a:r>
+              <a:rPr kumimoji="0" lang="de-DE" altLang="de-DE" sz="3200" b="0" i="0" u="none" strike="noStrike" cap="none" normalizeH="0" baseline="0" dirty="0">
+                <a:ln>
+                  <a:noFill/>
+                </a:ln>
+                <a:solidFill>
+                  <a:srgbClr val="E28964"/>
+                </a:solidFill>
+                <a:effectLst/>
+                <a:latin typeface="source-code-pro"/>
+              </a:rPr>
+              <a:t>double</a:t>
+            </a:r>
+            <a:r>
+              <a:rPr kumimoji="0" lang="de-DE" altLang="de-DE" sz="3200" b="0" i="0" u="none" strike="noStrike" cap="none" normalizeH="0" baseline="0" dirty="0">
+                <a:ln>
+                  <a:noFill/>
+                </a:ln>
+                <a:solidFill>
+                  <a:srgbClr val="FFFFFF"/>
+                </a:solidFill>
+                <a:effectLst/>
+                <a:latin typeface="source-code-pro"/>
+              </a:rPr>
+              <a:t> </a:t>
+            </a:r>
+            <a:r>
+              <a:rPr kumimoji="0" lang="de-DE" altLang="de-DE" sz="3200" b="0" i="0" u="none" strike="noStrike" cap="none" normalizeH="0" baseline="0" dirty="0">
+                <a:ln>
+                  <a:noFill/>
+                </a:ln>
+                <a:solidFill>
+                  <a:srgbClr val="89BDFF"/>
+                </a:solidFill>
+                <a:effectLst/>
+                <a:latin typeface="source-code-pro"/>
+              </a:rPr>
+              <a:t>Height</a:t>
+            </a:r>
+            <a:r>
+              <a:rPr kumimoji="0" lang="de-DE" altLang="de-DE" sz="3200" b="0" i="0" u="none" strike="noStrike" cap="none" normalizeH="0" baseline="0" dirty="0">
+                <a:ln>
+                  <a:noFill/>
+                </a:ln>
+                <a:solidFill>
+                  <a:srgbClr val="FFFFFF"/>
+                </a:solidFill>
+                <a:effectLst/>
+                <a:latin typeface="source-code-pro"/>
+              </a:rPr>
+              <a:t> { </a:t>
+            </a:r>
+            <a:r>
+              <a:rPr kumimoji="0" lang="de-DE" altLang="de-DE" sz="3200" b="0" i="0" u="none" strike="noStrike" cap="none" normalizeH="0" baseline="0" dirty="0" err="1">
+                <a:ln>
+                  <a:noFill/>
+                </a:ln>
+                <a:solidFill>
+                  <a:srgbClr val="E28964"/>
+                </a:solidFill>
+                <a:effectLst/>
+                <a:latin typeface="source-code-pro"/>
+              </a:rPr>
+              <a:t>get</a:t>
+            </a:r>
+            <a:r>
+              <a:rPr kumimoji="0" lang="de-DE" altLang="de-DE" sz="3200" b="0" i="0" u="none" strike="noStrike" cap="none" normalizeH="0" baseline="0" dirty="0">
+                <a:ln>
+                  <a:noFill/>
+                </a:ln>
+                <a:solidFill>
+                  <a:srgbClr val="FFFFFF"/>
+                </a:solidFill>
+                <a:effectLst/>
+                <a:latin typeface="source-code-pro"/>
+              </a:rPr>
+              <a:t>; </a:t>
+            </a:r>
+            <a:r>
+              <a:rPr kumimoji="0" lang="de-DE" altLang="de-DE" sz="3200" b="0" i="0" u="none" strike="noStrike" cap="none" normalizeH="0" baseline="0" dirty="0" err="1">
+                <a:ln>
+                  <a:noFill/>
+                </a:ln>
+                <a:solidFill>
+                  <a:srgbClr val="E28964"/>
+                </a:solidFill>
+                <a:effectLst/>
+                <a:latin typeface="source-code-pro"/>
+              </a:rPr>
+              <a:t>set</a:t>
+            </a:r>
+            <a:r>
+              <a:rPr kumimoji="0" lang="de-DE" altLang="de-DE" sz="3200" b="0" i="0" u="none" strike="noStrike" cap="none" normalizeH="0" baseline="0" dirty="0">
+                <a:ln>
+                  <a:noFill/>
+                </a:ln>
+                <a:solidFill>
+                  <a:srgbClr val="FFFFFF"/>
+                </a:solidFill>
+                <a:effectLst/>
+                <a:latin typeface="source-code-pro"/>
+              </a:rPr>
+              <a:t>; } }</a:t>
+            </a:r>
+          </a:p>
+          <a:p>
+            <a:pPr marL="0" indent="0" eaLnBrk="0" fontAlgn="base" hangingPunct="0">
+              <a:lnSpc>
+                <a:spcPct val="100000"/>
+              </a:lnSpc>
+              <a:spcBef>
+                <a:spcPct val="0"/>
+              </a:spcBef>
+              <a:spcAft>
+                <a:spcPct val="0"/>
               </a:spcAft>
               <a:buNone/>
             </a:pPr>
             <a:r>
-              <a:rPr lang="en-US" sz="1800" b="1" i="1" u="sng" dirty="0">
-                <a:solidFill>
-                  <a:srgbClr val="000000"/>
-                </a:solidFill>
-                <a:effectLst/>
-                <a:ea typeface="Times New Roman" panose="02020603050405020304" pitchFamily="18" charset="0"/>
-              </a:rPr>
-              <a:t>L: </a:t>
-            </a:r>
-            <a:r>
-              <a:rPr lang="en-US" sz="1800" b="1" i="1" u="sng" dirty="0" err="1">
-                <a:solidFill>
-                  <a:srgbClr val="000000"/>
-                </a:solidFill>
-                <a:effectLst/>
-                <a:ea typeface="Times New Roman" panose="02020603050405020304" pitchFamily="18" charset="0"/>
-              </a:rPr>
-              <a:t>Liskovsches</a:t>
-            </a:r>
-            <a:r>
-              <a:rPr lang="en-US" sz="1800" b="1" i="1" u="sng" dirty="0">
-                <a:solidFill>
-                  <a:srgbClr val="000000"/>
-                </a:solidFill>
-                <a:effectLst/>
-                <a:ea typeface="Times New Roman" panose="02020603050405020304" pitchFamily="18" charset="0"/>
+              <a:rPr kumimoji="0" lang="de-DE" altLang="de-DE" sz="3200" b="0" i="0" u="none" strike="noStrike" cap="none" normalizeH="0" baseline="0" dirty="0" err="1">
+                <a:ln>
+                  <a:noFill/>
+                </a:ln>
+                <a:solidFill>
+                  <a:srgbClr val="E28964"/>
+                </a:solidFill>
+                <a:effectLst/>
+                <a:latin typeface="source-code-pro"/>
+              </a:rPr>
+              <a:t>public</a:t>
+            </a:r>
+            <a:r>
+              <a:rPr kumimoji="0" lang="de-DE" altLang="de-DE" sz="3200" b="0" i="0" u="none" strike="noStrike" cap="none" normalizeH="0" baseline="0" dirty="0">
+                <a:ln>
+                  <a:noFill/>
+                </a:ln>
+                <a:solidFill>
+                  <a:srgbClr val="FFFFFF"/>
+                </a:solidFill>
+                <a:effectLst/>
+                <a:latin typeface="source-code-pro"/>
               </a:rPr>
               <a:t> </a:t>
             </a:r>
             <a:r>
-              <a:rPr lang="en-US" sz="1800" b="1" i="1" u="sng" dirty="0" err="1">
-                <a:solidFill>
-                  <a:srgbClr val="000000"/>
-                </a:solidFill>
-                <a:effectLst/>
-                <a:ea typeface="Times New Roman" panose="02020603050405020304" pitchFamily="18" charset="0"/>
-              </a:rPr>
-              <a:t>Substitutionsprinzip</a:t>
-            </a:r>
-            <a:r>
-              <a:rPr lang="en-US" sz="1800" b="1" i="1" u="sng" dirty="0">
-                <a:solidFill>
-                  <a:srgbClr val="000000"/>
-                </a:solidFill>
-                <a:effectLst/>
-                <a:ea typeface="Times New Roman" panose="02020603050405020304" pitchFamily="18" charset="0"/>
-              </a:rPr>
-              <a:t> – (</a:t>
-            </a:r>
-            <a:r>
-              <a:rPr lang="en-US" sz="1800" b="1" i="1" u="sng" dirty="0" err="1">
-                <a:solidFill>
-                  <a:srgbClr val="202122"/>
-                </a:solidFill>
-                <a:effectLst/>
-                <a:ea typeface="Times New Roman" panose="02020603050405020304" pitchFamily="18" charset="0"/>
-              </a:rPr>
-              <a:t>Ersetzbarkeitsprinzip</a:t>
-            </a:r>
-            <a:r>
-              <a:rPr lang="en-US" sz="1800" b="1" i="1" u="sng" dirty="0">
-                <a:solidFill>
-                  <a:srgbClr val="202122"/>
-                </a:solidFill>
-                <a:effectLst/>
-                <a:ea typeface="Times New Roman" panose="02020603050405020304" pitchFamily="18" charset="0"/>
-              </a:rPr>
-              <a:t>) </a:t>
-            </a:r>
-            <a:endParaRPr lang="de-DE" sz="1800" b="1" i="1" u="sng" kern="100" dirty="0">
-              <a:solidFill>
-                <a:srgbClr val="2A2A2A"/>
-              </a:solidFill>
-              <a:effectLst/>
-              <a:ea typeface="Calibri" panose="020F0502020204030204" pitchFamily="34" charset="0"/>
-              <a:cs typeface="Arial" panose="020B0604020202020204" pitchFamily="34" charset="0"/>
-            </a:endParaRPr>
-          </a:p>
-          <a:p>
-            <a:pPr marL="0" indent="0">
+              <a:rPr kumimoji="0" lang="de-DE" altLang="de-DE" sz="3200" b="0" i="0" u="none" strike="noStrike" cap="none" normalizeH="0" baseline="0" dirty="0" err="1">
+                <a:ln>
+                  <a:noFill/>
+                </a:ln>
+                <a:solidFill>
+                  <a:srgbClr val="E28964"/>
+                </a:solidFill>
+                <a:effectLst/>
+                <a:latin typeface="source-code-pro"/>
+              </a:rPr>
+              <a:t>class</a:t>
+            </a:r>
+            <a:r>
+              <a:rPr kumimoji="0" lang="de-DE" altLang="de-DE" sz="3200" b="0" i="0" u="none" strike="noStrike" cap="none" normalizeH="0" baseline="0" dirty="0">
+                <a:ln>
+                  <a:noFill/>
+                </a:ln>
+                <a:solidFill>
+                  <a:srgbClr val="FFFFFF"/>
+                </a:solidFill>
+                <a:effectLst/>
+                <a:latin typeface="source-code-pro"/>
+              </a:rPr>
+              <a:t> </a:t>
+            </a:r>
+            <a:r>
+              <a:rPr kumimoji="0" lang="de-DE" altLang="de-DE" sz="3200" b="0" i="0" u="none" strike="noStrike" cap="none" normalizeH="0" baseline="0" dirty="0" err="1">
+                <a:ln>
+                  <a:noFill/>
+                </a:ln>
+                <a:solidFill>
+                  <a:srgbClr val="89BDFF"/>
+                </a:solidFill>
+                <a:effectLst/>
+                <a:latin typeface="source-code-pro"/>
+              </a:rPr>
+              <a:t>AreaCalculator</a:t>
+            </a:r>
+            <a:r>
+              <a:rPr kumimoji="0" lang="de-DE" altLang="de-DE" sz="3200" b="0" i="0" u="none" strike="noStrike" cap="none" normalizeH="0" baseline="0" dirty="0">
+                <a:ln>
+                  <a:noFill/>
+                </a:ln>
+                <a:solidFill>
+                  <a:srgbClr val="FFFFFF"/>
+                </a:solidFill>
+                <a:effectLst/>
+                <a:latin typeface="source-code-pro"/>
+              </a:rPr>
+              <a:t> { </a:t>
+            </a:r>
+            <a:r>
+              <a:rPr kumimoji="0" lang="de-DE" altLang="de-DE" sz="3200" b="0" i="0" u="none" strike="noStrike" cap="none" normalizeH="0" baseline="0" dirty="0" err="1">
+                <a:ln>
+                  <a:noFill/>
+                </a:ln>
+                <a:solidFill>
+                  <a:srgbClr val="E28964"/>
+                </a:solidFill>
+                <a:effectLst/>
+                <a:latin typeface="source-code-pro"/>
+              </a:rPr>
+              <a:t>public</a:t>
+            </a:r>
+            <a:r>
+              <a:rPr kumimoji="0" lang="de-DE" altLang="de-DE" sz="3200" b="0" i="0" u="none" strike="noStrike" cap="none" normalizeH="0" baseline="0" dirty="0">
+                <a:ln>
+                  <a:noFill/>
+                </a:ln>
+                <a:solidFill>
+                  <a:srgbClr val="FFFFFF"/>
+                </a:solidFill>
+                <a:effectLst/>
+                <a:latin typeface="source-code-pro"/>
+              </a:rPr>
+              <a:t> </a:t>
+            </a:r>
+            <a:r>
+              <a:rPr kumimoji="0" lang="de-DE" altLang="de-DE" sz="3200" b="0" i="0" u="none" strike="noStrike" cap="none" normalizeH="0" baseline="0" dirty="0">
+                <a:ln>
+                  <a:noFill/>
+                </a:ln>
+                <a:solidFill>
+                  <a:srgbClr val="E28964"/>
+                </a:solidFill>
+                <a:effectLst/>
+                <a:latin typeface="source-code-pro"/>
+              </a:rPr>
+              <a:t>double</a:t>
+            </a:r>
+            <a:r>
+              <a:rPr kumimoji="0" lang="de-DE" altLang="de-DE" sz="3200" b="0" i="0" u="none" strike="noStrike" cap="none" normalizeH="0" baseline="0" dirty="0">
+                <a:ln>
+                  <a:noFill/>
+                </a:ln>
+                <a:solidFill>
+                  <a:srgbClr val="FFFFFF"/>
+                </a:solidFill>
+                <a:effectLst/>
+                <a:latin typeface="source-code-pro"/>
+              </a:rPr>
+              <a:t> </a:t>
+            </a:r>
+            <a:r>
+              <a:rPr kumimoji="0" lang="de-DE" altLang="de-DE" sz="3200" b="0" i="0" u="none" strike="noStrike" cap="none" normalizeH="0" baseline="0" dirty="0">
+                <a:ln>
+                  <a:noFill/>
+                </a:ln>
+                <a:solidFill>
+                  <a:srgbClr val="89BDFF"/>
+                </a:solidFill>
+                <a:effectLst/>
+                <a:latin typeface="source-code-pro"/>
+              </a:rPr>
+              <a:t>Area</a:t>
+            </a:r>
+            <a:r>
+              <a:rPr kumimoji="0" lang="de-DE" altLang="de-DE" sz="3200" b="0" i="0" u="none" strike="noStrike" cap="none" normalizeH="0" baseline="0" dirty="0">
+                <a:ln>
+                  <a:noFill/>
+                </a:ln>
+                <a:solidFill>
+                  <a:srgbClr val="FFFFFF"/>
+                </a:solidFill>
+                <a:effectLst/>
+                <a:latin typeface="source-code-pro"/>
+              </a:rPr>
+              <a:t>(</a:t>
+            </a:r>
+            <a:r>
+              <a:rPr kumimoji="0" lang="de-DE" altLang="de-DE" sz="3200" b="0" i="0" u="none" strike="noStrike" cap="none" normalizeH="0" baseline="0" dirty="0" err="1">
+                <a:ln>
+                  <a:noFill/>
+                </a:ln>
+                <a:solidFill>
+                  <a:srgbClr val="89BDFF"/>
+                </a:solidFill>
+                <a:effectLst/>
+                <a:latin typeface="source-code-pro"/>
+              </a:rPr>
+              <a:t>Rectangle</a:t>
+            </a:r>
+            <a:r>
+              <a:rPr kumimoji="0" lang="de-DE" altLang="de-DE" sz="3200" b="0" i="0" u="none" strike="noStrike" cap="none" normalizeH="0" baseline="0" dirty="0">
+                <a:ln>
+                  <a:noFill/>
+                </a:ln>
+                <a:solidFill>
+                  <a:srgbClr val="FFFFFF"/>
+                </a:solidFill>
+                <a:effectLst/>
+                <a:latin typeface="source-code-pro"/>
+              </a:rPr>
+              <a:t>[] </a:t>
+            </a:r>
+            <a:r>
+              <a:rPr kumimoji="0" lang="de-DE" altLang="de-DE" sz="3200" b="0" i="0" u="none" strike="noStrike" cap="none" normalizeH="0" baseline="0" dirty="0" err="1">
+                <a:ln>
+                  <a:noFill/>
+                </a:ln>
+                <a:solidFill>
+                  <a:srgbClr val="FFFFFF"/>
+                </a:solidFill>
+                <a:effectLst/>
+                <a:latin typeface="source-code-pro"/>
+              </a:rPr>
+              <a:t>shapes</a:t>
+            </a:r>
+            <a:r>
+              <a:rPr kumimoji="0" lang="de-DE" altLang="de-DE" sz="3200" b="0" i="0" u="none" strike="noStrike" cap="none" normalizeH="0" baseline="0" dirty="0">
+                <a:ln>
+                  <a:noFill/>
+                </a:ln>
+                <a:solidFill>
+                  <a:srgbClr val="FFFFFF"/>
+                </a:solidFill>
+                <a:effectLst/>
+                <a:latin typeface="source-code-pro"/>
+              </a:rPr>
+              <a:t>)</a:t>
+            </a:r>
+          </a:p>
+          <a:p>
+            <a:pPr marL="0" indent="0" eaLnBrk="0" fontAlgn="base" hangingPunct="0">
               <a:lnSpc>
-                <a:spcPct val="107000"/>
+                <a:spcPct val="100000"/>
               </a:lnSpc>
+              <a:spcBef>
+                <a:spcPct val="0"/>
+              </a:spcBef>
               <a:spcAft>
-                <a:spcPts val="800"/>
+                <a:spcPct val="0"/>
               </a:spcAft>
               <a:buNone/>
             </a:pPr>
             <a:r>
-              <a:rPr lang="de-DE" sz="1800" i="1" kern="100" dirty="0">
-                <a:solidFill>
-                  <a:srgbClr val="2A2A2A"/>
-                </a:solidFill>
-                <a:effectLst/>
-                <a:ea typeface="Calibri" panose="020F0502020204030204" pitchFamily="34" charset="0"/>
-                <a:cs typeface="Arial" panose="020B0604020202020204" pitchFamily="34" charset="0"/>
-              </a:rPr>
-              <a:t>„Sei q(x) eine Eigenschaft des Objektes x vom Typ T, dann sollte q(y) für alle Objekte y des Typs S gelten, wobei S ein Subtyp von T ist.“ </a:t>
-            </a:r>
-            <a:r>
-              <a:rPr lang="de-DE" sz="1800" i="1" kern="100" dirty="0">
-                <a:solidFill>
-                  <a:srgbClr val="2A2A2A"/>
-                </a:solidFill>
-                <a:effectLst/>
-                <a:ea typeface="Calibri" panose="020F0502020204030204" pitchFamily="34" charset="0"/>
-                <a:cs typeface="Calibri" panose="020F0502020204030204" pitchFamily="34" charset="0"/>
-              </a:rPr>
-              <a:t>Barbara </a:t>
-            </a:r>
-            <a:r>
-              <a:rPr lang="de-DE" sz="1800" i="1" kern="100" dirty="0" err="1">
-                <a:solidFill>
-                  <a:srgbClr val="2A2A2A"/>
-                </a:solidFill>
-                <a:effectLst/>
-                <a:ea typeface="Calibri" panose="020F0502020204030204" pitchFamily="34" charset="0"/>
-                <a:cs typeface="Calibri" panose="020F0502020204030204" pitchFamily="34" charset="0"/>
-              </a:rPr>
-              <a:t>Liskov</a:t>
-            </a:r>
-            <a:endParaRPr lang="en-US" sz="1800" kern="100" dirty="0">
-              <a:effectLst/>
-              <a:ea typeface="Calibri" panose="020F0502020204030204" pitchFamily="34" charset="0"/>
-              <a:cs typeface="Arial" panose="020B0604020202020204" pitchFamily="34" charset="0"/>
-            </a:endParaRPr>
-          </a:p>
-          <a:p>
-            <a:pPr marL="0" indent="0">
+              <a:rPr kumimoji="0" lang="de-DE" altLang="de-DE" sz="3200" b="0" i="0" u="none" strike="noStrike" cap="none" normalizeH="0" baseline="0" dirty="0">
+                <a:ln>
+                  <a:noFill/>
+                </a:ln>
+                <a:solidFill>
+                  <a:srgbClr val="FFFFFF"/>
+                </a:solidFill>
+                <a:effectLst/>
+                <a:latin typeface="source-code-pro"/>
+              </a:rPr>
+              <a:t> { </a:t>
+            </a:r>
+            <a:r>
+              <a:rPr kumimoji="0" lang="de-DE" altLang="de-DE" sz="3200" b="0" i="0" u="none" strike="noStrike" cap="none" normalizeH="0" baseline="0" dirty="0">
+                <a:ln>
+                  <a:noFill/>
+                </a:ln>
+                <a:solidFill>
+                  <a:srgbClr val="E28964"/>
+                </a:solidFill>
+                <a:effectLst/>
+                <a:latin typeface="source-code-pro"/>
+              </a:rPr>
+              <a:t>double</a:t>
+            </a:r>
+            <a:r>
+              <a:rPr kumimoji="0" lang="de-DE" altLang="de-DE" sz="3200" b="0" i="0" u="none" strike="noStrike" cap="none" normalizeH="0" baseline="0" dirty="0">
+                <a:ln>
+                  <a:noFill/>
+                </a:ln>
+                <a:solidFill>
+                  <a:srgbClr val="FFFFFF"/>
+                </a:solidFill>
+                <a:effectLst/>
+                <a:latin typeface="source-code-pro"/>
+              </a:rPr>
+              <a:t> </a:t>
+            </a:r>
+            <a:r>
+              <a:rPr kumimoji="0" lang="de-DE" altLang="de-DE" sz="3200" b="0" i="0" u="none" strike="noStrike" cap="none" normalizeH="0" baseline="0" dirty="0" err="1">
+                <a:ln>
+                  <a:noFill/>
+                </a:ln>
+                <a:solidFill>
+                  <a:srgbClr val="FFFFFF"/>
+                </a:solidFill>
+                <a:effectLst/>
+                <a:latin typeface="source-code-pro"/>
+              </a:rPr>
+              <a:t>area</a:t>
+            </a:r>
+            <a:r>
+              <a:rPr kumimoji="0" lang="de-DE" altLang="de-DE" sz="3200" b="0" i="0" u="none" strike="noStrike" cap="none" normalizeH="0" baseline="0" dirty="0">
+                <a:ln>
+                  <a:noFill/>
+                </a:ln>
+                <a:solidFill>
+                  <a:srgbClr val="FFFFFF"/>
+                </a:solidFill>
+                <a:effectLst/>
+                <a:latin typeface="source-code-pro"/>
+              </a:rPr>
+              <a:t> = </a:t>
+            </a:r>
+            <a:r>
+              <a:rPr kumimoji="0" lang="de-DE" altLang="de-DE" sz="3200" b="0" i="0" u="none" strike="noStrike" cap="none" normalizeH="0" baseline="0" dirty="0">
+                <a:ln>
+                  <a:noFill/>
+                </a:ln>
+                <a:solidFill>
+                  <a:srgbClr val="3387CC"/>
+                </a:solidFill>
+                <a:effectLst/>
+                <a:latin typeface="source-code-pro"/>
+              </a:rPr>
+              <a:t>0</a:t>
+            </a:r>
+            <a:r>
+              <a:rPr kumimoji="0" lang="de-DE" altLang="de-DE" sz="3200" b="0" i="0" u="none" strike="noStrike" cap="none" normalizeH="0" baseline="0" dirty="0">
+                <a:ln>
+                  <a:noFill/>
+                </a:ln>
+                <a:solidFill>
+                  <a:srgbClr val="FFFFFF"/>
+                </a:solidFill>
+                <a:effectLst/>
+                <a:latin typeface="source-code-pro"/>
+              </a:rPr>
+              <a:t>;</a:t>
+            </a:r>
+          </a:p>
+          <a:p>
+            <a:pPr marL="0" indent="0" eaLnBrk="0" fontAlgn="base" hangingPunct="0">
               <a:lnSpc>
-                <a:spcPct val="107000"/>
+                <a:spcPct val="100000"/>
               </a:lnSpc>
+              <a:spcBef>
+                <a:spcPct val="0"/>
+              </a:spcBef>
               <a:spcAft>
-                <a:spcPts val="800"/>
+                <a:spcPct val="0"/>
               </a:spcAft>
               <a:buNone/>
             </a:pPr>
             <a:r>
-              <a:rPr lang="de-DE" sz="1800" kern="100" dirty="0">
-                <a:solidFill>
-                  <a:srgbClr val="2A2A2A"/>
-                </a:solidFill>
-                <a:effectLst/>
-                <a:ea typeface="Calibri" panose="020F0502020204030204" pitchFamily="34" charset="0"/>
-                <a:cs typeface="Arial" panose="020B0604020202020204" pitchFamily="34" charset="0"/>
-              </a:rPr>
-              <a:t>Es besagt das eine Objekt einer abgeleiteten Instanz (</a:t>
-            </a:r>
-            <a:r>
-              <a:rPr lang="de-DE" sz="1800" kern="100" dirty="0" err="1">
-                <a:solidFill>
-                  <a:srgbClr val="2A2A2A"/>
-                </a:solidFill>
-                <a:effectLst/>
-                <a:ea typeface="Calibri" panose="020F0502020204030204" pitchFamily="34" charset="0"/>
-                <a:cs typeface="Arial" panose="020B0604020202020204" pitchFamily="34" charset="0"/>
-              </a:rPr>
-              <a:t>zB</a:t>
-            </a:r>
-            <a:r>
-              <a:rPr lang="de-DE" sz="1800" kern="100" dirty="0">
-                <a:solidFill>
-                  <a:srgbClr val="2A2A2A"/>
-                </a:solidFill>
-                <a:effectLst/>
-                <a:ea typeface="Calibri" panose="020F0502020204030204" pitchFamily="34" charset="0"/>
-                <a:cs typeface="Arial" panose="020B0604020202020204" pitchFamily="34" charset="0"/>
-              </a:rPr>
-              <a:t>. S) durch eine Instanz der Basisklasse (</a:t>
-            </a:r>
-            <a:r>
-              <a:rPr lang="de-DE" sz="1800" kern="100" dirty="0" err="1">
-                <a:solidFill>
-                  <a:srgbClr val="2A2A2A"/>
-                </a:solidFill>
-                <a:effectLst/>
-                <a:ea typeface="Calibri" panose="020F0502020204030204" pitchFamily="34" charset="0"/>
-                <a:cs typeface="Arial" panose="020B0604020202020204" pitchFamily="34" charset="0"/>
-              </a:rPr>
-              <a:t>zB</a:t>
-            </a:r>
-            <a:r>
-              <a:rPr lang="de-DE" sz="1800" kern="100" dirty="0">
-                <a:solidFill>
-                  <a:srgbClr val="2A2A2A"/>
-                </a:solidFill>
-                <a:effectLst/>
-                <a:ea typeface="Calibri" panose="020F0502020204030204" pitchFamily="34" charset="0"/>
-                <a:cs typeface="Arial" panose="020B0604020202020204" pitchFamily="34" charset="0"/>
-              </a:rPr>
-              <a:t> T) ersetz werden kann. Die Korrektheit des Programms wird jedoch nicht beeinträchtigt oder das Programm verändert. Die Verwender können nicht identifizieren ob S oder T Verwendet wird</a:t>
-            </a:r>
-            <a:endParaRPr lang="en-US" sz="1800" kern="100" dirty="0">
-              <a:effectLst/>
-              <a:ea typeface="Calibri" panose="020F0502020204030204" pitchFamily="34" charset="0"/>
-              <a:cs typeface="Arial" panose="020B0604020202020204" pitchFamily="34" charset="0"/>
-            </a:endParaRPr>
-          </a:p>
-          <a:p>
-            <a:pPr marL="0" indent="0">
+              <a:rPr kumimoji="0" lang="de-DE" altLang="de-DE" sz="3200" b="0" i="0" u="none" strike="noStrike" cap="none" normalizeH="0" baseline="0" dirty="0">
+                <a:ln>
+                  <a:noFill/>
+                </a:ln>
+                <a:solidFill>
+                  <a:srgbClr val="FFFFFF"/>
+                </a:solidFill>
+                <a:effectLst/>
+                <a:latin typeface="source-code-pro"/>
+              </a:rPr>
+              <a:t> </a:t>
+            </a:r>
+            <a:r>
+              <a:rPr kumimoji="0" lang="de-DE" altLang="de-DE" sz="3200" b="0" i="0" u="none" strike="noStrike" cap="none" normalizeH="0" baseline="0" dirty="0" err="1">
+                <a:ln>
+                  <a:noFill/>
+                </a:ln>
+                <a:solidFill>
+                  <a:srgbClr val="E28964"/>
+                </a:solidFill>
+                <a:effectLst/>
+                <a:latin typeface="source-code-pro"/>
+              </a:rPr>
+              <a:t>foreach</a:t>
+            </a:r>
+            <a:r>
+              <a:rPr kumimoji="0" lang="de-DE" altLang="de-DE" sz="3200" b="0" i="0" u="none" strike="noStrike" cap="none" normalizeH="0" baseline="0" dirty="0">
+                <a:ln>
+                  <a:noFill/>
+                </a:ln>
+                <a:solidFill>
+                  <a:srgbClr val="FFFFFF"/>
+                </a:solidFill>
+                <a:effectLst/>
+                <a:latin typeface="source-code-pro"/>
+              </a:rPr>
+              <a:t> (</a:t>
+            </a:r>
+            <a:r>
+              <a:rPr kumimoji="0" lang="de-DE" altLang="de-DE" sz="3200" b="0" i="0" u="none" strike="noStrike" cap="none" normalizeH="0" baseline="0" dirty="0" err="1">
+                <a:ln>
+                  <a:noFill/>
+                </a:ln>
+                <a:solidFill>
+                  <a:srgbClr val="E28964"/>
+                </a:solidFill>
+                <a:effectLst/>
+                <a:latin typeface="source-code-pro"/>
+              </a:rPr>
+              <a:t>var</a:t>
+            </a:r>
+            <a:r>
+              <a:rPr kumimoji="0" lang="de-DE" altLang="de-DE" sz="3200" b="0" i="0" u="none" strike="noStrike" cap="none" normalizeH="0" baseline="0" dirty="0">
+                <a:ln>
+                  <a:noFill/>
+                </a:ln>
+                <a:solidFill>
+                  <a:srgbClr val="FFFFFF"/>
+                </a:solidFill>
+                <a:effectLst/>
+                <a:latin typeface="source-code-pro"/>
+              </a:rPr>
+              <a:t> </a:t>
+            </a:r>
+            <a:r>
+              <a:rPr kumimoji="0" lang="de-DE" altLang="de-DE" sz="3200" b="0" i="0" u="none" strike="noStrike" cap="none" normalizeH="0" baseline="0" dirty="0" err="1">
+                <a:ln>
+                  <a:noFill/>
+                </a:ln>
+                <a:solidFill>
+                  <a:srgbClr val="FFFFFF"/>
+                </a:solidFill>
+                <a:effectLst/>
+                <a:latin typeface="source-code-pro"/>
+              </a:rPr>
+              <a:t>shape</a:t>
+            </a:r>
+            <a:r>
+              <a:rPr kumimoji="0" lang="de-DE" altLang="de-DE" sz="3200" b="0" i="0" u="none" strike="noStrike" cap="none" normalizeH="0" baseline="0" dirty="0">
+                <a:ln>
+                  <a:noFill/>
+                </a:ln>
+                <a:solidFill>
+                  <a:srgbClr val="FFFFFF"/>
+                </a:solidFill>
+                <a:effectLst/>
+                <a:latin typeface="source-code-pro"/>
+              </a:rPr>
+              <a:t> </a:t>
+            </a:r>
+            <a:r>
+              <a:rPr kumimoji="0" lang="de-DE" altLang="de-DE" sz="3200" b="0" i="0" u="none" strike="noStrike" cap="none" normalizeH="0" baseline="0" dirty="0">
+                <a:ln>
+                  <a:noFill/>
+                </a:ln>
+                <a:solidFill>
+                  <a:srgbClr val="E28964"/>
+                </a:solidFill>
+                <a:effectLst/>
+                <a:latin typeface="source-code-pro"/>
+              </a:rPr>
+              <a:t>in</a:t>
+            </a:r>
+            <a:r>
+              <a:rPr kumimoji="0" lang="de-DE" altLang="de-DE" sz="3200" b="0" i="0" u="none" strike="noStrike" cap="none" normalizeH="0" baseline="0" dirty="0">
+                <a:ln>
+                  <a:noFill/>
+                </a:ln>
+                <a:solidFill>
+                  <a:srgbClr val="FFFFFF"/>
+                </a:solidFill>
+                <a:effectLst/>
+                <a:latin typeface="source-code-pro"/>
+              </a:rPr>
+              <a:t> </a:t>
+            </a:r>
+            <a:r>
+              <a:rPr kumimoji="0" lang="de-DE" altLang="de-DE" sz="3200" b="0" i="0" u="none" strike="noStrike" cap="none" normalizeH="0" baseline="0" dirty="0" err="1">
+                <a:ln>
+                  <a:noFill/>
+                </a:ln>
+                <a:solidFill>
+                  <a:srgbClr val="FFFFFF"/>
+                </a:solidFill>
+                <a:effectLst/>
+                <a:latin typeface="source-code-pro"/>
+              </a:rPr>
+              <a:t>shapes</a:t>
+            </a:r>
+            <a:r>
+              <a:rPr kumimoji="0" lang="de-DE" altLang="de-DE" sz="3200" b="0" i="0" u="none" strike="noStrike" cap="none" normalizeH="0" baseline="0" dirty="0">
+                <a:ln>
+                  <a:noFill/>
+                </a:ln>
+                <a:solidFill>
+                  <a:srgbClr val="FFFFFF"/>
+                </a:solidFill>
+                <a:effectLst/>
+                <a:latin typeface="source-code-pro"/>
+              </a:rPr>
+              <a:t>) </a:t>
+            </a:r>
+          </a:p>
+          <a:p>
+            <a:pPr marL="0" indent="0" eaLnBrk="0" fontAlgn="base" hangingPunct="0">
               <a:lnSpc>
-                <a:spcPct val="107000"/>
+                <a:spcPct val="100000"/>
               </a:lnSpc>
+              <a:spcBef>
+                <a:spcPct val="0"/>
+              </a:spcBef>
               <a:spcAft>
-                <a:spcPts val="800"/>
+                <a:spcPct val="0"/>
               </a:spcAft>
               <a:buNone/>
             </a:pPr>
             <a:r>
-              <a:rPr lang="de-DE" sz="1800" kern="100" dirty="0">
-                <a:solidFill>
-                  <a:srgbClr val="000000"/>
-                </a:solidFill>
-                <a:effectLst/>
-                <a:ea typeface="Calibri" panose="020F0502020204030204" pitchFamily="34" charset="0"/>
-                <a:cs typeface="Arial" panose="020B0604020202020204" pitchFamily="34" charset="0"/>
-              </a:rPr>
-              <a:t>Ein Beispiel:</a:t>
-            </a:r>
-            <a:endParaRPr lang="en-US" sz="1800" kern="100" dirty="0">
-              <a:effectLst/>
-              <a:ea typeface="Calibri" panose="020F0502020204030204" pitchFamily="34" charset="0"/>
-              <a:cs typeface="Arial" panose="020B0604020202020204" pitchFamily="34" charset="0"/>
-            </a:endParaRPr>
-          </a:p>
-          <a:p>
-            <a:pPr marL="0" indent="0">
+              <a:rPr kumimoji="0" lang="de-DE" altLang="de-DE" sz="3200" b="0" i="0" u="none" strike="noStrike" cap="none" normalizeH="0" baseline="0" dirty="0">
+                <a:ln>
+                  <a:noFill/>
+                </a:ln>
+                <a:solidFill>
+                  <a:srgbClr val="FFFFFF"/>
+                </a:solidFill>
+                <a:effectLst/>
+                <a:latin typeface="source-code-pro"/>
+              </a:rPr>
+              <a:t>{ </a:t>
+            </a:r>
+            <a:r>
+              <a:rPr kumimoji="0" lang="de-DE" altLang="de-DE" sz="3200" b="0" i="0" u="none" strike="noStrike" cap="none" normalizeH="0" baseline="0" dirty="0" err="1">
+                <a:ln>
+                  <a:noFill/>
+                </a:ln>
+                <a:solidFill>
+                  <a:srgbClr val="FFFFFF"/>
+                </a:solidFill>
+                <a:effectLst/>
+                <a:latin typeface="source-code-pro"/>
+              </a:rPr>
+              <a:t>area</a:t>
+            </a:r>
+            <a:r>
+              <a:rPr kumimoji="0" lang="de-DE" altLang="de-DE" sz="3200" b="0" i="0" u="none" strike="noStrike" cap="none" normalizeH="0" baseline="0" dirty="0">
+                <a:ln>
+                  <a:noFill/>
+                </a:ln>
+                <a:solidFill>
+                  <a:srgbClr val="FFFFFF"/>
+                </a:solidFill>
+                <a:effectLst/>
+                <a:latin typeface="source-code-pro"/>
+              </a:rPr>
+              <a:t> += </a:t>
+            </a:r>
+            <a:r>
+              <a:rPr kumimoji="0" lang="de-DE" altLang="de-DE" sz="3200" b="0" i="0" u="none" strike="noStrike" cap="none" normalizeH="0" baseline="0" dirty="0" err="1">
+                <a:ln>
+                  <a:noFill/>
+                </a:ln>
+                <a:solidFill>
+                  <a:srgbClr val="FFFFFF"/>
+                </a:solidFill>
+                <a:effectLst/>
+                <a:latin typeface="source-code-pro"/>
+              </a:rPr>
+              <a:t>shape.</a:t>
+            </a:r>
+            <a:r>
+              <a:rPr kumimoji="0" lang="de-DE" altLang="de-DE" sz="3200" b="0" i="0" u="none" strike="noStrike" cap="none" normalizeH="0" baseline="0" dirty="0" err="1">
+                <a:ln>
+                  <a:noFill/>
+                </a:ln>
+                <a:solidFill>
+                  <a:srgbClr val="89BDFF"/>
+                </a:solidFill>
+                <a:effectLst/>
+                <a:latin typeface="source-code-pro"/>
+              </a:rPr>
+              <a:t>Width</a:t>
+            </a:r>
+            <a:r>
+              <a:rPr kumimoji="0" lang="de-DE" altLang="de-DE" sz="3200" b="0" i="0" u="none" strike="noStrike" cap="none" normalizeH="0" baseline="0" dirty="0">
+                <a:ln>
+                  <a:noFill/>
+                </a:ln>
+                <a:solidFill>
+                  <a:srgbClr val="FFFFFF"/>
+                </a:solidFill>
+                <a:effectLst/>
+                <a:latin typeface="source-code-pro"/>
+              </a:rPr>
+              <a:t>*</a:t>
+            </a:r>
+            <a:r>
+              <a:rPr kumimoji="0" lang="de-DE" altLang="de-DE" sz="3200" b="0" i="0" u="none" strike="noStrike" cap="none" normalizeH="0" baseline="0" dirty="0" err="1">
+                <a:ln>
+                  <a:noFill/>
+                </a:ln>
+                <a:solidFill>
+                  <a:srgbClr val="FFFFFF"/>
+                </a:solidFill>
+                <a:effectLst/>
+                <a:latin typeface="source-code-pro"/>
+              </a:rPr>
+              <a:t>shape.</a:t>
+            </a:r>
+            <a:r>
+              <a:rPr kumimoji="0" lang="de-DE" altLang="de-DE" sz="3200" b="0" i="0" u="none" strike="noStrike" cap="none" normalizeH="0" baseline="0" dirty="0" err="1">
+                <a:ln>
+                  <a:noFill/>
+                </a:ln>
+                <a:solidFill>
+                  <a:srgbClr val="89BDFF"/>
+                </a:solidFill>
+                <a:effectLst/>
+                <a:latin typeface="source-code-pro"/>
+              </a:rPr>
+              <a:t>Height</a:t>
+            </a:r>
+            <a:r>
+              <a:rPr kumimoji="0" lang="de-DE" altLang="de-DE" sz="3200" b="0" i="0" u="none" strike="noStrike" cap="none" normalizeH="0" baseline="0" dirty="0">
+                <a:ln>
+                  <a:noFill/>
+                </a:ln>
+                <a:solidFill>
+                  <a:srgbClr val="FFFFFF"/>
+                </a:solidFill>
+                <a:effectLst/>
+                <a:latin typeface="source-code-pro"/>
+              </a:rPr>
+              <a:t>; } </a:t>
+            </a:r>
+          </a:p>
+          <a:p>
+            <a:pPr marL="0" indent="0" eaLnBrk="0" fontAlgn="base" hangingPunct="0">
               <a:lnSpc>
-                <a:spcPct val="107000"/>
+                <a:spcPct val="100000"/>
               </a:lnSpc>
+              <a:spcBef>
+                <a:spcPct val="0"/>
+              </a:spcBef>
               <a:spcAft>
-                <a:spcPts val="800"/>
+                <a:spcPct val="0"/>
               </a:spcAft>
               <a:buNone/>
             </a:pPr>
             <a:r>
-              <a:rPr lang="de-DE" sz="1800" kern="100" dirty="0">
-                <a:solidFill>
-                  <a:srgbClr val="000000"/>
-                </a:solidFill>
-                <a:effectLst/>
-                <a:ea typeface="Calibri" panose="020F0502020204030204" pitchFamily="34" charset="0"/>
-                <a:cs typeface="Arial" panose="020B0604020202020204" pitchFamily="34" charset="0"/>
-              </a:rPr>
-              <a:t>Die Basisklasse ist </a:t>
-            </a:r>
-            <a:r>
-              <a:rPr lang="de-DE" sz="1800" kern="100" dirty="0">
-                <a:effectLst/>
-                <a:ea typeface="Calibri" panose="020F0502020204030204" pitchFamily="34" charset="0"/>
-                <a:cs typeface="Arial" panose="020B0604020202020204" pitchFamily="34" charset="0"/>
-              </a:rPr>
-              <a:t>"</a:t>
-            </a:r>
-            <a:r>
-              <a:rPr lang="de-DE" sz="1800" kern="100" dirty="0" err="1">
-                <a:effectLst/>
-                <a:ea typeface="Calibri" panose="020F0502020204030204" pitchFamily="34" charset="0"/>
-                <a:cs typeface="Arial" panose="020B0604020202020204" pitchFamily="34" charset="0"/>
-              </a:rPr>
-              <a:t>GeometrischeFigur</a:t>
-            </a:r>
-            <a:r>
-              <a:rPr lang="de-DE" sz="1800" kern="100" dirty="0">
-                <a:effectLst/>
-                <a:ea typeface="Calibri" panose="020F0502020204030204" pitchFamily="34" charset="0"/>
-                <a:cs typeface="Arial" panose="020B0604020202020204" pitchFamily="34" charset="0"/>
-              </a:rPr>
-              <a:t>" und es gibt 2 Abgeleitete Klassen „</a:t>
-            </a:r>
-            <a:r>
-              <a:rPr lang="de-DE" sz="1800" kern="100" dirty="0" err="1">
-                <a:effectLst/>
-                <a:ea typeface="Calibri" panose="020F0502020204030204" pitchFamily="34" charset="0"/>
-                <a:cs typeface="Arial" panose="020B0604020202020204" pitchFamily="34" charset="0"/>
-              </a:rPr>
-              <a:t>Reckteck</a:t>
-            </a:r>
-            <a:r>
-              <a:rPr lang="de-DE" sz="1800" kern="100" dirty="0">
-                <a:effectLst/>
-                <a:ea typeface="Calibri" panose="020F0502020204030204" pitchFamily="34" charset="0"/>
-                <a:cs typeface="Arial" panose="020B0604020202020204" pitchFamily="34" charset="0"/>
-              </a:rPr>
-              <a:t>“ und „Quadrat“. Diese Erben von der Basisklasse.</a:t>
-            </a:r>
-            <a:endParaRPr lang="de-DE" sz="1800" kern="100" dirty="0">
+              <a:rPr kumimoji="0" lang="de-DE" altLang="de-DE" sz="3200" b="0" i="0" u="none" strike="noStrike" cap="none" normalizeH="0" baseline="0" dirty="0" err="1">
+                <a:ln>
+                  <a:noFill/>
+                </a:ln>
+                <a:solidFill>
+                  <a:srgbClr val="E28964"/>
+                </a:solidFill>
+                <a:effectLst/>
+                <a:latin typeface="source-code-pro"/>
+              </a:rPr>
+              <a:t>return</a:t>
+            </a:r>
+            <a:r>
+              <a:rPr kumimoji="0" lang="de-DE" altLang="de-DE" sz="3200" b="0" i="0" u="none" strike="noStrike" cap="none" normalizeH="0" baseline="0" dirty="0">
+                <a:ln>
+                  <a:noFill/>
+                </a:ln>
+                <a:solidFill>
+                  <a:srgbClr val="FFFFFF"/>
+                </a:solidFill>
+                <a:effectLst/>
+                <a:latin typeface="source-code-pro"/>
+              </a:rPr>
+              <a:t> </a:t>
+            </a:r>
+            <a:r>
+              <a:rPr kumimoji="0" lang="de-DE" altLang="de-DE" sz="3200" b="0" i="0" u="none" strike="noStrike" cap="none" normalizeH="0" baseline="0" dirty="0" err="1">
+                <a:ln>
+                  <a:noFill/>
+                </a:ln>
+                <a:solidFill>
+                  <a:srgbClr val="FFFFFF"/>
+                </a:solidFill>
+                <a:effectLst/>
+                <a:latin typeface="source-code-pro"/>
+              </a:rPr>
+              <a:t>area</a:t>
+            </a:r>
+            <a:r>
+              <a:rPr kumimoji="0" lang="de-DE" altLang="de-DE" sz="3200" b="0" i="0" u="none" strike="noStrike" cap="none" normalizeH="0" baseline="0" dirty="0">
+                <a:ln>
+                  <a:noFill/>
+                </a:ln>
+                <a:solidFill>
+                  <a:srgbClr val="FFFFFF"/>
+                </a:solidFill>
+                <a:effectLst/>
+                <a:latin typeface="source-code-pro"/>
+              </a:rPr>
+              <a:t>; } }</a:t>
+            </a:r>
+            <a:r>
+              <a:rPr kumimoji="0" lang="de-DE" altLang="de-DE" sz="3200" b="0" i="0" u="none" strike="noStrike" cap="none" normalizeH="0" baseline="0" dirty="0">
+                <a:ln>
+                  <a:noFill/>
+                </a:ln>
+                <a:solidFill>
+                  <a:schemeClr val="tx1"/>
+                </a:solidFill>
+                <a:effectLst/>
+              </a:rPr>
+              <a:t> </a:t>
+            </a:r>
+            <a:endParaRPr kumimoji="0" lang="de-DE" altLang="de-DE" sz="3200" b="0" i="0" u="none" strike="noStrike" cap="none" normalizeH="0" baseline="0" dirty="0">
+              <a:ln>
+                <a:noFill/>
+              </a:ln>
               <a:solidFill>
-                <a:srgbClr val="2A2A2A"/>
+                <a:schemeClr val="tx1"/>
               </a:solidFill>
-              <a:ea typeface="Calibri" panose="020F0502020204030204" pitchFamily="34" charset="0"/>
-              <a:cs typeface="Arial" panose="020B0604020202020204" pitchFamily="34" charset="0"/>
+              <a:effectLst/>
+              <a:latin typeface="Arial" panose="020B0604020202020204" pitchFamily="34" charset="0"/>
             </a:endParaRPr>
-          </a:p>
-          <a:p>
-            <a:pPr marL="0" indent="0">
-              <a:lnSpc>
-                <a:spcPct val="107000"/>
-              </a:lnSpc>
-              <a:spcAft>
-                <a:spcPts val="800"/>
-              </a:spcAft>
-              <a:buNone/>
-            </a:pPr>
-            <a:r>
-              <a:rPr lang="de-DE" sz="1800" kern="100" dirty="0">
-                <a:solidFill>
-                  <a:srgbClr val="2A2A2A"/>
-                </a:solidFill>
-                <a:effectLst/>
-                <a:ea typeface="Calibri" panose="020F0502020204030204" pitchFamily="34" charset="0"/>
-                <a:cs typeface="Arial" panose="020B0604020202020204" pitchFamily="34" charset="0"/>
-              </a:rPr>
-              <a:t>In einem speziellen Fall kann ein Quadrat ein Rechteck sein (wenn alle Seiten gleichlang sind).</a:t>
-            </a:r>
-            <a:endParaRPr lang="en-US" sz="1800" kern="100" dirty="0">
-              <a:effectLst/>
-              <a:ea typeface="Calibri" panose="020F0502020204030204" pitchFamily="34" charset="0"/>
-              <a:cs typeface="Arial" panose="020B0604020202020204" pitchFamily="34" charset="0"/>
-            </a:endParaRPr>
-          </a:p>
-          <a:p>
-            <a:pPr marL="0" indent="0">
-              <a:lnSpc>
-                <a:spcPct val="107000"/>
-              </a:lnSpc>
-              <a:spcAft>
-                <a:spcPts val="800"/>
-              </a:spcAft>
-              <a:buNone/>
-            </a:pPr>
-            <a:r>
-              <a:rPr lang="de-DE" sz="1800" kern="100" dirty="0">
-                <a:solidFill>
-                  <a:srgbClr val="2A2A2A"/>
-                </a:solidFill>
-                <a:effectLst/>
-                <a:ea typeface="Calibri" panose="020F0502020204030204" pitchFamily="34" charset="0"/>
-                <a:cs typeface="Arial" panose="020B0604020202020204" pitchFamily="34" charset="0"/>
-              </a:rPr>
-              <a:t>Das heißt das man laut dem </a:t>
-            </a:r>
-            <a:r>
-              <a:rPr lang="de-DE" sz="1800" kern="100" dirty="0" err="1">
-                <a:solidFill>
-                  <a:srgbClr val="2A2A2A"/>
-                </a:solidFill>
-                <a:effectLst/>
-                <a:ea typeface="Calibri" panose="020F0502020204030204" pitchFamily="34" charset="0"/>
-                <a:cs typeface="Arial" panose="020B0604020202020204" pitchFamily="34" charset="0"/>
-              </a:rPr>
-              <a:t>Liskovischen</a:t>
-            </a:r>
-            <a:r>
-              <a:rPr lang="de-DE" sz="1800" kern="100" dirty="0">
-                <a:solidFill>
-                  <a:srgbClr val="2A2A2A"/>
-                </a:solidFill>
-                <a:effectLst/>
-                <a:ea typeface="Calibri" panose="020F0502020204030204" pitchFamily="34" charset="0"/>
-                <a:cs typeface="Arial" panose="020B0604020202020204" pitchFamily="34" charset="0"/>
-              </a:rPr>
-              <a:t> Subprinzip die Klasse „Quadrat“ mit der Klasse „Rechteck“ ersetzen kann ohne das das Programm seine Funktion verliert.</a:t>
-            </a:r>
-            <a:endParaRPr lang="en-US" sz="1800" kern="100" dirty="0">
-              <a:effectLst/>
-              <a:ea typeface="Calibri" panose="020F0502020204030204" pitchFamily="34" charset="0"/>
-              <a:cs typeface="Arial" panose="020B0604020202020204" pitchFamily="34" charset="0"/>
-            </a:endParaRPr>
-          </a:p>
-          <a:p>
-            <a:pPr marL="0" indent="0">
-              <a:buNone/>
-            </a:pPr>
-            <a:endParaRPr lang="en-US" sz="1800" dirty="0"/>
           </a:p>
         </p:txBody>
       </p:sp>
     </p:spTree>
     <p:extLst>
       <p:ext uri="{BB962C8B-B14F-4D97-AF65-F5344CB8AC3E}">
-        <p14:creationId xmlns:p14="http://schemas.microsoft.com/office/powerpoint/2010/main" val="4234776750"/>
+        <p14:creationId xmlns:p14="http://schemas.microsoft.com/office/powerpoint/2010/main" val="3324499082"/>
       </p:ext>
     </p:extLst>
   </p:cSld>
@@ -6020,7 +8817,7 @@
           <p:cNvPr id="2" name="Titel 1">
             <a:extLst>
               <a:ext uri="{FF2B5EF4-FFF2-40B4-BE49-F238E27FC236}">
-                <a16:creationId xmlns:a16="http://schemas.microsoft.com/office/drawing/2014/main" id="{AC920A8C-5833-37D5-EE95-F0FB3D2E81D4}"/>
+                <a16:creationId xmlns:a16="http://schemas.microsoft.com/office/drawing/2014/main" id="{FC47B540-4E21-4DE3-806E-A269D2F4A9BC}"/>
               </a:ext>
             </a:extLst>
           </p:cNvPr>
@@ -6031,829 +8828,1298 @@
             <p:ph type="title"/>
           </p:nvPr>
         </p:nvSpPr>
-        <p:spPr>
-          <a:xfrm>
-            <a:off x="7140104" y="63280"/>
-            <a:ext cx="4844373" cy="6731439"/>
-          </a:xfrm>
-        </p:spPr>
+        <p:spPr/>
         <p:txBody>
-          <a:bodyPr>
-            <a:normAutofit/>
-          </a:bodyPr>
+          <a:bodyPr/>
           <a:lstStyle/>
           <a:p>
-            <a:pPr>
-              <a:lnSpc>
-                <a:spcPct val="107000"/>
-              </a:lnSpc>
-              <a:spcAft>
-                <a:spcPts val="800"/>
-              </a:spcAft>
-            </a:pPr>
-            <a:r>
-              <a:rPr lang="en-US" sz="1800" kern="100" dirty="0">
-                <a:effectLst/>
-                <a:latin typeface="Calibri" panose="020F0502020204030204" pitchFamily="34" charset="0"/>
-                <a:ea typeface="Calibri" panose="020F0502020204030204" pitchFamily="34" charset="0"/>
-                <a:cs typeface="Arial" panose="020B0604020202020204" pitchFamily="34" charset="0"/>
-              </a:rPr>
-              <a:t>class Program</a:t>
-            </a:r>
-            <a:br>
-              <a:rPr lang="en-US" sz="1800" kern="100" dirty="0">
-                <a:effectLst/>
-                <a:latin typeface="Calibri" panose="020F0502020204030204" pitchFamily="34" charset="0"/>
-                <a:ea typeface="Calibri" panose="020F0502020204030204" pitchFamily="34" charset="0"/>
-                <a:cs typeface="Arial" panose="020B0604020202020204" pitchFamily="34" charset="0"/>
-              </a:rPr>
-            </a:br>
-            <a:r>
-              <a:rPr lang="en-US" sz="1800" kern="100" dirty="0">
-                <a:effectLst/>
-                <a:latin typeface="Calibri" panose="020F0502020204030204" pitchFamily="34" charset="0"/>
-                <a:ea typeface="Calibri" panose="020F0502020204030204" pitchFamily="34" charset="0"/>
-                <a:cs typeface="Arial" panose="020B0604020202020204" pitchFamily="34" charset="0"/>
-              </a:rPr>
-              <a:t>{</a:t>
-            </a:r>
-            <a:br>
-              <a:rPr lang="en-US" sz="1800" kern="100" dirty="0">
-                <a:effectLst/>
-                <a:latin typeface="Calibri" panose="020F0502020204030204" pitchFamily="34" charset="0"/>
-                <a:ea typeface="Calibri" panose="020F0502020204030204" pitchFamily="34" charset="0"/>
-                <a:cs typeface="Arial" panose="020B0604020202020204" pitchFamily="34" charset="0"/>
-              </a:rPr>
-            </a:br>
-            <a:r>
-              <a:rPr lang="en-US" sz="1800" kern="100" dirty="0">
-                <a:effectLst/>
-                <a:latin typeface="Calibri" panose="020F0502020204030204" pitchFamily="34" charset="0"/>
-                <a:ea typeface="Calibri" panose="020F0502020204030204" pitchFamily="34" charset="0"/>
-                <a:cs typeface="Arial" panose="020B0604020202020204" pitchFamily="34" charset="0"/>
-              </a:rPr>
-              <a:t>    static void Main(string[] </a:t>
-            </a:r>
-            <a:r>
-              <a:rPr lang="en-US" sz="1800" kern="100" dirty="0" err="1">
-                <a:effectLst/>
-                <a:latin typeface="Calibri" panose="020F0502020204030204" pitchFamily="34" charset="0"/>
-                <a:ea typeface="Calibri" panose="020F0502020204030204" pitchFamily="34" charset="0"/>
-                <a:cs typeface="Arial" panose="020B0604020202020204" pitchFamily="34" charset="0"/>
-              </a:rPr>
-              <a:t>args</a:t>
-            </a:r>
-            <a:r>
-              <a:rPr lang="en-US" sz="1800" kern="100" dirty="0">
-                <a:effectLst/>
-                <a:latin typeface="Calibri" panose="020F0502020204030204" pitchFamily="34" charset="0"/>
-                <a:ea typeface="Calibri" panose="020F0502020204030204" pitchFamily="34" charset="0"/>
-                <a:cs typeface="Arial" panose="020B0604020202020204" pitchFamily="34" charset="0"/>
-              </a:rPr>
-              <a:t>)</a:t>
-            </a:r>
-            <a:br>
-              <a:rPr lang="en-US" sz="1800" kern="100" dirty="0">
-                <a:effectLst/>
-                <a:latin typeface="Calibri" panose="020F0502020204030204" pitchFamily="34" charset="0"/>
-                <a:ea typeface="Calibri" panose="020F0502020204030204" pitchFamily="34" charset="0"/>
-                <a:cs typeface="Arial" panose="020B0604020202020204" pitchFamily="34" charset="0"/>
-              </a:rPr>
-            </a:br>
-            <a:r>
-              <a:rPr lang="en-US" sz="1800" kern="100" dirty="0">
-                <a:effectLst/>
-                <a:latin typeface="Calibri" panose="020F0502020204030204" pitchFamily="34" charset="0"/>
-                <a:ea typeface="Calibri" panose="020F0502020204030204" pitchFamily="34" charset="0"/>
-                <a:cs typeface="Arial" panose="020B0604020202020204" pitchFamily="34" charset="0"/>
-              </a:rPr>
-              <a:t>    </a:t>
-            </a:r>
-            <a:r>
-              <a:rPr lang="de-DE" sz="1800" kern="100" dirty="0">
-                <a:effectLst/>
-                <a:latin typeface="Calibri" panose="020F0502020204030204" pitchFamily="34" charset="0"/>
-                <a:ea typeface="Calibri" panose="020F0502020204030204" pitchFamily="34" charset="0"/>
-                <a:cs typeface="Arial" panose="020B0604020202020204" pitchFamily="34" charset="0"/>
-              </a:rPr>
-              <a:t>{</a:t>
-            </a:r>
-            <a:br>
-              <a:rPr lang="en-US" sz="1800" kern="100" dirty="0">
-                <a:effectLst/>
-                <a:latin typeface="Calibri" panose="020F0502020204030204" pitchFamily="34" charset="0"/>
-                <a:ea typeface="Calibri" panose="020F0502020204030204" pitchFamily="34" charset="0"/>
-                <a:cs typeface="Arial" panose="020B0604020202020204" pitchFamily="34" charset="0"/>
-              </a:rPr>
-            </a:br>
-            <a:r>
-              <a:rPr lang="de-DE" sz="1800" kern="100" dirty="0">
-                <a:effectLst/>
-                <a:latin typeface="Calibri" panose="020F0502020204030204" pitchFamily="34" charset="0"/>
-                <a:ea typeface="Calibri" panose="020F0502020204030204" pitchFamily="34" charset="0"/>
-                <a:cs typeface="Arial" panose="020B0604020202020204" pitchFamily="34" charset="0"/>
-              </a:rPr>
-              <a:t>        </a:t>
-            </a:r>
-            <a:r>
-              <a:rPr lang="de-DE" sz="1800" kern="100" dirty="0" err="1">
-                <a:effectLst/>
-                <a:latin typeface="Calibri" panose="020F0502020204030204" pitchFamily="34" charset="0"/>
-                <a:ea typeface="Calibri" panose="020F0502020204030204" pitchFamily="34" charset="0"/>
-                <a:cs typeface="Arial" panose="020B0604020202020204" pitchFamily="34" charset="0"/>
-              </a:rPr>
-              <a:t>GeometrischeFigur</a:t>
-            </a:r>
-            <a:r>
-              <a:rPr lang="de-DE" sz="1800" kern="100" dirty="0">
-                <a:effectLst/>
-                <a:latin typeface="Calibri" panose="020F0502020204030204" pitchFamily="34" charset="0"/>
-                <a:ea typeface="Calibri" panose="020F0502020204030204" pitchFamily="34" charset="0"/>
-                <a:cs typeface="Arial" panose="020B0604020202020204" pitchFamily="34" charset="0"/>
-              </a:rPr>
-              <a:t>[] </a:t>
-            </a:r>
-            <a:r>
-              <a:rPr lang="de-DE" sz="1800" kern="100" dirty="0" err="1">
-                <a:effectLst/>
-                <a:latin typeface="Calibri" panose="020F0502020204030204" pitchFamily="34" charset="0"/>
-                <a:ea typeface="Calibri" panose="020F0502020204030204" pitchFamily="34" charset="0"/>
-                <a:cs typeface="Arial" panose="020B0604020202020204" pitchFamily="34" charset="0"/>
-              </a:rPr>
-              <a:t>figuren</a:t>
-            </a:r>
-            <a:r>
-              <a:rPr lang="de-DE" sz="1800" kern="100" dirty="0">
-                <a:effectLst/>
-                <a:latin typeface="Calibri" panose="020F0502020204030204" pitchFamily="34" charset="0"/>
-                <a:ea typeface="Calibri" panose="020F0502020204030204" pitchFamily="34" charset="0"/>
-                <a:cs typeface="Arial" panose="020B0604020202020204" pitchFamily="34" charset="0"/>
-              </a:rPr>
-              <a:t> = </a:t>
-            </a:r>
-            <a:r>
-              <a:rPr lang="de-DE" sz="1800" kern="100" dirty="0" err="1">
-                <a:effectLst/>
-                <a:latin typeface="Calibri" panose="020F0502020204030204" pitchFamily="34" charset="0"/>
-                <a:ea typeface="Calibri" panose="020F0502020204030204" pitchFamily="34" charset="0"/>
-                <a:cs typeface="Arial" panose="020B0604020202020204" pitchFamily="34" charset="0"/>
-              </a:rPr>
-              <a:t>new</a:t>
-            </a:r>
-            <a:r>
-              <a:rPr lang="de-DE" sz="1800" kern="100" dirty="0">
-                <a:effectLst/>
-                <a:latin typeface="Calibri" panose="020F0502020204030204" pitchFamily="34" charset="0"/>
-                <a:ea typeface="Calibri" panose="020F0502020204030204" pitchFamily="34" charset="0"/>
-                <a:cs typeface="Arial" panose="020B0604020202020204" pitchFamily="34" charset="0"/>
-              </a:rPr>
-              <a:t> </a:t>
-            </a:r>
-            <a:r>
-              <a:rPr lang="de-DE" sz="1800" kern="100" dirty="0" err="1">
-                <a:effectLst/>
-                <a:latin typeface="Calibri" panose="020F0502020204030204" pitchFamily="34" charset="0"/>
-                <a:ea typeface="Calibri" panose="020F0502020204030204" pitchFamily="34" charset="0"/>
-                <a:cs typeface="Arial" panose="020B0604020202020204" pitchFamily="34" charset="0"/>
-              </a:rPr>
-              <a:t>GeometrischeFigur</a:t>
-            </a:r>
-            <a:r>
-              <a:rPr lang="de-DE" sz="1800" kern="100" dirty="0">
-                <a:effectLst/>
-                <a:latin typeface="Calibri" panose="020F0502020204030204" pitchFamily="34" charset="0"/>
-                <a:ea typeface="Calibri" panose="020F0502020204030204" pitchFamily="34" charset="0"/>
-                <a:cs typeface="Arial" panose="020B0604020202020204" pitchFamily="34" charset="0"/>
-              </a:rPr>
-              <a:t>[2];</a:t>
-            </a:r>
-            <a:br>
-              <a:rPr lang="en-US" sz="1800" kern="100" dirty="0">
-                <a:effectLst/>
-                <a:latin typeface="Calibri" panose="020F0502020204030204" pitchFamily="34" charset="0"/>
-                <a:ea typeface="Calibri" panose="020F0502020204030204" pitchFamily="34" charset="0"/>
-                <a:cs typeface="Arial" panose="020B0604020202020204" pitchFamily="34" charset="0"/>
-              </a:rPr>
-            </a:br>
-            <a:r>
-              <a:rPr lang="de-DE" sz="1800" kern="100" dirty="0">
-                <a:effectLst/>
-                <a:latin typeface="Calibri" panose="020F0502020204030204" pitchFamily="34" charset="0"/>
-                <a:ea typeface="Calibri" panose="020F0502020204030204" pitchFamily="34" charset="0"/>
-                <a:cs typeface="Arial" panose="020B0604020202020204" pitchFamily="34" charset="0"/>
-              </a:rPr>
-              <a:t>        </a:t>
-            </a:r>
-            <a:r>
-              <a:rPr lang="de-DE" sz="1800" kern="100" dirty="0" err="1">
-                <a:effectLst/>
-                <a:latin typeface="Calibri" panose="020F0502020204030204" pitchFamily="34" charset="0"/>
-                <a:ea typeface="Calibri" panose="020F0502020204030204" pitchFamily="34" charset="0"/>
-                <a:cs typeface="Arial" panose="020B0604020202020204" pitchFamily="34" charset="0"/>
-              </a:rPr>
-              <a:t>figuren</a:t>
-            </a:r>
-            <a:r>
-              <a:rPr lang="de-DE" sz="1800" kern="100" dirty="0">
-                <a:effectLst/>
-                <a:latin typeface="Calibri" panose="020F0502020204030204" pitchFamily="34" charset="0"/>
-                <a:ea typeface="Calibri" panose="020F0502020204030204" pitchFamily="34" charset="0"/>
-                <a:cs typeface="Arial" panose="020B0604020202020204" pitchFamily="34" charset="0"/>
-              </a:rPr>
-              <a:t>[0] = </a:t>
-            </a:r>
-            <a:r>
-              <a:rPr lang="de-DE" sz="1800" kern="100" dirty="0" err="1">
-                <a:effectLst/>
-                <a:latin typeface="Calibri" panose="020F0502020204030204" pitchFamily="34" charset="0"/>
-                <a:ea typeface="Calibri" panose="020F0502020204030204" pitchFamily="34" charset="0"/>
-                <a:cs typeface="Arial" panose="020B0604020202020204" pitchFamily="34" charset="0"/>
-              </a:rPr>
-              <a:t>new</a:t>
-            </a:r>
-            <a:r>
-              <a:rPr lang="de-DE" sz="1800" kern="100" dirty="0">
-                <a:effectLst/>
-                <a:latin typeface="Calibri" panose="020F0502020204030204" pitchFamily="34" charset="0"/>
-                <a:ea typeface="Calibri" panose="020F0502020204030204" pitchFamily="34" charset="0"/>
-                <a:cs typeface="Arial" panose="020B0604020202020204" pitchFamily="34" charset="0"/>
-              </a:rPr>
-              <a:t> Rechteck { </a:t>
-            </a:r>
-            <a:r>
-              <a:rPr lang="de-DE" sz="1800" kern="100" dirty="0" err="1">
-                <a:effectLst/>
-                <a:latin typeface="Calibri" panose="020F0502020204030204" pitchFamily="34" charset="0"/>
-                <a:ea typeface="Calibri" panose="020F0502020204030204" pitchFamily="34" charset="0"/>
-                <a:cs typeface="Arial" panose="020B0604020202020204" pitchFamily="34" charset="0"/>
-              </a:rPr>
-              <a:t>Laenge</a:t>
-            </a:r>
-            <a:r>
-              <a:rPr lang="de-DE" sz="1800" kern="100" dirty="0">
-                <a:effectLst/>
-                <a:latin typeface="Calibri" panose="020F0502020204030204" pitchFamily="34" charset="0"/>
-                <a:ea typeface="Calibri" panose="020F0502020204030204" pitchFamily="34" charset="0"/>
-                <a:cs typeface="Arial" panose="020B0604020202020204" pitchFamily="34" charset="0"/>
-              </a:rPr>
-              <a:t> = 2, Breite = 4 };</a:t>
-            </a:r>
-            <a:br>
-              <a:rPr lang="en-US" sz="1800" kern="100" dirty="0">
-                <a:effectLst/>
-                <a:latin typeface="Calibri" panose="020F0502020204030204" pitchFamily="34" charset="0"/>
-                <a:ea typeface="Calibri" panose="020F0502020204030204" pitchFamily="34" charset="0"/>
-                <a:cs typeface="Arial" panose="020B0604020202020204" pitchFamily="34" charset="0"/>
-              </a:rPr>
-            </a:br>
-            <a:r>
-              <a:rPr lang="de-DE" sz="1800" kern="100" dirty="0">
-                <a:effectLst/>
-                <a:latin typeface="Calibri" panose="020F0502020204030204" pitchFamily="34" charset="0"/>
-                <a:ea typeface="Calibri" panose="020F0502020204030204" pitchFamily="34" charset="0"/>
-                <a:cs typeface="Arial" panose="020B0604020202020204" pitchFamily="34" charset="0"/>
-              </a:rPr>
-              <a:t>        </a:t>
-            </a:r>
-            <a:r>
-              <a:rPr lang="de-DE" sz="1800" kern="100" dirty="0" err="1">
-                <a:effectLst/>
-                <a:latin typeface="Calibri" panose="020F0502020204030204" pitchFamily="34" charset="0"/>
-                <a:ea typeface="Calibri" panose="020F0502020204030204" pitchFamily="34" charset="0"/>
-                <a:cs typeface="Arial" panose="020B0604020202020204" pitchFamily="34" charset="0"/>
-              </a:rPr>
-              <a:t>figuren</a:t>
-            </a:r>
-            <a:r>
-              <a:rPr lang="de-DE" sz="1800" kern="100" dirty="0">
-                <a:effectLst/>
-                <a:latin typeface="Calibri" panose="020F0502020204030204" pitchFamily="34" charset="0"/>
-                <a:ea typeface="Calibri" panose="020F0502020204030204" pitchFamily="34" charset="0"/>
-                <a:cs typeface="Arial" panose="020B0604020202020204" pitchFamily="34" charset="0"/>
-              </a:rPr>
-              <a:t>[1] = </a:t>
-            </a:r>
-            <a:r>
-              <a:rPr lang="de-DE" sz="1800" kern="100" dirty="0" err="1">
-                <a:effectLst/>
-                <a:latin typeface="Calibri" panose="020F0502020204030204" pitchFamily="34" charset="0"/>
-                <a:ea typeface="Calibri" panose="020F0502020204030204" pitchFamily="34" charset="0"/>
-                <a:cs typeface="Arial" panose="020B0604020202020204" pitchFamily="34" charset="0"/>
-              </a:rPr>
-              <a:t>new</a:t>
-            </a:r>
-            <a:r>
-              <a:rPr lang="de-DE" sz="1800" kern="100" dirty="0">
-                <a:effectLst/>
-                <a:latin typeface="Calibri" panose="020F0502020204030204" pitchFamily="34" charset="0"/>
-                <a:ea typeface="Calibri" panose="020F0502020204030204" pitchFamily="34" charset="0"/>
-                <a:cs typeface="Arial" panose="020B0604020202020204" pitchFamily="34" charset="0"/>
-              </a:rPr>
-              <a:t> Quadrat { </a:t>
-            </a:r>
-            <a:r>
-              <a:rPr lang="de-DE" sz="1800" kern="100" dirty="0" err="1">
-                <a:effectLst/>
-                <a:latin typeface="Calibri" panose="020F0502020204030204" pitchFamily="34" charset="0"/>
-                <a:ea typeface="Calibri" panose="020F0502020204030204" pitchFamily="34" charset="0"/>
-                <a:cs typeface="Arial" panose="020B0604020202020204" pitchFamily="34" charset="0"/>
-              </a:rPr>
-              <a:t>Seitenlaenge</a:t>
-            </a:r>
-            <a:r>
-              <a:rPr lang="de-DE" sz="1800" kern="100" dirty="0">
-                <a:effectLst/>
-                <a:latin typeface="Calibri" panose="020F0502020204030204" pitchFamily="34" charset="0"/>
-                <a:ea typeface="Calibri" panose="020F0502020204030204" pitchFamily="34" charset="0"/>
-                <a:cs typeface="Arial" panose="020B0604020202020204" pitchFamily="34" charset="0"/>
-              </a:rPr>
-              <a:t> = 2 };</a:t>
-            </a:r>
-            <a:br>
-              <a:rPr lang="en-US" sz="1800" kern="100" dirty="0">
-                <a:effectLst/>
-                <a:latin typeface="Calibri" panose="020F0502020204030204" pitchFamily="34" charset="0"/>
-                <a:ea typeface="Calibri" panose="020F0502020204030204" pitchFamily="34" charset="0"/>
-                <a:cs typeface="Arial" panose="020B0604020202020204" pitchFamily="34" charset="0"/>
-              </a:rPr>
-            </a:br>
-            <a:r>
-              <a:rPr lang="de-DE" sz="1800" kern="100" dirty="0">
-                <a:effectLst/>
-                <a:latin typeface="Calibri" panose="020F0502020204030204" pitchFamily="34" charset="0"/>
-                <a:ea typeface="Calibri" panose="020F0502020204030204" pitchFamily="34" charset="0"/>
-                <a:cs typeface="Arial" panose="020B0604020202020204" pitchFamily="34" charset="0"/>
-              </a:rPr>
-              <a:t> </a:t>
-            </a:r>
-            <a:br>
-              <a:rPr lang="en-US" sz="1800" kern="100" dirty="0">
-                <a:effectLst/>
-                <a:latin typeface="Calibri" panose="020F0502020204030204" pitchFamily="34" charset="0"/>
-                <a:ea typeface="Calibri" panose="020F0502020204030204" pitchFamily="34" charset="0"/>
-                <a:cs typeface="Arial" panose="020B0604020202020204" pitchFamily="34" charset="0"/>
-              </a:rPr>
-            </a:br>
-            <a:r>
-              <a:rPr lang="de-DE" sz="1800" kern="100" dirty="0">
-                <a:effectLst/>
-                <a:latin typeface="Calibri" panose="020F0502020204030204" pitchFamily="34" charset="0"/>
-                <a:ea typeface="Calibri" panose="020F0502020204030204" pitchFamily="34" charset="0"/>
-                <a:cs typeface="Arial" panose="020B0604020202020204" pitchFamily="34" charset="0"/>
-              </a:rPr>
-              <a:t>        double </a:t>
-            </a:r>
-            <a:r>
-              <a:rPr lang="de-DE" sz="1800" kern="100" dirty="0" err="1">
-                <a:effectLst/>
-                <a:latin typeface="Calibri" panose="020F0502020204030204" pitchFamily="34" charset="0"/>
-                <a:ea typeface="Calibri" panose="020F0502020204030204" pitchFamily="34" charset="0"/>
-                <a:cs typeface="Arial" panose="020B0604020202020204" pitchFamily="34" charset="0"/>
-              </a:rPr>
-              <a:t>gesamtflaeche</a:t>
-            </a:r>
-            <a:r>
-              <a:rPr lang="de-DE" sz="1800" kern="100" dirty="0">
-                <a:effectLst/>
-                <a:latin typeface="Calibri" panose="020F0502020204030204" pitchFamily="34" charset="0"/>
-                <a:ea typeface="Calibri" panose="020F0502020204030204" pitchFamily="34" charset="0"/>
-                <a:cs typeface="Arial" panose="020B0604020202020204" pitchFamily="34" charset="0"/>
-              </a:rPr>
-              <a:t> = 0;</a:t>
-            </a:r>
-            <a:br>
-              <a:rPr lang="en-US" sz="1800" kern="100" dirty="0">
-                <a:effectLst/>
-                <a:latin typeface="Calibri" panose="020F0502020204030204" pitchFamily="34" charset="0"/>
-                <a:ea typeface="Calibri" panose="020F0502020204030204" pitchFamily="34" charset="0"/>
-                <a:cs typeface="Arial" panose="020B0604020202020204" pitchFamily="34" charset="0"/>
-              </a:rPr>
-            </a:br>
-            <a:r>
-              <a:rPr lang="de-DE" sz="1800" kern="100" dirty="0">
-                <a:effectLst/>
-                <a:latin typeface="Calibri" panose="020F0502020204030204" pitchFamily="34" charset="0"/>
-                <a:ea typeface="Calibri" panose="020F0502020204030204" pitchFamily="34" charset="0"/>
-                <a:cs typeface="Arial" panose="020B0604020202020204" pitchFamily="34" charset="0"/>
-              </a:rPr>
-              <a:t>        </a:t>
-            </a:r>
-            <a:r>
-              <a:rPr lang="de-DE" sz="1800" kern="100" dirty="0" err="1">
-                <a:effectLst/>
-                <a:latin typeface="Calibri" panose="020F0502020204030204" pitchFamily="34" charset="0"/>
-                <a:ea typeface="Calibri" panose="020F0502020204030204" pitchFamily="34" charset="0"/>
-                <a:cs typeface="Arial" panose="020B0604020202020204" pitchFamily="34" charset="0"/>
-              </a:rPr>
-              <a:t>foreach</a:t>
-            </a:r>
-            <a:r>
-              <a:rPr lang="de-DE" sz="1800" kern="100" dirty="0">
-                <a:effectLst/>
-                <a:latin typeface="Calibri" panose="020F0502020204030204" pitchFamily="34" charset="0"/>
-                <a:ea typeface="Calibri" panose="020F0502020204030204" pitchFamily="34" charset="0"/>
-                <a:cs typeface="Arial" panose="020B0604020202020204" pitchFamily="34" charset="0"/>
-              </a:rPr>
-              <a:t> (</a:t>
-            </a:r>
-            <a:r>
-              <a:rPr lang="de-DE" sz="1800" kern="100" dirty="0" err="1">
-                <a:effectLst/>
-                <a:latin typeface="Calibri" panose="020F0502020204030204" pitchFamily="34" charset="0"/>
-                <a:ea typeface="Calibri" panose="020F0502020204030204" pitchFamily="34" charset="0"/>
-                <a:cs typeface="Arial" panose="020B0604020202020204" pitchFamily="34" charset="0"/>
-              </a:rPr>
-              <a:t>GeometrischeFigur</a:t>
-            </a:r>
-            <a:r>
-              <a:rPr lang="de-DE" sz="1800" kern="100" dirty="0">
-                <a:effectLst/>
-                <a:latin typeface="Calibri" panose="020F0502020204030204" pitchFamily="34" charset="0"/>
-                <a:ea typeface="Calibri" panose="020F0502020204030204" pitchFamily="34" charset="0"/>
-                <a:cs typeface="Arial" panose="020B0604020202020204" pitchFamily="34" charset="0"/>
-              </a:rPr>
-              <a:t> </a:t>
-            </a:r>
-            <a:r>
-              <a:rPr lang="de-DE" sz="1800" kern="100" dirty="0" err="1">
-                <a:effectLst/>
-                <a:latin typeface="Calibri" panose="020F0502020204030204" pitchFamily="34" charset="0"/>
-                <a:ea typeface="Calibri" panose="020F0502020204030204" pitchFamily="34" charset="0"/>
-                <a:cs typeface="Arial" panose="020B0604020202020204" pitchFamily="34" charset="0"/>
-              </a:rPr>
-              <a:t>figur</a:t>
-            </a:r>
-            <a:r>
-              <a:rPr lang="de-DE" sz="1800" kern="100" dirty="0">
-                <a:effectLst/>
-                <a:latin typeface="Calibri" panose="020F0502020204030204" pitchFamily="34" charset="0"/>
-                <a:ea typeface="Calibri" panose="020F0502020204030204" pitchFamily="34" charset="0"/>
-                <a:cs typeface="Arial" panose="020B0604020202020204" pitchFamily="34" charset="0"/>
-              </a:rPr>
-              <a:t> in </a:t>
-            </a:r>
-            <a:r>
-              <a:rPr lang="de-DE" sz="1800" kern="100" dirty="0" err="1">
-                <a:effectLst/>
-                <a:latin typeface="Calibri" panose="020F0502020204030204" pitchFamily="34" charset="0"/>
-                <a:ea typeface="Calibri" panose="020F0502020204030204" pitchFamily="34" charset="0"/>
-                <a:cs typeface="Arial" panose="020B0604020202020204" pitchFamily="34" charset="0"/>
-              </a:rPr>
-              <a:t>figuren</a:t>
-            </a:r>
-            <a:r>
-              <a:rPr lang="de-DE" sz="1800" kern="100" dirty="0">
-                <a:effectLst/>
-                <a:latin typeface="Calibri" panose="020F0502020204030204" pitchFamily="34" charset="0"/>
-                <a:ea typeface="Calibri" panose="020F0502020204030204" pitchFamily="34" charset="0"/>
-                <a:cs typeface="Arial" panose="020B0604020202020204" pitchFamily="34" charset="0"/>
-              </a:rPr>
-              <a:t>)</a:t>
-            </a:r>
-            <a:br>
-              <a:rPr lang="en-US" sz="1800" kern="100" dirty="0">
-                <a:effectLst/>
-                <a:latin typeface="Calibri" panose="020F0502020204030204" pitchFamily="34" charset="0"/>
-                <a:ea typeface="Calibri" panose="020F0502020204030204" pitchFamily="34" charset="0"/>
-                <a:cs typeface="Arial" panose="020B0604020202020204" pitchFamily="34" charset="0"/>
-              </a:rPr>
-            </a:br>
-            <a:r>
-              <a:rPr lang="de-DE" sz="1800" kern="100" dirty="0">
-                <a:effectLst/>
-                <a:latin typeface="Calibri" panose="020F0502020204030204" pitchFamily="34" charset="0"/>
-                <a:ea typeface="Calibri" panose="020F0502020204030204" pitchFamily="34" charset="0"/>
-                <a:cs typeface="Arial" panose="020B0604020202020204" pitchFamily="34" charset="0"/>
-              </a:rPr>
-              <a:t>        {</a:t>
-            </a:r>
-            <a:br>
-              <a:rPr lang="en-US" sz="1800" kern="100" dirty="0">
-                <a:effectLst/>
-                <a:latin typeface="Calibri" panose="020F0502020204030204" pitchFamily="34" charset="0"/>
-                <a:ea typeface="Calibri" panose="020F0502020204030204" pitchFamily="34" charset="0"/>
-                <a:cs typeface="Arial" panose="020B0604020202020204" pitchFamily="34" charset="0"/>
-              </a:rPr>
-            </a:br>
-            <a:r>
-              <a:rPr lang="de-DE" sz="1800" kern="100" dirty="0">
-                <a:effectLst/>
-                <a:latin typeface="Calibri" panose="020F0502020204030204" pitchFamily="34" charset="0"/>
-                <a:ea typeface="Calibri" panose="020F0502020204030204" pitchFamily="34" charset="0"/>
-                <a:cs typeface="Arial" panose="020B0604020202020204" pitchFamily="34" charset="0"/>
-              </a:rPr>
-              <a:t>            </a:t>
-            </a:r>
-            <a:r>
-              <a:rPr lang="de-DE" sz="1800" kern="100" dirty="0" err="1">
-                <a:effectLst/>
-                <a:latin typeface="Calibri" panose="020F0502020204030204" pitchFamily="34" charset="0"/>
-                <a:ea typeface="Calibri" panose="020F0502020204030204" pitchFamily="34" charset="0"/>
-                <a:cs typeface="Arial" panose="020B0604020202020204" pitchFamily="34" charset="0"/>
-              </a:rPr>
-              <a:t>gesamtflaeche</a:t>
-            </a:r>
-            <a:r>
-              <a:rPr lang="de-DE" sz="1800" kern="100" dirty="0">
-                <a:effectLst/>
-                <a:latin typeface="Calibri" panose="020F0502020204030204" pitchFamily="34" charset="0"/>
-                <a:ea typeface="Calibri" panose="020F0502020204030204" pitchFamily="34" charset="0"/>
-                <a:cs typeface="Arial" panose="020B0604020202020204" pitchFamily="34" charset="0"/>
-              </a:rPr>
-              <a:t> += </a:t>
-            </a:r>
-            <a:r>
-              <a:rPr lang="de-DE" sz="1800" kern="100" dirty="0" err="1">
-                <a:effectLst/>
-                <a:latin typeface="Calibri" panose="020F0502020204030204" pitchFamily="34" charset="0"/>
-                <a:ea typeface="Calibri" panose="020F0502020204030204" pitchFamily="34" charset="0"/>
-                <a:cs typeface="Arial" panose="020B0604020202020204" pitchFamily="34" charset="0"/>
-              </a:rPr>
-              <a:t>figur.BerechneFlaeche</a:t>
-            </a:r>
-            <a:r>
-              <a:rPr lang="de-DE" sz="1800" kern="100" dirty="0">
-                <a:effectLst/>
-                <a:latin typeface="Calibri" panose="020F0502020204030204" pitchFamily="34" charset="0"/>
-                <a:ea typeface="Calibri" panose="020F0502020204030204" pitchFamily="34" charset="0"/>
-                <a:cs typeface="Arial" panose="020B0604020202020204" pitchFamily="34" charset="0"/>
-              </a:rPr>
-              <a:t>();</a:t>
-            </a:r>
-            <a:br>
-              <a:rPr lang="en-US" sz="1800" kern="100" dirty="0">
-                <a:effectLst/>
-                <a:latin typeface="Calibri" panose="020F0502020204030204" pitchFamily="34" charset="0"/>
-                <a:ea typeface="Calibri" panose="020F0502020204030204" pitchFamily="34" charset="0"/>
-                <a:cs typeface="Arial" panose="020B0604020202020204" pitchFamily="34" charset="0"/>
-              </a:rPr>
-            </a:br>
-            <a:r>
-              <a:rPr lang="de-DE" sz="1800" kern="100" dirty="0">
-                <a:effectLst/>
-                <a:latin typeface="Calibri" panose="020F0502020204030204" pitchFamily="34" charset="0"/>
-                <a:ea typeface="Calibri" panose="020F0502020204030204" pitchFamily="34" charset="0"/>
-                <a:cs typeface="Arial" panose="020B0604020202020204" pitchFamily="34" charset="0"/>
-              </a:rPr>
-              <a:t>        }</a:t>
-            </a:r>
-            <a:br>
-              <a:rPr lang="en-US" sz="1800" kern="100" dirty="0">
-                <a:effectLst/>
-                <a:latin typeface="Calibri" panose="020F0502020204030204" pitchFamily="34" charset="0"/>
-                <a:ea typeface="Calibri" panose="020F0502020204030204" pitchFamily="34" charset="0"/>
-                <a:cs typeface="Arial" panose="020B0604020202020204" pitchFamily="34" charset="0"/>
-              </a:rPr>
-            </a:br>
-            <a:r>
-              <a:rPr lang="de-DE" sz="1800" kern="100" dirty="0">
-                <a:effectLst/>
-                <a:latin typeface="Calibri" panose="020F0502020204030204" pitchFamily="34" charset="0"/>
-                <a:ea typeface="Calibri" panose="020F0502020204030204" pitchFamily="34" charset="0"/>
-                <a:cs typeface="Arial" panose="020B0604020202020204" pitchFamily="34" charset="0"/>
-              </a:rPr>
-              <a:t> </a:t>
-            </a:r>
-            <a:br>
-              <a:rPr lang="en-US" sz="1800" kern="100" dirty="0">
-                <a:effectLst/>
-                <a:latin typeface="Calibri" panose="020F0502020204030204" pitchFamily="34" charset="0"/>
-                <a:ea typeface="Calibri" panose="020F0502020204030204" pitchFamily="34" charset="0"/>
-                <a:cs typeface="Arial" panose="020B0604020202020204" pitchFamily="34" charset="0"/>
-              </a:rPr>
-            </a:br>
-            <a:r>
-              <a:rPr lang="de-DE" sz="1800" kern="100" dirty="0">
-                <a:effectLst/>
-                <a:latin typeface="Calibri" panose="020F0502020204030204" pitchFamily="34" charset="0"/>
-                <a:ea typeface="Calibri" panose="020F0502020204030204" pitchFamily="34" charset="0"/>
-                <a:cs typeface="Arial" panose="020B0604020202020204" pitchFamily="34" charset="0"/>
-              </a:rPr>
-              <a:t>        </a:t>
-            </a:r>
-            <a:r>
-              <a:rPr lang="de-DE" sz="1800" kern="100" dirty="0" err="1">
-                <a:effectLst/>
-                <a:latin typeface="Calibri" panose="020F0502020204030204" pitchFamily="34" charset="0"/>
-                <a:ea typeface="Calibri" panose="020F0502020204030204" pitchFamily="34" charset="0"/>
-                <a:cs typeface="Arial" panose="020B0604020202020204" pitchFamily="34" charset="0"/>
-              </a:rPr>
-              <a:t>Console.WriteLine</a:t>
-            </a:r>
-            <a:r>
-              <a:rPr lang="de-DE" sz="1800" kern="100" dirty="0">
-                <a:effectLst/>
-                <a:latin typeface="Calibri" panose="020F0502020204030204" pitchFamily="34" charset="0"/>
-                <a:ea typeface="Calibri" panose="020F0502020204030204" pitchFamily="34" charset="0"/>
-                <a:cs typeface="Arial" panose="020B0604020202020204" pitchFamily="34" charset="0"/>
-              </a:rPr>
-              <a:t>($"Die Gesamtfläche beträgt {</a:t>
-            </a:r>
-            <a:r>
-              <a:rPr lang="de-DE" sz="1800" kern="100" dirty="0" err="1">
-                <a:effectLst/>
-                <a:latin typeface="Calibri" panose="020F0502020204030204" pitchFamily="34" charset="0"/>
-                <a:ea typeface="Calibri" panose="020F0502020204030204" pitchFamily="34" charset="0"/>
-                <a:cs typeface="Arial" panose="020B0604020202020204" pitchFamily="34" charset="0"/>
-              </a:rPr>
-              <a:t>gesamtflaeche</a:t>
-            </a:r>
-            <a:r>
-              <a:rPr lang="de-DE" sz="1800" kern="100" dirty="0">
-                <a:effectLst/>
-                <a:latin typeface="Calibri" panose="020F0502020204030204" pitchFamily="34" charset="0"/>
-                <a:ea typeface="Calibri" panose="020F0502020204030204" pitchFamily="34" charset="0"/>
-                <a:cs typeface="Arial" panose="020B0604020202020204" pitchFamily="34" charset="0"/>
-              </a:rPr>
-              <a:t>}.");</a:t>
-            </a:r>
-            <a:br>
-              <a:rPr lang="en-US" sz="1800" kern="100" dirty="0">
-                <a:effectLst/>
-                <a:latin typeface="Calibri" panose="020F0502020204030204" pitchFamily="34" charset="0"/>
-                <a:ea typeface="Calibri" panose="020F0502020204030204" pitchFamily="34" charset="0"/>
-                <a:cs typeface="Arial" panose="020B0604020202020204" pitchFamily="34" charset="0"/>
-              </a:rPr>
-            </a:br>
-            <a:r>
-              <a:rPr lang="de-DE" sz="1800" kern="100" dirty="0">
-                <a:effectLst/>
-                <a:latin typeface="Calibri" panose="020F0502020204030204" pitchFamily="34" charset="0"/>
-                <a:ea typeface="Calibri" panose="020F0502020204030204" pitchFamily="34" charset="0"/>
-                <a:cs typeface="Arial" panose="020B0604020202020204" pitchFamily="34" charset="0"/>
-              </a:rPr>
-              <a:t>    }</a:t>
-            </a:r>
-            <a:br>
-              <a:rPr lang="en-US" sz="1800" kern="100" dirty="0">
-                <a:effectLst/>
-                <a:latin typeface="Calibri" panose="020F0502020204030204" pitchFamily="34" charset="0"/>
-                <a:ea typeface="Calibri" panose="020F0502020204030204" pitchFamily="34" charset="0"/>
-                <a:cs typeface="Arial" panose="020B0604020202020204" pitchFamily="34" charset="0"/>
-              </a:rPr>
-            </a:br>
-            <a:r>
-              <a:rPr lang="de-DE" sz="1800" kern="100" dirty="0">
-                <a:effectLst/>
-                <a:latin typeface="Calibri" panose="020F0502020204030204" pitchFamily="34" charset="0"/>
-                <a:ea typeface="Calibri" panose="020F0502020204030204" pitchFamily="34" charset="0"/>
-                <a:cs typeface="Arial" panose="020B0604020202020204" pitchFamily="34" charset="0"/>
-              </a:rPr>
-              <a:t>}</a:t>
-            </a:r>
-            <a:endParaRPr lang="en-US" sz="1800" kern="100" dirty="0">
-              <a:effectLst/>
-              <a:latin typeface="Calibri" panose="020F0502020204030204" pitchFamily="34" charset="0"/>
-              <a:ea typeface="Calibri" panose="020F0502020204030204" pitchFamily="34" charset="0"/>
-              <a:cs typeface="Arial" panose="020B0604020202020204" pitchFamily="34" charset="0"/>
-            </a:endParaRPr>
+            <a:r>
+              <a:rPr lang="de-DE" dirty="0"/>
+              <a:t>Beispiel Open/</a:t>
+            </a:r>
+            <a:r>
+              <a:rPr lang="de-DE" dirty="0" err="1"/>
+              <a:t>Closed</a:t>
+            </a:r>
+            <a:endParaRPr lang="de-DE" dirty="0"/>
           </a:p>
         </p:txBody>
       </p:sp>
       <p:sp>
         <p:nvSpPr>
-          <p:cNvPr id="3" name="Inhaltsplatzhalter 2">
+          <p:cNvPr id="4" name="Rectangle 1">
             <a:extLst>
               <a:ext uri="{FF2B5EF4-FFF2-40B4-BE49-F238E27FC236}">
-                <a16:creationId xmlns:a16="http://schemas.microsoft.com/office/drawing/2014/main" id="{D69670C8-5A75-4E56-72C3-57DD3187F54B}"/>
+                <a16:creationId xmlns:a16="http://schemas.microsoft.com/office/drawing/2014/main" id="{0E05B02D-853B-4BD9-8767-D6C8E0A98570}"/>
               </a:ext>
             </a:extLst>
           </p:cNvPr>
           <p:cNvSpPr>
-            <a:spLocks noGrp="1"/>
+            <a:spLocks noGrp="1" noChangeArrowheads="1"/>
           </p:cNvSpPr>
           <p:nvPr>
             <p:ph idx="1"/>
           </p:nvPr>
         </p:nvSpPr>
-        <p:spPr>
+        <p:spPr bwMode="auto">
           <a:xfrm>
-            <a:off x="207523" y="523081"/>
-            <a:ext cx="6613187" cy="5811838"/>
+            <a:off x="838199" y="2042959"/>
+            <a:ext cx="10515599" cy="4198484"/>
           </a:xfrm>
+          <a:prstGeom prst="rect">
+            <a:avLst/>
+          </a:prstGeom>
+          <a:solidFill>
+            <a:srgbClr val="000000"/>
+          </a:solidFill>
+          <a:ln>
+            <a:noFill/>
+          </a:ln>
+          <a:effectLst/>
+          <a:extLst>
+            <a:ext uri="{91240B29-F687-4F45-9708-019B960494DF}">
+              <a14:hiddenLine xmlns:a14="http://schemas.microsoft.com/office/drawing/2010/main" w="9525">
+                <a:solidFill>
+                  <a:schemeClr val="tx1"/>
+                </a:solidFill>
+                <a:miter lim="800000"/>
+                <a:headEnd/>
+                <a:tailEnd/>
+              </a14:hiddenLine>
+            </a:ext>
+            <a:ext uri="{AF507438-7753-43E0-B8FC-AC1667EBCBE1}">
+              <a14:hiddenEffects xmlns:a14="http://schemas.microsoft.com/office/drawing/2010/main">
+                <a:effectLst>
+                  <a:outerShdw dist="35921" dir="2700000" algn="ctr" rotWithShape="0">
+                    <a:schemeClr val="bg2"/>
+                  </a:outerShdw>
+                </a:effectLst>
+              </a14:hiddenEffects>
+            </a:ext>
+          </a:extLst>
         </p:spPr>
         <p:txBody>
-          <a:bodyPr>
-            <a:normAutofit/>
+          <a:bodyPr vert="horz" wrap="square" lIns="91440" tIns="158700" rIns="91440" bIns="158700" numCol="1" anchor="ctr" anchorCtr="0" compatLnSpc="1">
+            <a:prstTxWarp prst="textNoShape">
+              <a:avLst/>
+            </a:prstTxWarp>
+            <a:spAutoFit/>
           </a:bodyPr>
           <a:lstStyle/>
           <a:p>
-            <a:pPr marL="0" indent="0">
+            <a:pPr marL="0" marR="0" lvl="0" indent="0" algn="l" defTabSz="914400" rtl="0" eaLnBrk="0" fontAlgn="base" latinLnBrk="0" hangingPunct="0">
               <a:lnSpc>
-                <a:spcPct val="107000"/>
+                <a:spcPct val="100000"/>
               </a:lnSpc>
+              <a:spcBef>
+                <a:spcPct val="0"/>
+              </a:spcBef>
               <a:spcAft>
-                <a:spcPts val="800"/>
+                <a:spcPct val="0"/>
               </a:spcAft>
+              <a:buClrTx/>
+              <a:buSzTx/>
+              <a:buFontTx/>
               <a:buNone/>
+              <a:tabLst/>
             </a:pPr>
-            <a:endParaRPr lang="de-DE" sz="1800" kern="100" dirty="0">
+            <a:r>
+              <a:rPr kumimoji="0" lang="de-DE" altLang="de-DE" b="0" i="0" u="none" strike="noStrike" cap="none" normalizeH="0" baseline="0" dirty="0" err="1">
+                <a:ln>
+                  <a:noFill/>
+                </a:ln>
+                <a:solidFill>
+                  <a:srgbClr val="E28964"/>
+                </a:solidFill>
+                <a:effectLst/>
+                <a:latin typeface="source-code-pro"/>
+              </a:rPr>
+              <a:t>public</a:t>
+            </a:r>
+            <a:r>
+              <a:rPr kumimoji="0" lang="de-DE" altLang="de-DE" b="0" i="0" u="none" strike="noStrike" cap="none" normalizeH="0" baseline="0" dirty="0">
+                <a:ln>
+                  <a:noFill/>
+                </a:ln>
+                <a:solidFill>
+                  <a:srgbClr val="FFFFFF"/>
+                </a:solidFill>
+                <a:effectLst/>
+                <a:latin typeface="source-code-pro"/>
+              </a:rPr>
+              <a:t> </a:t>
+            </a:r>
+            <a:r>
+              <a:rPr kumimoji="0" lang="de-DE" altLang="de-DE" b="0" i="0" u="none" strike="noStrike" cap="none" normalizeH="0" baseline="0" dirty="0">
+                <a:ln>
+                  <a:noFill/>
+                </a:ln>
+                <a:solidFill>
+                  <a:srgbClr val="E28964"/>
+                </a:solidFill>
+                <a:effectLst/>
+                <a:latin typeface="source-code-pro"/>
+              </a:rPr>
+              <a:t>double</a:t>
+            </a:r>
+            <a:r>
+              <a:rPr kumimoji="0" lang="de-DE" altLang="de-DE" b="0" i="0" u="none" strike="noStrike" cap="none" normalizeH="0" baseline="0" dirty="0">
+                <a:ln>
+                  <a:noFill/>
+                </a:ln>
+                <a:solidFill>
+                  <a:srgbClr val="FFFFFF"/>
+                </a:solidFill>
+                <a:effectLst/>
+                <a:latin typeface="source-code-pro"/>
+              </a:rPr>
+              <a:t> </a:t>
+            </a:r>
+            <a:r>
+              <a:rPr kumimoji="0" lang="de-DE" altLang="de-DE" b="0" i="0" u="none" strike="noStrike" cap="none" normalizeH="0" baseline="0" dirty="0">
+                <a:ln>
+                  <a:noFill/>
+                </a:ln>
+                <a:solidFill>
+                  <a:srgbClr val="89BDFF"/>
+                </a:solidFill>
+                <a:effectLst/>
+                <a:latin typeface="source-code-pro"/>
+              </a:rPr>
+              <a:t>Area</a:t>
+            </a:r>
+            <a:r>
+              <a:rPr kumimoji="0" lang="de-DE" altLang="de-DE" b="0" i="0" u="none" strike="noStrike" cap="none" normalizeH="0" baseline="0" dirty="0">
+                <a:ln>
+                  <a:noFill/>
+                </a:ln>
+                <a:solidFill>
+                  <a:srgbClr val="FFFFFF"/>
+                </a:solidFill>
+                <a:effectLst/>
+                <a:latin typeface="source-code-pro"/>
+              </a:rPr>
+              <a:t>(</a:t>
+            </a:r>
+            <a:r>
+              <a:rPr kumimoji="0" lang="de-DE" altLang="de-DE" b="0" i="0" u="none" strike="noStrike" cap="none" normalizeH="0" baseline="0" dirty="0" err="1">
+                <a:ln>
+                  <a:noFill/>
+                </a:ln>
+                <a:solidFill>
+                  <a:srgbClr val="E28964"/>
+                </a:solidFill>
+                <a:effectLst/>
+                <a:latin typeface="source-code-pro"/>
+              </a:rPr>
+              <a:t>object</a:t>
+            </a:r>
+            <a:r>
+              <a:rPr kumimoji="0" lang="de-DE" altLang="de-DE" b="0" i="0" u="none" strike="noStrike" cap="none" normalizeH="0" baseline="0" dirty="0">
+                <a:ln>
+                  <a:noFill/>
+                </a:ln>
+                <a:solidFill>
+                  <a:srgbClr val="FFFFFF"/>
+                </a:solidFill>
+                <a:effectLst/>
+                <a:latin typeface="source-code-pro"/>
+              </a:rPr>
+              <a:t>[] </a:t>
+            </a:r>
+            <a:r>
+              <a:rPr kumimoji="0" lang="de-DE" altLang="de-DE" b="0" i="0" u="none" strike="noStrike" cap="none" normalizeH="0" baseline="0" dirty="0" err="1">
+                <a:ln>
+                  <a:noFill/>
+                </a:ln>
+                <a:solidFill>
+                  <a:srgbClr val="FFFFFF"/>
+                </a:solidFill>
+                <a:effectLst/>
+                <a:latin typeface="source-code-pro"/>
+              </a:rPr>
+              <a:t>shapes</a:t>
+            </a:r>
+            <a:r>
+              <a:rPr kumimoji="0" lang="de-DE" altLang="de-DE" b="0" i="0" u="none" strike="noStrike" cap="none" normalizeH="0" baseline="0" dirty="0">
+                <a:ln>
+                  <a:noFill/>
+                </a:ln>
+                <a:solidFill>
+                  <a:srgbClr val="FFFFFF"/>
+                </a:solidFill>
+                <a:effectLst/>
+                <a:latin typeface="source-code-pro"/>
+              </a:rPr>
+              <a:t>) { </a:t>
+            </a:r>
+            <a:r>
+              <a:rPr kumimoji="0" lang="de-DE" altLang="de-DE" b="0" i="0" u="none" strike="noStrike" cap="none" normalizeH="0" baseline="0" dirty="0">
+                <a:ln>
+                  <a:noFill/>
+                </a:ln>
+                <a:solidFill>
+                  <a:srgbClr val="E28964"/>
+                </a:solidFill>
+                <a:effectLst/>
+                <a:latin typeface="source-code-pro"/>
+              </a:rPr>
+              <a:t>double</a:t>
+            </a:r>
+            <a:r>
+              <a:rPr kumimoji="0" lang="de-DE" altLang="de-DE" b="0" i="0" u="none" strike="noStrike" cap="none" normalizeH="0" baseline="0" dirty="0">
+                <a:ln>
+                  <a:noFill/>
+                </a:ln>
+                <a:solidFill>
+                  <a:srgbClr val="FFFFFF"/>
+                </a:solidFill>
+                <a:effectLst/>
+                <a:latin typeface="source-code-pro"/>
+              </a:rPr>
+              <a:t> </a:t>
+            </a:r>
+            <a:r>
+              <a:rPr kumimoji="0" lang="de-DE" altLang="de-DE" b="0" i="0" u="none" strike="noStrike" cap="none" normalizeH="0" baseline="0" dirty="0" err="1">
+                <a:ln>
+                  <a:noFill/>
+                </a:ln>
+                <a:solidFill>
+                  <a:srgbClr val="FFFFFF"/>
+                </a:solidFill>
+                <a:effectLst/>
+                <a:latin typeface="source-code-pro"/>
+              </a:rPr>
+              <a:t>area</a:t>
+            </a:r>
+            <a:r>
+              <a:rPr kumimoji="0" lang="de-DE" altLang="de-DE" b="0" i="0" u="none" strike="noStrike" cap="none" normalizeH="0" baseline="0" dirty="0">
+                <a:ln>
+                  <a:noFill/>
+                </a:ln>
+                <a:solidFill>
+                  <a:srgbClr val="FFFFFF"/>
+                </a:solidFill>
+                <a:effectLst/>
+                <a:latin typeface="source-code-pro"/>
+              </a:rPr>
+              <a:t> = </a:t>
+            </a:r>
+            <a:r>
+              <a:rPr kumimoji="0" lang="de-DE" altLang="de-DE" b="0" i="0" u="none" strike="noStrike" cap="none" normalizeH="0" baseline="0" dirty="0">
+                <a:ln>
+                  <a:noFill/>
+                </a:ln>
+                <a:solidFill>
+                  <a:srgbClr val="3387CC"/>
+                </a:solidFill>
+                <a:effectLst/>
+                <a:latin typeface="source-code-pro"/>
+              </a:rPr>
+              <a:t>0</a:t>
+            </a:r>
+            <a:r>
+              <a:rPr kumimoji="0" lang="de-DE" altLang="de-DE" b="0" i="0" u="none" strike="noStrike" cap="none" normalizeH="0" baseline="0" dirty="0">
+                <a:ln>
+                  <a:noFill/>
+                </a:ln>
+                <a:solidFill>
+                  <a:srgbClr val="FFFFFF"/>
+                </a:solidFill>
+                <a:effectLst/>
+                <a:latin typeface="source-code-pro"/>
+              </a:rPr>
+              <a:t>;</a:t>
+            </a:r>
+          </a:p>
+          <a:p>
+            <a:pPr marL="0" marR="0" lvl="0" indent="0" algn="l" defTabSz="914400" rtl="0" eaLnBrk="0" fontAlgn="base" latinLnBrk="0" hangingPunct="0">
+              <a:lnSpc>
+                <a:spcPct val="100000"/>
+              </a:lnSpc>
+              <a:spcBef>
+                <a:spcPct val="0"/>
+              </a:spcBef>
+              <a:spcAft>
+                <a:spcPct val="0"/>
+              </a:spcAft>
+              <a:buClrTx/>
+              <a:buSzTx/>
+              <a:buFontTx/>
+              <a:buNone/>
+              <a:tabLst/>
+            </a:pPr>
+            <a:r>
+              <a:rPr kumimoji="0" lang="de-DE" altLang="de-DE" b="0" i="0" u="none" strike="noStrike" cap="none" normalizeH="0" baseline="0" dirty="0">
+                <a:ln>
+                  <a:noFill/>
+                </a:ln>
+                <a:solidFill>
+                  <a:srgbClr val="FFFFFF"/>
+                </a:solidFill>
+                <a:effectLst/>
+                <a:latin typeface="source-code-pro"/>
+              </a:rPr>
+              <a:t> </a:t>
+            </a:r>
+            <a:r>
+              <a:rPr kumimoji="0" lang="de-DE" altLang="de-DE" b="0" i="0" u="none" strike="noStrike" cap="none" normalizeH="0" baseline="0" dirty="0" err="1">
+                <a:ln>
+                  <a:noFill/>
+                </a:ln>
+                <a:solidFill>
+                  <a:srgbClr val="E28964"/>
+                </a:solidFill>
+                <a:effectLst/>
+                <a:latin typeface="source-code-pro"/>
+              </a:rPr>
+              <a:t>foreach</a:t>
+            </a:r>
+            <a:r>
+              <a:rPr kumimoji="0" lang="de-DE" altLang="de-DE" b="0" i="0" u="none" strike="noStrike" cap="none" normalizeH="0" baseline="0" dirty="0">
+                <a:ln>
+                  <a:noFill/>
+                </a:ln>
+                <a:solidFill>
+                  <a:srgbClr val="FFFFFF"/>
+                </a:solidFill>
+                <a:effectLst/>
+                <a:latin typeface="source-code-pro"/>
+              </a:rPr>
+              <a:t> (</a:t>
+            </a:r>
+            <a:r>
+              <a:rPr kumimoji="0" lang="de-DE" altLang="de-DE" b="0" i="0" u="none" strike="noStrike" cap="none" normalizeH="0" baseline="0" dirty="0" err="1">
+                <a:ln>
+                  <a:noFill/>
+                </a:ln>
+                <a:solidFill>
+                  <a:srgbClr val="E28964"/>
+                </a:solidFill>
+                <a:effectLst/>
+                <a:latin typeface="source-code-pro"/>
+              </a:rPr>
+              <a:t>var</a:t>
+            </a:r>
+            <a:r>
+              <a:rPr kumimoji="0" lang="de-DE" altLang="de-DE" b="0" i="0" u="none" strike="noStrike" cap="none" normalizeH="0" baseline="0" dirty="0">
+                <a:ln>
+                  <a:noFill/>
+                </a:ln>
+                <a:solidFill>
+                  <a:srgbClr val="FFFFFF"/>
+                </a:solidFill>
+                <a:effectLst/>
+                <a:latin typeface="source-code-pro"/>
+              </a:rPr>
+              <a:t> </a:t>
+            </a:r>
+            <a:r>
+              <a:rPr kumimoji="0" lang="de-DE" altLang="de-DE" b="0" i="0" u="none" strike="noStrike" cap="none" normalizeH="0" baseline="0" dirty="0" err="1">
+                <a:ln>
+                  <a:noFill/>
+                </a:ln>
+                <a:solidFill>
+                  <a:srgbClr val="FFFFFF"/>
+                </a:solidFill>
+                <a:effectLst/>
+                <a:latin typeface="source-code-pro"/>
+              </a:rPr>
+              <a:t>shape</a:t>
+            </a:r>
+            <a:r>
+              <a:rPr kumimoji="0" lang="de-DE" altLang="de-DE" b="0" i="0" u="none" strike="noStrike" cap="none" normalizeH="0" baseline="0" dirty="0">
+                <a:ln>
+                  <a:noFill/>
+                </a:ln>
+                <a:solidFill>
+                  <a:srgbClr val="FFFFFF"/>
+                </a:solidFill>
+                <a:effectLst/>
+                <a:latin typeface="source-code-pro"/>
+              </a:rPr>
+              <a:t> </a:t>
+            </a:r>
+            <a:r>
+              <a:rPr kumimoji="0" lang="de-DE" altLang="de-DE" b="0" i="0" u="none" strike="noStrike" cap="none" normalizeH="0" baseline="0" dirty="0">
+                <a:ln>
+                  <a:noFill/>
+                </a:ln>
+                <a:solidFill>
+                  <a:srgbClr val="E28964"/>
+                </a:solidFill>
+                <a:effectLst/>
+                <a:latin typeface="source-code-pro"/>
+              </a:rPr>
+              <a:t>in</a:t>
+            </a:r>
+            <a:r>
+              <a:rPr kumimoji="0" lang="de-DE" altLang="de-DE" b="0" i="0" u="none" strike="noStrike" cap="none" normalizeH="0" baseline="0" dirty="0">
+                <a:ln>
+                  <a:noFill/>
+                </a:ln>
+                <a:solidFill>
+                  <a:srgbClr val="FFFFFF"/>
+                </a:solidFill>
+                <a:effectLst/>
+                <a:latin typeface="source-code-pro"/>
+              </a:rPr>
+              <a:t> </a:t>
+            </a:r>
+            <a:r>
+              <a:rPr kumimoji="0" lang="de-DE" altLang="de-DE" b="0" i="0" u="none" strike="noStrike" cap="none" normalizeH="0" baseline="0" dirty="0" err="1">
+                <a:ln>
+                  <a:noFill/>
+                </a:ln>
+                <a:solidFill>
+                  <a:srgbClr val="FFFFFF"/>
+                </a:solidFill>
+                <a:effectLst/>
+                <a:latin typeface="source-code-pro"/>
+              </a:rPr>
+              <a:t>shapes</a:t>
+            </a:r>
+            <a:r>
+              <a:rPr kumimoji="0" lang="de-DE" altLang="de-DE" b="0" i="0" u="none" strike="noStrike" cap="none" normalizeH="0" baseline="0" dirty="0">
+                <a:ln>
+                  <a:noFill/>
+                </a:ln>
+                <a:solidFill>
+                  <a:srgbClr val="FFFFFF"/>
+                </a:solidFill>
+                <a:effectLst/>
+                <a:latin typeface="source-code-pro"/>
+              </a:rPr>
+              <a:t>)</a:t>
+            </a:r>
+          </a:p>
+          <a:p>
+            <a:pPr marL="0" marR="0" lvl="0" indent="0" algn="l" defTabSz="914400" rtl="0" eaLnBrk="0" fontAlgn="base" latinLnBrk="0" hangingPunct="0">
+              <a:lnSpc>
+                <a:spcPct val="100000"/>
+              </a:lnSpc>
+              <a:spcBef>
+                <a:spcPct val="0"/>
+              </a:spcBef>
+              <a:spcAft>
+                <a:spcPct val="0"/>
+              </a:spcAft>
+              <a:buClrTx/>
+              <a:buSzTx/>
+              <a:buFontTx/>
+              <a:buNone/>
+              <a:tabLst/>
+            </a:pPr>
+            <a:r>
+              <a:rPr kumimoji="0" lang="de-DE" altLang="de-DE" b="0" i="0" u="none" strike="noStrike" cap="none" normalizeH="0" baseline="0" dirty="0">
+                <a:ln>
+                  <a:noFill/>
+                </a:ln>
+                <a:solidFill>
+                  <a:srgbClr val="FFFFFF"/>
+                </a:solidFill>
+                <a:effectLst/>
+                <a:latin typeface="source-code-pro"/>
+              </a:rPr>
+              <a:t> { </a:t>
+            </a:r>
+            <a:r>
+              <a:rPr kumimoji="0" lang="de-DE" altLang="de-DE" b="0" i="0" u="none" strike="noStrike" cap="none" normalizeH="0" baseline="0" dirty="0" err="1">
+                <a:ln>
+                  <a:noFill/>
+                </a:ln>
+                <a:solidFill>
+                  <a:srgbClr val="E28964"/>
+                </a:solidFill>
+                <a:effectLst/>
+                <a:latin typeface="source-code-pro"/>
+              </a:rPr>
+              <a:t>if</a:t>
+            </a:r>
+            <a:r>
+              <a:rPr kumimoji="0" lang="de-DE" altLang="de-DE" b="0" i="0" u="none" strike="noStrike" cap="none" normalizeH="0" baseline="0" dirty="0">
+                <a:ln>
+                  <a:noFill/>
+                </a:ln>
+                <a:solidFill>
+                  <a:srgbClr val="FFFFFF"/>
+                </a:solidFill>
+                <a:effectLst/>
+                <a:latin typeface="source-code-pro"/>
+              </a:rPr>
+              <a:t> (</a:t>
+            </a:r>
+            <a:r>
+              <a:rPr kumimoji="0" lang="de-DE" altLang="de-DE" b="0" i="0" u="none" strike="noStrike" cap="none" normalizeH="0" baseline="0" dirty="0" err="1">
+                <a:ln>
+                  <a:noFill/>
+                </a:ln>
+                <a:solidFill>
+                  <a:srgbClr val="FFFFFF"/>
+                </a:solidFill>
+                <a:effectLst/>
+                <a:latin typeface="source-code-pro"/>
+              </a:rPr>
+              <a:t>shape</a:t>
+            </a:r>
+            <a:r>
+              <a:rPr kumimoji="0" lang="de-DE" altLang="de-DE" b="0" i="0" u="none" strike="noStrike" cap="none" normalizeH="0" baseline="0" dirty="0">
+                <a:ln>
+                  <a:noFill/>
+                </a:ln>
+                <a:solidFill>
+                  <a:srgbClr val="FFFFFF"/>
+                </a:solidFill>
+                <a:effectLst/>
+                <a:latin typeface="source-code-pro"/>
+              </a:rPr>
+              <a:t> </a:t>
+            </a:r>
+            <a:r>
+              <a:rPr kumimoji="0" lang="de-DE" altLang="de-DE" b="0" i="0" u="none" strike="noStrike" cap="none" normalizeH="0" baseline="0" dirty="0" err="1">
+                <a:ln>
+                  <a:noFill/>
+                </a:ln>
+                <a:solidFill>
+                  <a:srgbClr val="E28964"/>
+                </a:solidFill>
+                <a:effectLst/>
+                <a:latin typeface="source-code-pro"/>
+              </a:rPr>
+              <a:t>is</a:t>
+            </a:r>
+            <a:r>
+              <a:rPr kumimoji="0" lang="de-DE" altLang="de-DE" b="0" i="0" u="none" strike="noStrike" cap="none" normalizeH="0" baseline="0" dirty="0">
+                <a:ln>
+                  <a:noFill/>
+                </a:ln>
+                <a:solidFill>
+                  <a:srgbClr val="FFFFFF"/>
+                </a:solidFill>
+                <a:effectLst/>
+                <a:latin typeface="source-code-pro"/>
+              </a:rPr>
+              <a:t> </a:t>
+            </a:r>
+            <a:r>
+              <a:rPr kumimoji="0" lang="de-DE" altLang="de-DE" b="0" i="0" u="none" strike="noStrike" cap="none" normalizeH="0" baseline="0" dirty="0" err="1">
+                <a:ln>
+                  <a:noFill/>
+                </a:ln>
+                <a:solidFill>
+                  <a:srgbClr val="89BDFF"/>
+                </a:solidFill>
+                <a:effectLst/>
+                <a:latin typeface="source-code-pro"/>
+              </a:rPr>
+              <a:t>Rengle</a:t>
+            </a:r>
+            <a:r>
+              <a:rPr kumimoji="0" lang="de-DE" altLang="de-DE" b="0" i="0" u="none" strike="noStrike" cap="none" normalizeH="0" baseline="0" dirty="0">
+                <a:ln>
+                  <a:noFill/>
+                </a:ln>
+                <a:solidFill>
+                  <a:srgbClr val="FFFFFF"/>
+                </a:solidFill>
+                <a:effectLst/>
+                <a:latin typeface="source-code-pro"/>
+              </a:rPr>
+              <a:t>) </a:t>
+            </a:r>
+          </a:p>
+          <a:p>
+            <a:pPr marL="0" marR="0" lvl="0" indent="0" algn="l" defTabSz="914400" rtl="0" eaLnBrk="0" fontAlgn="base" latinLnBrk="0" hangingPunct="0">
+              <a:lnSpc>
+                <a:spcPct val="100000"/>
+              </a:lnSpc>
+              <a:spcBef>
+                <a:spcPct val="0"/>
+              </a:spcBef>
+              <a:spcAft>
+                <a:spcPct val="0"/>
+              </a:spcAft>
+              <a:buClrTx/>
+              <a:buSzTx/>
+              <a:buFontTx/>
+              <a:buNone/>
+              <a:tabLst/>
+            </a:pPr>
+            <a:r>
+              <a:rPr kumimoji="0" lang="de-DE" altLang="de-DE" b="0" i="0" u="none" strike="noStrike" cap="none" normalizeH="0" baseline="0" dirty="0">
+                <a:ln>
+                  <a:noFill/>
+                </a:ln>
+                <a:solidFill>
+                  <a:srgbClr val="FFFFFF"/>
+                </a:solidFill>
+                <a:effectLst/>
+                <a:latin typeface="source-code-pro"/>
+              </a:rPr>
+              <a:t>{ </a:t>
+            </a:r>
+            <a:r>
+              <a:rPr kumimoji="0" lang="de-DE" altLang="de-DE" b="0" i="0" u="none" strike="noStrike" cap="none" normalizeH="0" baseline="0" dirty="0" err="1">
+                <a:ln>
+                  <a:noFill/>
+                </a:ln>
+                <a:solidFill>
+                  <a:srgbClr val="89BDFF"/>
+                </a:solidFill>
+                <a:effectLst/>
+                <a:latin typeface="source-code-pro"/>
+              </a:rPr>
+              <a:t>Rectangle</a:t>
+            </a:r>
+            <a:r>
+              <a:rPr kumimoji="0" lang="de-DE" altLang="de-DE" b="0" i="0" u="none" strike="noStrike" cap="none" normalizeH="0" baseline="0" dirty="0">
+                <a:ln>
+                  <a:noFill/>
+                </a:ln>
+                <a:solidFill>
+                  <a:srgbClr val="FFFFFF"/>
+                </a:solidFill>
+                <a:effectLst/>
+                <a:latin typeface="source-code-pro"/>
+              </a:rPr>
+              <a:t> </a:t>
+            </a:r>
+            <a:r>
+              <a:rPr kumimoji="0" lang="de-DE" altLang="de-DE" b="0" i="0" u="none" strike="noStrike" cap="none" normalizeH="0" baseline="0" dirty="0" err="1">
+                <a:ln>
+                  <a:noFill/>
+                </a:ln>
+                <a:solidFill>
+                  <a:srgbClr val="FFFFFF"/>
+                </a:solidFill>
+                <a:effectLst/>
+                <a:latin typeface="source-code-pro"/>
+              </a:rPr>
+              <a:t>rectangle</a:t>
+            </a:r>
+            <a:r>
+              <a:rPr kumimoji="0" lang="de-DE" altLang="de-DE" b="0" i="0" u="none" strike="noStrike" cap="none" normalizeH="0" baseline="0" dirty="0">
+                <a:ln>
+                  <a:noFill/>
+                </a:ln>
+                <a:solidFill>
+                  <a:srgbClr val="FFFFFF"/>
+                </a:solidFill>
+                <a:effectLst/>
+                <a:latin typeface="source-code-pro"/>
+              </a:rPr>
+              <a:t> = (</a:t>
+            </a:r>
+            <a:r>
+              <a:rPr kumimoji="0" lang="de-DE" altLang="de-DE" b="0" i="0" u="none" strike="noStrike" cap="none" normalizeH="0" baseline="0" dirty="0" err="1">
+                <a:ln>
+                  <a:noFill/>
+                </a:ln>
+                <a:solidFill>
+                  <a:srgbClr val="89BDFF"/>
+                </a:solidFill>
+                <a:effectLst/>
+                <a:latin typeface="source-code-pro"/>
+              </a:rPr>
+              <a:t>Rectangle</a:t>
+            </a:r>
+            <a:r>
+              <a:rPr kumimoji="0" lang="de-DE" altLang="de-DE" b="0" i="0" u="none" strike="noStrike" cap="none" normalizeH="0" baseline="0" dirty="0">
+                <a:ln>
+                  <a:noFill/>
+                </a:ln>
+                <a:solidFill>
+                  <a:srgbClr val="FFFFFF"/>
+                </a:solidFill>
+                <a:effectLst/>
+                <a:latin typeface="source-code-pro"/>
+              </a:rPr>
+              <a:t>) </a:t>
+            </a:r>
+            <a:r>
+              <a:rPr kumimoji="0" lang="de-DE" altLang="de-DE" b="0" i="0" u="none" strike="noStrike" cap="none" normalizeH="0" baseline="0" dirty="0" err="1">
+                <a:ln>
+                  <a:noFill/>
+                </a:ln>
+                <a:solidFill>
+                  <a:srgbClr val="FFFFFF"/>
+                </a:solidFill>
+                <a:effectLst/>
+                <a:latin typeface="source-code-pro"/>
+              </a:rPr>
+              <a:t>shape</a:t>
+            </a:r>
+            <a:r>
+              <a:rPr kumimoji="0" lang="de-DE" altLang="de-DE" b="0" i="0" u="none" strike="noStrike" cap="none" normalizeH="0" baseline="0" dirty="0">
+                <a:ln>
+                  <a:noFill/>
+                </a:ln>
+                <a:solidFill>
+                  <a:srgbClr val="FFFFFF"/>
+                </a:solidFill>
+                <a:effectLst/>
+                <a:latin typeface="source-code-pro"/>
+              </a:rPr>
+              <a:t>; </a:t>
+            </a:r>
+            <a:r>
+              <a:rPr kumimoji="0" lang="de-DE" altLang="de-DE" b="0" i="0" u="none" strike="noStrike" cap="none" normalizeH="0" baseline="0" dirty="0" err="1">
+                <a:ln>
+                  <a:noFill/>
+                </a:ln>
+                <a:solidFill>
+                  <a:srgbClr val="FFFFFF"/>
+                </a:solidFill>
+                <a:effectLst/>
+                <a:latin typeface="source-code-pro"/>
+              </a:rPr>
+              <a:t>area</a:t>
+            </a:r>
+            <a:r>
+              <a:rPr kumimoji="0" lang="de-DE" altLang="de-DE" b="0" i="0" u="none" strike="noStrike" cap="none" normalizeH="0" baseline="0" dirty="0">
+                <a:ln>
+                  <a:noFill/>
+                </a:ln>
+                <a:solidFill>
+                  <a:srgbClr val="FFFFFF"/>
+                </a:solidFill>
+                <a:effectLst/>
+                <a:latin typeface="source-code-pro"/>
+              </a:rPr>
+              <a:t> += </a:t>
+            </a:r>
+            <a:r>
+              <a:rPr kumimoji="0" lang="de-DE" altLang="de-DE" b="0" i="0" u="none" strike="noStrike" cap="none" normalizeH="0" baseline="0" dirty="0" err="1">
+                <a:ln>
+                  <a:noFill/>
+                </a:ln>
+                <a:solidFill>
+                  <a:srgbClr val="FFFFFF"/>
+                </a:solidFill>
+                <a:effectLst/>
+                <a:latin typeface="source-code-pro"/>
+              </a:rPr>
+              <a:t>rectangle.</a:t>
+            </a:r>
+            <a:r>
+              <a:rPr kumimoji="0" lang="de-DE" altLang="de-DE" b="0" i="0" u="none" strike="noStrike" cap="none" normalizeH="0" baseline="0" dirty="0" err="1">
+                <a:ln>
+                  <a:noFill/>
+                </a:ln>
+                <a:solidFill>
+                  <a:srgbClr val="89BDFF"/>
+                </a:solidFill>
+                <a:effectLst/>
+                <a:latin typeface="source-code-pro"/>
+              </a:rPr>
+              <a:t>Width</a:t>
+            </a:r>
+            <a:r>
+              <a:rPr kumimoji="0" lang="de-DE" altLang="de-DE" b="0" i="0" u="none" strike="noStrike" cap="none" normalizeH="0" baseline="0" dirty="0">
+                <a:ln>
+                  <a:noFill/>
+                </a:ln>
+                <a:solidFill>
+                  <a:srgbClr val="FFFFFF"/>
+                </a:solidFill>
+                <a:effectLst/>
+                <a:latin typeface="source-code-pro"/>
+              </a:rPr>
+              <a:t>*</a:t>
+            </a:r>
+            <a:r>
+              <a:rPr kumimoji="0" lang="de-DE" altLang="de-DE" b="0" i="0" u="none" strike="noStrike" cap="none" normalizeH="0" baseline="0" dirty="0" err="1">
+                <a:ln>
+                  <a:noFill/>
+                </a:ln>
+                <a:solidFill>
+                  <a:srgbClr val="FFFFFF"/>
+                </a:solidFill>
+                <a:effectLst/>
+                <a:latin typeface="source-code-pro"/>
+              </a:rPr>
+              <a:t>rectangle.</a:t>
+            </a:r>
+            <a:r>
+              <a:rPr kumimoji="0" lang="de-DE" altLang="de-DE" b="0" i="0" u="none" strike="noStrike" cap="none" normalizeH="0" baseline="0" dirty="0" err="1">
+                <a:ln>
+                  <a:noFill/>
+                </a:ln>
+                <a:solidFill>
+                  <a:srgbClr val="89BDFF"/>
+                </a:solidFill>
+                <a:effectLst/>
+                <a:latin typeface="source-code-pro"/>
+              </a:rPr>
+              <a:t>Height</a:t>
+            </a:r>
+            <a:r>
+              <a:rPr kumimoji="0" lang="de-DE" altLang="de-DE" b="0" i="0" u="none" strike="noStrike" cap="none" normalizeH="0" baseline="0" dirty="0">
+                <a:ln>
+                  <a:noFill/>
+                </a:ln>
+                <a:solidFill>
+                  <a:srgbClr val="FFFFFF"/>
+                </a:solidFill>
+                <a:effectLst/>
+                <a:latin typeface="source-code-pro"/>
+              </a:rPr>
+              <a:t>; </a:t>
+            </a:r>
+          </a:p>
+          <a:p>
+            <a:pPr marL="0" marR="0" lvl="0" indent="0" algn="l" defTabSz="914400" rtl="0" eaLnBrk="0" fontAlgn="base" latinLnBrk="0" hangingPunct="0">
+              <a:lnSpc>
+                <a:spcPct val="100000"/>
+              </a:lnSpc>
+              <a:spcBef>
+                <a:spcPct val="0"/>
+              </a:spcBef>
+              <a:spcAft>
+                <a:spcPct val="0"/>
+              </a:spcAft>
+              <a:buClrTx/>
+              <a:buSzTx/>
+              <a:buFontTx/>
+              <a:buNone/>
+              <a:tabLst/>
+            </a:pPr>
+            <a:r>
+              <a:rPr kumimoji="0" lang="de-DE" altLang="de-DE" b="0" i="0" u="none" strike="noStrike" cap="none" normalizeH="0" baseline="0" dirty="0">
+                <a:ln>
+                  <a:noFill/>
+                </a:ln>
+                <a:solidFill>
+                  <a:srgbClr val="FFFFFF"/>
+                </a:solidFill>
+                <a:effectLst/>
+                <a:latin typeface="source-code-pro"/>
+              </a:rPr>
+              <a:t>} </a:t>
+            </a:r>
+            <a:r>
+              <a:rPr kumimoji="0" lang="de-DE" altLang="de-DE" b="0" i="0" u="none" strike="noStrike" cap="none" normalizeH="0" baseline="0" dirty="0" err="1">
+                <a:ln>
+                  <a:noFill/>
+                </a:ln>
+                <a:solidFill>
+                  <a:srgbClr val="E28964"/>
+                </a:solidFill>
+                <a:effectLst/>
+                <a:latin typeface="source-code-pro"/>
+              </a:rPr>
+              <a:t>else</a:t>
+            </a:r>
+            <a:endParaRPr kumimoji="0" lang="de-DE" altLang="de-DE" b="0" i="0" u="none" strike="noStrike" cap="none" normalizeH="0" baseline="0" dirty="0">
+              <a:ln>
+                <a:noFill/>
+              </a:ln>
               <a:solidFill>
-                <a:srgbClr val="2A2A2A"/>
+                <a:srgbClr val="E28964"/>
               </a:solidFill>
-              <a:ea typeface="Calibri" panose="020F0502020204030204" pitchFamily="34" charset="0"/>
-              <a:cs typeface="Arial" panose="020B0604020202020204" pitchFamily="34" charset="0"/>
+              <a:effectLst/>
+              <a:latin typeface="source-code-pro"/>
             </a:endParaRPr>
           </a:p>
           <a:p>
-            <a:pPr marL="0" indent="0">
+            <a:pPr marL="0" marR="0" lvl="0" indent="0" algn="l" defTabSz="914400" rtl="0" eaLnBrk="0" fontAlgn="base" latinLnBrk="0" hangingPunct="0">
               <a:lnSpc>
-                <a:spcPct val="107000"/>
+                <a:spcPct val="100000"/>
               </a:lnSpc>
+              <a:spcBef>
+                <a:spcPct val="0"/>
+              </a:spcBef>
               <a:spcAft>
-                <a:spcPts val="800"/>
+                <a:spcPct val="0"/>
               </a:spcAft>
+              <a:buClrTx/>
+              <a:buSzTx/>
+              <a:buFontTx/>
               <a:buNone/>
+              <a:tabLst/>
             </a:pPr>
             <a:r>
-              <a:rPr lang="de-DE" sz="1800" kern="100" dirty="0">
-                <a:solidFill>
-                  <a:srgbClr val="2A2A2A"/>
-                </a:solidFill>
-                <a:effectLst/>
-                <a:ea typeface="Calibri" panose="020F0502020204030204" pitchFamily="34" charset="0"/>
-                <a:cs typeface="Arial" panose="020B0604020202020204" pitchFamily="34" charset="0"/>
-              </a:rPr>
-              <a:t>In diesem Beispiel erben die Klassen "Rechteck" und "Quadrat" von der Basisklasse "</a:t>
-            </a:r>
-            <a:r>
-              <a:rPr lang="de-DE" sz="1800" kern="100" dirty="0" err="1">
-                <a:solidFill>
-                  <a:srgbClr val="2A2A2A"/>
-                </a:solidFill>
-                <a:effectLst/>
-                <a:ea typeface="Calibri" panose="020F0502020204030204" pitchFamily="34" charset="0"/>
-                <a:cs typeface="Arial" panose="020B0604020202020204" pitchFamily="34" charset="0"/>
-              </a:rPr>
-              <a:t>GeometrischeFigur</a:t>
-            </a:r>
-            <a:r>
-              <a:rPr lang="de-DE" sz="1800" kern="100" dirty="0">
-                <a:solidFill>
-                  <a:srgbClr val="2A2A2A"/>
-                </a:solidFill>
-                <a:effectLst/>
-                <a:ea typeface="Calibri" panose="020F0502020204030204" pitchFamily="34" charset="0"/>
-                <a:cs typeface="Arial" panose="020B0604020202020204" pitchFamily="34" charset="0"/>
-              </a:rPr>
-              <a:t>" und implementieren beide die Methode "</a:t>
-            </a:r>
-            <a:r>
-              <a:rPr lang="de-DE" sz="1800" kern="100" dirty="0" err="1">
-                <a:solidFill>
-                  <a:srgbClr val="2A2A2A"/>
-                </a:solidFill>
-                <a:effectLst/>
-                <a:ea typeface="Calibri" panose="020F0502020204030204" pitchFamily="34" charset="0"/>
-                <a:cs typeface="Arial" panose="020B0604020202020204" pitchFamily="34" charset="0"/>
-              </a:rPr>
-              <a:t>berechne_Flaeche</a:t>
-            </a:r>
-            <a:r>
-              <a:rPr lang="de-DE" sz="1800" kern="100" dirty="0">
-                <a:solidFill>
-                  <a:srgbClr val="2A2A2A"/>
-                </a:solidFill>
-                <a:effectLst/>
-                <a:ea typeface="Calibri" panose="020F0502020204030204" pitchFamily="34" charset="0"/>
-                <a:cs typeface="Arial" panose="020B0604020202020204" pitchFamily="34" charset="0"/>
-              </a:rPr>
-              <a:t>". Da das Quadrat ein spezieller Fall eines Rechtecks ist, kann man eine Instanz der Klasse "Quadrat" jederzeit durch eine Instanz der Klasse "Rechteck" ersetzen, ohne dass das Programm dadurch in seiner Korrektheit beeinträchtigt wird. Das bedeutet, dass man zum Beispiel folgenden Code schreiben kann:</a:t>
-            </a:r>
-            <a:endParaRPr lang="en-US" sz="1800" kern="100" dirty="0">
+              <a:rPr kumimoji="0" lang="de-DE" altLang="de-DE" b="0" i="0" u="none" strike="noStrike" cap="none" normalizeH="0" baseline="0" dirty="0">
+                <a:ln>
+                  <a:noFill/>
+                </a:ln>
+                <a:solidFill>
+                  <a:srgbClr val="FFFFFF"/>
+                </a:solidFill>
+                <a:effectLst/>
+                <a:latin typeface="source-code-pro"/>
+              </a:rPr>
+              <a:t> { </a:t>
+            </a:r>
+            <a:r>
+              <a:rPr kumimoji="0" lang="de-DE" altLang="de-DE" b="0" i="0" u="none" strike="noStrike" cap="none" normalizeH="0" baseline="0" dirty="0">
+                <a:ln>
+                  <a:noFill/>
+                </a:ln>
+                <a:solidFill>
+                  <a:srgbClr val="89BDFF"/>
+                </a:solidFill>
+                <a:effectLst/>
+                <a:latin typeface="source-code-pro"/>
+              </a:rPr>
+              <a:t>Circle</a:t>
+            </a:r>
+            <a:r>
+              <a:rPr kumimoji="0" lang="de-DE" altLang="de-DE" b="0" i="0" u="none" strike="noStrike" cap="none" normalizeH="0" baseline="0" dirty="0">
+                <a:ln>
+                  <a:noFill/>
+                </a:ln>
+                <a:solidFill>
+                  <a:srgbClr val="FFFFFF"/>
+                </a:solidFill>
+                <a:effectLst/>
+                <a:latin typeface="source-code-pro"/>
+              </a:rPr>
+              <a:t> </a:t>
+            </a:r>
+            <a:r>
+              <a:rPr kumimoji="0" lang="de-DE" altLang="de-DE" b="0" i="0" u="none" strike="noStrike" cap="none" normalizeH="0" baseline="0" dirty="0" err="1">
+                <a:ln>
+                  <a:noFill/>
+                </a:ln>
+                <a:solidFill>
+                  <a:srgbClr val="FFFFFF"/>
+                </a:solidFill>
+                <a:effectLst/>
+                <a:latin typeface="source-code-pro"/>
+              </a:rPr>
+              <a:t>circle</a:t>
+            </a:r>
+            <a:r>
+              <a:rPr kumimoji="0" lang="de-DE" altLang="de-DE" b="0" i="0" u="none" strike="noStrike" cap="none" normalizeH="0" baseline="0" dirty="0">
+                <a:ln>
+                  <a:noFill/>
+                </a:ln>
+                <a:solidFill>
+                  <a:srgbClr val="FFFFFF"/>
+                </a:solidFill>
+                <a:effectLst/>
+                <a:latin typeface="source-code-pro"/>
+              </a:rPr>
+              <a:t> = (</a:t>
+            </a:r>
+            <a:r>
+              <a:rPr kumimoji="0" lang="de-DE" altLang="de-DE" b="0" i="0" u="none" strike="noStrike" cap="none" normalizeH="0" baseline="0" dirty="0">
+                <a:ln>
+                  <a:noFill/>
+                </a:ln>
+                <a:solidFill>
+                  <a:srgbClr val="89BDFF"/>
+                </a:solidFill>
+                <a:effectLst/>
+                <a:latin typeface="source-code-pro"/>
+              </a:rPr>
+              <a:t>Circle</a:t>
+            </a:r>
+            <a:r>
+              <a:rPr kumimoji="0" lang="de-DE" altLang="de-DE" b="0" i="0" u="none" strike="noStrike" cap="none" normalizeH="0" baseline="0" dirty="0">
+                <a:ln>
+                  <a:noFill/>
+                </a:ln>
+                <a:solidFill>
+                  <a:srgbClr val="FFFFFF"/>
+                </a:solidFill>
+                <a:effectLst/>
+                <a:latin typeface="source-code-pro"/>
+              </a:rPr>
+              <a:t>)</a:t>
+            </a:r>
+            <a:r>
+              <a:rPr kumimoji="0" lang="de-DE" altLang="de-DE" b="0" i="0" u="none" strike="noStrike" cap="none" normalizeH="0" baseline="0" dirty="0" err="1">
+                <a:ln>
+                  <a:noFill/>
+                </a:ln>
+                <a:solidFill>
+                  <a:srgbClr val="FFFFFF"/>
+                </a:solidFill>
+                <a:effectLst/>
+                <a:latin typeface="source-code-pro"/>
+              </a:rPr>
+              <a:t>shape</a:t>
+            </a:r>
+            <a:r>
+              <a:rPr kumimoji="0" lang="de-DE" altLang="de-DE" b="0" i="0" u="none" strike="noStrike" cap="none" normalizeH="0" baseline="0" dirty="0">
+                <a:ln>
+                  <a:noFill/>
+                </a:ln>
+                <a:solidFill>
+                  <a:srgbClr val="FFFFFF"/>
+                </a:solidFill>
+                <a:effectLst/>
+                <a:latin typeface="source-code-pro"/>
+              </a:rPr>
+              <a:t>; </a:t>
+            </a:r>
+          </a:p>
+          <a:p>
+            <a:pPr marL="0" marR="0" lvl="0" indent="0" algn="l" defTabSz="914400" rtl="0" eaLnBrk="0" fontAlgn="base" latinLnBrk="0" hangingPunct="0">
+              <a:lnSpc>
+                <a:spcPct val="100000"/>
+              </a:lnSpc>
+              <a:spcBef>
+                <a:spcPct val="0"/>
+              </a:spcBef>
+              <a:spcAft>
+                <a:spcPct val="0"/>
+              </a:spcAft>
+              <a:buClrTx/>
+              <a:buSzTx/>
+              <a:buFontTx/>
+              <a:buNone/>
+              <a:tabLst/>
+            </a:pPr>
+            <a:r>
+              <a:rPr kumimoji="0" lang="de-DE" altLang="de-DE" b="0" i="0" u="none" strike="noStrike" cap="none" normalizeH="0" baseline="0" dirty="0" err="1">
+                <a:ln>
+                  <a:noFill/>
+                </a:ln>
+                <a:solidFill>
+                  <a:srgbClr val="FFFFFF"/>
+                </a:solidFill>
+                <a:effectLst/>
+                <a:latin typeface="source-code-pro"/>
+              </a:rPr>
+              <a:t>area</a:t>
+            </a:r>
+            <a:r>
+              <a:rPr kumimoji="0" lang="de-DE" altLang="de-DE" b="0" i="0" u="none" strike="noStrike" cap="none" normalizeH="0" baseline="0" dirty="0">
+                <a:ln>
+                  <a:noFill/>
+                </a:ln>
+                <a:solidFill>
+                  <a:srgbClr val="FFFFFF"/>
+                </a:solidFill>
+                <a:effectLst/>
+                <a:latin typeface="source-code-pro"/>
+              </a:rPr>
+              <a:t> += </a:t>
+            </a:r>
+            <a:r>
+              <a:rPr kumimoji="0" lang="de-DE" altLang="de-DE" b="0" i="0" u="none" strike="noStrike" cap="none" normalizeH="0" baseline="0" dirty="0" err="1">
+                <a:ln>
+                  <a:noFill/>
+                </a:ln>
+                <a:solidFill>
+                  <a:srgbClr val="FFFFFF"/>
+                </a:solidFill>
+                <a:effectLst/>
+                <a:latin typeface="source-code-pro"/>
+              </a:rPr>
+              <a:t>circle.</a:t>
+            </a:r>
+            <a:r>
+              <a:rPr kumimoji="0" lang="de-DE" altLang="de-DE" b="0" i="0" u="none" strike="noStrike" cap="none" normalizeH="0" baseline="0" dirty="0" err="1">
+                <a:ln>
+                  <a:noFill/>
+                </a:ln>
+                <a:solidFill>
+                  <a:srgbClr val="89BDFF"/>
+                </a:solidFill>
+                <a:effectLst/>
+                <a:latin typeface="source-code-pro"/>
+              </a:rPr>
+              <a:t>Radius</a:t>
+            </a:r>
+            <a:r>
+              <a:rPr kumimoji="0" lang="de-DE" altLang="de-DE" b="0" i="0" u="none" strike="noStrike" cap="none" normalizeH="0" baseline="0" dirty="0">
+                <a:ln>
+                  <a:noFill/>
+                </a:ln>
+                <a:solidFill>
+                  <a:srgbClr val="FFFFFF"/>
+                </a:solidFill>
+                <a:effectLst/>
+                <a:latin typeface="source-code-pro"/>
+              </a:rPr>
+              <a:t> * </a:t>
+            </a:r>
+            <a:r>
+              <a:rPr kumimoji="0" lang="de-DE" altLang="de-DE" b="0" i="0" u="none" strike="noStrike" cap="none" normalizeH="0" baseline="0" dirty="0" err="1">
+                <a:ln>
+                  <a:noFill/>
+                </a:ln>
+                <a:solidFill>
+                  <a:srgbClr val="FFFFFF"/>
+                </a:solidFill>
+                <a:effectLst/>
+                <a:latin typeface="source-code-pro"/>
+              </a:rPr>
+              <a:t>circle.</a:t>
+            </a:r>
+            <a:r>
+              <a:rPr kumimoji="0" lang="de-DE" altLang="de-DE" b="0" i="0" u="none" strike="noStrike" cap="none" normalizeH="0" baseline="0" dirty="0" err="1">
+                <a:ln>
+                  <a:noFill/>
+                </a:ln>
+                <a:solidFill>
+                  <a:srgbClr val="89BDFF"/>
+                </a:solidFill>
+                <a:effectLst/>
+                <a:latin typeface="source-code-pro"/>
+              </a:rPr>
+              <a:t>Radius</a:t>
+            </a:r>
+            <a:r>
+              <a:rPr kumimoji="0" lang="de-DE" altLang="de-DE" b="0" i="0" u="none" strike="noStrike" cap="none" normalizeH="0" baseline="0" dirty="0">
+                <a:ln>
+                  <a:noFill/>
+                </a:ln>
+                <a:solidFill>
+                  <a:srgbClr val="FFFFFF"/>
+                </a:solidFill>
+                <a:effectLst/>
+                <a:latin typeface="source-code-pro"/>
+              </a:rPr>
+              <a:t> * </a:t>
+            </a:r>
+            <a:r>
+              <a:rPr kumimoji="0" lang="de-DE" altLang="de-DE" b="0" i="0" u="none" strike="noStrike" cap="none" normalizeH="0" baseline="0" dirty="0" err="1">
+                <a:ln>
+                  <a:noFill/>
+                </a:ln>
+                <a:solidFill>
+                  <a:srgbClr val="89BDFF"/>
+                </a:solidFill>
+                <a:effectLst/>
+                <a:latin typeface="source-code-pro"/>
+              </a:rPr>
+              <a:t>Math</a:t>
+            </a:r>
+            <a:r>
+              <a:rPr kumimoji="0" lang="de-DE" altLang="de-DE" b="0" i="0" u="none" strike="noStrike" cap="none" normalizeH="0" baseline="0" dirty="0" err="1">
+                <a:ln>
+                  <a:noFill/>
+                </a:ln>
+                <a:solidFill>
+                  <a:srgbClr val="FFFFFF"/>
+                </a:solidFill>
+                <a:effectLst/>
+                <a:latin typeface="source-code-pro"/>
+              </a:rPr>
+              <a:t>.PI</a:t>
+            </a:r>
+            <a:r>
+              <a:rPr kumimoji="0" lang="de-DE" altLang="de-DE" b="0" i="0" u="none" strike="noStrike" cap="none" normalizeH="0" baseline="0" dirty="0">
+                <a:ln>
+                  <a:noFill/>
+                </a:ln>
+                <a:solidFill>
+                  <a:srgbClr val="FFFFFF"/>
+                </a:solidFill>
+                <a:effectLst/>
+                <a:latin typeface="source-code-pro"/>
+              </a:rPr>
+              <a:t>; } }</a:t>
+            </a:r>
+          </a:p>
+          <a:p>
+            <a:pPr marL="0" marR="0" lvl="0" indent="0" algn="l" defTabSz="914400" rtl="0" eaLnBrk="0" fontAlgn="base" latinLnBrk="0" hangingPunct="0">
+              <a:lnSpc>
+                <a:spcPct val="100000"/>
+              </a:lnSpc>
+              <a:spcBef>
+                <a:spcPct val="0"/>
+              </a:spcBef>
+              <a:spcAft>
+                <a:spcPct val="0"/>
+              </a:spcAft>
+              <a:buClrTx/>
+              <a:buSzTx/>
+              <a:buFontTx/>
+              <a:buNone/>
+              <a:tabLst/>
+            </a:pPr>
+            <a:r>
+              <a:rPr kumimoji="0" lang="de-DE" altLang="de-DE" b="0" i="0" u="none" strike="noStrike" cap="none" normalizeH="0" baseline="0" dirty="0">
+                <a:ln>
+                  <a:noFill/>
+                </a:ln>
+                <a:solidFill>
+                  <a:srgbClr val="FFFFFF"/>
+                </a:solidFill>
+                <a:effectLst/>
+                <a:latin typeface="source-code-pro"/>
+              </a:rPr>
+              <a:t> </a:t>
+            </a:r>
+            <a:r>
+              <a:rPr kumimoji="0" lang="de-DE" altLang="de-DE" b="0" i="0" u="none" strike="noStrike" cap="none" normalizeH="0" baseline="0" dirty="0" err="1">
+                <a:ln>
+                  <a:noFill/>
+                </a:ln>
+                <a:solidFill>
+                  <a:srgbClr val="E28964"/>
+                </a:solidFill>
+                <a:effectLst/>
+                <a:latin typeface="source-code-pro"/>
+              </a:rPr>
+              <a:t>return</a:t>
+            </a:r>
+            <a:r>
+              <a:rPr kumimoji="0" lang="de-DE" altLang="de-DE" b="0" i="0" u="none" strike="noStrike" cap="none" normalizeH="0" baseline="0" dirty="0">
+                <a:ln>
+                  <a:noFill/>
+                </a:ln>
+                <a:solidFill>
+                  <a:srgbClr val="FFFFFF"/>
+                </a:solidFill>
+                <a:effectLst/>
+                <a:latin typeface="source-code-pro"/>
+              </a:rPr>
+              <a:t> </a:t>
+            </a:r>
+            <a:r>
+              <a:rPr kumimoji="0" lang="de-DE" altLang="de-DE" b="0" i="0" u="none" strike="noStrike" cap="none" normalizeH="0" baseline="0" dirty="0" err="1">
+                <a:ln>
+                  <a:noFill/>
+                </a:ln>
+                <a:solidFill>
+                  <a:srgbClr val="FFFFFF"/>
+                </a:solidFill>
+                <a:effectLst/>
+                <a:latin typeface="source-code-pro"/>
+              </a:rPr>
+              <a:t>area</a:t>
+            </a:r>
+            <a:r>
+              <a:rPr kumimoji="0" lang="de-DE" altLang="de-DE" b="0" i="0" u="none" strike="noStrike" cap="none" normalizeH="0" baseline="0" dirty="0">
+                <a:ln>
+                  <a:noFill/>
+                </a:ln>
+                <a:solidFill>
+                  <a:srgbClr val="FFFFFF"/>
+                </a:solidFill>
+                <a:effectLst/>
+                <a:latin typeface="source-code-pro"/>
+              </a:rPr>
+              <a:t>; }</a:t>
+            </a:r>
+            <a:r>
+              <a:rPr kumimoji="0" lang="de-DE" altLang="de-DE" b="0" i="0" u="none" strike="noStrike" cap="none" normalizeH="0" baseline="0" dirty="0">
+                <a:ln>
+                  <a:noFill/>
+                </a:ln>
+                <a:solidFill>
+                  <a:schemeClr val="tx1"/>
+                </a:solidFill>
+                <a:effectLst/>
+              </a:rPr>
+              <a:t> </a:t>
+            </a:r>
+            <a:endParaRPr kumimoji="0" lang="de-DE" altLang="de-DE" b="0" i="0" u="none" strike="noStrike" cap="none" normalizeH="0" baseline="0" dirty="0">
+              <a:ln>
+                <a:noFill/>
+              </a:ln>
+              <a:solidFill>
+                <a:schemeClr val="tx1"/>
+              </a:solidFill>
               <a:effectLst/>
-              <a:ea typeface="Calibri" panose="020F0502020204030204" pitchFamily="34" charset="0"/>
-              <a:cs typeface="Arial" panose="020B0604020202020204" pitchFamily="34" charset="0"/>
-            </a:endParaRPr>
-          </a:p>
-          <a:p>
-            <a:pPr marL="0" indent="0">
-              <a:buNone/>
-            </a:pPr>
-            <a:endParaRPr lang="en-US" sz="1800" dirty="0"/>
-          </a:p>
-          <a:p>
-            <a:pPr marL="0" indent="0">
-              <a:lnSpc>
-                <a:spcPct val="107000"/>
-              </a:lnSpc>
-              <a:spcAft>
-                <a:spcPts val="800"/>
-              </a:spcAft>
-              <a:buNone/>
-            </a:pPr>
-            <a:r>
-              <a:rPr lang="de-DE" sz="1800" kern="100" dirty="0">
-                <a:effectLst/>
-                <a:ea typeface="Calibri" panose="020F0502020204030204" pitchFamily="34" charset="0"/>
-                <a:cs typeface="Arial" panose="020B0604020202020204" pitchFamily="34" charset="0"/>
-              </a:rPr>
-              <a:t>Das Programm berechnet die Gesamtfläche von zwei Figuren, einem Rechteck mit der Länge 2 und der Breite 4 und einem Quadrat mit der Seitenlänge 2. Die Gesamtfläche von beiden ist 12. Das zeigt das die Instanzen miteinander ersetz werden können</a:t>
-            </a:r>
-            <a:endParaRPr lang="en-US" sz="1800" kern="100" dirty="0">
-              <a:effectLst/>
-              <a:ea typeface="Calibri" panose="020F0502020204030204" pitchFamily="34" charset="0"/>
-              <a:cs typeface="Arial" panose="020B0604020202020204" pitchFamily="34" charset="0"/>
+              <a:latin typeface="Arial" panose="020B0604020202020204" pitchFamily="34" charset="0"/>
             </a:endParaRPr>
           </a:p>
         </p:txBody>
@@ -6861,7 +10127,7 @@
     </p:spTree>
     <p:extLst>
       <p:ext uri="{BB962C8B-B14F-4D97-AF65-F5344CB8AC3E}">
-        <p14:creationId xmlns:p14="http://schemas.microsoft.com/office/powerpoint/2010/main" val="1576329022"/>
+        <p14:creationId xmlns:p14="http://schemas.microsoft.com/office/powerpoint/2010/main" val="1829609978"/>
       </p:ext>
     </p:extLst>
   </p:cSld>
@@ -6893,7 +10159,7 @@
           <p:cNvPr id="2" name="Titel 1">
             <a:extLst>
               <a:ext uri="{FF2B5EF4-FFF2-40B4-BE49-F238E27FC236}">
-                <a16:creationId xmlns:a16="http://schemas.microsoft.com/office/drawing/2014/main" id="{649B1892-672A-4FC2-96AC-ADA0B512F925}"/>
+                <a16:creationId xmlns:a16="http://schemas.microsoft.com/office/drawing/2014/main" id="{B08D72C4-10B7-4853-963B-90BD228F66B4}"/>
               </a:ext>
             </a:extLst>
           </p:cNvPr>
@@ -6911,72 +10177,1542 @@
           <a:p>
             <a:r>
               <a:rPr lang="de-DE" dirty="0"/>
-              <a:t>Das "I" im SOLID-Prinzip</a:t>
-            </a:r>
+              <a:t>Beispiel Open/</a:t>
+            </a:r>
+            <a:r>
+              <a:rPr lang="de-DE" dirty="0" err="1"/>
+              <a:t>Closed</a:t>
+            </a:r>
+            <a:endParaRPr lang="de-DE" dirty="0"/>
           </a:p>
         </p:txBody>
       </p:sp>
       <p:sp>
         <p:nvSpPr>
-          <p:cNvPr id="3" name="Inhaltsplatzhalter 2">
+          <p:cNvPr id="4" name="Rectangle 1">
             <a:extLst>
               <a:ext uri="{FF2B5EF4-FFF2-40B4-BE49-F238E27FC236}">
-                <a16:creationId xmlns:a16="http://schemas.microsoft.com/office/drawing/2014/main" id="{AE187A44-4DEF-4967-8713-C0E4CAB34B5A}"/>
+                <a16:creationId xmlns:a16="http://schemas.microsoft.com/office/drawing/2014/main" id="{EE9EEBE7-8F66-47D6-9D7C-303A44A7D9EB}"/>
               </a:ext>
             </a:extLst>
           </p:cNvPr>
           <p:cNvSpPr>
-            <a:spLocks noGrp="1"/>
+            <a:spLocks noGrp="1" noChangeArrowheads="1"/>
           </p:cNvSpPr>
           <p:nvPr>
             <p:ph idx="1"/>
           </p:nvPr>
         </p:nvSpPr>
-        <p:spPr/>
+        <p:spPr bwMode="auto">
+          <a:xfrm>
+            <a:off x="742122" y="1366460"/>
+            <a:ext cx="10084905" cy="5060259"/>
+          </a:xfrm>
+          <a:prstGeom prst="rect">
+            <a:avLst/>
+          </a:prstGeom>
+          <a:solidFill>
+            <a:srgbClr val="000000"/>
+          </a:solidFill>
+          <a:ln>
+            <a:noFill/>
+          </a:ln>
+          <a:effectLst/>
+          <a:extLst>
+            <a:ext uri="{91240B29-F687-4F45-9708-019B960494DF}">
+              <a14:hiddenLine xmlns:a14="http://schemas.microsoft.com/office/drawing/2010/main" w="9525">
+                <a:solidFill>
+                  <a:schemeClr val="tx1"/>
+                </a:solidFill>
+                <a:miter lim="800000"/>
+                <a:headEnd/>
+                <a:tailEnd/>
+              </a14:hiddenLine>
+            </a:ext>
+            <a:ext uri="{AF507438-7753-43E0-B8FC-AC1667EBCBE1}">
+              <a14:hiddenEffects xmlns:a14="http://schemas.microsoft.com/office/drawing/2010/main">
+                <a:effectLst>
+                  <a:outerShdw dist="35921" dir="2700000" algn="ctr" rotWithShape="0">
+                    <a:schemeClr val="bg2"/>
+                  </a:outerShdw>
+                </a:effectLst>
+              </a14:hiddenEffects>
+            </a:ext>
+          </a:extLst>
+        </p:spPr>
         <p:txBody>
-          <a:bodyPr/>
+          <a:bodyPr vert="horz" wrap="square" lIns="91440" tIns="158700" rIns="91440" bIns="158700" numCol="1" anchor="ctr" anchorCtr="0" compatLnSpc="1">
+            <a:prstTxWarp prst="textNoShape">
+              <a:avLst/>
+            </a:prstTxWarp>
+            <a:spAutoFit/>
+          </a:bodyPr>
           <a:lstStyle/>
           <a:p>
-            <a:r>
-              <a:rPr lang="de-DE" dirty="0"/>
-              <a:t>Das "I" steht für "Interface Segregation </a:t>
-            </a:r>
-            <a:r>
-              <a:rPr lang="de-DE" dirty="0" err="1"/>
-              <a:t>Principle</a:t>
-            </a:r>
-            <a:r>
-              <a:rPr lang="de-DE" dirty="0"/>
-              <a:t>" (Prinzip der Schnittstellentrennung)</a:t>
-            </a:r>
-          </a:p>
-          <a:p>
-            <a:r>
-              <a:rPr lang="de-DE" dirty="0"/>
-              <a:t>Ziel: Reduktion von Abhängigkeiten zwischen Modulen und Erhöhung der Kohäsion</a:t>
-            </a:r>
-          </a:p>
-          <a:p>
-            <a:r>
-              <a:rPr lang="de-DE" dirty="0"/>
-              <a:t>Vermeidung von "fetten" Schnittstellen, die viele Methoden enthalten, die nicht immer benötigt werden</a:t>
-            </a:r>
-          </a:p>
-          <a:p>
-            <a:r>
-              <a:rPr lang="de-DE" dirty="0"/>
-              <a:t>Aufteilung der Schnittstellen in kleinere und spezifischere Schnittstellen, um eine bessere Wiederverwendbarkeit zu ermöglichen</a:t>
-            </a:r>
-          </a:p>
-          <a:p>
-            <a:endParaRPr lang="de-DE" dirty="0"/>
+            <a:pPr marL="0" marR="0" lvl="0" indent="0" algn="l" defTabSz="914400" rtl="0" eaLnBrk="0" fontAlgn="base" latinLnBrk="0" hangingPunct="0">
+              <a:lnSpc>
+                <a:spcPct val="100000"/>
+              </a:lnSpc>
+              <a:spcBef>
+                <a:spcPct val="0"/>
+              </a:spcBef>
+              <a:spcAft>
+                <a:spcPct val="0"/>
+              </a:spcAft>
+              <a:buClrTx/>
+              <a:buSzTx/>
+              <a:buFontTx/>
+              <a:buNone/>
+              <a:tabLst/>
+            </a:pPr>
+            <a:r>
+              <a:rPr kumimoji="0" lang="de-DE" altLang="de-DE" b="0" i="0" u="none" strike="noStrike" cap="none" normalizeH="0" baseline="0" dirty="0" err="1">
+                <a:ln>
+                  <a:noFill/>
+                </a:ln>
+                <a:solidFill>
+                  <a:srgbClr val="E28964"/>
+                </a:solidFill>
+                <a:effectLst/>
+                <a:latin typeface="source-code-pro"/>
+              </a:rPr>
+              <a:t>public</a:t>
+            </a:r>
+            <a:r>
+              <a:rPr kumimoji="0" lang="de-DE" altLang="de-DE" b="0" i="0" u="none" strike="noStrike" cap="none" normalizeH="0" baseline="0" dirty="0">
+                <a:ln>
+                  <a:noFill/>
+                </a:ln>
+                <a:solidFill>
+                  <a:srgbClr val="FFFFFF"/>
+                </a:solidFill>
+                <a:effectLst/>
+                <a:latin typeface="source-code-pro"/>
+              </a:rPr>
+              <a:t> </a:t>
+            </a:r>
+            <a:r>
+              <a:rPr kumimoji="0" lang="de-DE" altLang="de-DE" b="0" i="0" u="none" strike="noStrike" cap="none" normalizeH="0" baseline="0" dirty="0" err="1">
+                <a:ln>
+                  <a:noFill/>
+                </a:ln>
+                <a:solidFill>
+                  <a:srgbClr val="E28964"/>
+                </a:solidFill>
+                <a:effectLst/>
+                <a:latin typeface="source-code-pro"/>
+              </a:rPr>
+              <a:t>abstract</a:t>
+            </a:r>
+            <a:r>
+              <a:rPr kumimoji="0" lang="de-DE" altLang="de-DE" b="0" i="0" u="none" strike="noStrike" cap="none" normalizeH="0" baseline="0" dirty="0">
+                <a:ln>
+                  <a:noFill/>
+                </a:ln>
+                <a:solidFill>
+                  <a:srgbClr val="FFFFFF"/>
+                </a:solidFill>
+                <a:effectLst/>
+                <a:latin typeface="source-code-pro"/>
+              </a:rPr>
+              <a:t> </a:t>
+            </a:r>
+            <a:r>
+              <a:rPr kumimoji="0" lang="de-DE" altLang="de-DE" b="0" i="0" u="none" strike="noStrike" cap="none" normalizeH="0" baseline="0" dirty="0" err="1">
+                <a:ln>
+                  <a:noFill/>
+                </a:ln>
+                <a:solidFill>
+                  <a:srgbClr val="E28964"/>
+                </a:solidFill>
+                <a:effectLst/>
+                <a:latin typeface="source-code-pro"/>
+              </a:rPr>
+              <a:t>class</a:t>
+            </a:r>
+            <a:r>
+              <a:rPr kumimoji="0" lang="de-DE" altLang="de-DE" b="0" i="0" u="none" strike="noStrike" cap="none" normalizeH="0" baseline="0" dirty="0">
+                <a:ln>
+                  <a:noFill/>
+                </a:ln>
+                <a:solidFill>
+                  <a:srgbClr val="FFFFFF"/>
+                </a:solidFill>
+                <a:effectLst/>
+                <a:latin typeface="source-code-pro"/>
+              </a:rPr>
+              <a:t> </a:t>
+            </a:r>
+            <a:r>
+              <a:rPr kumimoji="0" lang="de-DE" altLang="de-DE" b="0" i="0" u="none" strike="noStrike" cap="none" normalizeH="0" baseline="0" dirty="0">
+                <a:ln>
+                  <a:noFill/>
+                </a:ln>
+                <a:solidFill>
+                  <a:srgbClr val="89BDFF"/>
+                </a:solidFill>
+                <a:effectLst/>
+                <a:latin typeface="source-code-pro"/>
+              </a:rPr>
+              <a:t>Shape</a:t>
+            </a:r>
+            <a:r>
+              <a:rPr kumimoji="0" lang="de-DE" altLang="de-DE" b="0" i="0" u="none" strike="noStrike" cap="none" normalizeH="0" baseline="0" dirty="0">
+                <a:ln>
+                  <a:noFill/>
+                </a:ln>
+                <a:solidFill>
+                  <a:srgbClr val="FFFFFF"/>
+                </a:solidFill>
+                <a:effectLst/>
+                <a:latin typeface="source-code-pro"/>
+              </a:rPr>
+              <a:t> { </a:t>
+            </a:r>
+            <a:r>
+              <a:rPr kumimoji="0" lang="de-DE" altLang="de-DE" b="0" i="0" u="none" strike="noStrike" cap="none" normalizeH="0" baseline="0" dirty="0" err="1">
+                <a:ln>
+                  <a:noFill/>
+                </a:ln>
+                <a:solidFill>
+                  <a:srgbClr val="E28964"/>
+                </a:solidFill>
+                <a:effectLst/>
+                <a:latin typeface="source-code-pro"/>
+              </a:rPr>
+              <a:t>public</a:t>
+            </a:r>
+            <a:r>
+              <a:rPr kumimoji="0" lang="de-DE" altLang="de-DE" b="0" i="0" u="none" strike="noStrike" cap="none" normalizeH="0" baseline="0" dirty="0">
+                <a:ln>
+                  <a:noFill/>
+                </a:ln>
+                <a:solidFill>
+                  <a:srgbClr val="FFFFFF"/>
+                </a:solidFill>
+                <a:effectLst/>
+                <a:latin typeface="source-code-pro"/>
+              </a:rPr>
+              <a:t> </a:t>
+            </a:r>
+            <a:r>
+              <a:rPr kumimoji="0" lang="de-DE" altLang="de-DE" b="0" i="0" u="none" strike="noStrike" cap="none" normalizeH="0" baseline="0" dirty="0" err="1">
+                <a:ln>
+                  <a:noFill/>
+                </a:ln>
+                <a:solidFill>
+                  <a:srgbClr val="E28964"/>
+                </a:solidFill>
+                <a:effectLst/>
+                <a:latin typeface="source-code-pro"/>
+              </a:rPr>
+              <a:t>abstract</a:t>
+            </a:r>
+            <a:r>
+              <a:rPr kumimoji="0" lang="de-DE" altLang="de-DE" b="0" i="0" u="none" strike="noStrike" cap="none" normalizeH="0" baseline="0" dirty="0">
+                <a:ln>
+                  <a:noFill/>
+                </a:ln>
+                <a:solidFill>
+                  <a:srgbClr val="FFFFFF"/>
+                </a:solidFill>
+                <a:effectLst/>
+                <a:latin typeface="source-code-pro"/>
+              </a:rPr>
+              <a:t> </a:t>
+            </a:r>
+            <a:r>
+              <a:rPr kumimoji="0" lang="de-DE" altLang="de-DE" b="0" i="0" u="none" strike="noStrike" cap="none" normalizeH="0" baseline="0" dirty="0">
+                <a:ln>
+                  <a:noFill/>
+                </a:ln>
+                <a:solidFill>
+                  <a:srgbClr val="E28964"/>
+                </a:solidFill>
+                <a:effectLst/>
+                <a:latin typeface="source-code-pro"/>
+              </a:rPr>
+              <a:t>double</a:t>
+            </a:r>
+            <a:r>
+              <a:rPr kumimoji="0" lang="de-DE" altLang="de-DE" b="0" i="0" u="none" strike="noStrike" cap="none" normalizeH="0" baseline="0" dirty="0">
+                <a:ln>
+                  <a:noFill/>
+                </a:ln>
+                <a:solidFill>
+                  <a:srgbClr val="FFFFFF"/>
+                </a:solidFill>
+                <a:effectLst/>
+                <a:latin typeface="source-code-pro"/>
+              </a:rPr>
+              <a:t> </a:t>
+            </a:r>
+            <a:r>
+              <a:rPr kumimoji="0" lang="de-DE" altLang="de-DE" b="0" i="0" u="none" strike="noStrike" cap="none" normalizeH="0" baseline="0" dirty="0">
+                <a:ln>
+                  <a:noFill/>
+                </a:ln>
+                <a:solidFill>
+                  <a:srgbClr val="89BDFF"/>
+                </a:solidFill>
+                <a:effectLst/>
+                <a:latin typeface="source-code-pro"/>
+              </a:rPr>
+              <a:t>Area</a:t>
+            </a:r>
+            <a:r>
+              <a:rPr kumimoji="0" lang="de-DE" altLang="de-DE" b="0" i="0" u="none" strike="noStrike" cap="none" normalizeH="0" baseline="0" dirty="0">
+                <a:ln>
+                  <a:noFill/>
+                </a:ln>
+                <a:solidFill>
+                  <a:srgbClr val="FFFFFF"/>
+                </a:solidFill>
+                <a:effectLst/>
+                <a:latin typeface="source-code-pro"/>
+              </a:rPr>
+              <a:t>(); }</a:t>
+            </a:r>
+            <a:r>
+              <a:rPr kumimoji="0" lang="de-DE" altLang="de-DE" b="0" i="0" u="none" strike="noStrike" cap="none" normalizeH="0" baseline="0" dirty="0">
+                <a:ln>
+                  <a:noFill/>
+                </a:ln>
+                <a:solidFill>
+                  <a:schemeClr val="tx1"/>
+                </a:solidFill>
+                <a:effectLst/>
+              </a:rPr>
+              <a:t> </a:t>
+            </a:r>
+          </a:p>
+          <a:p>
+            <a:pPr marL="0" indent="0" eaLnBrk="0" fontAlgn="base" hangingPunct="0">
+              <a:lnSpc>
+                <a:spcPct val="100000"/>
+              </a:lnSpc>
+              <a:spcBef>
+                <a:spcPct val="0"/>
+              </a:spcBef>
+              <a:spcAft>
+                <a:spcPct val="0"/>
+              </a:spcAft>
+              <a:buNone/>
+            </a:pPr>
+            <a:r>
+              <a:rPr kumimoji="0" lang="de-DE" altLang="de-DE" b="0" i="0" u="none" strike="noStrike" cap="none" normalizeH="0" baseline="0" dirty="0" err="1">
+                <a:ln>
+                  <a:noFill/>
+                </a:ln>
+                <a:solidFill>
+                  <a:srgbClr val="E28964"/>
+                </a:solidFill>
+                <a:effectLst/>
+                <a:latin typeface="source-code-pro"/>
+              </a:rPr>
+              <a:t>public</a:t>
+            </a:r>
+            <a:r>
+              <a:rPr kumimoji="0" lang="de-DE" altLang="de-DE" b="0" i="0" u="none" strike="noStrike" cap="none" normalizeH="0" baseline="0" dirty="0">
+                <a:ln>
+                  <a:noFill/>
+                </a:ln>
+                <a:solidFill>
+                  <a:srgbClr val="FFFFFF"/>
+                </a:solidFill>
+                <a:effectLst/>
+                <a:latin typeface="source-code-pro"/>
+              </a:rPr>
+              <a:t> </a:t>
+            </a:r>
+            <a:r>
+              <a:rPr kumimoji="0" lang="de-DE" altLang="de-DE" b="0" i="0" u="none" strike="noStrike" cap="none" normalizeH="0" baseline="0" dirty="0" err="1">
+                <a:ln>
+                  <a:noFill/>
+                </a:ln>
+                <a:solidFill>
+                  <a:srgbClr val="E28964"/>
+                </a:solidFill>
+                <a:effectLst/>
+                <a:latin typeface="source-code-pro"/>
+              </a:rPr>
+              <a:t>class</a:t>
+            </a:r>
+            <a:r>
+              <a:rPr kumimoji="0" lang="de-DE" altLang="de-DE" b="0" i="0" u="none" strike="noStrike" cap="none" normalizeH="0" baseline="0" dirty="0">
+                <a:ln>
+                  <a:noFill/>
+                </a:ln>
+                <a:solidFill>
+                  <a:srgbClr val="FFFFFF"/>
+                </a:solidFill>
+                <a:effectLst/>
+                <a:latin typeface="source-code-pro"/>
+              </a:rPr>
+              <a:t> </a:t>
+            </a:r>
+            <a:r>
+              <a:rPr kumimoji="0" lang="de-DE" altLang="de-DE" b="0" i="0" u="none" strike="noStrike" cap="none" normalizeH="0" baseline="0" dirty="0" err="1">
+                <a:ln>
+                  <a:noFill/>
+                </a:ln>
+                <a:solidFill>
+                  <a:srgbClr val="89BDFF"/>
+                </a:solidFill>
+                <a:effectLst/>
+                <a:latin typeface="source-code-pro"/>
+              </a:rPr>
+              <a:t>Rectangle</a:t>
+            </a:r>
+            <a:r>
+              <a:rPr kumimoji="0" lang="de-DE" altLang="de-DE" b="0" i="0" u="none" strike="noStrike" cap="none" normalizeH="0" baseline="0" dirty="0">
+                <a:ln>
+                  <a:noFill/>
+                </a:ln>
+                <a:solidFill>
+                  <a:srgbClr val="FFFFFF"/>
+                </a:solidFill>
+                <a:effectLst/>
+                <a:latin typeface="source-code-pro"/>
+              </a:rPr>
+              <a:t> : </a:t>
+            </a:r>
+            <a:r>
+              <a:rPr kumimoji="0" lang="de-DE" altLang="de-DE" b="0" i="0" u="none" strike="noStrike" cap="none" normalizeH="0" baseline="0" dirty="0">
+                <a:ln>
+                  <a:noFill/>
+                </a:ln>
+                <a:solidFill>
+                  <a:srgbClr val="89BDFF"/>
+                </a:solidFill>
+                <a:effectLst/>
+                <a:latin typeface="source-code-pro"/>
+              </a:rPr>
+              <a:t>Shape</a:t>
+            </a:r>
+            <a:r>
+              <a:rPr kumimoji="0" lang="de-DE" altLang="de-DE" b="0" i="0" u="none" strike="noStrike" cap="none" normalizeH="0" baseline="0" dirty="0">
+                <a:ln>
+                  <a:noFill/>
+                </a:ln>
+                <a:solidFill>
+                  <a:srgbClr val="FFFFFF"/>
+                </a:solidFill>
+                <a:effectLst/>
+                <a:latin typeface="source-code-pro"/>
+              </a:rPr>
+              <a:t> </a:t>
+            </a:r>
+          </a:p>
+          <a:p>
+            <a:pPr marL="0" indent="0" eaLnBrk="0" fontAlgn="base" hangingPunct="0">
+              <a:lnSpc>
+                <a:spcPct val="100000"/>
+              </a:lnSpc>
+              <a:spcBef>
+                <a:spcPct val="0"/>
+              </a:spcBef>
+              <a:spcAft>
+                <a:spcPct val="0"/>
+              </a:spcAft>
+              <a:buNone/>
+            </a:pPr>
+            <a:r>
+              <a:rPr kumimoji="0" lang="de-DE" altLang="de-DE" b="0" i="0" u="none" strike="noStrike" cap="none" normalizeH="0" baseline="0" dirty="0">
+                <a:ln>
+                  <a:noFill/>
+                </a:ln>
+                <a:solidFill>
+                  <a:srgbClr val="FFFFFF"/>
+                </a:solidFill>
+                <a:effectLst/>
+                <a:latin typeface="source-code-pro"/>
+              </a:rPr>
+              <a:t>{ </a:t>
+            </a:r>
+            <a:r>
+              <a:rPr kumimoji="0" lang="de-DE" altLang="de-DE" b="0" i="0" u="none" strike="noStrike" cap="none" normalizeH="0" baseline="0" dirty="0" err="1">
+                <a:ln>
+                  <a:noFill/>
+                </a:ln>
+                <a:solidFill>
+                  <a:srgbClr val="E28964"/>
+                </a:solidFill>
+                <a:effectLst/>
+                <a:latin typeface="source-code-pro"/>
+              </a:rPr>
+              <a:t>public</a:t>
+            </a:r>
+            <a:r>
+              <a:rPr kumimoji="0" lang="de-DE" altLang="de-DE" b="0" i="0" u="none" strike="noStrike" cap="none" normalizeH="0" baseline="0" dirty="0">
+                <a:ln>
+                  <a:noFill/>
+                </a:ln>
+                <a:solidFill>
+                  <a:srgbClr val="FFFFFF"/>
+                </a:solidFill>
+                <a:effectLst/>
+                <a:latin typeface="source-code-pro"/>
+              </a:rPr>
+              <a:t> </a:t>
+            </a:r>
+            <a:r>
+              <a:rPr kumimoji="0" lang="de-DE" altLang="de-DE" b="0" i="0" u="none" strike="noStrike" cap="none" normalizeH="0" baseline="0" dirty="0">
+                <a:ln>
+                  <a:noFill/>
+                </a:ln>
+                <a:solidFill>
+                  <a:srgbClr val="E28964"/>
+                </a:solidFill>
+                <a:effectLst/>
+                <a:latin typeface="source-code-pro"/>
+              </a:rPr>
+              <a:t>double</a:t>
+            </a:r>
+            <a:r>
+              <a:rPr kumimoji="0" lang="de-DE" altLang="de-DE" b="0" i="0" u="none" strike="noStrike" cap="none" normalizeH="0" baseline="0" dirty="0">
+                <a:ln>
+                  <a:noFill/>
+                </a:ln>
+                <a:solidFill>
+                  <a:srgbClr val="FFFFFF"/>
+                </a:solidFill>
+                <a:effectLst/>
+                <a:latin typeface="source-code-pro"/>
+              </a:rPr>
+              <a:t> </a:t>
+            </a:r>
+            <a:r>
+              <a:rPr kumimoji="0" lang="de-DE" altLang="de-DE" b="0" i="0" u="none" strike="noStrike" cap="none" normalizeH="0" baseline="0" dirty="0">
+                <a:ln>
+                  <a:noFill/>
+                </a:ln>
+                <a:solidFill>
+                  <a:srgbClr val="89BDFF"/>
+                </a:solidFill>
+                <a:effectLst/>
+                <a:latin typeface="source-code-pro"/>
+              </a:rPr>
+              <a:t>Width</a:t>
+            </a:r>
+            <a:r>
+              <a:rPr kumimoji="0" lang="de-DE" altLang="de-DE" b="0" i="0" u="none" strike="noStrike" cap="none" normalizeH="0" baseline="0" dirty="0">
+                <a:ln>
+                  <a:noFill/>
+                </a:ln>
+                <a:solidFill>
+                  <a:srgbClr val="FFFFFF"/>
+                </a:solidFill>
+                <a:effectLst/>
+                <a:latin typeface="source-code-pro"/>
+              </a:rPr>
+              <a:t> { </a:t>
+            </a:r>
+            <a:r>
+              <a:rPr kumimoji="0" lang="de-DE" altLang="de-DE" b="0" i="0" u="none" strike="noStrike" cap="none" normalizeH="0" baseline="0" dirty="0" err="1">
+                <a:ln>
+                  <a:noFill/>
+                </a:ln>
+                <a:solidFill>
+                  <a:srgbClr val="E28964"/>
+                </a:solidFill>
+                <a:effectLst/>
+                <a:latin typeface="source-code-pro"/>
+              </a:rPr>
+              <a:t>get</a:t>
+            </a:r>
+            <a:r>
+              <a:rPr kumimoji="0" lang="de-DE" altLang="de-DE" b="0" i="0" u="none" strike="noStrike" cap="none" normalizeH="0" baseline="0" dirty="0">
+                <a:ln>
+                  <a:noFill/>
+                </a:ln>
+                <a:solidFill>
+                  <a:srgbClr val="FFFFFF"/>
+                </a:solidFill>
+                <a:effectLst/>
+                <a:latin typeface="source-code-pro"/>
+              </a:rPr>
+              <a:t>; </a:t>
+            </a:r>
+            <a:r>
+              <a:rPr kumimoji="0" lang="de-DE" altLang="de-DE" b="0" i="0" u="none" strike="noStrike" cap="none" normalizeH="0" baseline="0" dirty="0" err="1">
+                <a:ln>
+                  <a:noFill/>
+                </a:ln>
+                <a:solidFill>
+                  <a:srgbClr val="E28964"/>
+                </a:solidFill>
+                <a:effectLst/>
+                <a:latin typeface="source-code-pro"/>
+              </a:rPr>
+              <a:t>set</a:t>
+            </a:r>
+            <a:r>
+              <a:rPr kumimoji="0" lang="de-DE" altLang="de-DE" b="0" i="0" u="none" strike="noStrike" cap="none" normalizeH="0" baseline="0" dirty="0">
+                <a:ln>
+                  <a:noFill/>
+                </a:ln>
+                <a:solidFill>
+                  <a:srgbClr val="FFFFFF"/>
+                </a:solidFill>
+                <a:effectLst/>
+                <a:latin typeface="source-code-pro"/>
+              </a:rPr>
+              <a:t>; } </a:t>
+            </a:r>
+          </a:p>
+          <a:p>
+            <a:pPr marL="0" indent="0" eaLnBrk="0" fontAlgn="base" hangingPunct="0">
+              <a:lnSpc>
+                <a:spcPct val="100000"/>
+              </a:lnSpc>
+              <a:spcBef>
+                <a:spcPct val="0"/>
+              </a:spcBef>
+              <a:spcAft>
+                <a:spcPct val="0"/>
+              </a:spcAft>
+              <a:buNone/>
+            </a:pPr>
+            <a:r>
+              <a:rPr kumimoji="0" lang="de-DE" altLang="de-DE" b="0" i="0" u="none" strike="noStrike" cap="none" normalizeH="0" baseline="0" dirty="0" err="1">
+                <a:ln>
+                  <a:noFill/>
+                </a:ln>
+                <a:solidFill>
+                  <a:srgbClr val="E28964"/>
+                </a:solidFill>
+                <a:effectLst/>
+                <a:latin typeface="source-code-pro"/>
+              </a:rPr>
+              <a:t>public</a:t>
+            </a:r>
+            <a:r>
+              <a:rPr kumimoji="0" lang="de-DE" altLang="de-DE" b="0" i="0" u="none" strike="noStrike" cap="none" normalizeH="0" baseline="0" dirty="0">
+                <a:ln>
+                  <a:noFill/>
+                </a:ln>
+                <a:solidFill>
+                  <a:srgbClr val="FFFFFF"/>
+                </a:solidFill>
+                <a:effectLst/>
+                <a:latin typeface="source-code-pro"/>
+              </a:rPr>
+              <a:t> </a:t>
+            </a:r>
+            <a:r>
+              <a:rPr kumimoji="0" lang="de-DE" altLang="de-DE" b="0" i="0" u="none" strike="noStrike" cap="none" normalizeH="0" baseline="0" dirty="0">
+                <a:ln>
+                  <a:noFill/>
+                </a:ln>
+                <a:solidFill>
+                  <a:srgbClr val="E28964"/>
+                </a:solidFill>
+                <a:effectLst/>
+                <a:latin typeface="source-code-pro"/>
+              </a:rPr>
+              <a:t>double</a:t>
+            </a:r>
+            <a:r>
+              <a:rPr kumimoji="0" lang="de-DE" altLang="de-DE" b="0" i="0" u="none" strike="noStrike" cap="none" normalizeH="0" baseline="0" dirty="0">
+                <a:ln>
+                  <a:noFill/>
+                </a:ln>
+                <a:solidFill>
+                  <a:srgbClr val="FFFFFF"/>
+                </a:solidFill>
+                <a:effectLst/>
+                <a:latin typeface="source-code-pro"/>
+              </a:rPr>
+              <a:t> </a:t>
+            </a:r>
+            <a:r>
+              <a:rPr kumimoji="0" lang="de-DE" altLang="de-DE" b="0" i="0" u="none" strike="noStrike" cap="none" normalizeH="0" baseline="0" dirty="0">
+                <a:ln>
+                  <a:noFill/>
+                </a:ln>
+                <a:solidFill>
+                  <a:srgbClr val="89BDFF"/>
+                </a:solidFill>
+                <a:effectLst/>
+                <a:latin typeface="source-code-pro"/>
+              </a:rPr>
+              <a:t>Height</a:t>
+            </a:r>
+            <a:r>
+              <a:rPr kumimoji="0" lang="de-DE" altLang="de-DE" b="0" i="0" u="none" strike="noStrike" cap="none" normalizeH="0" baseline="0" dirty="0">
+                <a:ln>
+                  <a:noFill/>
+                </a:ln>
+                <a:solidFill>
+                  <a:srgbClr val="FFFFFF"/>
+                </a:solidFill>
+                <a:effectLst/>
+                <a:latin typeface="source-code-pro"/>
+              </a:rPr>
+              <a:t> { </a:t>
+            </a:r>
+            <a:r>
+              <a:rPr kumimoji="0" lang="de-DE" altLang="de-DE" b="0" i="0" u="none" strike="noStrike" cap="none" normalizeH="0" baseline="0" dirty="0" err="1">
+                <a:ln>
+                  <a:noFill/>
+                </a:ln>
+                <a:solidFill>
+                  <a:srgbClr val="E28964"/>
+                </a:solidFill>
+                <a:effectLst/>
+                <a:latin typeface="source-code-pro"/>
+              </a:rPr>
+              <a:t>get</a:t>
+            </a:r>
+            <a:r>
+              <a:rPr kumimoji="0" lang="de-DE" altLang="de-DE" b="0" i="0" u="none" strike="noStrike" cap="none" normalizeH="0" baseline="0" dirty="0">
+                <a:ln>
+                  <a:noFill/>
+                </a:ln>
+                <a:solidFill>
+                  <a:srgbClr val="FFFFFF"/>
+                </a:solidFill>
+                <a:effectLst/>
+                <a:latin typeface="source-code-pro"/>
+              </a:rPr>
+              <a:t>; </a:t>
+            </a:r>
+            <a:r>
+              <a:rPr kumimoji="0" lang="de-DE" altLang="de-DE" b="0" i="0" u="none" strike="noStrike" cap="none" normalizeH="0" baseline="0" dirty="0" err="1">
+                <a:ln>
+                  <a:noFill/>
+                </a:ln>
+                <a:solidFill>
+                  <a:srgbClr val="E28964"/>
+                </a:solidFill>
+                <a:effectLst/>
+                <a:latin typeface="source-code-pro"/>
+              </a:rPr>
+              <a:t>set</a:t>
+            </a:r>
+            <a:r>
+              <a:rPr kumimoji="0" lang="de-DE" altLang="de-DE" b="0" i="0" u="none" strike="noStrike" cap="none" normalizeH="0" baseline="0" dirty="0">
+                <a:ln>
+                  <a:noFill/>
+                </a:ln>
+                <a:solidFill>
+                  <a:srgbClr val="FFFFFF"/>
+                </a:solidFill>
+                <a:effectLst/>
+                <a:latin typeface="source-code-pro"/>
+              </a:rPr>
+              <a:t>; }</a:t>
+            </a:r>
+          </a:p>
+          <a:p>
+            <a:pPr marL="0" indent="0" eaLnBrk="0" fontAlgn="base" hangingPunct="0">
+              <a:lnSpc>
+                <a:spcPct val="100000"/>
+              </a:lnSpc>
+              <a:spcBef>
+                <a:spcPct val="0"/>
+              </a:spcBef>
+              <a:spcAft>
+                <a:spcPct val="0"/>
+              </a:spcAft>
+              <a:buNone/>
+            </a:pPr>
+            <a:r>
+              <a:rPr kumimoji="0" lang="de-DE" altLang="de-DE" b="0" i="0" u="none" strike="noStrike" cap="none" normalizeH="0" baseline="0" dirty="0" err="1">
+                <a:ln>
+                  <a:noFill/>
+                </a:ln>
+                <a:solidFill>
+                  <a:srgbClr val="E28964"/>
+                </a:solidFill>
+                <a:effectLst/>
+                <a:latin typeface="source-code-pro"/>
+              </a:rPr>
+              <a:t>public</a:t>
+            </a:r>
+            <a:r>
+              <a:rPr kumimoji="0" lang="de-DE" altLang="de-DE" b="0" i="0" u="none" strike="noStrike" cap="none" normalizeH="0" baseline="0" dirty="0">
+                <a:ln>
+                  <a:noFill/>
+                </a:ln>
+                <a:solidFill>
+                  <a:srgbClr val="FFFFFF"/>
+                </a:solidFill>
+                <a:effectLst/>
+                <a:latin typeface="source-code-pro"/>
+              </a:rPr>
+              <a:t> </a:t>
+            </a:r>
+            <a:r>
+              <a:rPr kumimoji="0" lang="de-DE" altLang="de-DE" b="0" i="0" u="none" strike="noStrike" cap="none" normalizeH="0" baseline="0" dirty="0" err="1">
+                <a:ln>
+                  <a:noFill/>
+                </a:ln>
+                <a:solidFill>
+                  <a:srgbClr val="E28964"/>
+                </a:solidFill>
+                <a:effectLst/>
+                <a:latin typeface="source-code-pro"/>
+              </a:rPr>
+              <a:t>override</a:t>
+            </a:r>
+            <a:r>
+              <a:rPr kumimoji="0" lang="de-DE" altLang="de-DE" b="0" i="0" u="none" strike="noStrike" cap="none" normalizeH="0" baseline="0" dirty="0">
+                <a:ln>
+                  <a:noFill/>
+                </a:ln>
+                <a:solidFill>
+                  <a:srgbClr val="FFFFFF"/>
+                </a:solidFill>
+                <a:effectLst/>
+                <a:latin typeface="source-code-pro"/>
+              </a:rPr>
+              <a:t> </a:t>
+            </a:r>
+            <a:r>
+              <a:rPr kumimoji="0" lang="de-DE" altLang="de-DE" b="0" i="0" u="none" strike="noStrike" cap="none" normalizeH="0" baseline="0" dirty="0">
+                <a:ln>
+                  <a:noFill/>
+                </a:ln>
+                <a:solidFill>
+                  <a:srgbClr val="E28964"/>
+                </a:solidFill>
+                <a:effectLst/>
+                <a:latin typeface="source-code-pro"/>
+              </a:rPr>
+              <a:t>double</a:t>
+            </a:r>
+            <a:r>
+              <a:rPr kumimoji="0" lang="de-DE" altLang="de-DE" b="0" i="0" u="none" strike="noStrike" cap="none" normalizeH="0" baseline="0" dirty="0">
+                <a:ln>
+                  <a:noFill/>
+                </a:ln>
+                <a:solidFill>
+                  <a:srgbClr val="FFFFFF"/>
+                </a:solidFill>
+                <a:effectLst/>
+                <a:latin typeface="source-code-pro"/>
+              </a:rPr>
+              <a:t> </a:t>
+            </a:r>
+            <a:r>
+              <a:rPr kumimoji="0" lang="de-DE" altLang="de-DE" b="0" i="0" u="none" strike="noStrike" cap="none" normalizeH="0" baseline="0" dirty="0">
+                <a:ln>
+                  <a:noFill/>
+                </a:ln>
+                <a:solidFill>
+                  <a:srgbClr val="89BDFF"/>
+                </a:solidFill>
+                <a:effectLst/>
+                <a:latin typeface="source-code-pro"/>
+              </a:rPr>
+              <a:t>Area</a:t>
+            </a:r>
+            <a:r>
+              <a:rPr kumimoji="0" lang="de-DE" altLang="de-DE" b="0" i="0" u="none" strike="noStrike" cap="none" normalizeH="0" baseline="0" dirty="0">
+                <a:ln>
+                  <a:noFill/>
+                </a:ln>
+                <a:solidFill>
+                  <a:srgbClr val="FFFFFF"/>
+                </a:solidFill>
+                <a:effectLst/>
+                <a:latin typeface="source-code-pro"/>
+              </a:rPr>
+              <a:t>() </a:t>
+            </a:r>
+          </a:p>
+          <a:p>
+            <a:pPr marL="0" indent="0" eaLnBrk="0" fontAlgn="base" hangingPunct="0">
+              <a:lnSpc>
+                <a:spcPct val="100000"/>
+              </a:lnSpc>
+              <a:spcBef>
+                <a:spcPct val="0"/>
+              </a:spcBef>
+              <a:spcAft>
+                <a:spcPct val="0"/>
+              </a:spcAft>
+              <a:buNone/>
+            </a:pPr>
+            <a:r>
+              <a:rPr kumimoji="0" lang="de-DE" altLang="de-DE" b="0" i="0" u="none" strike="noStrike" cap="none" normalizeH="0" baseline="0" dirty="0">
+                <a:ln>
+                  <a:noFill/>
+                </a:ln>
+                <a:solidFill>
+                  <a:srgbClr val="FFFFFF"/>
+                </a:solidFill>
+                <a:effectLst/>
+                <a:latin typeface="source-code-pro"/>
+              </a:rPr>
+              <a:t>{ </a:t>
+            </a:r>
+            <a:r>
+              <a:rPr kumimoji="0" lang="de-DE" altLang="de-DE" b="0" i="0" u="none" strike="noStrike" cap="none" normalizeH="0" baseline="0" dirty="0" err="1">
+                <a:ln>
+                  <a:noFill/>
+                </a:ln>
+                <a:solidFill>
+                  <a:srgbClr val="E28964"/>
+                </a:solidFill>
+                <a:effectLst/>
+                <a:latin typeface="source-code-pro"/>
+              </a:rPr>
+              <a:t>return</a:t>
+            </a:r>
+            <a:r>
+              <a:rPr kumimoji="0" lang="de-DE" altLang="de-DE" b="0" i="0" u="none" strike="noStrike" cap="none" normalizeH="0" baseline="0" dirty="0">
+                <a:ln>
+                  <a:noFill/>
+                </a:ln>
+                <a:solidFill>
+                  <a:srgbClr val="FFFFFF"/>
+                </a:solidFill>
+                <a:effectLst/>
+                <a:latin typeface="source-code-pro"/>
+              </a:rPr>
+              <a:t> </a:t>
+            </a:r>
+            <a:r>
+              <a:rPr kumimoji="0" lang="de-DE" altLang="de-DE" b="0" i="0" u="none" strike="noStrike" cap="none" normalizeH="0" baseline="0" dirty="0">
+                <a:ln>
+                  <a:noFill/>
+                </a:ln>
+                <a:solidFill>
+                  <a:srgbClr val="89BDFF"/>
+                </a:solidFill>
+                <a:effectLst/>
+                <a:latin typeface="source-code-pro"/>
+              </a:rPr>
+              <a:t>Width</a:t>
+            </a:r>
+            <a:r>
+              <a:rPr kumimoji="0" lang="de-DE" altLang="de-DE" b="0" i="0" u="none" strike="noStrike" cap="none" normalizeH="0" baseline="0" dirty="0">
+                <a:ln>
+                  <a:noFill/>
+                </a:ln>
+                <a:solidFill>
+                  <a:srgbClr val="FFFFFF"/>
+                </a:solidFill>
+                <a:effectLst/>
+                <a:latin typeface="source-code-pro"/>
+              </a:rPr>
+              <a:t>*</a:t>
+            </a:r>
+            <a:r>
+              <a:rPr kumimoji="0" lang="de-DE" altLang="de-DE" b="0" i="0" u="none" strike="noStrike" cap="none" normalizeH="0" baseline="0" dirty="0">
+                <a:ln>
+                  <a:noFill/>
+                </a:ln>
+                <a:solidFill>
+                  <a:srgbClr val="89BDFF"/>
+                </a:solidFill>
+                <a:effectLst/>
+                <a:latin typeface="source-code-pro"/>
+              </a:rPr>
+              <a:t>Height</a:t>
+            </a:r>
+            <a:r>
+              <a:rPr kumimoji="0" lang="de-DE" altLang="de-DE" b="0" i="0" u="none" strike="noStrike" cap="none" normalizeH="0" baseline="0" dirty="0">
+                <a:ln>
+                  <a:noFill/>
+                </a:ln>
+                <a:solidFill>
+                  <a:srgbClr val="FFFFFF"/>
+                </a:solidFill>
+                <a:effectLst/>
+                <a:latin typeface="source-code-pro"/>
+              </a:rPr>
+              <a:t>; }</a:t>
+            </a:r>
+          </a:p>
+          <a:p>
+            <a:pPr marL="0" indent="0" eaLnBrk="0" fontAlgn="base" hangingPunct="0">
+              <a:lnSpc>
+                <a:spcPct val="100000"/>
+              </a:lnSpc>
+              <a:spcBef>
+                <a:spcPct val="0"/>
+              </a:spcBef>
+              <a:spcAft>
+                <a:spcPct val="0"/>
+              </a:spcAft>
+              <a:buNone/>
+            </a:pPr>
+            <a:r>
+              <a:rPr kumimoji="0" lang="de-DE" altLang="de-DE" b="0" i="0" u="none" strike="noStrike" cap="none" normalizeH="0" baseline="0" dirty="0">
+                <a:ln>
+                  <a:noFill/>
+                </a:ln>
+                <a:solidFill>
+                  <a:srgbClr val="FFFFFF"/>
+                </a:solidFill>
+                <a:effectLst/>
+                <a:latin typeface="source-code-pro"/>
+              </a:rPr>
+              <a:t>} </a:t>
+            </a:r>
+          </a:p>
+          <a:p>
+            <a:pPr marL="0" indent="0" eaLnBrk="0" fontAlgn="base" hangingPunct="0">
+              <a:lnSpc>
+                <a:spcPct val="100000"/>
+              </a:lnSpc>
+              <a:spcBef>
+                <a:spcPct val="0"/>
+              </a:spcBef>
+              <a:spcAft>
+                <a:spcPct val="0"/>
+              </a:spcAft>
+              <a:buNone/>
+            </a:pPr>
+            <a:r>
+              <a:rPr kumimoji="0" lang="de-DE" altLang="de-DE" b="0" i="0" u="none" strike="noStrike" cap="none" normalizeH="0" baseline="0" dirty="0" err="1">
+                <a:ln>
+                  <a:noFill/>
+                </a:ln>
+                <a:solidFill>
+                  <a:srgbClr val="E28964"/>
+                </a:solidFill>
+                <a:effectLst/>
+                <a:latin typeface="source-code-pro"/>
+              </a:rPr>
+              <a:t>public</a:t>
+            </a:r>
+            <a:r>
+              <a:rPr kumimoji="0" lang="de-DE" altLang="de-DE" b="0" i="0" u="none" strike="noStrike" cap="none" normalizeH="0" baseline="0" dirty="0">
+                <a:ln>
+                  <a:noFill/>
+                </a:ln>
+                <a:solidFill>
+                  <a:srgbClr val="FFFFFF"/>
+                </a:solidFill>
+                <a:effectLst/>
+                <a:latin typeface="source-code-pro"/>
+              </a:rPr>
+              <a:t> </a:t>
+            </a:r>
+            <a:r>
+              <a:rPr kumimoji="0" lang="de-DE" altLang="de-DE" b="0" i="0" u="none" strike="noStrike" cap="none" normalizeH="0" baseline="0" dirty="0" err="1">
+                <a:ln>
+                  <a:noFill/>
+                </a:ln>
+                <a:solidFill>
+                  <a:srgbClr val="E28964"/>
+                </a:solidFill>
+                <a:effectLst/>
+                <a:latin typeface="source-code-pro"/>
+              </a:rPr>
+              <a:t>class</a:t>
+            </a:r>
+            <a:r>
+              <a:rPr kumimoji="0" lang="de-DE" altLang="de-DE" b="0" i="0" u="none" strike="noStrike" cap="none" normalizeH="0" baseline="0" dirty="0">
+                <a:ln>
+                  <a:noFill/>
+                </a:ln>
+                <a:solidFill>
+                  <a:srgbClr val="FFFFFF"/>
+                </a:solidFill>
+                <a:effectLst/>
+                <a:latin typeface="source-code-pro"/>
+              </a:rPr>
+              <a:t> </a:t>
+            </a:r>
+            <a:r>
+              <a:rPr kumimoji="0" lang="de-DE" altLang="de-DE" b="0" i="0" u="none" strike="noStrike" cap="none" normalizeH="0" baseline="0" dirty="0">
+                <a:ln>
+                  <a:noFill/>
+                </a:ln>
+                <a:solidFill>
+                  <a:srgbClr val="89BDFF"/>
+                </a:solidFill>
+                <a:effectLst/>
+                <a:latin typeface="source-code-pro"/>
+              </a:rPr>
+              <a:t>Circle</a:t>
+            </a:r>
+            <a:r>
+              <a:rPr kumimoji="0" lang="de-DE" altLang="de-DE" b="0" i="0" u="none" strike="noStrike" cap="none" normalizeH="0" baseline="0" dirty="0">
+                <a:ln>
+                  <a:noFill/>
+                </a:ln>
+                <a:solidFill>
+                  <a:srgbClr val="FFFFFF"/>
+                </a:solidFill>
+                <a:effectLst/>
+                <a:latin typeface="source-code-pro"/>
+              </a:rPr>
+              <a:t> : </a:t>
+            </a:r>
+            <a:r>
+              <a:rPr kumimoji="0" lang="de-DE" altLang="de-DE" b="0" i="0" u="none" strike="noStrike" cap="none" normalizeH="0" baseline="0" dirty="0">
+                <a:ln>
+                  <a:noFill/>
+                </a:ln>
+                <a:solidFill>
+                  <a:srgbClr val="89BDFF"/>
+                </a:solidFill>
+                <a:effectLst/>
+                <a:latin typeface="source-code-pro"/>
+              </a:rPr>
+              <a:t>Shape</a:t>
+            </a:r>
+            <a:r>
+              <a:rPr kumimoji="0" lang="de-DE" altLang="de-DE" b="0" i="0" u="none" strike="noStrike" cap="none" normalizeH="0" baseline="0" dirty="0">
+                <a:ln>
+                  <a:noFill/>
+                </a:ln>
+                <a:solidFill>
+                  <a:srgbClr val="FFFFFF"/>
+                </a:solidFill>
+                <a:effectLst/>
+                <a:latin typeface="source-code-pro"/>
+              </a:rPr>
+              <a:t> { </a:t>
+            </a:r>
+          </a:p>
+          <a:p>
+            <a:pPr marL="0" indent="0" eaLnBrk="0" fontAlgn="base" hangingPunct="0">
+              <a:lnSpc>
+                <a:spcPct val="100000"/>
+              </a:lnSpc>
+              <a:spcBef>
+                <a:spcPct val="0"/>
+              </a:spcBef>
+              <a:spcAft>
+                <a:spcPct val="0"/>
+              </a:spcAft>
+              <a:buNone/>
+            </a:pPr>
+            <a:r>
+              <a:rPr kumimoji="0" lang="de-DE" altLang="de-DE" b="0" i="0" u="none" strike="noStrike" cap="none" normalizeH="0" baseline="0" dirty="0" err="1">
+                <a:ln>
+                  <a:noFill/>
+                </a:ln>
+                <a:solidFill>
+                  <a:srgbClr val="E28964"/>
+                </a:solidFill>
+                <a:effectLst/>
+                <a:latin typeface="source-code-pro"/>
+              </a:rPr>
+              <a:t>public</a:t>
+            </a:r>
+            <a:r>
+              <a:rPr kumimoji="0" lang="de-DE" altLang="de-DE" b="0" i="0" u="none" strike="noStrike" cap="none" normalizeH="0" baseline="0" dirty="0">
+                <a:ln>
+                  <a:noFill/>
+                </a:ln>
+                <a:solidFill>
+                  <a:srgbClr val="FFFFFF"/>
+                </a:solidFill>
+                <a:effectLst/>
+                <a:latin typeface="source-code-pro"/>
+              </a:rPr>
+              <a:t> </a:t>
+            </a:r>
+            <a:r>
+              <a:rPr kumimoji="0" lang="de-DE" altLang="de-DE" b="0" i="0" u="none" strike="noStrike" cap="none" normalizeH="0" baseline="0" dirty="0">
+                <a:ln>
+                  <a:noFill/>
+                </a:ln>
+                <a:solidFill>
+                  <a:srgbClr val="E28964"/>
+                </a:solidFill>
+                <a:effectLst/>
+                <a:latin typeface="source-code-pro"/>
+              </a:rPr>
+              <a:t>double</a:t>
+            </a:r>
+            <a:r>
+              <a:rPr kumimoji="0" lang="de-DE" altLang="de-DE" b="0" i="0" u="none" strike="noStrike" cap="none" normalizeH="0" baseline="0" dirty="0">
+                <a:ln>
+                  <a:noFill/>
+                </a:ln>
+                <a:solidFill>
+                  <a:srgbClr val="FFFFFF"/>
+                </a:solidFill>
+                <a:effectLst/>
+                <a:latin typeface="source-code-pro"/>
+              </a:rPr>
+              <a:t> </a:t>
+            </a:r>
+            <a:r>
+              <a:rPr kumimoji="0" lang="de-DE" altLang="de-DE" b="0" i="0" u="none" strike="noStrike" cap="none" normalizeH="0" baseline="0" dirty="0">
+                <a:ln>
+                  <a:noFill/>
+                </a:ln>
+                <a:solidFill>
+                  <a:srgbClr val="89BDFF"/>
+                </a:solidFill>
+                <a:effectLst/>
+                <a:latin typeface="source-code-pro"/>
+              </a:rPr>
+              <a:t>Radius</a:t>
+            </a:r>
+            <a:r>
+              <a:rPr kumimoji="0" lang="de-DE" altLang="de-DE" b="0" i="0" u="none" strike="noStrike" cap="none" normalizeH="0" baseline="0" dirty="0">
+                <a:ln>
+                  <a:noFill/>
+                </a:ln>
+                <a:solidFill>
+                  <a:srgbClr val="FFFFFF"/>
+                </a:solidFill>
+                <a:effectLst/>
+                <a:latin typeface="source-code-pro"/>
+              </a:rPr>
+              <a:t> { </a:t>
+            </a:r>
+            <a:r>
+              <a:rPr kumimoji="0" lang="de-DE" altLang="de-DE" b="0" i="0" u="none" strike="noStrike" cap="none" normalizeH="0" baseline="0" dirty="0" err="1">
+                <a:ln>
+                  <a:noFill/>
+                </a:ln>
+                <a:solidFill>
+                  <a:srgbClr val="E28964"/>
+                </a:solidFill>
+                <a:effectLst/>
+                <a:latin typeface="source-code-pro"/>
+              </a:rPr>
+              <a:t>get</a:t>
+            </a:r>
+            <a:r>
+              <a:rPr kumimoji="0" lang="de-DE" altLang="de-DE" b="0" i="0" u="none" strike="noStrike" cap="none" normalizeH="0" baseline="0" dirty="0">
+                <a:ln>
+                  <a:noFill/>
+                </a:ln>
+                <a:solidFill>
+                  <a:srgbClr val="FFFFFF"/>
+                </a:solidFill>
+                <a:effectLst/>
+                <a:latin typeface="source-code-pro"/>
+              </a:rPr>
+              <a:t>; </a:t>
+            </a:r>
+            <a:r>
+              <a:rPr kumimoji="0" lang="de-DE" altLang="de-DE" b="0" i="0" u="none" strike="noStrike" cap="none" normalizeH="0" baseline="0" dirty="0" err="1">
+                <a:ln>
+                  <a:noFill/>
+                </a:ln>
+                <a:solidFill>
+                  <a:srgbClr val="E28964"/>
+                </a:solidFill>
+                <a:effectLst/>
+                <a:latin typeface="source-code-pro"/>
+              </a:rPr>
+              <a:t>set</a:t>
+            </a:r>
+            <a:r>
+              <a:rPr kumimoji="0" lang="de-DE" altLang="de-DE" b="0" i="0" u="none" strike="noStrike" cap="none" normalizeH="0" baseline="0" dirty="0">
+                <a:ln>
+                  <a:noFill/>
+                </a:ln>
+                <a:solidFill>
+                  <a:srgbClr val="FFFFFF"/>
+                </a:solidFill>
+                <a:effectLst/>
+                <a:latin typeface="source-code-pro"/>
+              </a:rPr>
+              <a:t>; }</a:t>
+            </a:r>
+            <a:endParaRPr lang="de-DE" altLang="de-DE" dirty="0">
+              <a:solidFill>
+                <a:srgbClr val="FFFFFF"/>
+              </a:solidFill>
+              <a:latin typeface="source-code-pro"/>
+            </a:endParaRPr>
+          </a:p>
+          <a:p>
+            <a:pPr marL="0" indent="0" eaLnBrk="0" fontAlgn="base" hangingPunct="0">
+              <a:lnSpc>
+                <a:spcPct val="100000"/>
+              </a:lnSpc>
+              <a:spcBef>
+                <a:spcPct val="0"/>
+              </a:spcBef>
+              <a:spcAft>
+                <a:spcPct val="0"/>
+              </a:spcAft>
+              <a:buNone/>
+            </a:pPr>
+            <a:r>
+              <a:rPr kumimoji="0" lang="de-DE" altLang="de-DE" b="0" i="0" u="none" strike="noStrike" cap="none" normalizeH="0" baseline="0" dirty="0" err="1">
+                <a:ln>
+                  <a:noFill/>
+                </a:ln>
+                <a:solidFill>
+                  <a:srgbClr val="E28964"/>
+                </a:solidFill>
+                <a:effectLst/>
+                <a:latin typeface="source-code-pro"/>
+              </a:rPr>
+              <a:t>public</a:t>
+            </a:r>
+            <a:r>
+              <a:rPr kumimoji="0" lang="de-DE" altLang="de-DE" b="0" i="0" u="none" strike="noStrike" cap="none" normalizeH="0" baseline="0" dirty="0">
+                <a:ln>
+                  <a:noFill/>
+                </a:ln>
+                <a:solidFill>
+                  <a:srgbClr val="FFFFFF"/>
+                </a:solidFill>
+                <a:effectLst/>
+                <a:latin typeface="source-code-pro"/>
+              </a:rPr>
+              <a:t> </a:t>
+            </a:r>
+            <a:r>
+              <a:rPr kumimoji="0" lang="de-DE" altLang="de-DE" b="0" i="0" u="none" strike="noStrike" cap="none" normalizeH="0" baseline="0" dirty="0" err="1">
+                <a:ln>
+                  <a:noFill/>
+                </a:ln>
+                <a:solidFill>
+                  <a:srgbClr val="E28964"/>
+                </a:solidFill>
+                <a:effectLst/>
+                <a:latin typeface="source-code-pro"/>
+              </a:rPr>
+              <a:t>override</a:t>
+            </a:r>
+            <a:r>
+              <a:rPr kumimoji="0" lang="de-DE" altLang="de-DE" b="0" i="0" u="none" strike="noStrike" cap="none" normalizeH="0" baseline="0" dirty="0">
+                <a:ln>
+                  <a:noFill/>
+                </a:ln>
+                <a:solidFill>
+                  <a:srgbClr val="FFFFFF"/>
+                </a:solidFill>
+                <a:effectLst/>
+                <a:latin typeface="source-code-pro"/>
+              </a:rPr>
+              <a:t> </a:t>
+            </a:r>
+            <a:r>
+              <a:rPr kumimoji="0" lang="de-DE" altLang="de-DE" b="0" i="0" u="none" strike="noStrike" cap="none" normalizeH="0" baseline="0" dirty="0">
+                <a:ln>
+                  <a:noFill/>
+                </a:ln>
+                <a:solidFill>
+                  <a:srgbClr val="E28964"/>
+                </a:solidFill>
+                <a:effectLst/>
+                <a:latin typeface="source-code-pro"/>
+              </a:rPr>
+              <a:t>double</a:t>
+            </a:r>
+            <a:r>
+              <a:rPr kumimoji="0" lang="de-DE" altLang="de-DE" b="0" i="0" u="none" strike="noStrike" cap="none" normalizeH="0" baseline="0" dirty="0">
+                <a:ln>
+                  <a:noFill/>
+                </a:ln>
+                <a:solidFill>
+                  <a:srgbClr val="FFFFFF"/>
+                </a:solidFill>
+                <a:effectLst/>
+                <a:latin typeface="source-code-pro"/>
+              </a:rPr>
+              <a:t> </a:t>
+            </a:r>
+            <a:r>
+              <a:rPr kumimoji="0" lang="de-DE" altLang="de-DE" b="0" i="0" u="none" strike="noStrike" cap="none" normalizeH="0" baseline="0" dirty="0">
+                <a:ln>
+                  <a:noFill/>
+                </a:ln>
+                <a:solidFill>
+                  <a:srgbClr val="89BDFF"/>
+                </a:solidFill>
+                <a:effectLst/>
+                <a:latin typeface="source-code-pro"/>
+              </a:rPr>
+              <a:t>Area</a:t>
+            </a:r>
+            <a:r>
+              <a:rPr kumimoji="0" lang="de-DE" altLang="de-DE" b="0" i="0" u="none" strike="noStrike" cap="none" normalizeH="0" baseline="0" dirty="0">
+                <a:ln>
+                  <a:noFill/>
+                </a:ln>
+                <a:solidFill>
+                  <a:srgbClr val="FFFFFF"/>
+                </a:solidFill>
+                <a:effectLst/>
+                <a:latin typeface="source-code-pro"/>
+              </a:rPr>
+              <a:t>() </a:t>
+            </a:r>
+          </a:p>
+          <a:p>
+            <a:pPr marL="0" indent="0" eaLnBrk="0" fontAlgn="base" hangingPunct="0">
+              <a:lnSpc>
+                <a:spcPct val="100000"/>
+              </a:lnSpc>
+              <a:spcBef>
+                <a:spcPct val="0"/>
+              </a:spcBef>
+              <a:spcAft>
+                <a:spcPct val="0"/>
+              </a:spcAft>
+              <a:buNone/>
+            </a:pPr>
+            <a:r>
+              <a:rPr kumimoji="0" lang="de-DE" altLang="de-DE" b="0" i="0" u="none" strike="noStrike" cap="none" normalizeH="0" baseline="0" dirty="0">
+                <a:ln>
+                  <a:noFill/>
+                </a:ln>
+                <a:solidFill>
+                  <a:srgbClr val="FFFFFF"/>
+                </a:solidFill>
+                <a:effectLst/>
+                <a:latin typeface="source-code-pro"/>
+              </a:rPr>
+              <a:t>{ </a:t>
+            </a:r>
+            <a:r>
+              <a:rPr kumimoji="0" lang="de-DE" altLang="de-DE" b="0" i="0" u="none" strike="noStrike" cap="none" normalizeH="0" baseline="0" dirty="0" err="1">
+                <a:ln>
+                  <a:noFill/>
+                </a:ln>
+                <a:solidFill>
+                  <a:srgbClr val="E28964"/>
+                </a:solidFill>
+                <a:effectLst/>
+                <a:latin typeface="source-code-pro"/>
+              </a:rPr>
+              <a:t>return</a:t>
+            </a:r>
+            <a:r>
+              <a:rPr kumimoji="0" lang="de-DE" altLang="de-DE" b="0" i="0" u="none" strike="noStrike" cap="none" normalizeH="0" baseline="0" dirty="0">
+                <a:ln>
+                  <a:noFill/>
+                </a:ln>
+                <a:solidFill>
+                  <a:srgbClr val="FFFFFF"/>
+                </a:solidFill>
+                <a:effectLst/>
+                <a:latin typeface="source-code-pro"/>
+              </a:rPr>
+              <a:t> </a:t>
+            </a:r>
+            <a:r>
+              <a:rPr kumimoji="0" lang="de-DE" altLang="de-DE" b="0" i="0" u="none" strike="noStrike" cap="none" normalizeH="0" baseline="0" dirty="0">
+                <a:ln>
+                  <a:noFill/>
+                </a:ln>
+                <a:solidFill>
+                  <a:srgbClr val="89BDFF"/>
+                </a:solidFill>
+                <a:effectLst/>
+                <a:latin typeface="source-code-pro"/>
+              </a:rPr>
+              <a:t>Radius</a:t>
+            </a:r>
+            <a:r>
+              <a:rPr kumimoji="0" lang="de-DE" altLang="de-DE" b="0" i="0" u="none" strike="noStrike" cap="none" normalizeH="0" baseline="0" dirty="0">
+                <a:ln>
+                  <a:noFill/>
+                </a:ln>
+                <a:solidFill>
+                  <a:srgbClr val="FFFFFF"/>
+                </a:solidFill>
+                <a:effectLst/>
+                <a:latin typeface="source-code-pro"/>
+              </a:rPr>
+              <a:t>*</a:t>
+            </a:r>
+            <a:r>
+              <a:rPr kumimoji="0" lang="de-DE" altLang="de-DE" b="0" i="0" u="none" strike="noStrike" cap="none" normalizeH="0" baseline="0" dirty="0">
+                <a:ln>
+                  <a:noFill/>
+                </a:ln>
+                <a:solidFill>
+                  <a:srgbClr val="89BDFF"/>
+                </a:solidFill>
+                <a:effectLst/>
+                <a:latin typeface="source-code-pro"/>
+              </a:rPr>
+              <a:t>Radius</a:t>
+            </a:r>
+            <a:r>
+              <a:rPr kumimoji="0" lang="de-DE" altLang="de-DE" b="0" i="0" u="none" strike="noStrike" cap="none" normalizeH="0" baseline="0" dirty="0">
+                <a:ln>
+                  <a:noFill/>
+                </a:ln>
+                <a:solidFill>
+                  <a:srgbClr val="FFFFFF"/>
+                </a:solidFill>
+                <a:effectLst/>
+                <a:latin typeface="source-code-pro"/>
+              </a:rPr>
+              <a:t>*</a:t>
+            </a:r>
+            <a:r>
+              <a:rPr kumimoji="0" lang="de-DE" altLang="de-DE" b="0" i="0" u="none" strike="noStrike" cap="none" normalizeH="0" baseline="0" dirty="0" err="1">
+                <a:ln>
+                  <a:noFill/>
+                </a:ln>
+                <a:solidFill>
+                  <a:srgbClr val="89BDFF"/>
+                </a:solidFill>
+                <a:effectLst/>
+                <a:latin typeface="source-code-pro"/>
+              </a:rPr>
+              <a:t>Math</a:t>
+            </a:r>
+            <a:r>
+              <a:rPr kumimoji="0" lang="de-DE" altLang="de-DE" b="0" i="0" u="none" strike="noStrike" cap="none" normalizeH="0" baseline="0" dirty="0" err="1">
+                <a:ln>
+                  <a:noFill/>
+                </a:ln>
+                <a:solidFill>
+                  <a:srgbClr val="FFFFFF"/>
+                </a:solidFill>
+                <a:effectLst/>
+                <a:latin typeface="source-code-pro"/>
+              </a:rPr>
+              <a:t>.PI</a:t>
+            </a:r>
+            <a:r>
+              <a:rPr kumimoji="0" lang="de-DE" altLang="de-DE" b="0" i="0" u="none" strike="noStrike" cap="none" normalizeH="0" baseline="0" dirty="0">
+                <a:ln>
+                  <a:noFill/>
+                </a:ln>
+                <a:solidFill>
+                  <a:srgbClr val="FFFFFF"/>
+                </a:solidFill>
+                <a:effectLst/>
+                <a:latin typeface="source-code-pro"/>
+              </a:rPr>
+              <a:t>; } }</a:t>
+            </a:r>
+            <a:r>
+              <a:rPr kumimoji="0" lang="de-DE" altLang="de-DE" b="0" i="0" u="none" strike="noStrike" cap="none" normalizeH="0" baseline="0" dirty="0">
+                <a:ln>
+                  <a:noFill/>
+                </a:ln>
+                <a:solidFill>
+                  <a:schemeClr val="tx1"/>
+                </a:solidFill>
+                <a:effectLst/>
+              </a:rPr>
+              <a:t> </a:t>
+            </a:r>
+            <a:endParaRPr kumimoji="0" lang="de-DE" altLang="de-DE" b="0" i="0" u="none" strike="noStrike" cap="none" normalizeH="0" baseline="0" dirty="0">
+              <a:ln>
+                <a:noFill/>
+              </a:ln>
+              <a:solidFill>
+                <a:schemeClr val="tx1"/>
+              </a:solidFill>
+              <a:effectLst/>
+              <a:latin typeface="Arial" panose="020B0604020202020204" pitchFamily="34" charset="0"/>
+            </a:endParaRPr>
           </a:p>
         </p:txBody>
       </p:sp>
     </p:spTree>
     <p:extLst>
       <p:ext uri="{BB962C8B-B14F-4D97-AF65-F5344CB8AC3E}">
-        <p14:creationId xmlns:p14="http://schemas.microsoft.com/office/powerpoint/2010/main" val="589988933"/>
+        <p14:creationId xmlns:p14="http://schemas.microsoft.com/office/powerpoint/2010/main" val="997245018"/>
       </p:ext>
     </p:extLst>
   </p:cSld>
@@ -7008,7 +11744,7 @@
           <p:cNvPr id="2" name="Titel 1">
             <a:extLst>
               <a:ext uri="{FF2B5EF4-FFF2-40B4-BE49-F238E27FC236}">
-                <a16:creationId xmlns:a16="http://schemas.microsoft.com/office/drawing/2014/main" id="{A68F056E-468D-4A61-BDEB-E6278411AEAC}"/>
+                <a16:creationId xmlns:a16="http://schemas.microsoft.com/office/drawing/2014/main" id="{33646182-96AF-4986-9BDA-AF89878A301F}"/>
               </a:ext>
             </a:extLst>
           </p:cNvPr>
@@ -7026,66 +11762,769 @@
           <a:p>
             <a:r>
               <a:rPr lang="de-DE" dirty="0"/>
-              <a:t>Beispiel für das "I" im SOLID-Prinzip</a:t>
-            </a:r>
+              <a:t>Beispiel Open/</a:t>
+            </a:r>
+            <a:r>
+              <a:rPr lang="de-DE" dirty="0" err="1"/>
+              <a:t>Closed</a:t>
+            </a:r>
+            <a:endParaRPr lang="de-DE" dirty="0"/>
           </a:p>
         </p:txBody>
       </p:sp>
       <p:sp>
         <p:nvSpPr>
-          <p:cNvPr id="3" name="Inhaltsplatzhalter 2">
+          <p:cNvPr id="4" name="Rectangle 1">
             <a:extLst>
               <a:ext uri="{FF2B5EF4-FFF2-40B4-BE49-F238E27FC236}">
-                <a16:creationId xmlns:a16="http://schemas.microsoft.com/office/drawing/2014/main" id="{A7053182-A416-418D-9FF4-4EF80A9A95F5}"/>
+                <a16:creationId xmlns:a16="http://schemas.microsoft.com/office/drawing/2014/main" id="{673F5621-6E83-4821-B2F4-CCB0470C35DF}"/>
               </a:ext>
             </a:extLst>
           </p:cNvPr>
           <p:cNvSpPr>
-            <a:spLocks noGrp="1"/>
+            <a:spLocks noGrp="1" noChangeArrowheads="1"/>
           </p:cNvSpPr>
           <p:nvPr>
             <p:ph idx="1"/>
           </p:nvPr>
         </p:nvSpPr>
-        <p:spPr/>
+        <p:spPr bwMode="auto">
+          <a:xfrm>
+            <a:off x="583096" y="1911310"/>
+            <a:ext cx="10770704" cy="3767597"/>
+          </a:xfrm>
+          <a:prstGeom prst="rect">
+            <a:avLst/>
+          </a:prstGeom>
+          <a:solidFill>
+            <a:srgbClr val="000000"/>
+          </a:solidFill>
+          <a:ln>
+            <a:noFill/>
+          </a:ln>
+          <a:effectLst/>
+          <a:extLst>
+            <a:ext uri="{91240B29-F687-4F45-9708-019B960494DF}">
+              <a14:hiddenLine xmlns:a14="http://schemas.microsoft.com/office/drawing/2010/main" w="9525">
+                <a:solidFill>
+                  <a:schemeClr val="tx1"/>
+                </a:solidFill>
+                <a:miter lim="800000"/>
+                <a:headEnd/>
+                <a:tailEnd/>
+              </a14:hiddenLine>
+            </a:ext>
+            <a:ext uri="{AF507438-7753-43E0-B8FC-AC1667EBCBE1}">
+              <a14:hiddenEffects xmlns:a14="http://schemas.microsoft.com/office/drawing/2010/main">
+                <a:effectLst>
+                  <a:outerShdw dist="35921" dir="2700000" algn="ctr" rotWithShape="0">
+                    <a:schemeClr val="bg2"/>
+                  </a:outerShdw>
+                </a:effectLst>
+              </a14:hiddenEffects>
+            </a:ext>
+          </a:extLst>
+        </p:spPr>
         <p:txBody>
-          <a:bodyPr>
-            <a:normAutofit fontScale="92500"/>
+          <a:bodyPr vert="horz" wrap="square" lIns="91440" tIns="158700" rIns="91440" bIns="158700" numCol="1" anchor="ctr" anchorCtr="0" compatLnSpc="1">
+            <a:prstTxWarp prst="textNoShape">
+              <a:avLst/>
+            </a:prstTxWarp>
+            <a:spAutoFit/>
           </a:bodyPr>
           <a:lstStyle/>
           <a:p>
-            <a:r>
-              <a:rPr lang="de-DE" dirty="0"/>
-              <a:t>Annahme: Wir haben ein Modul, das eine Benutzeroberfläche bereitstellt und auf Datenbanken zugreift</a:t>
-            </a:r>
-          </a:p>
-          <a:p>
-            <a:r>
-              <a:rPr lang="de-DE" dirty="0"/>
-              <a:t>Wenn wir eine Schnittstelle mit allen benötigten Methoden definieren, würde sie sowohl Methoden zur Datenbankkommunikation als auch Methoden zur GUI-Steuerung enthalten</a:t>
-            </a:r>
-          </a:p>
-          <a:p>
-            <a:r>
-              <a:rPr lang="de-DE" dirty="0"/>
-              <a:t>Wenn ein anderes Modul nur die GUI-Steuerung benötigt, müsste es trotzdem Abhängigkeiten zur Datenbank haben, was zu einer geringeren Kohäsion führt</a:t>
-            </a:r>
-          </a:p>
-          <a:p>
-            <a:r>
-              <a:rPr lang="de-DE" dirty="0"/>
-              <a:t>Lösung: Trennung der Schnittstelle in eine Schnittstelle für die Datenbankkommunikation und eine Schnittstelle für die GUI-Steuerung</a:t>
-            </a:r>
-          </a:p>
-          <a:p>
-            <a:endParaRPr lang="de-DE" dirty="0"/>
+            <a:pPr marL="0" marR="0" lvl="0" indent="0" algn="l" defTabSz="914400" rtl="0" eaLnBrk="0" fontAlgn="base" latinLnBrk="0" hangingPunct="0">
+              <a:lnSpc>
+                <a:spcPct val="100000"/>
+              </a:lnSpc>
+              <a:spcBef>
+                <a:spcPct val="0"/>
+              </a:spcBef>
+              <a:spcAft>
+                <a:spcPct val="0"/>
+              </a:spcAft>
+              <a:buClrTx/>
+              <a:buSzTx/>
+              <a:buFontTx/>
+              <a:buNone/>
+              <a:tabLst/>
+            </a:pPr>
+            <a:r>
+              <a:rPr kumimoji="0" lang="de-DE" altLang="de-DE" b="0" i="0" u="none" strike="noStrike" cap="none" normalizeH="0" baseline="0" dirty="0" err="1">
+                <a:ln>
+                  <a:noFill/>
+                </a:ln>
+                <a:solidFill>
+                  <a:srgbClr val="E28964"/>
+                </a:solidFill>
+                <a:effectLst/>
+                <a:latin typeface="source-code-pro"/>
+              </a:rPr>
+              <a:t>public</a:t>
+            </a:r>
+            <a:r>
+              <a:rPr kumimoji="0" lang="de-DE" altLang="de-DE" b="0" i="0" u="none" strike="noStrike" cap="none" normalizeH="0" baseline="0" dirty="0">
+                <a:ln>
+                  <a:noFill/>
+                </a:ln>
+                <a:solidFill>
+                  <a:srgbClr val="FFFFFF"/>
+                </a:solidFill>
+                <a:effectLst/>
+                <a:latin typeface="source-code-pro"/>
+              </a:rPr>
+              <a:t> </a:t>
+            </a:r>
+            <a:r>
+              <a:rPr kumimoji="0" lang="de-DE" altLang="de-DE" b="0" i="0" u="none" strike="noStrike" cap="none" normalizeH="0" baseline="0" dirty="0">
+                <a:ln>
+                  <a:noFill/>
+                </a:ln>
+                <a:solidFill>
+                  <a:srgbClr val="E28964"/>
+                </a:solidFill>
+                <a:effectLst/>
+                <a:latin typeface="source-code-pro"/>
+              </a:rPr>
+              <a:t>double</a:t>
+            </a:r>
+            <a:r>
+              <a:rPr kumimoji="0" lang="de-DE" altLang="de-DE" b="0" i="0" u="none" strike="noStrike" cap="none" normalizeH="0" baseline="0" dirty="0">
+                <a:ln>
+                  <a:noFill/>
+                </a:ln>
+                <a:solidFill>
+                  <a:srgbClr val="FFFFFF"/>
+                </a:solidFill>
+                <a:effectLst/>
+                <a:latin typeface="source-code-pro"/>
+              </a:rPr>
+              <a:t> </a:t>
+            </a:r>
+            <a:r>
+              <a:rPr kumimoji="0" lang="de-DE" altLang="de-DE" b="0" i="0" u="none" strike="noStrike" cap="none" normalizeH="0" baseline="0" dirty="0">
+                <a:ln>
+                  <a:noFill/>
+                </a:ln>
+                <a:solidFill>
+                  <a:srgbClr val="89BDFF"/>
+                </a:solidFill>
+                <a:effectLst/>
+                <a:latin typeface="source-code-pro"/>
+              </a:rPr>
+              <a:t>Area</a:t>
+            </a:r>
+            <a:r>
+              <a:rPr kumimoji="0" lang="de-DE" altLang="de-DE" b="0" i="0" u="none" strike="noStrike" cap="none" normalizeH="0" baseline="0" dirty="0">
+                <a:ln>
+                  <a:noFill/>
+                </a:ln>
+                <a:solidFill>
+                  <a:srgbClr val="FFFFFF"/>
+                </a:solidFill>
+                <a:effectLst/>
+                <a:latin typeface="source-code-pro"/>
+              </a:rPr>
+              <a:t>(</a:t>
+            </a:r>
+            <a:r>
+              <a:rPr kumimoji="0" lang="de-DE" altLang="de-DE" b="0" i="0" u="none" strike="noStrike" cap="none" normalizeH="0" baseline="0" dirty="0">
+                <a:ln>
+                  <a:noFill/>
+                </a:ln>
+                <a:solidFill>
+                  <a:srgbClr val="89BDFF"/>
+                </a:solidFill>
+                <a:effectLst/>
+                <a:latin typeface="source-code-pro"/>
+              </a:rPr>
+              <a:t>Shape</a:t>
+            </a:r>
+            <a:r>
+              <a:rPr kumimoji="0" lang="de-DE" altLang="de-DE" b="0" i="0" u="none" strike="noStrike" cap="none" normalizeH="0" baseline="0" dirty="0">
+                <a:ln>
+                  <a:noFill/>
+                </a:ln>
+                <a:solidFill>
+                  <a:srgbClr val="FFFFFF"/>
+                </a:solidFill>
+                <a:effectLst/>
+                <a:latin typeface="source-code-pro"/>
+              </a:rPr>
+              <a:t>[] </a:t>
+            </a:r>
+            <a:r>
+              <a:rPr kumimoji="0" lang="de-DE" altLang="de-DE" b="0" i="0" u="none" strike="noStrike" cap="none" normalizeH="0" baseline="0" dirty="0" err="1">
+                <a:ln>
+                  <a:noFill/>
+                </a:ln>
+                <a:solidFill>
+                  <a:srgbClr val="FFFFFF"/>
+                </a:solidFill>
+                <a:effectLst/>
+                <a:latin typeface="source-code-pro"/>
+              </a:rPr>
+              <a:t>shapes</a:t>
+            </a:r>
+            <a:r>
+              <a:rPr kumimoji="0" lang="de-DE" altLang="de-DE" b="0" i="0" u="none" strike="noStrike" cap="none" normalizeH="0" baseline="0" dirty="0">
+                <a:ln>
+                  <a:noFill/>
+                </a:ln>
+                <a:solidFill>
+                  <a:srgbClr val="FFFFFF"/>
+                </a:solidFill>
+                <a:effectLst/>
+                <a:latin typeface="source-code-pro"/>
+              </a:rPr>
+              <a:t>) </a:t>
+            </a:r>
+          </a:p>
+          <a:p>
+            <a:pPr marL="0" marR="0" lvl="0" indent="0" algn="l" defTabSz="914400" rtl="0" eaLnBrk="0" fontAlgn="base" latinLnBrk="0" hangingPunct="0">
+              <a:lnSpc>
+                <a:spcPct val="100000"/>
+              </a:lnSpc>
+              <a:spcBef>
+                <a:spcPct val="0"/>
+              </a:spcBef>
+              <a:spcAft>
+                <a:spcPct val="0"/>
+              </a:spcAft>
+              <a:buClrTx/>
+              <a:buSzTx/>
+              <a:buFontTx/>
+              <a:buNone/>
+              <a:tabLst/>
+            </a:pPr>
+            <a:r>
+              <a:rPr kumimoji="0" lang="de-DE" altLang="de-DE" b="0" i="0" u="none" strike="noStrike" cap="none" normalizeH="0" baseline="0" dirty="0">
+                <a:ln>
+                  <a:noFill/>
+                </a:ln>
+                <a:solidFill>
+                  <a:srgbClr val="FFFFFF"/>
+                </a:solidFill>
+                <a:effectLst/>
+                <a:latin typeface="source-code-pro"/>
+              </a:rPr>
+              <a:t>{ </a:t>
+            </a:r>
+            <a:r>
+              <a:rPr kumimoji="0" lang="de-DE" altLang="de-DE" b="0" i="0" u="none" strike="noStrike" cap="none" normalizeH="0" baseline="0" dirty="0">
+                <a:ln>
+                  <a:noFill/>
+                </a:ln>
+                <a:solidFill>
+                  <a:srgbClr val="E28964"/>
+                </a:solidFill>
+                <a:effectLst/>
+                <a:latin typeface="source-code-pro"/>
+              </a:rPr>
+              <a:t>double</a:t>
+            </a:r>
+            <a:r>
+              <a:rPr kumimoji="0" lang="de-DE" altLang="de-DE" b="0" i="0" u="none" strike="noStrike" cap="none" normalizeH="0" baseline="0" dirty="0">
+                <a:ln>
+                  <a:noFill/>
+                </a:ln>
+                <a:solidFill>
+                  <a:srgbClr val="FFFFFF"/>
+                </a:solidFill>
+                <a:effectLst/>
+                <a:latin typeface="source-code-pro"/>
+              </a:rPr>
+              <a:t> </a:t>
+            </a:r>
+            <a:r>
+              <a:rPr kumimoji="0" lang="de-DE" altLang="de-DE" b="0" i="0" u="none" strike="noStrike" cap="none" normalizeH="0" baseline="0" dirty="0" err="1">
+                <a:ln>
+                  <a:noFill/>
+                </a:ln>
+                <a:solidFill>
+                  <a:srgbClr val="FFFFFF"/>
+                </a:solidFill>
+                <a:effectLst/>
+                <a:latin typeface="source-code-pro"/>
+              </a:rPr>
+              <a:t>area</a:t>
+            </a:r>
+            <a:r>
+              <a:rPr kumimoji="0" lang="de-DE" altLang="de-DE" b="0" i="0" u="none" strike="noStrike" cap="none" normalizeH="0" baseline="0" dirty="0">
+                <a:ln>
+                  <a:noFill/>
+                </a:ln>
+                <a:solidFill>
+                  <a:srgbClr val="FFFFFF"/>
+                </a:solidFill>
+                <a:effectLst/>
+                <a:latin typeface="source-code-pro"/>
+              </a:rPr>
+              <a:t> = </a:t>
+            </a:r>
+            <a:r>
+              <a:rPr kumimoji="0" lang="de-DE" altLang="de-DE" b="0" i="0" u="none" strike="noStrike" cap="none" normalizeH="0" baseline="0" dirty="0">
+                <a:ln>
+                  <a:noFill/>
+                </a:ln>
+                <a:solidFill>
+                  <a:srgbClr val="3387CC"/>
+                </a:solidFill>
+                <a:effectLst/>
+                <a:latin typeface="source-code-pro"/>
+              </a:rPr>
+              <a:t>0</a:t>
+            </a:r>
+            <a:r>
+              <a:rPr kumimoji="0" lang="de-DE" altLang="de-DE" b="0" i="0" u="none" strike="noStrike" cap="none" normalizeH="0" baseline="0" dirty="0">
+                <a:ln>
+                  <a:noFill/>
+                </a:ln>
+                <a:solidFill>
+                  <a:srgbClr val="FFFFFF"/>
+                </a:solidFill>
+                <a:effectLst/>
+                <a:latin typeface="source-code-pro"/>
+              </a:rPr>
+              <a:t>;</a:t>
+            </a:r>
+          </a:p>
+          <a:p>
+            <a:pPr marL="0" marR="0" lvl="0" indent="0" algn="l" defTabSz="914400" rtl="0" eaLnBrk="0" fontAlgn="base" latinLnBrk="0" hangingPunct="0">
+              <a:lnSpc>
+                <a:spcPct val="100000"/>
+              </a:lnSpc>
+              <a:spcBef>
+                <a:spcPct val="0"/>
+              </a:spcBef>
+              <a:spcAft>
+                <a:spcPct val="0"/>
+              </a:spcAft>
+              <a:buClrTx/>
+              <a:buSzTx/>
+              <a:buFontTx/>
+              <a:buNone/>
+              <a:tabLst/>
+            </a:pPr>
+            <a:r>
+              <a:rPr kumimoji="0" lang="de-DE" altLang="de-DE" b="0" i="0" u="none" strike="noStrike" cap="none" normalizeH="0" baseline="0" dirty="0" err="1">
+                <a:ln>
+                  <a:noFill/>
+                </a:ln>
+                <a:solidFill>
+                  <a:srgbClr val="E28964"/>
+                </a:solidFill>
+                <a:effectLst/>
+                <a:latin typeface="source-code-pro"/>
+              </a:rPr>
+              <a:t>foreach</a:t>
+            </a:r>
+            <a:r>
+              <a:rPr kumimoji="0" lang="de-DE" altLang="de-DE" b="0" i="0" u="none" strike="noStrike" cap="none" normalizeH="0" baseline="0" dirty="0">
+                <a:ln>
+                  <a:noFill/>
+                </a:ln>
+                <a:solidFill>
+                  <a:srgbClr val="FFFFFF"/>
+                </a:solidFill>
+                <a:effectLst/>
+                <a:latin typeface="source-code-pro"/>
+              </a:rPr>
+              <a:t> (</a:t>
+            </a:r>
+            <a:r>
+              <a:rPr kumimoji="0" lang="de-DE" altLang="de-DE" b="0" i="0" u="none" strike="noStrike" cap="none" normalizeH="0" baseline="0" dirty="0" err="1">
+                <a:ln>
+                  <a:noFill/>
+                </a:ln>
+                <a:solidFill>
+                  <a:srgbClr val="E28964"/>
+                </a:solidFill>
+                <a:effectLst/>
+                <a:latin typeface="source-code-pro"/>
+              </a:rPr>
+              <a:t>var</a:t>
+            </a:r>
+            <a:r>
+              <a:rPr kumimoji="0" lang="de-DE" altLang="de-DE" b="0" i="0" u="none" strike="noStrike" cap="none" normalizeH="0" baseline="0" dirty="0">
+                <a:ln>
+                  <a:noFill/>
+                </a:ln>
+                <a:solidFill>
+                  <a:srgbClr val="FFFFFF"/>
+                </a:solidFill>
+                <a:effectLst/>
+                <a:latin typeface="source-code-pro"/>
+              </a:rPr>
+              <a:t> </a:t>
+            </a:r>
+            <a:r>
+              <a:rPr kumimoji="0" lang="de-DE" altLang="de-DE" b="0" i="0" u="none" strike="noStrike" cap="none" normalizeH="0" baseline="0" dirty="0" err="1">
+                <a:ln>
+                  <a:noFill/>
+                </a:ln>
+                <a:solidFill>
+                  <a:srgbClr val="FFFFFF"/>
+                </a:solidFill>
+                <a:effectLst/>
+                <a:latin typeface="source-code-pro"/>
+              </a:rPr>
+              <a:t>shape</a:t>
+            </a:r>
+            <a:r>
+              <a:rPr kumimoji="0" lang="de-DE" altLang="de-DE" b="0" i="0" u="none" strike="noStrike" cap="none" normalizeH="0" baseline="0" dirty="0">
+                <a:ln>
+                  <a:noFill/>
+                </a:ln>
+                <a:solidFill>
+                  <a:srgbClr val="FFFFFF"/>
+                </a:solidFill>
+                <a:effectLst/>
+                <a:latin typeface="source-code-pro"/>
+              </a:rPr>
+              <a:t> </a:t>
+            </a:r>
+            <a:r>
+              <a:rPr kumimoji="0" lang="de-DE" altLang="de-DE" b="0" i="0" u="none" strike="noStrike" cap="none" normalizeH="0" baseline="0" dirty="0">
+                <a:ln>
+                  <a:noFill/>
+                </a:ln>
+                <a:solidFill>
+                  <a:srgbClr val="E28964"/>
+                </a:solidFill>
+                <a:effectLst/>
+                <a:latin typeface="source-code-pro"/>
+              </a:rPr>
+              <a:t>in</a:t>
+            </a:r>
+            <a:r>
+              <a:rPr kumimoji="0" lang="de-DE" altLang="de-DE" b="0" i="0" u="none" strike="noStrike" cap="none" normalizeH="0" baseline="0" dirty="0">
+                <a:ln>
+                  <a:noFill/>
+                </a:ln>
+                <a:solidFill>
+                  <a:srgbClr val="FFFFFF"/>
+                </a:solidFill>
+                <a:effectLst/>
+                <a:latin typeface="source-code-pro"/>
+              </a:rPr>
+              <a:t> </a:t>
+            </a:r>
+            <a:r>
+              <a:rPr kumimoji="0" lang="de-DE" altLang="de-DE" b="0" i="0" u="none" strike="noStrike" cap="none" normalizeH="0" baseline="0" dirty="0" err="1">
+                <a:ln>
+                  <a:noFill/>
+                </a:ln>
+                <a:solidFill>
+                  <a:srgbClr val="FFFFFF"/>
+                </a:solidFill>
+                <a:effectLst/>
+                <a:latin typeface="source-code-pro"/>
+              </a:rPr>
+              <a:t>shapes</a:t>
+            </a:r>
+            <a:r>
+              <a:rPr kumimoji="0" lang="de-DE" altLang="de-DE" b="0" i="0" u="none" strike="noStrike" cap="none" normalizeH="0" baseline="0" dirty="0">
+                <a:ln>
+                  <a:noFill/>
+                </a:ln>
+                <a:solidFill>
+                  <a:srgbClr val="FFFFFF"/>
+                </a:solidFill>
+                <a:effectLst/>
+                <a:latin typeface="source-code-pro"/>
+              </a:rPr>
+              <a:t>) </a:t>
+            </a:r>
+          </a:p>
+          <a:p>
+            <a:pPr marL="0" marR="0" lvl="0" indent="0" algn="l" defTabSz="914400" rtl="0" eaLnBrk="0" fontAlgn="base" latinLnBrk="0" hangingPunct="0">
+              <a:lnSpc>
+                <a:spcPct val="100000"/>
+              </a:lnSpc>
+              <a:spcBef>
+                <a:spcPct val="0"/>
+              </a:spcBef>
+              <a:spcAft>
+                <a:spcPct val="0"/>
+              </a:spcAft>
+              <a:buClrTx/>
+              <a:buSzTx/>
+              <a:buFontTx/>
+              <a:buNone/>
+              <a:tabLst/>
+            </a:pPr>
+            <a:r>
+              <a:rPr kumimoji="0" lang="de-DE" altLang="de-DE" b="0" i="0" u="none" strike="noStrike" cap="none" normalizeH="0" baseline="0" dirty="0">
+                <a:ln>
+                  <a:noFill/>
+                </a:ln>
+                <a:solidFill>
+                  <a:srgbClr val="FFFFFF"/>
+                </a:solidFill>
+                <a:effectLst/>
+                <a:latin typeface="source-code-pro"/>
+              </a:rPr>
+              <a:t>{</a:t>
+            </a:r>
+          </a:p>
+          <a:p>
+            <a:pPr marL="0" marR="0" lvl="0" indent="0" algn="l" defTabSz="914400" rtl="0" eaLnBrk="0" fontAlgn="base" latinLnBrk="0" hangingPunct="0">
+              <a:lnSpc>
+                <a:spcPct val="100000"/>
+              </a:lnSpc>
+              <a:spcBef>
+                <a:spcPct val="0"/>
+              </a:spcBef>
+              <a:spcAft>
+                <a:spcPct val="0"/>
+              </a:spcAft>
+              <a:buClrTx/>
+              <a:buSzTx/>
+              <a:buFontTx/>
+              <a:buNone/>
+              <a:tabLst/>
+            </a:pPr>
+            <a:r>
+              <a:rPr kumimoji="0" lang="de-DE" altLang="de-DE" b="0" i="0" u="none" strike="noStrike" cap="none" normalizeH="0" baseline="0" dirty="0">
+                <a:ln>
+                  <a:noFill/>
+                </a:ln>
+                <a:solidFill>
+                  <a:srgbClr val="FFFFFF"/>
+                </a:solidFill>
+                <a:effectLst/>
+                <a:latin typeface="source-code-pro"/>
+              </a:rPr>
+              <a:t> 	</a:t>
+            </a:r>
+            <a:r>
+              <a:rPr kumimoji="0" lang="de-DE" altLang="de-DE" b="0" i="0" u="none" strike="noStrike" cap="none" normalizeH="0" baseline="0" dirty="0" err="1">
+                <a:ln>
+                  <a:noFill/>
+                </a:ln>
+                <a:solidFill>
+                  <a:srgbClr val="FFFFFF"/>
+                </a:solidFill>
+                <a:effectLst/>
+                <a:latin typeface="source-code-pro"/>
+              </a:rPr>
+              <a:t>area</a:t>
+            </a:r>
+            <a:r>
+              <a:rPr kumimoji="0" lang="de-DE" altLang="de-DE" b="0" i="0" u="none" strike="noStrike" cap="none" normalizeH="0" baseline="0" dirty="0">
+                <a:ln>
+                  <a:noFill/>
+                </a:ln>
+                <a:solidFill>
+                  <a:srgbClr val="FFFFFF"/>
+                </a:solidFill>
+                <a:effectLst/>
+                <a:latin typeface="source-code-pro"/>
+              </a:rPr>
+              <a:t> += </a:t>
+            </a:r>
+            <a:r>
+              <a:rPr kumimoji="0" lang="de-DE" altLang="de-DE" b="0" i="0" u="none" strike="noStrike" cap="none" normalizeH="0" baseline="0" dirty="0" err="1">
+                <a:ln>
+                  <a:noFill/>
+                </a:ln>
+                <a:solidFill>
+                  <a:srgbClr val="FFFFFF"/>
+                </a:solidFill>
+                <a:effectLst/>
+                <a:latin typeface="source-code-pro"/>
+              </a:rPr>
+              <a:t>shape.</a:t>
+            </a:r>
+            <a:r>
+              <a:rPr kumimoji="0" lang="de-DE" altLang="de-DE" b="0" i="0" u="none" strike="noStrike" cap="none" normalizeH="0" baseline="0" dirty="0" err="1">
+                <a:ln>
+                  <a:noFill/>
+                </a:ln>
+                <a:solidFill>
+                  <a:srgbClr val="89BDFF"/>
+                </a:solidFill>
+                <a:effectLst/>
+                <a:latin typeface="source-code-pro"/>
+              </a:rPr>
+              <a:t>Area</a:t>
+            </a:r>
+            <a:r>
+              <a:rPr kumimoji="0" lang="de-DE" altLang="de-DE" b="0" i="0" u="none" strike="noStrike" cap="none" normalizeH="0" baseline="0" dirty="0">
+                <a:ln>
+                  <a:noFill/>
+                </a:ln>
+                <a:solidFill>
+                  <a:srgbClr val="FFFFFF"/>
+                </a:solidFill>
+                <a:effectLst/>
+                <a:latin typeface="source-code-pro"/>
+              </a:rPr>
+              <a:t>(); </a:t>
+            </a:r>
+          </a:p>
+          <a:p>
+            <a:pPr marL="0" marR="0" lvl="0" indent="0" algn="l" defTabSz="914400" rtl="0" eaLnBrk="0" fontAlgn="base" latinLnBrk="0" hangingPunct="0">
+              <a:lnSpc>
+                <a:spcPct val="100000"/>
+              </a:lnSpc>
+              <a:spcBef>
+                <a:spcPct val="0"/>
+              </a:spcBef>
+              <a:spcAft>
+                <a:spcPct val="0"/>
+              </a:spcAft>
+              <a:buClrTx/>
+              <a:buSzTx/>
+              <a:buFontTx/>
+              <a:buNone/>
+              <a:tabLst/>
+            </a:pPr>
+            <a:r>
+              <a:rPr kumimoji="0" lang="de-DE" altLang="de-DE" b="0" i="0" u="none" strike="noStrike" cap="none" normalizeH="0" baseline="0" dirty="0">
+                <a:ln>
+                  <a:noFill/>
+                </a:ln>
+                <a:solidFill>
+                  <a:srgbClr val="FFFFFF"/>
+                </a:solidFill>
+                <a:effectLst/>
+                <a:latin typeface="source-code-pro"/>
+              </a:rPr>
+              <a:t>} </a:t>
+            </a:r>
+          </a:p>
+          <a:p>
+            <a:pPr marL="0" marR="0" lvl="0" indent="0" algn="l" defTabSz="914400" rtl="0" eaLnBrk="0" fontAlgn="base" latinLnBrk="0" hangingPunct="0">
+              <a:lnSpc>
+                <a:spcPct val="100000"/>
+              </a:lnSpc>
+              <a:spcBef>
+                <a:spcPct val="0"/>
+              </a:spcBef>
+              <a:spcAft>
+                <a:spcPct val="0"/>
+              </a:spcAft>
+              <a:buClrTx/>
+              <a:buSzTx/>
+              <a:buFontTx/>
+              <a:buNone/>
+              <a:tabLst/>
+            </a:pPr>
+            <a:r>
+              <a:rPr kumimoji="0" lang="de-DE" altLang="de-DE" b="0" i="0" u="none" strike="noStrike" cap="none" normalizeH="0" baseline="0" dirty="0" err="1">
+                <a:ln>
+                  <a:noFill/>
+                </a:ln>
+                <a:solidFill>
+                  <a:srgbClr val="E28964"/>
+                </a:solidFill>
+                <a:effectLst/>
+                <a:latin typeface="source-code-pro"/>
+              </a:rPr>
+              <a:t>return</a:t>
+            </a:r>
+            <a:r>
+              <a:rPr kumimoji="0" lang="de-DE" altLang="de-DE" b="0" i="0" u="none" strike="noStrike" cap="none" normalizeH="0" baseline="0" dirty="0">
+                <a:ln>
+                  <a:noFill/>
+                </a:ln>
+                <a:solidFill>
+                  <a:srgbClr val="FFFFFF"/>
+                </a:solidFill>
+                <a:effectLst/>
+                <a:latin typeface="source-code-pro"/>
+              </a:rPr>
+              <a:t> </a:t>
+            </a:r>
+            <a:r>
+              <a:rPr kumimoji="0" lang="de-DE" altLang="de-DE" b="0" i="0" u="none" strike="noStrike" cap="none" normalizeH="0" baseline="0" dirty="0" err="1">
+                <a:ln>
+                  <a:noFill/>
+                </a:ln>
+                <a:solidFill>
+                  <a:srgbClr val="FFFFFF"/>
+                </a:solidFill>
+                <a:effectLst/>
+                <a:latin typeface="source-code-pro"/>
+              </a:rPr>
+              <a:t>area</a:t>
+            </a:r>
+            <a:r>
+              <a:rPr kumimoji="0" lang="de-DE" altLang="de-DE" b="0" i="0" u="none" strike="noStrike" cap="none" normalizeH="0" baseline="0" dirty="0">
+                <a:ln>
+                  <a:noFill/>
+                </a:ln>
+                <a:solidFill>
+                  <a:srgbClr val="FFFFFF"/>
+                </a:solidFill>
+                <a:effectLst/>
+                <a:latin typeface="source-code-pro"/>
+              </a:rPr>
+              <a:t>;</a:t>
+            </a:r>
+          </a:p>
+          <a:p>
+            <a:pPr marL="0" marR="0" lvl="0" indent="0" algn="l" defTabSz="914400" rtl="0" eaLnBrk="0" fontAlgn="base" latinLnBrk="0" hangingPunct="0">
+              <a:lnSpc>
+                <a:spcPct val="100000"/>
+              </a:lnSpc>
+              <a:spcBef>
+                <a:spcPct val="0"/>
+              </a:spcBef>
+              <a:spcAft>
+                <a:spcPct val="0"/>
+              </a:spcAft>
+              <a:buClrTx/>
+              <a:buSzTx/>
+              <a:buFontTx/>
+              <a:buNone/>
+              <a:tabLst/>
+            </a:pPr>
+            <a:r>
+              <a:rPr kumimoji="0" lang="de-DE" altLang="de-DE" b="0" i="0" u="none" strike="noStrike" cap="none" normalizeH="0" baseline="0" dirty="0">
+                <a:ln>
+                  <a:noFill/>
+                </a:ln>
+                <a:solidFill>
+                  <a:srgbClr val="FFFFFF"/>
+                </a:solidFill>
+                <a:effectLst/>
+                <a:latin typeface="source-code-pro"/>
+              </a:rPr>
+              <a:t> }</a:t>
+            </a:r>
+            <a:r>
+              <a:rPr kumimoji="0" lang="de-DE" altLang="de-DE" b="0" i="0" u="none" strike="noStrike" cap="none" normalizeH="0" baseline="0" dirty="0">
+                <a:ln>
+                  <a:noFill/>
+                </a:ln>
+                <a:solidFill>
+                  <a:schemeClr val="tx1"/>
+                </a:solidFill>
+                <a:effectLst/>
+              </a:rPr>
+              <a:t> </a:t>
+            </a:r>
+            <a:endParaRPr kumimoji="0" lang="de-DE" altLang="de-DE" b="0" i="0" u="none" strike="noStrike" cap="none" normalizeH="0" baseline="0" dirty="0">
+              <a:ln>
+                <a:noFill/>
+              </a:ln>
+              <a:solidFill>
+                <a:schemeClr val="tx1"/>
+              </a:solidFill>
+              <a:effectLst/>
+              <a:latin typeface="Arial" panose="020B0604020202020204" pitchFamily="34" charset="0"/>
+            </a:endParaRPr>
           </a:p>
         </p:txBody>
       </p:sp>
     </p:spTree>
     <p:extLst>
       <p:ext uri="{BB962C8B-B14F-4D97-AF65-F5344CB8AC3E}">
-        <p14:creationId xmlns:p14="http://schemas.microsoft.com/office/powerpoint/2010/main" val="4100777447"/>
+        <p14:creationId xmlns:p14="http://schemas.microsoft.com/office/powerpoint/2010/main" val="3624779469"/>
       </p:ext>
     </p:extLst>
   </p:cSld>
